--- a/working_doc/Test_EEpal_v1_1_merged.pptx
+++ b/working_doc/Test_EEpal_v1_1_merged.pptx
@@ -8,9 +8,13 @@
     <p:sldId id="256" r:id="rId2"/>
     <p:sldId id="257" r:id="rId3"/>
     <p:sldId id="260" r:id="rId4"/>
-    <p:sldId id="261" r:id="rId5"/>
-    <p:sldId id="258" r:id="rId6"/>
-    <p:sldId id="259" r:id="rId7"/>
+    <p:sldId id="262" r:id="rId5"/>
+    <p:sldId id="261" r:id="rId6"/>
+    <p:sldId id="258" r:id="rId7"/>
+    <p:sldId id="263" r:id="rId8"/>
+    <p:sldId id="265" r:id="rId9"/>
+    <p:sldId id="264" r:id="rId10"/>
+    <p:sldId id="259" r:id="rId11"/>
   </p:sldIdLst>
   <p:sldSz cx="12192000" cy="6858000"/>
   <p:notesSz cx="6858000" cy="9144000"/>
@@ -109,6 +113,33 @@
       </a:defRPr>
     </a:lvl9pPr>
   </p:defaultTextStyle>
+  <p:extLst>
+    <p:ext uri="{521415D9-36F7-43E2-AB2F-B90AF26B5E84}">
+      <p14:sectionLst xmlns:p14="http://schemas.microsoft.com/office/powerpoint/2010/main">
+        <p14:section name="Section par défaut" id="{2917CFB4-C9A8-40A4-8A4E-76B40679059C}">
+          <p14:sldIdLst>
+            <p14:sldId id="256"/>
+            <p14:sldId id="257"/>
+            <p14:sldId id="260"/>
+          </p14:sldIdLst>
+        </p14:section>
+        <p14:section name="ICA" id="{D600983B-4583-4E54-8BF7-EA13BEBA8A69}">
+          <p14:sldIdLst>
+            <p14:sldId id="262"/>
+            <p14:sldId id="261"/>
+            <p14:sldId id="258"/>
+            <p14:sldId id="263"/>
+            <p14:sldId id="265"/>
+            <p14:sldId id="264"/>
+            <p14:sldId id="259"/>
+          </p14:sldIdLst>
+        </p14:section>
+      </p14:sectionLst>
+    </p:ext>
+    <p:ext uri="{EFAFB233-063F-42B5-8137-9DF3F51BA10A}">
+      <p15:sldGuideLst xmlns:p15="http://schemas.microsoft.com/office/powerpoint/2012/main"/>
+    </p:ext>
+  </p:extLst>
 </p:presentation>
 </file>
 
@@ -259,7 +290,7 @@
           <a:p>
             <a:fld id="{40E3AD8D-9EE1-4D90-966E-35891E300468}" type="datetimeFigureOut">
               <a:rPr lang="en-US" smtClean="0"/>
-              <a:t>5/3/2024</a:t>
+              <a:t>5/4/2024</a:t>
             </a:fld>
             <a:endParaRPr lang="en-US"/>
           </a:p>
@@ -313,7 +344,7 @@
           <a:p>
             <a:fld id="{EE8A93FE-3EF6-4533-9B71-B9F2A4627C7A}" type="slidenum">
               <a:rPr lang="en-US" smtClean="0"/>
-              <a:t>‹#›</a:t>
+              <a:t>‹N°›</a:t>
             </a:fld>
             <a:endParaRPr lang="en-US"/>
           </a:p>
@@ -457,7 +488,7 @@
           <a:p>
             <a:fld id="{40E3AD8D-9EE1-4D90-966E-35891E300468}" type="datetimeFigureOut">
               <a:rPr lang="en-US" smtClean="0"/>
-              <a:t>5/3/2024</a:t>
+              <a:t>5/4/2024</a:t>
             </a:fld>
             <a:endParaRPr lang="en-US"/>
           </a:p>
@@ -511,7 +542,7 @@
           <a:p>
             <a:fld id="{EE8A93FE-3EF6-4533-9B71-B9F2A4627C7A}" type="slidenum">
               <a:rPr lang="en-US" smtClean="0"/>
-              <a:t>‹#›</a:t>
+              <a:t>‹N°›</a:t>
             </a:fld>
             <a:endParaRPr lang="en-US"/>
           </a:p>
@@ -665,7 +696,7 @@
           <a:p>
             <a:fld id="{40E3AD8D-9EE1-4D90-966E-35891E300468}" type="datetimeFigureOut">
               <a:rPr lang="en-US" smtClean="0"/>
-              <a:t>5/3/2024</a:t>
+              <a:t>5/4/2024</a:t>
             </a:fld>
             <a:endParaRPr lang="en-US"/>
           </a:p>
@@ -719,7 +750,7 @@
           <a:p>
             <a:fld id="{EE8A93FE-3EF6-4533-9B71-B9F2A4627C7A}" type="slidenum">
               <a:rPr lang="en-US" smtClean="0"/>
-              <a:t>‹#›</a:t>
+              <a:t>‹N°›</a:t>
             </a:fld>
             <a:endParaRPr lang="en-US"/>
           </a:p>
@@ -863,7 +894,7 @@
           <a:p>
             <a:fld id="{40E3AD8D-9EE1-4D90-966E-35891E300468}" type="datetimeFigureOut">
               <a:rPr lang="en-US" smtClean="0"/>
-              <a:t>5/3/2024</a:t>
+              <a:t>5/4/2024</a:t>
             </a:fld>
             <a:endParaRPr lang="en-US"/>
           </a:p>
@@ -917,7 +948,7 @@
           <a:p>
             <a:fld id="{EE8A93FE-3EF6-4533-9B71-B9F2A4627C7A}" type="slidenum">
               <a:rPr lang="en-US" smtClean="0"/>
-              <a:t>‹#›</a:t>
+              <a:t>‹N°›</a:t>
             </a:fld>
             <a:endParaRPr lang="en-US"/>
           </a:p>
@@ -1138,7 +1169,7 @@
           <a:p>
             <a:fld id="{40E3AD8D-9EE1-4D90-966E-35891E300468}" type="datetimeFigureOut">
               <a:rPr lang="en-US" smtClean="0"/>
-              <a:t>5/3/2024</a:t>
+              <a:t>5/4/2024</a:t>
             </a:fld>
             <a:endParaRPr lang="en-US"/>
           </a:p>
@@ -1192,7 +1223,7 @@
           <a:p>
             <a:fld id="{EE8A93FE-3EF6-4533-9B71-B9F2A4627C7A}" type="slidenum">
               <a:rPr lang="en-US" smtClean="0"/>
-              <a:t>‹#›</a:t>
+              <a:t>‹N°›</a:t>
             </a:fld>
             <a:endParaRPr lang="en-US"/>
           </a:p>
@@ -1403,7 +1434,7 @@
           <a:p>
             <a:fld id="{40E3AD8D-9EE1-4D90-966E-35891E300468}" type="datetimeFigureOut">
               <a:rPr lang="en-US" smtClean="0"/>
-              <a:t>5/3/2024</a:t>
+              <a:t>5/4/2024</a:t>
             </a:fld>
             <a:endParaRPr lang="en-US"/>
           </a:p>
@@ -1457,7 +1488,7 @@
           <a:p>
             <a:fld id="{EE8A93FE-3EF6-4533-9B71-B9F2A4627C7A}" type="slidenum">
               <a:rPr lang="en-US" smtClean="0"/>
-              <a:t>‹#›</a:t>
+              <a:t>‹N°›</a:t>
             </a:fld>
             <a:endParaRPr lang="en-US"/>
           </a:p>
@@ -1815,7 +1846,7 @@
           <a:p>
             <a:fld id="{40E3AD8D-9EE1-4D90-966E-35891E300468}" type="datetimeFigureOut">
               <a:rPr lang="en-US" smtClean="0"/>
-              <a:t>5/3/2024</a:t>
+              <a:t>5/4/2024</a:t>
             </a:fld>
             <a:endParaRPr lang="en-US"/>
           </a:p>
@@ -1869,7 +1900,7 @@
           <a:p>
             <a:fld id="{EE8A93FE-3EF6-4533-9B71-B9F2A4627C7A}" type="slidenum">
               <a:rPr lang="en-US" smtClean="0"/>
-              <a:t>‹#›</a:t>
+              <a:t>‹N°›</a:t>
             </a:fld>
             <a:endParaRPr lang="en-US"/>
           </a:p>
@@ -1956,7 +1987,7 @@
           <a:p>
             <a:fld id="{40E3AD8D-9EE1-4D90-966E-35891E300468}" type="datetimeFigureOut">
               <a:rPr lang="en-US" smtClean="0"/>
-              <a:t>5/3/2024</a:t>
+              <a:t>5/4/2024</a:t>
             </a:fld>
             <a:endParaRPr lang="en-US"/>
           </a:p>
@@ -2010,7 +2041,7 @@
           <a:p>
             <a:fld id="{EE8A93FE-3EF6-4533-9B71-B9F2A4627C7A}" type="slidenum">
               <a:rPr lang="en-US" smtClean="0"/>
-              <a:t>‹#›</a:t>
+              <a:t>‹N°›</a:t>
             </a:fld>
             <a:endParaRPr lang="en-US"/>
           </a:p>
@@ -2069,7 +2100,7 @@
           <a:p>
             <a:fld id="{40E3AD8D-9EE1-4D90-966E-35891E300468}" type="datetimeFigureOut">
               <a:rPr lang="en-US" smtClean="0"/>
-              <a:t>5/3/2024</a:t>
+              <a:t>5/4/2024</a:t>
             </a:fld>
             <a:endParaRPr lang="en-US"/>
           </a:p>
@@ -2123,7 +2154,7 @@
           <a:p>
             <a:fld id="{EE8A93FE-3EF6-4533-9B71-B9F2A4627C7A}" type="slidenum">
               <a:rPr lang="en-US" smtClean="0"/>
-              <a:t>‹#›</a:t>
+              <a:t>‹N°›</a:t>
             </a:fld>
             <a:endParaRPr lang="en-US"/>
           </a:p>
@@ -2380,7 +2411,7 @@
           <a:p>
             <a:fld id="{40E3AD8D-9EE1-4D90-966E-35891E300468}" type="datetimeFigureOut">
               <a:rPr lang="en-US" smtClean="0"/>
-              <a:t>5/3/2024</a:t>
+              <a:t>5/4/2024</a:t>
             </a:fld>
             <a:endParaRPr lang="en-US"/>
           </a:p>
@@ -2434,7 +2465,7 @@
           <a:p>
             <a:fld id="{EE8A93FE-3EF6-4533-9B71-B9F2A4627C7A}" type="slidenum">
               <a:rPr lang="en-US" smtClean="0"/>
-              <a:t>‹#›</a:t>
+              <a:t>‹N°›</a:t>
             </a:fld>
             <a:endParaRPr lang="en-US"/>
           </a:p>
@@ -2668,7 +2699,7 @@
           <a:p>
             <a:fld id="{40E3AD8D-9EE1-4D90-966E-35891E300468}" type="datetimeFigureOut">
               <a:rPr lang="en-US" smtClean="0"/>
-              <a:t>5/3/2024</a:t>
+              <a:t>5/4/2024</a:t>
             </a:fld>
             <a:endParaRPr lang="en-US"/>
           </a:p>
@@ -2722,7 +2753,7 @@
           <a:p>
             <a:fld id="{EE8A93FE-3EF6-4533-9B71-B9F2A4627C7A}" type="slidenum">
               <a:rPr lang="en-US" smtClean="0"/>
-              <a:t>‹#›</a:t>
+              <a:t>‹N°›</a:t>
             </a:fld>
             <a:endParaRPr lang="en-US"/>
           </a:p>
@@ -2909,7 +2940,7 @@
           <a:p>
             <a:fld id="{40E3AD8D-9EE1-4D90-966E-35891E300468}" type="datetimeFigureOut">
               <a:rPr lang="en-US" smtClean="0"/>
-              <a:t>5/3/2024</a:t>
+              <a:t>5/4/2024</a:t>
             </a:fld>
             <a:endParaRPr lang="en-US"/>
           </a:p>
@@ -2999,7 +3030,7 @@
           <a:p>
             <a:fld id="{EE8A93FE-3EF6-4533-9B71-B9F2A4627C7A}" type="slidenum">
               <a:rPr lang="en-US" smtClean="0"/>
-              <a:t>‹#›</a:t>
+              <a:t>‹N°›</a:t>
             </a:fld>
             <a:endParaRPr lang="en-US"/>
           </a:p>
@@ -3432,6 +3463,211 @@
 </p:sld>
 </file>
 
+<file path=ppt/slides/slide10.xml><?xml version="1.0" encoding="utf-8"?>
+<p:sld xmlns:a="http://schemas.openxmlformats.org/drawingml/2006/main" xmlns:r="http://schemas.openxmlformats.org/officeDocument/2006/relationships" xmlns:p="http://schemas.openxmlformats.org/presentationml/2006/main">
+  <p:cSld>
+    <p:spTree>
+      <p:nvGrpSpPr>
+        <p:cNvPr id="1" name=""/>
+        <p:cNvGrpSpPr/>
+        <p:nvPr/>
+      </p:nvGrpSpPr>
+      <p:grpSpPr>
+        <a:xfrm>
+          <a:off x="0" y="0"/>
+          <a:ext cx="0" cy="0"/>
+          <a:chOff x="0" y="0"/>
+          <a:chExt cx="0" cy="0"/>
+        </a:xfrm>
+      </p:grpSpPr>
+      <p:sp>
+        <p:nvSpPr>
+          <p:cNvPr id="4" name="TextBox 3">
+            <a:extLst>
+              <a:ext uri="{FF2B5EF4-FFF2-40B4-BE49-F238E27FC236}">
+                <a16:creationId xmlns:a16="http://schemas.microsoft.com/office/drawing/2014/main" id="{DF02C507-8D92-7E48-E32E-1B1C82A11829}"/>
+              </a:ext>
+            </a:extLst>
+          </p:cNvPr>
+          <p:cNvSpPr txBox="1"/>
+          <p:nvPr/>
+        </p:nvSpPr>
+        <p:spPr>
+          <a:xfrm>
+            <a:off x="267855" y="360218"/>
+            <a:ext cx="11506223" cy="923330"/>
+          </a:xfrm>
+          <a:prstGeom prst="rect">
+            <a:avLst/>
+          </a:prstGeom>
+          <a:noFill/>
+        </p:spPr>
+        <p:txBody>
+          <a:bodyPr wrap="square" rtlCol="0">
+            <a:spAutoFit/>
+          </a:bodyPr>
+          <a:lstStyle/>
+          <a:p>
+            <a:r>
+              <a:rPr lang="en-US" dirty="0" err="1"/>
+              <a:t>Autre</a:t>
+            </a:r>
+            <a:r>
+              <a:rPr lang="en-US" dirty="0"/>
+              <a:t> test</a:t>
+            </a:r>
+          </a:p>
+          <a:p>
+            <a:r>
+              <a:rPr lang="en-US" dirty="0"/>
+              <a:t>- </a:t>
+            </a:r>
+            <a:r>
+              <a:rPr lang="en-US" dirty="0" err="1"/>
+              <a:t>Ftest</a:t>
+            </a:r>
+            <a:r>
+              <a:rPr lang="en-US" dirty="0"/>
+              <a:t> de </a:t>
+            </a:r>
+            <a:r>
+              <a:rPr lang="en-US" dirty="0" err="1"/>
+              <a:t>l’adaptation</a:t>
+            </a:r>
+            <a:r>
+              <a:rPr lang="en-US" dirty="0"/>
+              <a:t> de la position des event </a:t>
+            </a:r>
+            <a:r>
+              <a:rPr lang="en-US" dirty="0" err="1"/>
+              <a:t>lorsqu’on</a:t>
+            </a:r>
+            <a:r>
+              <a:rPr lang="en-US" dirty="0"/>
+              <a:t> </a:t>
+            </a:r>
+            <a:r>
+              <a:rPr lang="en-US" dirty="0" err="1"/>
+              <a:t>modifie</a:t>
+            </a:r>
+            <a:r>
+              <a:rPr lang="en-US" dirty="0"/>
+              <a:t> le sampling rate dans le module Filtering+ : </a:t>
+            </a:r>
+            <a:r>
+              <a:rPr lang="en-US" dirty="0" err="1">
+                <a:solidFill>
+                  <a:srgbClr val="00B050"/>
+                </a:solidFill>
+              </a:rPr>
+              <a:t>ça</a:t>
+            </a:r>
+            <a:r>
+              <a:rPr lang="en-US" dirty="0">
+                <a:solidFill>
+                  <a:srgbClr val="00B050"/>
+                </a:solidFill>
+              </a:rPr>
+              <a:t> </a:t>
+            </a:r>
+            <a:r>
+              <a:rPr lang="en-US" dirty="0" err="1">
+                <a:solidFill>
+                  <a:srgbClr val="00B050"/>
+                </a:solidFill>
+              </a:rPr>
+              <a:t>marche</a:t>
+            </a:r>
+            <a:r>
+              <a:rPr lang="en-US" dirty="0"/>
+              <a:t>, il fait un </a:t>
+            </a:r>
+            <a:r>
+              <a:rPr lang="en-US" dirty="0" err="1"/>
+              <a:t>arroudi</a:t>
+            </a:r>
+            <a:r>
+              <a:rPr lang="en-US" dirty="0"/>
+              <a:t> </a:t>
+            </a:r>
+            <a:r>
+              <a:rPr lang="en-US" dirty="0" err="1"/>
+              <a:t>supérieur</a:t>
+            </a:r>
+            <a:r>
+              <a:rPr lang="en-US" dirty="0"/>
+              <a:t> (</a:t>
+            </a:r>
+            <a:r>
+              <a:rPr lang="en-US" dirty="0" err="1"/>
+              <a:t>exemple</a:t>
+            </a:r>
+            <a:r>
+              <a:rPr lang="en-US" dirty="0"/>
+              <a:t> </a:t>
+            </a:r>
+            <a:r>
+              <a:rPr lang="en-US" dirty="0" err="1"/>
+              <a:t>si</a:t>
+            </a:r>
+            <a:r>
+              <a:rPr lang="en-US" dirty="0"/>
+              <a:t> dessous passage de 2048 à 512 (</a:t>
+            </a:r>
+            <a:r>
+              <a:rPr lang="en-US" dirty="0" err="1"/>
+              <a:t>donc</a:t>
+            </a:r>
+            <a:r>
+              <a:rPr lang="en-US" dirty="0"/>
+              <a:t> division par 4))</a:t>
+            </a:r>
+          </a:p>
+        </p:txBody>
+      </p:sp>
+      <p:pic>
+        <p:nvPicPr>
+          <p:cNvPr id="6" name="Picture 5">
+            <a:extLst>
+              <a:ext uri="{FF2B5EF4-FFF2-40B4-BE49-F238E27FC236}">
+                <a16:creationId xmlns:a16="http://schemas.microsoft.com/office/drawing/2014/main" id="{B4F13C37-C15C-554C-3D3D-AAE7D6B7F947}"/>
+              </a:ext>
+            </a:extLst>
+          </p:cNvPr>
+          <p:cNvPicPr>
+            <a:picLocks noChangeAspect="1"/>
+          </p:cNvPicPr>
+          <p:nvPr/>
+        </p:nvPicPr>
+        <p:blipFill>
+          <a:blip r:embed="rId2"/>
+          <a:stretch>
+            <a:fillRect/>
+          </a:stretch>
+        </p:blipFill>
+        <p:spPr>
+          <a:xfrm>
+            <a:off x="417922" y="1283548"/>
+            <a:ext cx="1825883" cy="1525326"/>
+          </a:xfrm>
+          <a:prstGeom prst="rect">
+            <a:avLst/>
+          </a:prstGeom>
+        </p:spPr>
+      </p:pic>
+    </p:spTree>
+    <p:extLst>
+      <p:ext uri="{BB962C8B-B14F-4D97-AF65-F5344CB8AC3E}">
+        <p14:creationId xmlns:p14="http://schemas.microsoft.com/office/powerpoint/2010/main" val="3094821224"/>
+      </p:ext>
+    </p:extLst>
+  </p:cSld>
+  <p:clrMapOvr>
+    <a:masterClrMapping/>
+  </p:clrMapOvr>
+</p:sld>
+</file>
+
 <file path=ppt/slides/slide2.xml><?xml version="1.0" encoding="utf-8"?>
 <p:sld xmlns:a="http://schemas.openxmlformats.org/drawingml/2006/main" xmlns:r="http://schemas.openxmlformats.org/officeDocument/2006/relationships" xmlns:p="http://schemas.openxmlformats.org/presentationml/2006/main">
   <p:cSld>
@@ -4801,278 +5037,42 @@
       </p:grpSpPr>
       <p:sp>
         <p:nvSpPr>
-          <p:cNvPr id="4" name="TextBox 3">
-            <a:extLst>
-              <a:ext uri="{FF2B5EF4-FFF2-40B4-BE49-F238E27FC236}">
-                <a16:creationId xmlns:a16="http://schemas.microsoft.com/office/drawing/2014/main" id="{40687D6A-83CD-48E6-C1DE-81D961D729D4}"/>
-              </a:ext>
-            </a:extLst>
-          </p:cNvPr>
-          <p:cNvSpPr txBox="1"/>
-          <p:nvPr/>
+          <p:cNvPr id="2" name="Titre 1">
+            <a:extLst>
+              <a:ext uri="{FF2B5EF4-FFF2-40B4-BE49-F238E27FC236}">
+                <a16:creationId xmlns:a16="http://schemas.microsoft.com/office/drawing/2014/main" id="{0EDA35E3-4BDD-7C15-0EFF-E7A08D826412}"/>
+              </a:ext>
+            </a:extLst>
+          </p:cNvPr>
+          <p:cNvSpPr>
+            <a:spLocks noGrp="1"/>
+          </p:cNvSpPr>
+          <p:nvPr>
+            <p:ph type="title"/>
+          </p:nvPr>
         </p:nvSpPr>
         <p:spPr>
           <a:xfrm>
-            <a:off x="203200" y="120073"/>
-            <a:ext cx="923010" cy="369332"/>
+            <a:off x="838200" y="2222500"/>
+            <a:ext cx="10515600" cy="1325563"/>
           </a:xfrm>
-          <a:prstGeom prst="rect">
-            <a:avLst/>
-          </a:prstGeom>
-          <a:noFill/>
         </p:spPr>
         <p:txBody>
-          <a:bodyPr wrap="none" rtlCol="0">
-            <a:spAutoFit/>
-          </a:bodyPr>
-          <a:lstStyle/>
-          <a:p>
-            <a:r>
-              <a:rPr lang="en-US" dirty="0"/>
-              <a:t>Test ICA</a:t>
-            </a:r>
-          </a:p>
-        </p:txBody>
-      </p:sp>
-      <p:pic>
-        <p:nvPicPr>
-          <p:cNvPr id="6" name="Picture 5">
-            <a:extLst>
-              <a:ext uri="{FF2B5EF4-FFF2-40B4-BE49-F238E27FC236}">
-                <a16:creationId xmlns:a16="http://schemas.microsoft.com/office/drawing/2014/main" id="{170924C6-8F4D-B41A-CCB1-F332B6603863}"/>
-              </a:ext>
-            </a:extLst>
-          </p:cNvPr>
-          <p:cNvPicPr>
-            <a:picLocks noChangeAspect="1"/>
-          </p:cNvPicPr>
-          <p:nvPr/>
-        </p:nvPicPr>
-        <p:blipFill>
-          <a:blip r:embed="rId2"/>
-          <a:stretch>
-            <a:fillRect/>
-          </a:stretch>
-        </p:blipFill>
-        <p:spPr>
-          <a:xfrm>
-            <a:off x="760268" y="629950"/>
-            <a:ext cx="3575502" cy="3193906"/>
-          </a:xfrm>
-          <a:prstGeom prst="rect">
-            <a:avLst/>
-          </a:prstGeom>
-        </p:spPr>
-      </p:pic>
-      <p:sp>
-        <p:nvSpPr>
-          <p:cNvPr id="7" name="TextBox 6">
-            <a:extLst>
-              <a:ext uri="{FF2B5EF4-FFF2-40B4-BE49-F238E27FC236}">
-                <a16:creationId xmlns:a16="http://schemas.microsoft.com/office/drawing/2014/main" id="{1EB23736-A76C-D526-8059-7621B9051A1C}"/>
-              </a:ext>
-            </a:extLst>
-          </p:cNvPr>
-          <p:cNvSpPr txBox="1"/>
-          <p:nvPr/>
-        </p:nvSpPr>
-        <p:spPr>
-          <a:xfrm>
-            <a:off x="594311" y="3964401"/>
-            <a:ext cx="3907416" cy="369332"/>
-          </a:xfrm>
-          <a:prstGeom prst="rect">
-            <a:avLst/>
-          </a:prstGeom>
-          <a:noFill/>
-        </p:spPr>
-        <p:txBody>
-          <a:bodyPr wrap="none" rtlCol="0">
-            <a:spAutoFit/>
-          </a:bodyPr>
-          <a:lstStyle/>
-          <a:p>
-            <a:r>
-              <a:rPr lang="en-US" dirty="0"/>
-              <a:t>ICA avec le </a:t>
-            </a:r>
-            <a:r>
-              <a:rPr lang="en-US" dirty="0" err="1"/>
-              <a:t>fichier</a:t>
-            </a:r>
-            <a:r>
-              <a:rPr lang="en-US" dirty="0"/>
-              <a:t> de </a:t>
-            </a:r>
-            <a:r>
-              <a:rPr lang="en-US" dirty="0" err="1"/>
-              <a:t>coordonné</a:t>
-            </a:r>
-            <a:r>
-              <a:rPr lang="en-US" dirty="0"/>
-              <a:t> </a:t>
-            </a:r>
-            <a:r>
-              <a:rPr lang="en-US" dirty="0" err="1"/>
-              <a:t>EEGlab</a:t>
-            </a:r>
-            <a:endParaRPr lang="en-US" dirty="0"/>
-          </a:p>
-        </p:txBody>
-      </p:sp>
-      <p:sp>
-        <p:nvSpPr>
-          <p:cNvPr id="8" name="TextBox 7">
-            <a:extLst>
-              <a:ext uri="{FF2B5EF4-FFF2-40B4-BE49-F238E27FC236}">
-                <a16:creationId xmlns:a16="http://schemas.microsoft.com/office/drawing/2014/main" id="{D207765F-E084-D7C4-ED5A-F1962F20847D}"/>
-              </a:ext>
-            </a:extLst>
-          </p:cNvPr>
-          <p:cNvSpPr txBox="1"/>
-          <p:nvPr/>
-        </p:nvSpPr>
-        <p:spPr>
-          <a:xfrm>
-            <a:off x="6246965" y="3964401"/>
-            <a:ext cx="3966599" cy="369332"/>
-          </a:xfrm>
-          <a:prstGeom prst="rect">
-            <a:avLst/>
-          </a:prstGeom>
-          <a:noFill/>
-        </p:spPr>
-        <p:txBody>
-          <a:bodyPr wrap="none" rtlCol="0">
-            <a:spAutoFit/>
-          </a:bodyPr>
-          <a:lstStyle/>
-          <a:p>
-            <a:r>
-              <a:rPr lang="en-US" dirty="0"/>
-              <a:t>ICA avec les </a:t>
-            </a:r>
-            <a:r>
-              <a:rPr lang="en-US" dirty="0" err="1"/>
-              <a:t>coordonné</a:t>
-            </a:r>
-            <a:r>
-              <a:rPr lang="en-US" dirty="0"/>
-              <a:t> </a:t>
-            </a:r>
-            <a:r>
-              <a:rPr lang="en-US" dirty="0" err="1"/>
-              <a:t>inclu</a:t>
-            </a:r>
-            <a:r>
-              <a:rPr lang="en-US" dirty="0"/>
-              <a:t> dans le .set</a:t>
-            </a:r>
-          </a:p>
-        </p:txBody>
-      </p:sp>
-      <p:pic>
-        <p:nvPicPr>
-          <p:cNvPr id="10" name="Picture 9">
-            <a:extLst>
-              <a:ext uri="{FF2B5EF4-FFF2-40B4-BE49-F238E27FC236}">
-                <a16:creationId xmlns:a16="http://schemas.microsoft.com/office/drawing/2014/main" id="{2DA031C1-8B46-EE78-A3AD-2277EA05391A}"/>
-              </a:ext>
-            </a:extLst>
-          </p:cNvPr>
-          <p:cNvPicPr>
-            <a:picLocks noChangeAspect="1"/>
-          </p:cNvPicPr>
-          <p:nvPr/>
-        </p:nvPicPr>
-        <p:blipFill>
-          <a:blip r:embed="rId3"/>
-          <a:stretch>
-            <a:fillRect/>
-          </a:stretch>
-        </p:blipFill>
-        <p:spPr>
-          <a:xfrm>
-            <a:off x="344633" y="5410958"/>
-            <a:ext cx="3575502" cy="817092"/>
-          </a:xfrm>
-          <a:prstGeom prst="rect">
-            <a:avLst/>
-          </a:prstGeom>
-        </p:spPr>
-      </p:pic>
-      <p:sp>
-        <p:nvSpPr>
-          <p:cNvPr id="11" name="TextBox 10">
-            <a:extLst>
-              <a:ext uri="{FF2B5EF4-FFF2-40B4-BE49-F238E27FC236}">
-                <a16:creationId xmlns:a16="http://schemas.microsoft.com/office/drawing/2014/main" id="{56C217A0-6F33-1FF1-B2D6-4DF5A46FA5B3}"/>
-              </a:ext>
-            </a:extLst>
-          </p:cNvPr>
-          <p:cNvSpPr txBox="1"/>
-          <p:nvPr/>
-        </p:nvSpPr>
-        <p:spPr>
-          <a:xfrm>
-            <a:off x="760268" y="5041626"/>
-            <a:ext cx="3050579" cy="369332"/>
-          </a:xfrm>
-          <a:prstGeom prst="rect">
-            <a:avLst/>
-          </a:prstGeom>
-          <a:noFill/>
-        </p:spPr>
-        <p:txBody>
-          <a:bodyPr wrap="none" rtlCol="0">
-            <a:spAutoFit/>
-          </a:bodyPr>
-          <a:lstStyle/>
-          <a:p>
-            <a:r>
-              <a:rPr lang="en-US" dirty="0">
-                <a:solidFill>
-                  <a:srgbClr val="00B050"/>
-                </a:solidFill>
-              </a:rPr>
-              <a:t>Les trigger </a:t>
-            </a:r>
-            <a:r>
-              <a:rPr lang="en-US" dirty="0" err="1">
-                <a:solidFill>
-                  <a:srgbClr val="00B050"/>
-                </a:solidFill>
-              </a:rPr>
-              <a:t>sont</a:t>
-            </a:r>
-            <a:r>
-              <a:rPr lang="en-US" dirty="0">
-                <a:solidFill>
-                  <a:srgbClr val="00B050"/>
-                </a:solidFill>
-              </a:rPr>
-              <a:t> très bien </a:t>
-            </a:r>
-            <a:r>
-              <a:rPr lang="en-US" dirty="0" err="1">
-                <a:solidFill>
-                  <a:srgbClr val="00B050"/>
-                </a:solidFill>
-              </a:rPr>
-              <a:t>gérés</a:t>
-            </a:r>
-            <a:endParaRPr lang="en-US" dirty="0">
-              <a:solidFill>
-                <a:srgbClr val="00B050"/>
-              </a:solidFill>
-            </a:endParaRPr>
+          <a:bodyPr/>
+          <a:lstStyle/>
+          <a:p>
+            <a:r>
+              <a:rPr lang="fr-FR" dirty="0"/>
+              <a:t>Travail sur l’ICA et l’orientation des coordonné </a:t>
+            </a:r>
+            <a:endParaRPr lang="fr-CH" dirty="0"/>
           </a:p>
         </p:txBody>
       </p:sp>
     </p:spTree>
     <p:extLst>
       <p:ext uri="{BB962C8B-B14F-4D97-AF65-F5344CB8AC3E}">
-        <p14:creationId xmlns:p14="http://schemas.microsoft.com/office/powerpoint/2010/main" val="2622517280"/>
+        <p14:creationId xmlns:p14="http://schemas.microsoft.com/office/powerpoint/2010/main" val="1691132355"/>
       </p:ext>
     </p:extLst>
   </p:cSld>
@@ -5104,7 +5104,7 @@
           <p:cNvPr id="4" name="TextBox 3">
             <a:extLst>
               <a:ext uri="{FF2B5EF4-FFF2-40B4-BE49-F238E27FC236}">
-                <a16:creationId xmlns:a16="http://schemas.microsoft.com/office/drawing/2014/main" id="{BBE5CAF4-3DF5-F8A6-9117-04B88128908C}"/>
+                <a16:creationId xmlns:a16="http://schemas.microsoft.com/office/drawing/2014/main" id="{40687D6A-83CD-48E6-C1DE-81D961D729D4}"/>
               </a:ext>
             </a:extLst>
           </p:cNvPr>
@@ -5113,8 +5113,8 @@
         </p:nvSpPr>
         <p:spPr>
           <a:xfrm>
-            <a:off x="147781" y="203200"/>
-            <a:ext cx="8768426" cy="369332"/>
+            <a:off x="203200" y="120073"/>
+            <a:ext cx="923010" cy="369332"/>
           </a:xfrm>
           <a:prstGeom prst="rect">
             <a:avLst/>
@@ -5129,33 +5129,17 @@
           <a:p>
             <a:r>
               <a:rPr lang="en-US" dirty="0"/>
-              <a:t>Test channel location de .set avec les correction </a:t>
-            </a:r>
-            <a:r>
-              <a:rPr lang="en-US" dirty="0" err="1"/>
-              <a:t>effectué</a:t>
-            </a:r>
-            <a:r>
-              <a:rPr lang="en-US" dirty="0"/>
-              <a:t> par MD. </a:t>
-            </a:r>
-            <a:r>
-              <a:rPr lang="en-US" dirty="0" err="1"/>
-              <a:t>Visualisation</a:t>
-            </a:r>
-            <a:r>
-              <a:rPr lang="en-US" dirty="0"/>
-              <a:t> dans EEG lab</a:t>
+              <a:t>Test ICA</a:t>
             </a:r>
           </a:p>
         </p:txBody>
       </p:sp>
       <p:pic>
         <p:nvPicPr>
-          <p:cNvPr id="8" name="Picture 7">
-            <a:extLst>
-              <a:ext uri="{FF2B5EF4-FFF2-40B4-BE49-F238E27FC236}">
-                <a16:creationId xmlns:a16="http://schemas.microsoft.com/office/drawing/2014/main" id="{12270E97-6987-671A-9AA3-6024B9870430}"/>
+          <p:cNvPr id="6" name="Picture 5">
+            <a:extLst>
+              <a:ext uri="{FF2B5EF4-FFF2-40B4-BE49-F238E27FC236}">
+                <a16:creationId xmlns:a16="http://schemas.microsoft.com/office/drawing/2014/main" id="{170924C6-8F4D-B41A-CCB1-F332B6603863}"/>
               </a:ext>
             </a:extLst>
           </p:cNvPr>
@@ -5172,8 +5156,8 @@
         </p:blipFill>
         <p:spPr>
           <a:xfrm>
-            <a:off x="957407" y="1340882"/>
-            <a:ext cx="2928793" cy="3065143"/>
+            <a:off x="760268" y="629950"/>
+            <a:ext cx="2763982" cy="2468996"/>
           </a:xfrm>
           <a:prstGeom prst="rect">
             <a:avLst/>
@@ -5182,10 +5166,10 @@
       </p:pic>
       <p:sp>
         <p:nvSpPr>
-          <p:cNvPr id="9" name="TextBox 8">
-            <a:extLst>
-              <a:ext uri="{FF2B5EF4-FFF2-40B4-BE49-F238E27FC236}">
-                <a16:creationId xmlns:a16="http://schemas.microsoft.com/office/drawing/2014/main" id="{19743C41-F23F-9362-B40E-79DD087BD0D8}"/>
+          <p:cNvPr id="7" name="TextBox 6">
+            <a:extLst>
+              <a:ext uri="{FF2B5EF4-FFF2-40B4-BE49-F238E27FC236}">
+                <a16:creationId xmlns:a16="http://schemas.microsoft.com/office/drawing/2014/main" id="{1EB23736-A76C-D526-8059-7621B9051A1C}"/>
               </a:ext>
             </a:extLst>
           </p:cNvPr>
@@ -5194,8 +5178,8 @@
         </p:nvSpPr>
         <p:spPr>
           <a:xfrm>
-            <a:off x="1476375" y="806450"/>
-            <a:ext cx="2169568" cy="369332"/>
+            <a:off x="304396" y="3091422"/>
+            <a:ext cx="3907416" cy="369332"/>
           </a:xfrm>
           <a:prstGeom prst="rect">
             <a:avLst/>
@@ -5209,12 +5193,8 @@
           <a:lstStyle/>
           <a:p>
             <a:r>
-              <a:rPr lang="en-US" dirty="0" err="1"/>
-              <a:t>Inclu</a:t>
-            </a:r>
-            <a:r>
-              <a:rPr lang="en-US" dirty="0"/>
-              <a:t> dans </a:t>
+              <a:rPr lang="en-US" dirty="0"/>
+              <a:t>ICA avec le </a:t>
             </a:r>
             <a:r>
               <a:rPr lang="en-US" dirty="0" err="1"/>
@@ -5222,17 +5202,81 @@
             </a:r>
             <a:r>
               <a:rPr lang="en-US" dirty="0"/>
-              <a:t> .set</a:t>
+              <a:t> de </a:t>
+            </a:r>
+            <a:r>
+              <a:rPr lang="en-US" dirty="0" err="1"/>
+              <a:t>coordonné</a:t>
+            </a:r>
+            <a:r>
+              <a:rPr lang="en-US" dirty="0"/>
+              <a:t> </a:t>
+            </a:r>
+            <a:r>
+              <a:rPr lang="en-US" dirty="0" err="1"/>
+              <a:t>EEGlab</a:t>
+            </a:r>
+            <a:endParaRPr lang="en-US" dirty="0"/>
+          </a:p>
+        </p:txBody>
+      </p:sp>
+      <p:sp>
+        <p:nvSpPr>
+          <p:cNvPr id="8" name="TextBox 7">
+            <a:extLst>
+              <a:ext uri="{FF2B5EF4-FFF2-40B4-BE49-F238E27FC236}">
+                <a16:creationId xmlns:a16="http://schemas.microsoft.com/office/drawing/2014/main" id="{D207765F-E084-D7C4-ED5A-F1962F20847D}"/>
+              </a:ext>
+            </a:extLst>
+          </p:cNvPr>
+          <p:cNvSpPr txBox="1"/>
+          <p:nvPr/>
+        </p:nvSpPr>
+        <p:spPr>
+          <a:xfrm>
+            <a:off x="4492085" y="3098946"/>
+            <a:ext cx="3966599" cy="369332"/>
+          </a:xfrm>
+          <a:prstGeom prst="rect">
+            <a:avLst/>
+          </a:prstGeom>
+          <a:noFill/>
+        </p:spPr>
+        <p:txBody>
+          <a:bodyPr wrap="none" rtlCol="0">
+            <a:spAutoFit/>
+          </a:bodyPr>
+          <a:lstStyle/>
+          <a:p>
+            <a:r>
+              <a:rPr lang="en-US" dirty="0"/>
+              <a:t>ICA avec les </a:t>
+            </a:r>
+            <a:r>
+              <a:rPr lang="en-US" dirty="0" err="1"/>
+              <a:t>coordonné</a:t>
+            </a:r>
+            <a:r>
+              <a:rPr lang="en-US" dirty="0"/>
+              <a:t> </a:t>
+            </a:r>
+            <a:r>
+              <a:rPr lang="en-US" dirty="0" err="1"/>
+              <a:t>inclu</a:t>
+            </a:r>
+            <a:r>
+              <a:rPr lang="en-US" dirty="0"/>
+              <a:t> dans le .set</a:t>
             </a:r>
           </a:p>
         </p:txBody>
       </p:sp>
       <p:pic>
         <p:nvPicPr>
-          <p:cNvPr id="11" name="Picture 10">
-            <a:extLst>
-              <a:ext uri="{FF2B5EF4-FFF2-40B4-BE49-F238E27FC236}">
-                <a16:creationId xmlns:a16="http://schemas.microsoft.com/office/drawing/2014/main" id="{76539408-1958-B67E-94AF-28262FFA891E}"/>
+          <p:cNvPr id="10" name="Picture 9">
+            <a:extLst>
+              <a:ext uri="{FF2B5EF4-FFF2-40B4-BE49-F238E27FC236}">
+                <a16:creationId xmlns:a16="http://schemas.microsoft.com/office/drawing/2014/main" id="{2DA031C1-8B46-EE78-A3AD-2277EA05391A}"/>
               </a:ext>
             </a:extLst>
           </p:cNvPr>
@@ -5249,8 +5293,8 @@
         </p:blipFill>
         <p:spPr>
           <a:xfrm>
-            <a:off x="4924425" y="1340882"/>
-            <a:ext cx="2992752" cy="3158250"/>
+            <a:off x="344633" y="5410958"/>
+            <a:ext cx="3575502" cy="817092"/>
           </a:xfrm>
           <a:prstGeom prst="rect">
             <a:avLst/>
@@ -5259,10 +5303,10 @@
       </p:pic>
       <p:sp>
         <p:nvSpPr>
-          <p:cNvPr id="12" name="TextBox 11">
-            <a:extLst>
-              <a:ext uri="{FF2B5EF4-FFF2-40B4-BE49-F238E27FC236}">
-                <a16:creationId xmlns:a16="http://schemas.microsoft.com/office/drawing/2014/main" id="{FFBAC26B-59E7-33F8-01AA-DA96B7C0D2BC}"/>
+          <p:cNvPr id="11" name="TextBox 10">
+            <a:extLst>
+              <a:ext uri="{FF2B5EF4-FFF2-40B4-BE49-F238E27FC236}">
+                <a16:creationId xmlns:a16="http://schemas.microsoft.com/office/drawing/2014/main" id="{56C217A0-6F33-1FF1-B2D6-4DF5A46FA5B3}"/>
               </a:ext>
             </a:extLst>
           </p:cNvPr>
@@ -5271,8 +5315,8 @@
         </p:nvSpPr>
         <p:spPr>
           <a:xfrm>
-            <a:off x="5143500" y="806450"/>
-            <a:ext cx="2568332" cy="369332"/>
+            <a:off x="760268" y="5041626"/>
+            <a:ext cx="3050579" cy="369332"/>
           </a:xfrm>
           <a:prstGeom prst="rect">
             <a:avLst/>
@@ -5286,22 +5330,111 @@
           <a:lstStyle/>
           <a:p>
             <a:r>
-              <a:rPr lang="en-US" dirty="0" err="1"/>
-              <a:t>Fichier</a:t>
-            </a:r>
-            <a:r>
-              <a:rPr lang="en-US" dirty="0"/>
-              <a:t> biosemi64AB.locs </a:t>
-            </a:r>
-          </a:p>
-        </p:txBody>
-      </p:sp>
-      <p:sp>
-        <p:nvSpPr>
-          <p:cNvPr id="13" name="TextBox 12">
-            <a:extLst>
-              <a:ext uri="{FF2B5EF4-FFF2-40B4-BE49-F238E27FC236}">
-                <a16:creationId xmlns:a16="http://schemas.microsoft.com/office/drawing/2014/main" id="{451FAED2-D5B3-E6D9-78BE-79560FD8332C}"/>
+              <a:rPr lang="en-US" dirty="0">
+                <a:solidFill>
+                  <a:srgbClr val="00B050"/>
+                </a:solidFill>
+              </a:rPr>
+              <a:t>Les trigger </a:t>
+            </a:r>
+            <a:r>
+              <a:rPr lang="en-US" dirty="0" err="1">
+                <a:solidFill>
+                  <a:srgbClr val="00B050"/>
+                </a:solidFill>
+              </a:rPr>
+              <a:t>sont</a:t>
+            </a:r>
+            <a:r>
+              <a:rPr lang="en-US" dirty="0">
+                <a:solidFill>
+                  <a:srgbClr val="00B050"/>
+                </a:solidFill>
+              </a:rPr>
+              <a:t> très bien </a:t>
+            </a:r>
+            <a:r>
+              <a:rPr lang="en-US" dirty="0" err="1">
+                <a:solidFill>
+                  <a:srgbClr val="00B050"/>
+                </a:solidFill>
+              </a:rPr>
+              <a:t>gérés</a:t>
+            </a:r>
+            <a:endParaRPr lang="en-US" dirty="0">
+              <a:solidFill>
+                <a:srgbClr val="00B050"/>
+              </a:solidFill>
+            </a:endParaRPr>
+          </a:p>
+        </p:txBody>
+      </p:sp>
+      <p:pic>
+        <p:nvPicPr>
+          <p:cNvPr id="3" name="Image 2">
+            <a:extLst>
+              <a:ext uri="{FF2B5EF4-FFF2-40B4-BE49-F238E27FC236}">
+                <a16:creationId xmlns:a16="http://schemas.microsoft.com/office/drawing/2014/main" id="{6273FAC6-A068-CFAD-A24E-7B9008795EB3}"/>
+              </a:ext>
+            </a:extLst>
+          </p:cNvPr>
+          <p:cNvPicPr>
+            <a:picLocks noChangeAspect="1"/>
+          </p:cNvPicPr>
+          <p:nvPr/>
+        </p:nvPicPr>
+        <p:blipFill>
+          <a:blip r:embed="rId4"/>
+          <a:stretch>
+            <a:fillRect/>
+          </a:stretch>
+        </p:blipFill>
+        <p:spPr>
+          <a:xfrm>
+            <a:off x="5087016" y="584528"/>
+            <a:ext cx="2776735" cy="2461472"/>
+          </a:xfrm>
+          <a:prstGeom prst="rect">
+            <a:avLst/>
+          </a:prstGeom>
+        </p:spPr>
+      </p:pic>
+      <p:pic>
+        <p:nvPicPr>
+          <p:cNvPr id="9" name="Image 8">
+            <a:extLst>
+              <a:ext uri="{FF2B5EF4-FFF2-40B4-BE49-F238E27FC236}">
+                <a16:creationId xmlns:a16="http://schemas.microsoft.com/office/drawing/2014/main" id="{3471FDA3-51FD-2CC9-ECDB-1C1173E39658}"/>
+              </a:ext>
+            </a:extLst>
+          </p:cNvPr>
+          <p:cNvPicPr>
+            <a:picLocks noChangeAspect="1"/>
+          </p:cNvPicPr>
+          <p:nvPr/>
+        </p:nvPicPr>
+        <p:blipFill>
+          <a:blip r:embed="rId5"/>
+          <a:stretch>
+            <a:fillRect/>
+          </a:stretch>
+        </p:blipFill>
+        <p:spPr>
+          <a:xfrm>
+            <a:off x="5133974" y="3521224"/>
+            <a:ext cx="4752975" cy="2359123"/>
+          </a:xfrm>
+          <a:prstGeom prst="rect">
+            <a:avLst/>
+          </a:prstGeom>
+        </p:spPr>
+      </p:pic>
+      <p:sp>
+        <p:nvSpPr>
+          <p:cNvPr id="12" name="ZoneTexte 11">
+            <a:extLst>
+              <a:ext uri="{FF2B5EF4-FFF2-40B4-BE49-F238E27FC236}">
+                <a16:creationId xmlns:a16="http://schemas.microsoft.com/office/drawing/2014/main" id="{EA9FAFD1-7231-4934-0110-1B9454CC0BD0}"/>
               </a:ext>
             </a:extLst>
           </p:cNvPr>
@@ -5310,8 +5443,8 @@
         </p:nvSpPr>
         <p:spPr>
           <a:xfrm>
-            <a:off x="683491" y="4898150"/>
-            <a:ext cx="11048858" cy="369332"/>
+            <a:off x="4685704" y="5819504"/>
+            <a:ext cx="7172325" cy="830997"/>
           </a:xfrm>
           <a:prstGeom prst="rect">
             <a:avLst/>
@@ -5319,82 +5452,59 @@
           <a:noFill/>
         </p:spPr>
         <p:txBody>
-          <a:bodyPr wrap="none" rtlCol="0">
+          <a:bodyPr wrap="square" rtlCol="0">
             <a:spAutoFit/>
           </a:bodyPr>
           <a:lstStyle/>
           <a:p>
             <a:r>
-              <a:rPr lang="en-US" dirty="0" err="1"/>
-              <a:t>L’orientation</a:t>
-            </a:r>
-            <a:r>
-              <a:rPr lang="en-US" dirty="0"/>
-              <a:t> des </a:t>
-            </a:r>
-            <a:r>
-              <a:rPr lang="en-US" dirty="0" err="1"/>
-              <a:t>électrodes</a:t>
-            </a:r>
-            <a:r>
-              <a:rPr lang="en-US" dirty="0"/>
-              <a:t> </a:t>
-            </a:r>
-            <a:r>
-              <a:rPr lang="en-US" dirty="0" err="1"/>
-              <a:t>mais</a:t>
-            </a:r>
-            <a:r>
-              <a:rPr lang="en-US" dirty="0"/>
-              <a:t> la localization </a:t>
-            </a:r>
-            <a:r>
-              <a:rPr lang="en-US" dirty="0" err="1"/>
-              <a:t>est</a:t>
-            </a:r>
-            <a:r>
-              <a:rPr lang="en-US" dirty="0"/>
-              <a:t> </a:t>
-            </a:r>
-            <a:r>
-              <a:rPr lang="en-US" dirty="0" err="1"/>
-              <a:t>meilleurs</a:t>
-            </a:r>
-            <a:r>
-              <a:rPr lang="en-US" dirty="0"/>
-              <a:t> pour le </a:t>
-            </a:r>
-            <a:r>
-              <a:rPr lang="en-US" dirty="0" err="1"/>
-              <a:t>fichier</a:t>
-            </a:r>
-            <a:r>
-              <a:rPr lang="en-US" dirty="0"/>
-              <a:t> de </a:t>
-            </a:r>
-            <a:r>
-              <a:rPr lang="en-US" dirty="0" err="1"/>
-              <a:t>coordonné</a:t>
-            </a:r>
-            <a:r>
-              <a:rPr lang="en-US" dirty="0"/>
-              <a:t> </a:t>
-            </a:r>
-            <a:r>
-              <a:rPr lang="en-US" dirty="0" err="1"/>
-              <a:t>Fichier</a:t>
-            </a:r>
-            <a:r>
-              <a:rPr lang="en-US" dirty="0"/>
-              <a:t> biosemi64AB.locs  </a:t>
-            </a:r>
+              <a:rPr lang="fr-FR" sz="1600" dirty="0"/>
+              <a:t>Résultat de la </a:t>
+            </a:r>
+            <a:r>
+              <a:rPr lang="fr-FR" sz="1600" dirty="0" err="1"/>
+              <a:t>ICApruned</a:t>
+            </a:r>
+            <a:r>
+              <a:rPr lang="fr-FR" sz="1600" dirty="0"/>
+              <a:t> sans la composante 1 et 2. </a:t>
+            </a:r>
+            <a:r>
+              <a:rPr lang="fr-FR" sz="1600" dirty="0">
+                <a:solidFill>
+                  <a:srgbClr val="00B050"/>
+                </a:solidFill>
+              </a:rPr>
+              <a:t>Le résultat est identique. Cela veut dire que la correction d’orientation effectué par MD est efficace et qu’il y a plus besoin de loader un fichier de coordonné </a:t>
+            </a:r>
+            <a:r>
+              <a:rPr lang="fr-FR" sz="1600" dirty="0" err="1">
+                <a:solidFill>
+                  <a:srgbClr val="00B050"/>
+                </a:solidFill>
+              </a:rPr>
+              <a:t>EEGlab</a:t>
+            </a:r>
+            <a:r>
+              <a:rPr lang="fr-FR" sz="1600" dirty="0">
+                <a:solidFill>
+                  <a:srgbClr val="00B050"/>
+                </a:solidFill>
+              </a:rPr>
+              <a:t>. </a:t>
+            </a:r>
+            <a:endParaRPr lang="fr-CH" sz="1600" dirty="0">
+              <a:solidFill>
+                <a:srgbClr val="00B050"/>
+              </a:solidFill>
+            </a:endParaRPr>
           </a:p>
         </p:txBody>
       </p:sp>
     </p:spTree>
     <p:extLst>
       <p:ext uri="{BB962C8B-B14F-4D97-AF65-F5344CB8AC3E}">
-        <p14:creationId xmlns:p14="http://schemas.microsoft.com/office/powerpoint/2010/main" val="1149938830"/>
+        <p14:creationId xmlns:p14="http://schemas.microsoft.com/office/powerpoint/2010/main" val="2622517280"/>
       </p:ext>
     </p:extLst>
   </p:cSld>
@@ -5426,7 +5536,7 @@
           <p:cNvPr id="4" name="TextBox 3">
             <a:extLst>
               <a:ext uri="{FF2B5EF4-FFF2-40B4-BE49-F238E27FC236}">
-                <a16:creationId xmlns:a16="http://schemas.microsoft.com/office/drawing/2014/main" id="{DF02C507-8D92-7E48-E32E-1B1C82A11829}"/>
+                <a16:creationId xmlns:a16="http://schemas.microsoft.com/office/drawing/2014/main" id="{BBE5CAF4-3DF5-F8A6-9117-04B88128908C}"/>
               </a:ext>
             </a:extLst>
           </p:cNvPr>
@@ -5435,8 +5545,8 @@
         </p:nvSpPr>
         <p:spPr>
           <a:xfrm>
-            <a:off x="267855" y="360218"/>
-            <a:ext cx="11506223" cy="923330"/>
+            <a:off x="147781" y="203200"/>
+            <a:ext cx="8768426" cy="369332"/>
           </a:xfrm>
           <a:prstGeom prst="rect">
             <a:avLst/>
@@ -5444,134 +5554,40 @@
           <a:noFill/>
         </p:spPr>
         <p:txBody>
-          <a:bodyPr wrap="square" rtlCol="0">
+          <a:bodyPr wrap="none" rtlCol="0">
             <a:spAutoFit/>
           </a:bodyPr>
           <a:lstStyle/>
           <a:p>
             <a:r>
-              <a:rPr lang="en-US" dirty="0" err="1"/>
-              <a:t>Autre</a:t>
-            </a:r>
-            <a:r>
-              <a:rPr lang="en-US" dirty="0"/>
-              <a:t> test</a:t>
-            </a:r>
-          </a:p>
-          <a:p>
-            <a:r>
-              <a:rPr lang="en-US" dirty="0"/>
-              <a:t>- </a:t>
-            </a:r>
-            <a:r>
-              <a:rPr lang="en-US" dirty="0" err="1"/>
-              <a:t>Ftest</a:t>
-            </a:r>
-            <a:r>
-              <a:rPr lang="en-US" dirty="0"/>
-              <a:t> de </a:t>
-            </a:r>
-            <a:r>
-              <a:rPr lang="en-US" dirty="0" err="1"/>
-              <a:t>l’adaptation</a:t>
-            </a:r>
-            <a:r>
-              <a:rPr lang="en-US" dirty="0"/>
-              <a:t> de la position des event </a:t>
-            </a:r>
-            <a:r>
-              <a:rPr lang="en-US" dirty="0" err="1"/>
-              <a:t>lorsqu’on</a:t>
-            </a:r>
-            <a:r>
-              <a:rPr lang="en-US" dirty="0"/>
-              <a:t> </a:t>
-            </a:r>
-            <a:r>
-              <a:rPr lang="en-US" dirty="0" err="1"/>
-              <a:t>modifie</a:t>
-            </a:r>
-            <a:r>
-              <a:rPr lang="en-US" dirty="0"/>
-              <a:t> le sampling rate dans le module Filtering+ : </a:t>
-            </a:r>
-            <a:r>
-              <a:rPr lang="en-US" dirty="0" err="1">
-                <a:solidFill>
-                  <a:srgbClr val="00B050"/>
-                </a:solidFill>
-              </a:rPr>
-              <a:t>ça</a:t>
-            </a:r>
-            <a:r>
-              <a:rPr lang="en-US" dirty="0">
-                <a:solidFill>
-                  <a:srgbClr val="00B050"/>
-                </a:solidFill>
-              </a:rPr>
-              <a:t> </a:t>
-            </a:r>
-            <a:r>
-              <a:rPr lang="en-US" dirty="0" err="1">
-                <a:solidFill>
-                  <a:srgbClr val="00B050"/>
-                </a:solidFill>
-              </a:rPr>
-              <a:t>marche</a:t>
-            </a:r>
-            <a:r>
-              <a:rPr lang="en-US" dirty="0"/>
-              <a:t>, il fait un </a:t>
-            </a:r>
-            <a:r>
-              <a:rPr lang="en-US" dirty="0" err="1"/>
-              <a:t>arroudi</a:t>
-            </a:r>
-            <a:r>
-              <a:rPr lang="en-US" dirty="0"/>
-              <a:t> </a:t>
-            </a:r>
-            <a:r>
-              <a:rPr lang="en-US" dirty="0" err="1"/>
-              <a:t>supérieur</a:t>
-            </a:r>
-            <a:r>
-              <a:rPr lang="en-US" dirty="0"/>
-              <a:t> (</a:t>
-            </a:r>
-            <a:r>
-              <a:rPr lang="en-US" dirty="0" err="1"/>
-              <a:t>exemple</a:t>
-            </a:r>
-            <a:r>
-              <a:rPr lang="en-US" dirty="0"/>
-              <a:t> </a:t>
-            </a:r>
-            <a:r>
-              <a:rPr lang="en-US" dirty="0" err="1"/>
-              <a:t>si</a:t>
-            </a:r>
-            <a:r>
-              <a:rPr lang="en-US" dirty="0"/>
-              <a:t> dessous passage de 2048 à 512 (</a:t>
-            </a:r>
-            <a:r>
-              <a:rPr lang="en-US" dirty="0" err="1"/>
-              <a:t>donc</a:t>
-            </a:r>
-            <a:r>
-              <a:rPr lang="en-US" dirty="0"/>
-              <a:t> division par 4))</a:t>
+              <a:rPr lang="en-US" dirty="0"/>
+              <a:t>Test channel location de .set avec les correction </a:t>
+            </a:r>
+            <a:r>
+              <a:rPr lang="en-US" dirty="0" err="1"/>
+              <a:t>effectué</a:t>
+            </a:r>
+            <a:r>
+              <a:rPr lang="en-US" dirty="0"/>
+              <a:t> par MD. </a:t>
+            </a:r>
+            <a:r>
+              <a:rPr lang="en-US" dirty="0" err="1"/>
+              <a:t>Visualisation</a:t>
+            </a:r>
+            <a:r>
+              <a:rPr lang="en-US" dirty="0"/>
+              <a:t> dans EEG lab</a:t>
             </a:r>
           </a:p>
         </p:txBody>
       </p:sp>
       <p:pic>
         <p:nvPicPr>
-          <p:cNvPr id="6" name="Picture 5">
-            <a:extLst>
-              <a:ext uri="{FF2B5EF4-FFF2-40B4-BE49-F238E27FC236}">
-                <a16:creationId xmlns:a16="http://schemas.microsoft.com/office/drawing/2014/main" id="{B4F13C37-C15C-554C-3D3D-AAE7D6B7F947}"/>
+          <p:cNvPr id="8" name="Picture 7">
+            <a:extLst>
+              <a:ext uri="{FF2B5EF4-FFF2-40B4-BE49-F238E27FC236}">
+                <a16:creationId xmlns:a16="http://schemas.microsoft.com/office/drawing/2014/main" id="{12270E97-6987-671A-9AA3-6024B9870430}"/>
               </a:ext>
             </a:extLst>
           </p:cNvPr>
@@ -5588,8 +5604,1329 @@
         </p:blipFill>
         <p:spPr>
           <a:xfrm>
-            <a:off x="417922" y="1283548"/>
-            <a:ext cx="1825883" cy="1525326"/>
+            <a:off x="957407" y="1340882"/>
+            <a:ext cx="2928793" cy="3065143"/>
+          </a:xfrm>
+          <a:prstGeom prst="rect">
+            <a:avLst/>
+          </a:prstGeom>
+        </p:spPr>
+      </p:pic>
+      <p:sp>
+        <p:nvSpPr>
+          <p:cNvPr id="9" name="TextBox 8">
+            <a:extLst>
+              <a:ext uri="{FF2B5EF4-FFF2-40B4-BE49-F238E27FC236}">
+                <a16:creationId xmlns:a16="http://schemas.microsoft.com/office/drawing/2014/main" id="{19743C41-F23F-9362-B40E-79DD087BD0D8}"/>
+              </a:ext>
+            </a:extLst>
+          </p:cNvPr>
+          <p:cNvSpPr txBox="1"/>
+          <p:nvPr/>
+        </p:nvSpPr>
+        <p:spPr>
+          <a:xfrm>
+            <a:off x="1476375" y="806450"/>
+            <a:ext cx="2169568" cy="369332"/>
+          </a:xfrm>
+          <a:prstGeom prst="rect">
+            <a:avLst/>
+          </a:prstGeom>
+          <a:noFill/>
+        </p:spPr>
+        <p:txBody>
+          <a:bodyPr wrap="none" rtlCol="0">
+            <a:spAutoFit/>
+          </a:bodyPr>
+          <a:lstStyle/>
+          <a:p>
+            <a:r>
+              <a:rPr lang="en-US" dirty="0" err="1"/>
+              <a:t>Inclu</a:t>
+            </a:r>
+            <a:r>
+              <a:rPr lang="en-US" dirty="0"/>
+              <a:t> dans </a:t>
+            </a:r>
+            <a:r>
+              <a:rPr lang="en-US" dirty="0" err="1"/>
+              <a:t>fichier</a:t>
+            </a:r>
+            <a:r>
+              <a:rPr lang="en-US" dirty="0"/>
+              <a:t> .set</a:t>
+            </a:r>
+          </a:p>
+        </p:txBody>
+      </p:sp>
+      <p:pic>
+        <p:nvPicPr>
+          <p:cNvPr id="11" name="Picture 10">
+            <a:extLst>
+              <a:ext uri="{FF2B5EF4-FFF2-40B4-BE49-F238E27FC236}">
+                <a16:creationId xmlns:a16="http://schemas.microsoft.com/office/drawing/2014/main" id="{76539408-1958-B67E-94AF-28262FFA891E}"/>
+              </a:ext>
+            </a:extLst>
+          </p:cNvPr>
+          <p:cNvPicPr>
+            <a:picLocks noChangeAspect="1"/>
+          </p:cNvPicPr>
+          <p:nvPr/>
+        </p:nvPicPr>
+        <p:blipFill>
+          <a:blip r:embed="rId3"/>
+          <a:stretch>
+            <a:fillRect/>
+          </a:stretch>
+        </p:blipFill>
+        <p:spPr>
+          <a:xfrm>
+            <a:off x="4924425" y="1340882"/>
+            <a:ext cx="2992752" cy="3158250"/>
+          </a:xfrm>
+          <a:prstGeom prst="rect">
+            <a:avLst/>
+          </a:prstGeom>
+        </p:spPr>
+      </p:pic>
+      <p:sp>
+        <p:nvSpPr>
+          <p:cNvPr id="12" name="TextBox 11">
+            <a:extLst>
+              <a:ext uri="{FF2B5EF4-FFF2-40B4-BE49-F238E27FC236}">
+                <a16:creationId xmlns:a16="http://schemas.microsoft.com/office/drawing/2014/main" id="{FFBAC26B-59E7-33F8-01AA-DA96B7C0D2BC}"/>
+              </a:ext>
+            </a:extLst>
+          </p:cNvPr>
+          <p:cNvSpPr txBox="1"/>
+          <p:nvPr/>
+        </p:nvSpPr>
+        <p:spPr>
+          <a:xfrm>
+            <a:off x="5143500" y="806450"/>
+            <a:ext cx="2568332" cy="369332"/>
+          </a:xfrm>
+          <a:prstGeom prst="rect">
+            <a:avLst/>
+          </a:prstGeom>
+          <a:noFill/>
+        </p:spPr>
+        <p:txBody>
+          <a:bodyPr wrap="none" rtlCol="0">
+            <a:spAutoFit/>
+          </a:bodyPr>
+          <a:lstStyle/>
+          <a:p>
+            <a:r>
+              <a:rPr lang="en-US" dirty="0" err="1"/>
+              <a:t>Fichier</a:t>
+            </a:r>
+            <a:r>
+              <a:rPr lang="en-US" dirty="0"/>
+              <a:t> biosemi64AB.locs </a:t>
+            </a:r>
+          </a:p>
+        </p:txBody>
+      </p:sp>
+      <p:sp>
+        <p:nvSpPr>
+          <p:cNvPr id="13" name="TextBox 12">
+            <a:extLst>
+              <a:ext uri="{FF2B5EF4-FFF2-40B4-BE49-F238E27FC236}">
+                <a16:creationId xmlns:a16="http://schemas.microsoft.com/office/drawing/2014/main" id="{451FAED2-D5B3-E6D9-78BE-79560FD8332C}"/>
+              </a:ext>
+            </a:extLst>
+          </p:cNvPr>
+          <p:cNvSpPr txBox="1"/>
+          <p:nvPr/>
+        </p:nvSpPr>
+        <p:spPr>
+          <a:xfrm>
+            <a:off x="397741" y="4805817"/>
+            <a:ext cx="10937009" cy="1477328"/>
+          </a:xfrm>
+          <a:prstGeom prst="rect">
+            <a:avLst/>
+          </a:prstGeom>
+          <a:noFill/>
+        </p:spPr>
+        <p:txBody>
+          <a:bodyPr wrap="square" rtlCol="0">
+            <a:spAutoFit/>
+          </a:bodyPr>
+          <a:lstStyle/>
+          <a:p>
+            <a:r>
+              <a:rPr lang="en-US" dirty="0" err="1"/>
+              <a:t>Cependant</a:t>
+            </a:r>
+            <a:r>
+              <a:rPr lang="en-US" dirty="0"/>
+              <a:t>, </a:t>
+            </a:r>
+            <a:r>
+              <a:rPr lang="en-US" dirty="0" err="1"/>
+              <a:t>si</a:t>
+            </a:r>
+            <a:r>
+              <a:rPr lang="en-US" dirty="0"/>
+              <a:t> on affiche la visualization de la position des </a:t>
+            </a:r>
+            <a:r>
+              <a:rPr lang="en-US" dirty="0" err="1"/>
+              <a:t>coordonné</a:t>
+            </a:r>
+            <a:r>
+              <a:rPr lang="en-US" dirty="0"/>
+              <a:t> </a:t>
+            </a:r>
+            <a:r>
+              <a:rPr lang="en-US" dirty="0" err="1"/>
+              <a:t>importé</a:t>
+            </a:r>
+            <a:r>
+              <a:rPr lang="en-US" dirty="0"/>
+              <a:t> par </a:t>
+            </a:r>
+            <a:r>
+              <a:rPr lang="en-US" dirty="0" err="1"/>
+              <a:t>EEGpal</a:t>
+            </a:r>
+            <a:r>
+              <a:rPr lang="en-US" dirty="0"/>
+              <a:t> dans les </a:t>
+            </a:r>
+            <a:r>
+              <a:rPr lang="en-US" dirty="0" err="1"/>
+              <a:t>fichier</a:t>
+            </a:r>
+            <a:r>
+              <a:rPr lang="en-US" dirty="0"/>
+              <a:t> .set à </a:t>
+            </a:r>
+            <a:r>
+              <a:rPr lang="en-US" dirty="0" err="1"/>
+              <a:t>l’intérieur</a:t>
+            </a:r>
+            <a:r>
+              <a:rPr lang="en-US" dirty="0"/>
+              <a:t> </a:t>
+            </a:r>
+            <a:r>
+              <a:rPr lang="en-US" dirty="0" err="1"/>
+              <a:t>d’EEG</a:t>
+            </a:r>
+            <a:r>
+              <a:rPr lang="en-US" dirty="0"/>
+              <a:t> lab (image de gauche), la position des </a:t>
+            </a:r>
+            <a:r>
+              <a:rPr lang="en-US" dirty="0" err="1"/>
+              <a:t>électrodes</a:t>
+            </a:r>
+            <a:r>
+              <a:rPr lang="en-US" dirty="0"/>
+              <a:t> </a:t>
+            </a:r>
+            <a:r>
+              <a:rPr lang="en-US" dirty="0" err="1"/>
+              <a:t>est</a:t>
+            </a:r>
+            <a:r>
+              <a:rPr lang="en-US" dirty="0"/>
+              <a:t> </a:t>
+            </a:r>
+            <a:r>
+              <a:rPr lang="en-US" dirty="0" err="1"/>
+              <a:t>moins</a:t>
+            </a:r>
+            <a:r>
+              <a:rPr lang="en-US" dirty="0"/>
+              <a:t> bonne que </a:t>
+            </a:r>
+            <a:r>
+              <a:rPr lang="en-US" dirty="0" err="1"/>
+              <a:t>si</a:t>
+            </a:r>
+            <a:r>
+              <a:rPr lang="en-US" dirty="0"/>
+              <a:t> on load le </a:t>
+            </a:r>
+            <a:r>
+              <a:rPr lang="en-US" dirty="0" err="1"/>
+              <a:t>fichier</a:t>
+            </a:r>
+            <a:r>
+              <a:rPr lang="en-US" dirty="0"/>
+              <a:t> de </a:t>
+            </a:r>
+            <a:r>
+              <a:rPr lang="en-US" dirty="0" err="1"/>
+              <a:t>coordonné</a:t>
+            </a:r>
+            <a:r>
+              <a:rPr lang="en-US" dirty="0"/>
+              <a:t> biosemi64AB.locs (image de droite). Pour </a:t>
+            </a:r>
+            <a:r>
+              <a:rPr lang="en-US" dirty="0" err="1"/>
+              <a:t>l’ICA</a:t>
+            </a:r>
+            <a:r>
+              <a:rPr lang="en-US" dirty="0"/>
+              <a:t> </a:t>
+            </a:r>
+            <a:r>
+              <a:rPr lang="en-US" dirty="0" err="1"/>
+              <a:t>ça</a:t>
+            </a:r>
+            <a:r>
+              <a:rPr lang="en-US" dirty="0"/>
+              <a:t> </a:t>
+            </a:r>
+            <a:r>
+              <a:rPr lang="en-US" dirty="0" err="1"/>
+              <a:t>n’a</a:t>
+            </a:r>
+            <a:r>
+              <a:rPr lang="en-US" dirty="0"/>
+              <a:t> pas </a:t>
+            </a:r>
+            <a:r>
+              <a:rPr lang="en-US" dirty="0" err="1"/>
+              <a:t>d’importante</a:t>
+            </a:r>
+            <a:r>
+              <a:rPr lang="en-US" dirty="0"/>
+              <a:t> </a:t>
+            </a:r>
+            <a:r>
+              <a:rPr lang="en-US" dirty="0" err="1"/>
+              <a:t>mais</a:t>
+            </a:r>
+            <a:r>
+              <a:rPr lang="en-US" dirty="0"/>
+              <a:t> pour le </a:t>
+            </a:r>
+            <a:r>
+              <a:rPr lang="en-US" dirty="0" err="1"/>
+              <a:t>classificateur</a:t>
+            </a:r>
+            <a:r>
+              <a:rPr lang="en-US" dirty="0"/>
+              <a:t> des </a:t>
+            </a:r>
+            <a:r>
+              <a:rPr lang="en-US" dirty="0" err="1"/>
+              <a:t>composantes</a:t>
+            </a:r>
+            <a:r>
+              <a:rPr lang="en-US" dirty="0"/>
+              <a:t>, </a:t>
+            </a:r>
+            <a:r>
+              <a:rPr lang="en-US" dirty="0" err="1"/>
+              <a:t>ça</a:t>
+            </a:r>
+            <a:r>
+              <a:rPr lang="en-US" dirty="0"/>
+              <a:t> </a:t>
+            </a:r>
+            <a:r>
+              <a:rPr lang="en-US" dirty="0" err="1"/>
+              <a:t>pourrait</a:t>
+            </a:r>
+            <a:r>
+              <a:rPr lang="en-US" dirty="0"/>
+              <a:t> </a:t>
+            </a:r>
+            <a:r>
+              <a:rPr lang="en-US" dirty="0" err="1"/>
+              <a:t>en</a:t>
+            </a:r>
+            <a:r>
+              <a:rPr lang="en-US" dirty="0"/>
+              <a:t> </a:t>
+            </a:r>
+            <a:r>
+              <a:rPr lang="en-US" dirty="0" err="1"/>
+              <a:t>avoir</a:t>
+            </a:r>
+            <a:r>
+              <a:rPr lang="en-US" dirty="0"/>
+              <a:t> (je </a:t>
+            </a:r>
+            <a:r>
+              <a:rPr lang="en-US" dirty="0" err="1"/>
+              <a:t>sais</a:t>
+            </a:r>
+            <a:r>
+              <a:rPr lang="en-US" dirty="0"/>
+              <a:t> pas comment </a:t>
+            </a:r>
+            <a:r>
+              <a:rPr lang="en-US" dirty="0" err="1"/>
+              <a:t>marche</a:t>
+            </a:r>
+            <a:r>
+              <a:rPr lang="en-US" dirty="0"/>
+              <a:t> </a:t>
+            </a:r>
+            <a:r>
+              <a:rPr lang="en-US" dirty="0" err="1"/>
+              <a:t>exactement</a:t>
+            </a:r>
+            <a:r>
+              <a:rPr lang="en-US" dirty="0"/>
+              <a:t> le </a:t>
+            </a:r>
+            <a:r>
+              <a:rPr lang="en-US" dirty="0" err="1"/>
+              <a:t>classificateur</a:t>
+            </a:r>
+            <a:r>
+              <a:rPr lang="en-US" dirty="0"/>
+              <a:t>). Du coup par </a:t>
+            </a:r>
+            <a:r>
+              <a:rPr lang="en-US" dirty="0" err="1"/>
+              <a:t>sécurité</a:t>
+            </a:r>
+            <a:r>
+              <a:rPr lang="en-US" dirty="0"/>
+              <a:t>, </a:t>
+            </a:r>
+            <a:r>
+              <a:rPr lang="en-US" dirty="0" err="1"/>
+              <a:t>j’aurais</a:t>
+            </a:r>
+            <a:r>
+              <a:rPr lang="en-US" dirty="0"/>
+              <a:t> tendance à </a:t>
+            </a:r>
+            <a:r>
+              <a:rPr lang="en-US" dirty="0" err="1"/>
+              <a:t>garder</a:t>
+            </a:r>
+            <a:r>
+              <a:rPr lang="en-US" dirty="0"/>
+              <a:t> </a:t>
+            </a:r>
+            <a:r>
+              <a:rPr lang="en-US" dirty="0" err="1"/>
+              <a:t>l’étape</a:t>
+            </a:r>
+            <a:r>
+              <a:rPr lang="en-US" dirty="0"/>
+              <a:t> de loader le </a:t>
+            </a:r>
+            <a:r>
+              <a:rPr lang="en-US" dirty="0" err="1"/>
+              <a:t>fichier</a:t>
+            </a:r>
+            <a:r>
+              <a:rPr lang="en-US" dirty="0"/>
+              <a:t> de </a:t>
+            </a:r>
+            <a:r>
+              <a:rPr lang="en-US" dirty="0" err="1"/>
+              <a:t>coordonné</a:t>
+            </a:r>
+            <a:r>
+              <a:rPr lang="en-US" dirty="0"/>
+              <a:t> biosemi64AB.locs pour </a:t>
+            </a:r>
+            <a:r>
+              <a:rPr lang="en-US" dirty="0" err="1"/>
+              <a:t>être</a:t>
+            </a:r>
+            <a:r>
+              <a:rPr lang="en-US" dirty="0"/>
+              <a:t> </a:t>
+            </a:r>
+            <a:r>
+              <a:rPr lang="en-US" dirty="0" err="1"/>
+              <a:t>sûr</a:t>
+            </a:r>
+            <a:r>
+              <a:rPr lang="en-US" dirty="0"/>
+              <a:t>. </a:t>
+            </a:r>
+          </a:p>
+        </p:txBody>
+      </p:sp>
+    </p:spTree>
+    <p:extLst>
+      <p:ext uri="{BB962C8B-B14F-4D97-AF65-F5344CB8AC3E}">
+        <p14:creationId xmlns:p14="http://schemas.microsoft.com/office/powerpoint/2010/main" val="1149938830"/>
+      </p:ext>
+    </p:extLst>
+  </p:cSld>
+  <p:clrMapOvr>
+    <a:masterClrMapping/>
+  </p:clrMapOvr>
+</p:sld>
+</file>
+
+<file path=ppt/slides/slide7.xml><?xml version="1.0" encoding="utf-8"?>
+<p:sld xmlns:a="http://schemas.openxmlformats.org/drawingml/2006/main" xmlns:r="http://schemas.openxmlformats.org/officeDocument/2006/relationships" xmlns:p="http://schemas.openxmlformats.org/presentationml/2006/main">
+  <p:cSld>
+    <p:spTree>
+      <p:nvGrpSpPr>
+        <p:cNvPr id="1" name=""/>
+        <p:cNvGrpSpPr/>
+        <p:nvPr/>
+      </p:nvGrpSpPr>
+      <p:grpSpPr>
+        <a:xfrm>
+          <a:off x="0" y="0"/>
+          <a:ext cx="0" cy="0"/>
+          <a:chOff x="0" y="0"/>
+          <a:chExt cx="0" cy="0"/>
+        </a:xfrm>
+      </p:grpSpPr>
+      <p:sp>
+        <p:nvSpPr>
+          <p:cNvPr id="4" name="TextBox 3">
+            <a:extLst>
+              <a:ext uri="{FF2B5EF4-FFF2-40B4-BE49-F238E27FC236}">
+                <a16:creationId xmlns:a16="http://schemas.microsoft.com/office/drawing/2014/main" id="{F258C0CC-60E7-D3DC-75E3-B242D7C5104B}"/>
+              </a:ext>
+            </a:extLst>
+          </p:cNvPr>
+          <p:cNvSpPr txBox="1"/>
+          <p:nvPr/>
+        </p:nvSpPr>
+        <p:spPr>
+          <a:xfrm>
+            <a:off x="147781" y="203200"/>
+            <a:ext cx="11022120" cy="369332"/>
+          </a:xfrm>
+          <a:prstGeom prst="rect">
+            <a:avLst/>
+          </a:prstGeom>
+          <a:noFill/>
+        </p:spPr>
+        <p:txBody>
+          <a:bodyPr wrap="none" rtlCol="0">
+            <a:spAutoFit/>
+          </a:bodyPr>
+          <a:lstStyle/>
+          <a:p>
+            <a:r>
+              <a:rPr lang="en-US" dirty="0"/>
+              <a:t>Test </a:t>
+            </a:r>
+            <a:r>
+              <a:rPr lang="en-US" dirty="0" err="1"/>
+              <a:t>s’il</a:t>
+            </a:r>
+            <a:r>
+              <a:rPr lang="en-US" dirty="0"/>
+              <a:t> y a </a:t>
+            </a:r>
+            <a:r>
+              <a:rPr lang="en-US" dirty="0" err="1"/>
+              <a:t>une</a:t>
+            </a:r>
+            <a:r>
+              <a:rPr lang="en-US" dirty="0"/>
+              <a:t> deference des les </a:t>
+            </a:r>
+            <a:r>
+              <a:rPr lang="en-US" dirty="0" err="1"/>
+              <a:t>résulat</a:t>
+            </a:r>
+            <a:r>
+              <a:rPr lang="en-US" dirty="0"/>
+              <a:t> de </a:t>
+            </a:r>
+            <a:r>
+              <a:rPr lang="en-US" dirty="0" err="1"/>
+              <a:t>ICAlabel</a:t>
+            </a:r>
+            <a:r>
+              <a:rPr lang="en-US" dirty="0"/>
+              <a:t> </a:t>
+            </a:r>
+            <a:r>
+              <a:rPr lang="en-US" dirty="0" err="1"/>
+              <a:t>en</a:t>
+            </a:r>
+            <a:r>
+              <a:rPr lang="en-US" dirty="0"/>
+              <a:t> function des </a:t>
+            </a:r>
+            <a:r>
+              <a:rPr lang="en-US" dirty="0" err="1"/>
+              <a:t>coordonné</a:t>
+            </a:r>
+            <a:r>
+              <a:rPr lang="en-US" dirty="0"/>
+              <a:t> des </a:t>
+            </a:r>
+            <a:r>
+              <a:rPr lang="en-US" dirty="0" err="1"/>
+              <a:t>électrodes</a:t>
+            </a:r>
+            <a:r>
+              <a:rPr lang="en-US" dirty="0"/>
+              <a:t> pour le </a:t>
+            </a:r>
+            <a:r>
+              <a:rPr lang="en-US" dirty="0" err="1"/>
+              <a:t>même</a:t>
+            </a:r>
+            <a:r>
+              <a:rPr lang="en-US" dirty="0"/>
+              <a:t> </a:t>
+            </a:r>
+            <a:r>
+              <a:rPr lang="en-US" dirty="0" err="1"/>
+              <a:t>fichier</a:t>
+            </a:r>
+            <a:endParaRPr lang="en-US" dirty="0"/>
+          </a:p>
+        </p:txBody>
+      </p:sp>
+      <p:sp>
+        <p:nvSpPr>
+          <p:cNvPr id="5" name="ZoneTexte 4">
+            <a:extLst>
+              <a:ext uri="{FF2B5EF4-FFF2-40B4-BE49-F238E27FC236}">
+                <a16:creationId xmlns:a16="http://schemas.microsoft.com/office/drawing/2014/main" id="{EB57163A-8E16-35E8-E138-09C7222AB6FD}"/>
+              </a:ext>
+            </a:extLst>
+          </p:cNvPr>
+          <p:cNvSpPr txBox="1"/>
+          <p:nvPr/>
+        </p:nvSpPr>
+        <p:spPr>
+          <a:xfrm>
+            <a:off x="147781" y="666750"/>
+            <a:ext cx="10437216" cy="276999"/>
+          </a:xfrm>
+          <a:prstGeom prst="rect">
+            <a:avLst/>
+          </a:prstGeom>
+          <a:noFill/>
+        </p:spPr>
+        <p:txBody>
+          <a:bodyPr wrap="none" rtlCol="0">
+            <a:spAutoFit/>
+          </a:bodyPr>
+          <a:lstStyle/>
+          <a:p>
+            <a:r>
+              <a:rPr lang="fr-FR" sz="1200" dirty="0"/>
+              <a:t>Je travail sur le fichier ICA\</a:t>
+            </a:r>
+            <a:r>
+              <a:rPr lang="fr-FR" sz="1200" dirty="0" err="1"/>
+              <a:t>withoutExternalCoordinateFile</a:t>
+            </a:r>
+            <a:r>
+              <a:rPr lang="fr-FR" sz="1200" dirty="0"/>
+              <a:t>\Interoception_CAS_P012_13122023_synch1_exported_filtered_interpolated_rereferenced_ICApruned.sef</a:t>
+            </a:r>
+            <a:endParaRPr lang="fr-CH" sz="1200" dirty="0"/>
+          </a:p>
+        </p:txBody>
+      </p:sp>
+      <p:pic>
+        <p:nvPicPr>
+          <p:cNvPr id="7" name="Image 6">
+            <a:extLst>
+              <a:ext uri="{FF2B5EF4-FFF2-40B4-BE49-F238E27FC236}">
+                <a16:creationId xmlns:a16="http://schemas.microsoft.com/office/drawing/2014/main" id="{58A525C8-DFC4-925E-521C-4D11FE141E2E}"/>
+              </a:ext>
+            </a:extLst>
+          </p:cNvPr>
+          <p:cNvPicPr>
+            <a:picLocks noChangeAspect="1"/>
+          </p:cNvPicPr>
+          <p:nvPr/>
+        </p:nvPicPr>
+        <p:blipFill>
+          <a:blip r:embed="rId2"/>
+          <a:stretch>
+            <a:fillRect/>
+          </a:stretch>
+        </p:blipFill>
+        <p:spPr>
+          <a:xfrm>
+            <a:off x="6276318" y="1190625"/>
+            <a:ext cx="3534431" cy="3133725"/>
+          </a:xfrm>
+          <a:prstGeom prst="rect">
+            <a:avLst/>
+          </a:prstGeom>
+        </p:spPr>
+      </p:pic>
+      <p:sp>
+        <p:nvSpPr>
+          <p:cNvPr id="8" name="TextBox 7">
+            <a:extLst>
+              <a:ext uri="{FF2B5EF4-FFF2-40B4-BE49-F238E27FC236}">
+                <a16:creationId xmlns:a16="http://schemas.microsoft.com/office/drawing/2014/main" id="{B04B4C1B-41BB-E2B3-51A1-B5673DC27EBD}"/>
+              </a:ext>
+            </a:extLst>
+          </p:cNvPr>
+          <p:cNvSpPr txBox="1"/>
+          <p:nvPr/>
+        </p:nvSpPr>
+        <p:spPr>
+          <a:xfrm>
+            <a:off x="6096000" y="4324350"/>
+            <a:ext cx="3966599" cy="369332"/>
+          </a:xfrm>
+          <a:prstGeom prst="rect">
+            <a:avLst/>
+          </a:prstGeom>
+          <a:noFill/>
+        </p:spPr>
+        <p:txBody>
+          <a:bodyPr wrap="none" rtlCol="0">
+            <a:spAutoFit/>
+          </a:bodyPr>
+          <a:lstStyle/>
+          <a:p>
+            <a:r>
+              <a:rPr lang="en-US" dirty="0"/>
+              <a:t>ICA avec les </a:t>
+            </a:r>
+            <a:r>
+              <a:rPr lang="en-US" dirty="0" err="1"/>
+              <a:t>coordonné</a:t>
+            </a:r>
+            <a:r>
+              <a:rPr lang="en-US" dirty="0"/>
+              <a:t> </a:t>
+            </a:r>
+            <a:r>
+              <a:rPr lang="en-US" dirty="0" err="1"/>
+              <a:t>inclu</a:t>
+            </a:r>
+            <a:r>
+              <a:rPr lang="en-US" dirty="0"/>
+              <a:t> dans le .set</a:t>
+            </a:r>
+          </a:p>
+        </p:txBody>
+      </p:sp>
+      <p:pic>
+        <p:nvPicPr>
+          <p:cNvPr id="10" name="Image 9">
+            <a:extLst>
+              <a:ext uri="{FF2B5EF4-FFF2-40B4-BE49-F238E27FC236}">
+                <a16:creationId xmlns:a16="http://schemas.microsoft.com/office/drawing/2014/main" id="{6357CD02-E4F3-4A91-0D5E-FEAFDE7E3E46}"/>
+              </a:ext>
+            </a:extLst>
+          </p:cNvPr>
+          <p:cNvPicPr>
+            <a:picLocks noChangeAspect="1"/>
+          </p:cNvPicPr>
+          <p:nvPr/>
+        </p:nvPicPr>
+        <p:blipFill>
+          <a:blip r:embed="rId3"/>
+          <a:stretch>
+            <a:fillRect/>
+          </a:stretch>
+        </p:blipFill>
+        <p:spPr>
+          <a:xfrm>
+            <a:off x="278466" y="1143559"/>
+            <a:ext cx="3607734" cy="3133725"/>
+          </a:xfrm>
+          <a:prstGeom prst="rect">
+            <a:avLst/>
+          </a:prstGeom>
+        </p:spPr>
+      </p:pic>
+      <p:sp>
+        <p:nvSpPr>
+          <p:cNvPr id="11" name="TextBox 6">
+            <a:extLst>
+              <a:ext uri="{FF2B5EF4-FFF2-40B4-BE49-F238E27FC236}">
+                <a16:creationId xmlns:a16="http://schemas.microsoft.com/office/drawing/2014/main" id="{45C5A7C0-BC27-39D2-DC17-A2F9D91A8906}"/>
+              </a:ext>
+            </a:extLst>
+          </p:cNvPr>
+          <p:cNvSpPr txBox="1"/>
+          <p:nvPr/>
+        </p:nvSpPr>
+        <p:spPr>
+          <a:xfrm>
+            <a:off x="790171" y="4277284"/>
+            <a:ext cx="3907416" cy="369332"/>
+          </a:xfrm>
+          <a:prstGeom prst="rect">
+            <a:avLst/>
+          </a:prstGeom>
+          <a:noFill/>
+        </p:spPr>
+        <p:txBody>
+          <a:bodyPr wrap="none" rtlCol="0">
+            <a:spAutoFit/>
+          </a:bodyPr>
+          <a:lstStyle/>
+          <a:p>
+            <a:r>
+              <a:rPr lang="en-US" dirty="0"/>
+              <a:t>ICA avec le </a:t>
+            </a:r>
+            <a:r>
+              <a:rPr lang="en-US" dirty="0" err="1"/>
+              <a:t>fichier</a:t>
+            </a:r>
+            <a:r>
+              <a:rPr lang="en-US" dirty="0"/>
+              <a:t> de </a:t>
+            </a:r>
+            <a:r>
+              <a:rPr lang="en-US" dirty="0" err="1"/>
+              <a:t>coordonné</a:t>
+            </a:r>
+            <a:r>
+              <a:rPr lang="en-US" dirty="0"/>
+              <a:t> </a:t>
+            </a:r>
+            <a:r>
+              <a:rPr lang="en-US" dirty="0" err="1"/>
+              <a:t>EEGlab</a:t>
+            </a:r>
+            <a:endParaRPr lang="en-US" dirty="0"/>
+          </a:p>
+        </p:txBody>
+      </p:sp>
+      <p:pic>
+        <p:nvPicPr>
+          <p:cNvPr id="13" name="Image 12">
+            <a:extLst>
+              <a:ext uri="{FF2B5EF4-FFF2-40B4-BE49-F238E27FC236}">
+                <a16:creationId xmlns:a16="http://schemas.microsoft.com/office/drawing/2014/main" id="{1802A544-1A14-85B0-6958-0B35CB77C968}"/>
+              </a:ext>
+            </a:extLst>
+          </p:cNvPr>
+          <p:cNvPicPr>
+            <a:picLocks noChangeAspect="1"/>
+          </p:cNvPicPr>
+          <p:nvPr/>
+        </p:nvPicPr>
+        <p:blipFill>
+          <a:blip r:embed="rId4"/>
+          <a:stretch>
+            <a:fillRect/>
+          </a:stretch>
+        </p:blipFill>
+        <p:spPr>
+          <a:xfrm>
+            <a:off x="3886200" y="1862697"/>
+            <a:ext cx="2055055" cy="2414587"/>
+          </a:xfrm>
+          <a:prstGeom prst="rect">
+            <a:avLst/>
+          </a:prstGeom>
+        </p:spPr>
+      </p:pic>
+      <p:pic>
+        <p:nvPicPr>
+          <p:cNvPr id="15" name="Image 14">
+            <a:extLst>
+              <a:ext uri="{FF2B5EF4-FFF2-40B4-BE49-F238E27FC236}">
+                <a16:creationId xmlns:a16="http://schemas.microsoft.com/office/drawing/2014/main" id="{E043CF2C-5522-2BAF-B512-9141D5B1C80C}"/>
+              </a:ext>
+            </a:extLst>
+          </p:cNvPr>
+          <p:cNvPicPr>
+            <a:picLocks noChangeAspect="1"/>
+          </p:cNvPicPr>
+          <p:nvPr/>
+        </p:nvPicPr>
+        <p:blipFill>
+          <a:blip r:embed="rId5"/>
+          <a:stretch>
+            <a:fillRect/>
+          </a:stretch>
+        </p:blipFill>
+        <p:spPr>
+          <a:xfrm>
+            <a:off x="9871908" y="1936340"/>
+            <a:ext cx="2041626" cy="2388010"/>
+          </a:xfrm>
+          <a:prstGeom prst="rect">
+            <a:avLst/>
+          </a:prstGeom>
+        </p:spPr>
+      </p:pic>
+      <p:sp>
+        <p:nvSpPr>
+          <p:cNvPr id="16" name="ZoneTexte 15">
+            <a:extLst>
+              <a:ext uri="{FF2B5EF4-FFF2-40B4-BE49-F238E27FC236}">
+                <a16:creationId xmlns:a16="http://schemas.microsoft.com/office/drawing/2014/main" id="{504DEA0B-45ED-8B9E-E068-4D8E0B1C6E02}"/>
+              </a:ext>
+            </a:extLst>
+          </p:cNvPr>
+          <p:cNvSpPr txBox="1"/>
+          <p:nvPr/>
+        </p:nvSpPr>
+        <p:spPr>
+          <a:xfrm>
+            <a:off x="417250" y="4927107"/>
+            <a:ext cx="11647503" cy="1477328"/>
+          </a:xfrm>
+          <a:prstGeom prst="rect">
+            <a:avLst/>
+          </a:prstGeom>
+          <a:noFill/>
+        </p:spPr>
+        <p:txBody>
+          <a:bodyPr wrap="square" rtlCol="0">
+            <a:spAutoFit/>
+          </a:bodyPr>
+          <a:lstStyle/>
+          <a:p>
+            <a:r>
+              <a:rPr lang="fr-FR" dirty="0"/>
+              <a:t>Il y a une petite différence au niveau des </a:t>
+            </a:r>
+            <a:r>
+              <a:rPr lang="fr-FR" dirty="0" err="1"/>
+              <a:t>valeures</a:t>
+            </a:r>
+            <a:r>
+              <a:rPr lang="fr-FR" dirty="0"/>
+              <a:t> de pourcentages (mais pas d’</a:t>
+            </a:r>
+            <a:r>
+              <a:rPr lang="fr-FR" dirty="0" err="1"/>
+              <a:t>atribution</a:t>
+            </a:r>
+            <a:r>
+              <a:rPr lang="fr-FR" dirty="0"/>
+              <a:t>). Pour l’étude CIPAIN ça aura un impact pour le </a:t>
+            </a:r>
+            <a:r>
+              <a:rPr lang="fr-FR" dirty="0" err="1"/>
+              <a:t>threshold</a:t>
+            </a:r>
+            <a:r>
+              <a:rPr lang="fr-FR" dirty="0"/>
+              <a:t> des muscle. J’ai décider de prendre 90%. On voit que la composante 11 musculaire à 74% pour la gauche et 90% pour la droite. Il est difficile de décider si c’est vraiment muscle ou pas. Le cours indique clairement que si il y a un doute il faut garder. Par contre au niveau </a:t>
+            </a:r>
+            <a:r>
+              <a:rPr lang="fr-FR" dirty="0" err="1"/>
+              <a:t>occulaire</a:t>
+            </a:r>
+            <a:r>
+              <a:rPr lang="fr-FR" dirty="0"/>
+              <a:t>, la composante 2 est clairement un mouvement </a:t>
+            </a:r>
+            <a:r>
+              <a:rPr lang="fr-FR" dirty="0" err="1"/>
+              <a:t>occulaire</a:t>
+            </a:r>
+            <a:r>
+              <a:rPr lang="fr-FR" dirty="0"/>
+              <a:t> et il a un meilleurs proba à droite. </a:t>
+            </a:r>
+            <a:endParaRPr lang="fr-CH" dirty="0"/>
+          </a:p>
+        </p:txBody>
+      </p:sp>
+    </p:spTree>
+    <p:extLst>
+      <p:ext uri="{BB962C8B-B14F-4D97-AF65-F5344CB8AC3E}">
+        <p14:creationId xmlns:p14="http://schemas.microsoft.com/office/powerpoint/2010/main" val="2665258020"/>
+      </p:ext>
+    </p:extLst>
+  </p:cSld>
+  <p:clrMapOvr>
+    <a:masterClrMapping/>
+  </p:clrMapOvr>
+</p:sld>
+</file>
+
+<file path=ppt/slides/slide8.xml><?xml version="1.0" encoding="utf-8"?>
+<p:sld xmlns:a="http://schemas.openxmlformats.org/drawingml/2006/main" xmlns:r="http://schemas.openxmlformats.org/officeDocument/2006/relationships" xmlns:p="http://schemas.openxmlformats.org/presentationml/2006/main">
+  <p:cSld>
+    <p:spTree>
+      <p:nvGrpSpPr>
+        <p:cNvPr id="1" name=""/>
+        <p:cNvGrpSpPr/>
+        <p:nvPr/>
+      </p:nvGrpSpPr>
+      <p:grpSpPr>
+        <a:xfrm>
+          <a:off x="0" y="0"/>
+          <a:ext cx="0" cy="0"/>
+          <a:chOff x="0" y="0"/>
+          <a:chExt cx="0" cy="0"/>
+        </a:xfrm>
+      </p:grpSpPr>
+      <p:sp>
+        <p:nvSpPr>
+          <p:cNvPr id="4" name="TextBox 3">
+            <a:extLst>
+              <a:ext uri="{FF2B5EF4-FFF2-40B4-BE49-F238E27FC236}">
+                <a16:creationId xmlns:a16="http://schemas.microsoft.com/office/drawing/2014/main" id="{F258C0CC-60E7-D3DC-75E3-B242D7C5104B}"/>
+              </a:ext>
+            </a:extLst>
+          </p:cNvPr>
+          <p:cNvSpPr txBox="1"/>
+          <p:nvPr/>
+        </p:nvSpPr>
+        <p:spPr>
+          <a:xfrm>
+            <a:off x="147781" y="203200"/>
+            <a:ext cx="9701310" cy="369332"/>
+          </a:xfrm>
+          <a:prstGeom prst="rect">
+            <a:avLst/>
+          </a:prstGeom>
+          <a:noFill/>
+        </p:spPr>
+        <p:txBody>
+          <a:bodyPr wrap="none" rtlCol="0">
+            <a:spAutoFit/>
+          </a:bodyPr>
+          <a:lstStyle/>
+          <a:p>
+            <a:r>
+              <a:rPr lang="en-US" dirty="0"/>
+              <a:t>Pour prendre un decision je test sur un </a:t>
+            </a:r>
+            <a:r>
+              <a:rPr lang="en-US" dirty="0" err="1"/>
+              <a:t>deuxième</a:t>
+            </a:r>
+            <a:r>
+              <a:rPr lang="en-US" dirty="0"/>
+              <a:t> </a:t>
+            </a:r>
+            <a:r>
+              <a:rPr lang="en-US" dirty="0" err="1"/>
+              <a:t>fichier</a:t>
+            </a:r>
+            <a:r>
+              <a:rPr lang="en-US" dirty="0"/>
+              <a:t> Interoception_CAS_P016_19122023_synch4 </a:t>
+            </a:r>
+          </a:p>
+        </p:txBody>
+      </p:sp>
+      <p:sp>
+        <p:nvSpPr>
+          <p:cNvPr id="8" name="TextBox 7">
+            <a:extLst>
+              <a:ext uri="{FF2B5EF4-FFF2-40B4-BE49-F238E27FC236}">
+                <a16:creationId xmlns:a16="http://schemas.microsoft.com/office/drawing/2014/main" id="{B04B4C1B-41BB-E2B3-51A1-B5673DC27EBD}"/>
+              </a:ext>
+            </a:extLst>
+          </p:cNvPr>
+          <p:cNvSpPr txBox="1"/>
+          <p:nvPr/>
+        </p:nvSpPr>
+        <p:spPr>
+          <a:xfrm>
+            <a:off x="6096000" y="4324350"/>
+            <a:ext cx="3966599" cy="369332"/>
+          </a:xfrm>
+          <a:prstGeom prst="rect">
+            <a:avLst/>
+          </a:prstGeom>
+          <a:noFill/>
+        </p:spPr>
+        <p:txBody>
+          <a:bodyPr wrap="none" rtlCol="0">
+            <a:spAutoFit/>
+          </a:bodyPr>
+          <a:lstStyle/>
+          <a:p>
+            <a:r>
+              <a:rPr lang="en-US" dirty="0"/>
+              <a:t>ICA avec les </a:t>
+            </a:r>
+            <a:r>
+              <a:rPr lang="en-US" dirty="0" err="1"/>
+              <a:t>coordonné</a:t>
+            </a:r>
+            <a:r>
+              <a:rPr lang="en-US" dirty="0"/>
+              <a:t> </a:t>
+            </a:r>
+            <a:r>
+              <a:rPr lang="en-US" dirty="0" err="1"/>
+              <a:t>inclu</a:t>
+            </a:r>
+            <a:r>
+              <a:rPr lang="en-US" dirty="0"/>
+              <a:t> dans le .set</a:t>
+            </a:r>
+          </a:p>
+        </p:txBody>
+      </p:sp>
+      <p:sp>
+        <p:nvSpPr>
+          <p:cNvPr id="11" name="TextBox 6">
+            <a:extLst>
+              <a:ext uri="{FF2B5EF4-FFF2-40B4-BE49-F238E27FC236}">
+                <a16:creationId xmlns:a16="http://schemas.microsoft.com/office/drawing/2014/main" id="{45C5A7C0-BC27-39D2-DC17-A2F9D91A8906}"/>
+              </a:ext>
+            </a:extLst>
+          </p:cNvPr>
+          <p:cNvSpPr txBox="1"/>
+          <p:nvPr/>
+        </p:nvSpPr>
+        <p:spPr>
+          <a:xfrm>
+            <a:off x="790171" y="4277284"/>
+            <a:ext cx="3907416" cy="369332"/>
+          </a:xfrm>
+          <a:prstGeom prst="rect">
+            <a:avLst/>
+          </a:prstGeom>
+          <a:noFill/>
+        </p:spPr>
+        <p:txBody>
+          <a:bodyPr wrap="none" rtlCol="0">
+            <a:spAutoFit/>
+          </a:bodyPr>
+          <a:lstStyle/>
+          <a:p>
+            <a:r>
+              <a:rPr lang="en-US" dirty="0"/>
+              <a:t>ICA avec le </a:t>
+            </a:r>
+            <a:r>
+              <a:rPr lang="en-US" dirty="0" err="1"/>
+              <a:t>fichier</a:t>
+            </a:r>
+            <a:r>
+              <a:rPr lang="en-US" dirty="0"/>
+              <a:t> de </a:t>
+            </a:r>
+            <a:r>
+              <a:rPr lang="en-US" dirty="0" err="1"/>
+              <a:t>coordonné</a:t>
+            </a:r>
+            <a:r>
+              <a:rPr lang="en-US" dirty="0"/>
+              <a:t> </a:t>
+            </a:r>
+            <a:r>
+              <a:rPr lang="en-US" dirty="0" err="1"/>
+              <a:t>EEGlab</a:t>
+            </a:r>
+            <a:endParaRPr lang="en-US" dirty="0"/>
+          </a:p>
+        </p:txBody>
+      </p:sp>
+      <p:sp>
+        <p:nvSpPr>
+          <p:cNvPr id="16" name="ZoneTexte 15">
+            <a:extLst>
+              <a:ext uri="{FF2B5EF4-FFF2-40B4-BE49-F238E27FC236}">
+                <a16:creationId xmlns:a16="http://schemas.microsoft.com/office/drawing/2014/main" id="{504DEA0B-45ED-8B9E-E068-4D8E0B1C6E02}"/>
+              </a:ext>
+            </a:extLst>
+          </p:cNvPr>
+          <p:cNvSpPr txBox="1"/>
+          <p:nvPr/>
+        </p:nvSpPr>
+        <p:spPr>
+          <a:xfrm>
+            <a:off x="417250" y="4927107"/>
+            <a:ext cx="11647503" cy="1754326"/>
+          </a:xfrm>
+          <a:prstGeom prst="rect">
+            <a:avLst/>
+          </a:prstGeom>
+          <a:noFill/>
+        </p:spPr>
+        <p:txBody>
+          <a:bodyPr wrap="square" rtlCol="0">
+            <a:spAutoFit/>
+          </a:bodyPr>
+          <a:lstStyle/>
+          <a:p>
+            <a:r>
+              <a:rPr lang="fr-FR" dirty="0"/>
+              <a:t>Si on se focalise sur la composante 4 qui est clairement des mouvement </a:t>
+            </a:r>
+            <a:r>
+              <a:rPr lang="fr-FR" dirty="0" err="1"/>
+              <a:t>occulaires</a:t>
+            </a:r>
+            <a:r>
+              <a:rPr lang="fr-FR" dirty="0"/>
+              <a:t>, elle est classé comme </a:t>
+            </a:r>
+            <a:r>
+              <a:rPr lang="fr-FR" dirty="0" err="1"/>
+              <a:t>brain</a:t>
+            </a:r>
+            <a:r>
+              <a:rPr lang="fr-FR" dirty="0"/>
+              <a:t> à gauche et mouvement </a:t>
+            </a:r>
+            <a:r>
+              <a:rPr lang="fr-FR" dirty="0" err="1"/>
+              <a:t>occulaire</a:t>
+            </a:r>
+            <a:r>
+              <a:rPr lang="fr-FR" dirty="0"/>
+              <a:t> à droite. La version de droite (coordonné inclus dans .set après conversion de </a:t>
+            </a:r>
+            <a:r>
+              <a:rPr lang="fr-FR" dirty="0" err="1"/>
+              <a:t>MichaelDP</a:t>
+            </a:r>
+            <a:r>
+              <a:rPr lang="fr-FR" dirty="0"/>
+              <a:t>). </a:t>
+            </a:r>
+          </a:p>
+          <a:p>
+            <a:endParaRPr lang="fr-FR" dirty="0"/>
+          </a:p>
+          <a:p>
+            <a:r>
+              <a:rPr lang="fr-FR" b="1" dirty="0">
+                <a:solidFill>
+                  <a:srgbClr val="00B050"/>
+                </a:solidFill>
+              </a:rPr>
+              <a:t>Conclusion final: Je décide de supprimer l’entrée des coordonnées dans le début de l’ICA et de faire confiance au conversion de </a:t>
+            </a:r>
+            <a:r>
+              <a:rPr lang="fr-FR" b="1" dirty="0" err="1">
+                <a:solidFill>
+                  <a:srgbClr val="00B050"/>
+                </a:solidFill>
+              </a:rPr>
+              <a:t>MichaelDP</a:t>
+            </a:r>
+            <a:r>
+              <a:rPr lang="fr-FR" b="1" dirty="0">
+                <a:solidFill>
+                  <a:srgbClr val="00B050"/>
+                </a:solidFill>
+              </a:rPr>
+              <a:t> pour les coordonné </a:t>
+            </a:r>
+            <a:r>
+              <a:rPr lang="fr-FR" b="1" dirty="0" err="1">
+                <a:solidFill>
+                  <a:srgbClr val="00B050"/>
+                </a:solidFill>
+              </a:rPr>
+              <a:t>xyz</a:t>
+            </a:r>
+            <a:r>
+              <a:rPr lang="fr-FR" b="1" dirty="0">
+                <a:solidFill>
+                  <a:srgbClr val="00B050"/>
+                </a:solidFill>
+              </a:rPr>
+              <a:t> vers </a:t>
+            </a:r>
+            <a:r>
+              <a:rPr lang="fr-FR" b="1" dirty="0" err="1">
+                <a:solidFill>
+                  <a:srgbClr val="00B050"/>
+                </a:solidFill>
+              </a:rPr>
+              <a:t>EEGlab</a:t>
+            </a:r>
+            <a:r>
+              <a:rPr lang="fr-FR" b="1" dirty="0">
+                <a:solidFill>
+                  <a:srgbClr val="00B050"/>
+                </a:solidFill>
+              </a:rPr>
+              <a:t>. Dans les deux fichier étudié, les résultats son meilleurs au niveau de la classification des mouvement </a:t>
+            </a:r>
+            <a:r>
+              <a:rPr lang="fr-FR" b="1" dirty="0" err="1">
+                <a:solidFill>
+                  <a:srgbClr val="00B050"/>
+                </a:solidFill>
+              </a:rPr>
+              <a:t>occulaire</a:t>
+            </a:r>
+            <a:r>
+              <a:rPr lang="fr-FR" b="1" dirty="0">
+                <a:solidFill>
+                  <a:srgbClr val="00B050"/>
+                </a:solidFill>
+              </a:rPr>
+              <a:t>. </a:t>
+            </a:r>
+            <a:endParaRPr lang="fr-CH" b="1" dirty="0">
+              <a:solidFill>
+                <a:srgbClr val="00B050"/>
+              </a:solidFill>
+            </a:endParaRPr>
+          </a:p>
+        </p:txBody>
+      </p:sp>
+      <p:pic>
+        <p:nvPicPr>
+          <p:cNvPr id="3" name="Image 2">
+            <a:extLst>
+              <a:ext uri="{FF2B5EF4-FFF2-40B4-BE49-F238E27FC236}">
+                <a16:creationId xmlns:a16="http://schemas.microsoft.com/office/drawing/2014/main" id="{3D9BE10B-83C0-DAFC-93D3-605FBE5C780A}"/>
+              </a:ext>
+            </a:extLst>
+          </p:cNvPr>
+          <p:cNvPicPr>
+            <a:picLocks noChangeAspect="1"/>
+          </p:cNvPicPr>
+          <p:nvPr/>
+        </p:nvPicPr>
+        <p:blipFill>
+          <a:blip r:embed="rId2"/>
+          <a:stretch>
+            <a:fillRect/>
+          </a:stretch>
+        </p:blipFill>
+        <p:spPr>
+          <a:xfrm>
+            <a:off x="6096000" y="1143559"/>
+            <a:ext cx="3607734" cy="3080409"/>
+          </a:xfrm>
+          <a:prstGeom prst="rect">
+            <a:avLst/>
+          </a:prstGeom>
+        </p:spPr>
+      </p:pic>
+      <p:pic>
+        <p:nvPicPr>
+          <p:cNvPr id="9" name="Image 8">
+            <a:extLst>
+              <a:ext uri="{FF2B5EF4-FFF2-40B4-BE49-F238E27FC236}">
+                <a16:creationId xmlns:a16="http://schemas.microsoft.com/office/drawing/2014/main" id="{F7CD16E0-C474-1A21-C385-4F95441ABCB1}"/>
+              </a:ext>
+            </a:extLst>
+          </p:cNvPr>
+          <p:cNvPicPr>
+            <a:picLocks noChangeAspect="1"/>
+          </p:cNvPicPr>
+          <p:nvPr/>
+        </p:nvPicPr>
+        <p:blipFill>
+          <a:blip r:embed="rId3"/>
+          <a:stretch>
+            <a:fillRect/>
+          </a:stretch>
+        </p:blipFill>
+        <p:spPr>
+          <a:xfrm>
+            <a:off x="1030303" y="1148995"/>
+            <a:ext cx="3597481" cy="3005755"/>
           </a:xfrm>
           <a:prstGeom prst="rect">
             <a:avLst/>
@@ -5599,7 +6936,349 @@
     </p:spTree>
     <p:extLst>
       <p:ext uri="{BB962C8B-B14F-4D97-AF65-F5344CB8AC3E}">
-        <p14:creationId xmlns:p14="http://schemas.microsoft.com/office/powerpoint/2010/main" val="3094821224"/>
+        <p14:creationId xmlns:p14="http://schemas.microsoft.com/office/powerpoint/2010/main" val="1187280943"/>
+      </p:ext>
+    </p:extLst>
+  </p:cSld>
+  <p:clrMapOvr>
+    <a:masterClrMapping/>
+  </p:clrMapOvr>
+</p:sld>
+</file>
+
+<file path=ppt/slides/slide9.xml><?xml version="1.0" encoding="utf-8"?>
+<p:sld xmlns:a="http://schemas.openxmlformats.org/drawingml/2006/main" xmlns:r="http://schemas.openxmlformats.org/officeDocument/2006/relationships" xmlns:p="http://schemas.openxmlformats.org/presentationml/2006/main">
+  <p:cSld>
+    <p:spTree>
+      <p:nvGrpSpPr>
+        <p:cNvPr id="1" name=""/>
+        <p:cNvGrpSpPr/>
+        <p:nvPr/>
+      </p:nvGrpSpPr>
+      <p:grpSpPr>
+        <a:xfrm>
+          <a:off x="0" y="0"/>
+          <a:ext cx="0" cy="0"/>
+          <a:chOff x="0" y="0"/>
+          <a:chExt cx="0" cy="0"/>
+        </a:xfrm>
+      </p:grpSpPr>
+      <p:sp>
+        <p:nvSpPr>
+          <p:cNvPr id="4" name="ZoneTexte 3">
+            <a:extLst>
+              <a:ext uri="{FF2B5EF4-FFF2-40B4-BE49-F238E27FC236}">
+                <a16:creationId xmlns:a16="http://schemas.microsoft.com/office/drawing/2014/main" id="{B6ECF4C4-A1E8-8952-EC10-B25E5820F51F}"/>
+              </a:ext>
+            </a:extLst>
+          </p:cNvPr>
+          <p:cNvSpPr txBox="1"/>
+          <p:nvPr/>
+        </p:nvSpPr>
+        <p:spPr>
+          <a:xfrm>
+            <a:off x="390617" y="301841"/>
+            <a:ext cx="8296951" cy="369332"/>
+          </a:xfrm>
+          <a:prstGeom prst="rect">
+            <a:avLst/>
+          </a:prstGeom>
+          <a:noFill/>
+        </p:spPr>
+        <p:txBody>
+          <a:bodyPr wrap="none" rtlCol="0">
+            <a:spAutoFit/>
+          </a:bodyPr>
+          <a:lstStyle/>
+          <a:p>
+            <a:r>
+              <a:rPr lang="fr-FR" dirty="0"/>
+              <a:t>Test de l’ICA si le fichier n’a pas été sauvé en .set (appel de la fonction </a:t>
+            </a:r>
+            <a:r>
+              <a:rPr lang="fr-FR" dirty="0" err="1"/>
+              <a:t>export_in_set.m</a:t>
+            </a:r>
+            <a:r>
+              <a:rPr lang="fr-FR" dirty="0"/>
+              <a:t>)</a:t>
+            </a:r>
+            <a:endParaRPr lang="fr-CH" dirty="0"/>
+          </a:p>
+        </p:txBody>
+      </p:sp>
+      <p:pic>
+        <p:nvPicPr>
+          <p:cNvPr id="6" name="Image 5">
+            <a:extLst>
+              <a:ext uri="{FF2B5EF4-FFF2-40B4-BE49-F238E27FC236}">
+                <a16:creationId xmlns:a16="http://schemas.microsoft.com/office/drawing/2014/main" id="{FE0CE9D2-6C8D-3DC8-7AFE-598F90E5FDD8}"/>
+              </a:ext>
+            </a:extLst>
+          </p:cNvPr>
+          <p:cNvPicPr>
+            <a:picLocks noChangeAspect="1"/>
+          </p:cNvPicPr>
+          <p:nvPr/>
+        </p:nvPicPr>
+        <p:blipFill>
+          <a:blip r:embed="rId2"/>
+          <a:stretch>
+            <a:fillRect/>
+          </a:stretch>
+        </p:blipFill>
+        <p:spPr>
+          <a:xfrm>
+            <a:off x="6192327" y="1898077"/>
+            <a:ext cx="2577036" cy="2260035"/>
+          </a:xfrm>
+          <a:prstGeom prst="rect">
+            <a:avLst/>
+          </a:prstGeom>
+        </p:spPr>
+      </p:pic>
+      <p:sp>
+        <p:nvSpPr>
+          <p:cNvPr id="7" name="ZoneTexte 6">
+            <a:extLst>
+              <a:ext uri="{FF2B5EF4-FFF2-40B4-BE49-F238E27FC236}">
+                <a16:creationId xmlns:a16="http://schemas.microsoft.com/office/drawing/2014/main" id="{5F001054-5D8B-A849-E426-B5C2E9D038D2}"/>
+              </a:ext>
+            </a:extLst>
+          </p:cNvPr>
+          <p:cNvSpPr txBox="1"/>
+          <p:nvPr/>
+        </p:nvSpPr>
+        <p:spPr>
+          <a:xfrm>
+            <a:off x="169637" y="822960"/>
+            <a:ext cx="11671843" cy="923330"/>
+          </a:xfrm>
+          <a:prstGeom prst="rect">
+            <a:avLst/>
+          </a:prstGeom>
+          <a:noFill/>
+        </p:spPr>
+        <p:txBody>
+          <a:bodyPr wrap="square" rtlCol="0">
+            <a:spAutoFit/>
+          </a:bodyPr>
+          <a:lstStyle/>
+          <a:p>
+            <a:r>
+              <a:rPr lang="fr-FR" dirty="0"/>
+              <a:t>Procédure: répétition de la procédure de la slide 2 (exactement les même paramètres) mais en restant en </a:t>
+            </a:r>
+            <a:r>
+              <a:rPr lang="fr-FR" dirty="0" err="1"/>
+              <a:t>sef</a:t>
+            </a:r>
+            <a:r>
+              <a:rPr lang="fr-FR" dirty="0"/>
+              <a:t> pendant tout le </a:t>
+            </a:r>
+            <a:r>
+              <a:rPr lang="fr-FR" dirty="0" err="1"/>
+              <a:t>processing</a:t>
+            </a:r>
+            <a:r>
+              <a:rPr lang="fr-FR" dirty="0"/>
+              <a:t> au lieu de travailler en </a:t>
+            </a:r>
+            <a:r>
+              <a:rPr lang="fr-FR" dirty="0" err="1"/>
+              <a:t>sef</a:t>
+            </a:r>
+            <a:r>
+              <a:rPr lang="fr-FR" dirty="0"/>
+              <a:t>. Les résultats sont dans les sous-répertoire </a:t>
+            </a:r>
+            <a:r>
+              <a:rPr lang="fr-FR" dirty="0" err="1"/>
+              <a:t>sef</a:t>
+            </a:r>
+            <a:r>
+              <a:rPr lang="fr-FR" dirty="0"/>
+              <a:t>. Travail sur le fichier Interoception_CAS_P012_13122023_synch1.bdf</a:t>
+            </a:r>
+            <a:endParaRPr lang="fr-CH" dirty="0"/>
+          </a:p>
+        </p:txBody>
+      </p:sp>
+      <p:sp>
+        <p:nvSpPr>
+          <p:cNvPr id="8" name="ZoneTexte 7">
+            <a:extLst>
+              <a:ext uri="{FF2B5EF4-FFF2-40B4-BE49-F238E27FC236}">
+                <a16:creationId xmlns:a16="http://schemas.microsoft.com/office/drawing/2014/main" id="{C0DA5DD3-5361-EA47-ADE7-86813AD5013B}"/>
+              </a:ext>
+            </a:extLst>
+          </p:cNvPr>
+          <p:cNvSpPr txBox="1"/>
+          <p:nvPr/>
+        </p:nvSpPr>
+        <p:spPr>
+          <a:xfrm>
+            <a:off x="6237395" y="4158112"/>
+            <a:ext cx="2486899" cy="369332"/>
+          </a:xfrm>
+          <a:prstGeom prst="rect">
+            <a:avLst/>
+          </a:prstGeom>
+          <a:noFill/>
+        </p:spPr>
+        <p:txBody>
+          <a:bodyPr wrap="none" rtlCol="0">
+            <a:spAutoFit/>
+          </a:bodyPr>
+          <a:lstStyle/>
+          <a:p>
+            <a:r>
+              <a:rPr lang="fr-FR" dirty="0"/>
+              <a:t>Pipeline complète en </a:t>
+            </a:r>
+            <a:r>
+              <a:rPr lang="fr-FR" dirty="0" err="1"/>
+              <a:t>sef</a:t>
+            </a:r>
+            <a:endParaRPr lang="fr-CH" dirty="0"/>
+          </a:p>
+        </p:txBody>
+      </p:sp>
+      <p:pic>
+        <p:nvPicPr>
+          <p:cNvPr id="9" name="Image 8">
+            <a:extLst>
+              <a:ext uri="{FF2B5EF4-FFF2-40B4-BE49-F238E27FC236}">
+                <a16:creationId xmlns:a16="http://schemas.microsoft.com/office/drawing/2014/main" id="{E220244B-F9AC-F4FA-0987-3E880669236C}"/>
+              </a:ext>
+            </a:extLst>
+          </p:cNvPr>
+          <p:cNvPicPr>
+            <a:picLocks noChangeAspect="1"/>
+          </p:cNvPicPr>
+          <p:nvPr/>
+        </p:nvPicPr>
+        <p:blipFill>
+          <a:blip r:embed="rId3"/>
+          <a:stretch>
+            <a:fillRect/>
+          </a:stretch>
+        </p:blipFill>
+        <p:spPr>
+          <a:xfrm>
+            <a:off x="1390060" y="1881306"/>
+            <a:ext cx="2654904" cy="2353473"/>
+          </a:xfrm>
+          <a:prstGeom prst="rect">
+            <a:avLst/>
+          </a:prstGeom>
+        </p:spPr>
+      </p:pic>
+      <p:sp>
+        <p:nvSpPr>
+          <p:cNvPr id="10" name="ZoneTexte 9">
+            <a:extLst>
+              <a:ext uri="{FF2B5EF4-FFF2-40B4-BE49-F238E27FC236}">
+                <a16:creationId xmlns:a16="http://schemas.microsoft.com/office/drawing/2014/main" id="{2D9120DD-6AA6-6A0E-D012-FAF0524E861F}"/>
+              </a:ext>
+            </a:extLst>
+          </p:cNvPr>
+          <p:cNvSpPr txBox="1"/>
+          <p:nvPr/>
+        </p:nvSpPr>
+        <p:spPr>
+          <a:xfrm>
+            <a:off x="1410831" y="4234779"/>
+            <a:ext cx="2494144" cy="369332"/>
+          </a:xfrm>
+          <a:prstGeom prst="rect">
+            <a:avLst/>
+          </a:prstGeom>
+          <a:noFill/>
+        </p:spPr>
+        <p:txBody>
+          <a:bodyPr wrap="none" rtlCol="0">
+            <a:spAutoFit/>
+          </a:bodyPr>
+          <a:lstStyle/>
+          <a:p>
+            <a:r>
+              <a:rPr lang="fr-FR" dirty="0"/>
+              <a:t>Pipeline complète en set</a:t>
+            </a:r>
+            <a:endParaRPr lang="fr-CH" dirty="0"/>
+          </a:p>
+        </p:txBody>
+      </p:sp>
+      <p:sp>
+        <p:nvSpPr>
+          <p:cNvPr id="11" name="ZoneTexte 10">
+            <a:extLst>
+              <a:ext uri="{FF2B5EF4-FFF2-40B4-BE49-F238E27FC236}">
+                <a16:creationId xmlns:a16="http://schemas.microsoft.com/office/drawing/2014/main" id="{5CE53E7F-26E0-58F7-1504-9E53A5461EF9}"/>
+              </a:ext>
+            </a:extLst>
+          </p:cNvPr>
+          <p:cNvSpPr txBox="1"/>
+          <p:nvPr/>
+        </p:nvSpPr>
+        <p:spPr>
+          <a:xfrm>
+            <a:off x="257823" y="5275719"/>
+            <a:ext cx="7618048" cy="369332"/>
+          </a:xfrm>
+          <a:prstGeom prst="rect">
+            <a:avLst/>
+          </a:prstGeom>
+          <a:noFill/>
+        </p:spPr>
+        <p:txBody>
+          <a:bodyPr wrap="none" rtlCol="0">
+            <a:spAutoFit/>
+          </a:bodyPr>
+          <a:lstStyle/>
+          <a:p>
+            <a:r>
+              <a:rPr lang="fr-FR" dirty="0"/>
+              <a:t>Le résultat est identique ! </a:t>
+            </a:r>
+            <a:r>
+              <a:rPr lang="fr-FR" dirty="0">
+                <a:solidFill>
+                  <a:srgbClr val="00B050"/>
+                </a:solidFill>
+              </a:rPr>
+              <a:t>Donc le fonction </a:t>
+            </a:r>
+            <a:r>
+              <a:rPr lang="fr-FR" dirty="0" err="1">
+                <a:solidFill>
+                  <a:srgbClr val="00B050"/>
+                </a:solidFill>
+              </a:rPr>
+              <a:t>export_in_set.m</a:t>
+            </a:r>
+            <a:r>
+              <a:rPr lang="fr-FR" dirty="0">
+                <a:solidFill>
+                  <a:srgbClr val="00B050"/>
+                </a:solidFill>
+              </a:rPr>
+              <a:t> marche très bien.   </a:t>
+            </a:r>
+            <a:endParaRPr lang="fr-CH" dirty="0">
+              <a:solidFill>
+                <a:srgbClr val="00B050"/>
+              </a:solidFill>
+            </a:endParaRPr>
+          </a:p>
+        </p:txBody>
+      </p:sp>
+    </p:spTree>
+    <p:extLst>
+      <p:ext uri="{BB962C8B-B14F-4D97-AF65-F5344CB8AC3E}">
+        <p14:creationId xmlns:p14="http://schemas.microsoft.com/office/powerpoint/2010/main" val="2964200413"/>
       </p:ext>
     </p:extLst>
   </p:cSld>

--- a/working_doc/Test_EEpal_v1_1_merged.pptx
+++ b/working_doc/Test_EEpal_v1_1_merged.pptx
@@ -8,13 +8,15 @@
     <p:sldId id="256" r:id="rId2"/>
     <p:sldId id="257" r:id="rId3"/>
     <p:sldId id="260" r:id="rId4"/>
-    <p:sldId id="262" r:id="rId5"/>
-    <p:sldId id="261" r:id="rId6"/>
-    <p:sldId id="258" r:id="rId7"/>
-    <p:sldId id="263" r:id="rId8"/>
-    <p:sldId id="265" r:id="rId9"/>
-    <p:sldId id="264" r:id="rId10"/>
-    <p:sldId id="259" r:id="rId11"/>
+    <p:sldId id="266" r:id="rId5"/>
+    <p:sldId id="262" r:id="rId6"/>
+    <p:sldId id="261" r:id="rId7"/>
+    <p:sldId id="258" r:id="rId8"/>
+    <p:sldId id="263" r:id="rId9"/>
+    <p:sldId id="265" r:id="rId10"/>
+    <p:sldId id="264" r:id="rId11"/>
+    <p:sldId id="259" r:id="rId12"/>
+    <p:sldId id="267" r:id="rId13"/>
   </p:sldIdLst>
   <p:sldSz cx="12192000" cy="6858000"/>
   <p:notesSz cx="6858000" cy="9144000"/>
@@ -119,8 +121,17 @@
         <p14:section name="Section par défaut" id="{2917CFB4-C9A8-40A4-8A4E-76B40679059C}">
           <p14:sldIdLst>
             <p14:sldId id="256"/>
+          </p14:sldIdLst>
+        </p14:section>
+        <p14:section name="Modules originaux" id="{90303556-B5A5-4B78-8172-34F93FF8B69A}">
+          <p14:sldIdLst>
             <p14:sldId id="257"/>
             <p14:sldId id="260"/>
+          </p14:sldIdLst>
+        </p14:section>
+        <p14:section name="FileCut" id="{4F408683-A2AF-4392-A061-A4FC5D1E500C}">
+          <p14:sldIdLst>
+            <p14:sldId id="266"/>
           </p14:sldIdLst>
         </p14:section>
         <p14:section name="ICA" id="{D600983B-4583-4E54-8BF7-EA13BEBA8A69}">
@@ -132,6 +143,11 @@
             <p14:sldId id="265"/>
             <p14:sldId id="264"/>
             <p14:sldId id="259"/>
+          </p14:sldIdLst>
+        </p14:section>
+        <p14:section name="EEGlab complet" id="{3866AB26-A609-4CA1-B54C-0CD07B87191C}">
+          <p14:sldIdLst>
+            <p14:sldId id="267"/>
           </p14:sldIdLst>
         </p14:section>
       </p14:sectionLst>
@@ -290,7 +306,7 @@
           <a:p>
             <a:fld id="{40E3AD8D-9EE1-4D90-966E-35891E300468}" type="datetimeFigureOut">
               <a:rPr lang="en-US" smtClean="0"/>
-              <a:t>5/4/2024</a:t>
+              <a:t>5/5/2024</a:t>
             </a:fld>
             <a:endParaRPr lang="en-US"/>
           </a:p>
@@ -488,7 +504,7 @@
           <a:p>
             <a:fld id="{40E3AD8D-9EE1-4D90-966E-35891E300468}" type="datetimeFigureOut">
               <a:rPr lang="en-US" smtClean="0"/>
-              <a:t>5/4/2024</a:t>
+              <a:t>5/5/2024</a:t>
             </a:fld>
             <a:endParaRPr lang="en-US"/>
           </a:p>
@@ -696,7 +712,7 @@
           <a:p>
             <a:fld id="{40E3AD8D-9EE1-4D90-966E-35891E300468}" type="datetimeFigureOut">
               <a:rPr lang="en-US" smtClean="0"/>
-              <a:t>5/4/2024</a:t>
+              <a:t>5/5/2024</a:t>
             </a:fld>
             <a:endParaRPr lang="en-US"/>
           </a:p>
@@ -894,7 +910,7 @@
           <a:p>
             <a:fld id="{40E3AD8D-9EE1-4D90-966E-35891E300468}" type="datetimeFigureOut">
               <a:rPr lang="en-US" smtClean="0"/>
-              <a:t>5/4/2024</a:t>
+              <a:t>5/5/2024</a:t>
             </a:fld>
             <a:endParaRPr lang="en-US"/>
           </a:p>
@@ -1169,7 +1185,7 @@
           <a:p>
             <a:fld id="{40E3AD8D-9EE1-4D90-966E-35891E300468}" type="datetimeFigureOut">
               <a:rPr lang="en-US" smtClean="0"/>
-              <a:t>5/4/2024</a:t>
+              <a:t>5/5/2024</a:t>
             </a:fld>
             <a:endParaRPr lang="en-US"/>
           </a:p>
@@ -1434,7 +1450,7 @@
           <a:p>
             <a:fld id="{40E3AD8D-9EE1-4D90-966E-35891E300468}" type="datetimeFigureOut">
               <a:rPr lang="en-US" smtClean="0"/>
-              <a:t>5/4/2024</a:t>
+              <a:t>5/5/2024</a:t>
             </a:fld>
             <a:endParaRPr lang="en-US"/>
           </a:p>
@@ -1846,7 +1862,7 @@
           <a:p>
             <a:fld id="{40E3AD8D-9EE1-4D90-966E-35891E300468}" type="datetimeFigureOut">
               <a:rPr lang="en-US" smtClean="0"/>
-              <a:t>5/4/2024</a:t>
+              <a:t>5/5/2024</a:t>
             </a:fld>
             <a:endParaRPr lang="en-US"/>
           </a:p>
@@ -1987,7 +2003,7 @@
           <a:p>
             <a:fld id="{40E3AD8D-9EE1-4D90-966E-35891E300468}" type="datetimeFigureOut">
               <a:rPr lang="en-US" smtClean="0"/>
-              <a:t>5/4/2024</a:t>
+              <a:t>5/5/2024</a:t>
             </a:fld>
             <a:endParaRPr lang="en-US"/>
           </a:p>
@@ -2100,7 +2116,7 @@
           <a:p>
             <a:fld id="{40E3AD8D-9EE1-4D90-966E-35891E300468}" type="datetimeFigureOut">
               <a:rPr lang="en-US" smtClean="0"/>
-              <a:t>5/4/2024</a:t>
+              <a:t>5/5/2024</a:t>
             </a:fld>
             <a:endParaRPr lang="en-US"/>
           </a:p>
@@ -2411,7 +2427,7 @@
           <a:p>
             <a:fld id="{40E3AD8D-9EE1-4D90-966E-35891E300468}" type="datetimeFigureOut">
               <a:rPr lang="en-US" smtClean="0"/>
-              <a:t>5/4/2024</a:t>
+              <a:t>5/5/2024</a:t>
             </a:fld>
             <a:endParaRPr lang="en-US"/>
           </a:p>
@@ -2699,7 +2715,7 @@
           <a:p>
             <a:fld id="{40E3AD8D-9EE1-4D90-966E-35891E300468}" type="datetimeFigureOut">
               <a:rPr lang="en-US" smtClean="0"/>
-              <a:t>5/4/2024</a:t>
+              <a:t>5/5/2024</a:t>
             </a:fld>
             <a:endParaRPr lang="en-US"/>
           </a:p>
@@ -2940,7 +2956,7 @@
           <a:p>
             <a:fld id="{40E3AD8D-9EE1-4D90-966E-35891E300468}" type="datetimeFigureOut">
               <a:rPr lang="en-US" smtClean="0"/>
-              <a:t>5/4/2024</a:t>
+              <a:t>5/5/2024</a:t>
             </a:fld>
             <a:endParaRPr lang="en-US"/>
           </a:p>
@@ -3482,6 +3498,348 @@
       </p:grpSpPr>
       <p:sp>
         <p:nvSpPr>
+          <p:cNvPr id="4" name="ZoneTexte 3">
+            <a:extLst>
+              <a:ext uri="{FF2B5EF4-FFF2-40B4-BE49-F238E27FC236}">
+                <a16:creationId xmlns:a16="http://schemas.microsoft.com/office/drawing/2014/main" id="{B6ECF4C4-A1E8-8952-EC10-B25E5820F51F}"/>
+              </a:ext>
+            </a:extLst>
+          </p:cNvPr>
+          <p:cNvSpPr txBox="1"/>
+          <p:nvPr/>
+        </p:nvSpPr>
+        <p:spPr>
+          <a:xfrm>
+            <a:off x="390617" y="301841"/>
+            <a:ext cx="8296951" cy="369332"/>
+          </a:xfrm>
+          <a:prstGeom prst="rect">
+            <a:avLst/>
+          </a:prstGeom>
+          <a:noFill/>
+        </p:spPr>
+        <p:txBody>
+          <a:bodyPr wrap="none" rtlCol="0">
+            <a:spAutoFit/>
+          </a:bodyPr>
+          <a:lstStyle/>
+          <a:p>
+            <a:r>
+              <a:rPr lang="fr-FR" dirty="0"/>
+              <a:t>Test de l’ICA si le fichier n’a pas été sauvé en .set (appel de la fonction </a:t>
+            </a:r>
+            <a:r>
+              <a:rPr lang="fr-FR" dirty="0" err="1"/>
+              <a:t>export_in_set.m</a:t>
+            </a:r>
+            <a:r>
+              <a:rPr lang="fr-FR" dirty="0"/>
+              <a:t>)</a:t>
+            </a:r>
+            <a:endParaRPr lang="fr-CH" dirty="0"/>
+          </a:p>
+        </p:txBody>
+      </p:sp>
+      <p:pic>
+        <p:nvPicPr>
+          <p:cNvPr id="6" name="Image 5">
+            <a:extLst>
+              <a:ext uri="{FF2B5EF4-FFF2-40B4-BE49-F238E27FC236}">
+                <a16:creationId xmlns:a16="http://schemas.microsoft.com/office/drawing/2014/main" id="{FE0CE9D2-6C8D-3DC8-7AFE-598F90E5FDD8}"/>
+              </a:ext>
+            </a:extLst>
+          </p:cNvPr>
+          <p:cNvPicPr>
+            <a:picLocks noChangeAspect="1"/>
+          </p:cNvPicPr>
+          <p:nvPr/>
+        </p:nvPicPr>
+        <p:blipFill>
+          <a:blip r:embed="rId2"/>
+          <a:stretch>
+            <a:fillRect/>
+          </a:stretch>
+        </p:blipFill>
+        <p:spPr>
+          <a:xfrm>
+            <a:off x="6192327" y="1898077"/>
+            <a:ext cx="2577036" cy="2260035"/>
+          </a:xfrm>
+          <a:prstGeom prst="rect">
+            <a:avLst/>
+          </a:prstGeom>
+        </p:spPr>
+      </p:pic>
+      <p:sp>
+        <p:nvSpPr>
+          <p:cNvPr id="7" name="ZoneTexte 6">
+            <a:extLst>
+              <a:ext uri="{FF2B5EF4-FFF2-40B4-BE49-F238E27FC236}">
+                <a16:creationId xmlns:a16="http://schemas.microsoft.com/office/drawing/2014/main" id="{5F001054-5D8B-A849-E426-B5C2E9D038D2}"/>
+              </a:ext>
+            </a:extLst>
+          </p:cNvPr>
+          <p:cNvSpPr txBox="1"/>
+          <p:nvPr/>
+        </p:nvSpPr>
+        <p:spPr>
+          <a:xfrm>
+            <a:off x="169637" y="822960"/>
+            <a:ext cx="11671843" cy="923330"/>
+          </a:xfrm>
+          <a:prstGeom prst="rect">
+            <a:avLst/>
+          </a:prstGeom>
+          <a:noFill/>
+        </p:spPr>
+        <p:txBody>
+          <a:bodyPr wrap="square" rtlCol="0">
+            <a:spAutoFit/>
+          </a:bodyPr>
+          <a:lstStyle/>
+          <a:p>
+            <a:r>
+              <a:rPr lang="fr-FR" dirty="0"/>
+              <a:t>Procédure: répétition de la procédure de la slide 2 (exactement les même paramètres) mais en restant en </a:t>
+            </a:r>
+            <a:r>
+              <a:rPr lang="fr-FR" dirty="0" err="1"/>
+              <a:t>sef</a:t>
+            </a:r>
+            <a:r>
+              <a:rPr lang="fr-FR" dirty="0"/>
+              <a:t> pendant tout le </a:t>
+            </a:r>
+            <a:r>
+              <a:rPr lang="fr-FR" dirty="0" err="1"/>
+              <a:t>processing</a:t>
+            </a:r>
+            <a:r>
+              <a:rPr lang="fr-FR" dirty="0"/>
+              <a:t> au lieu de travailler en </a:t>
+            </a:r>
+            <a:r>
+              <a:rPr lang="fr-FR" dirty="0" err="1"/>
+              <a:t>sef</a:t>
+            </a:r>
+            <a:r>
+              <a:rPr lang="fr-FR" dirty="0"/>
+              <a:t>. Les résultats sont dans les sous-répertoire </a:t>
+            </a:r>
+            <a:r>
+              <a:rPr lang="fr-FR" dirty="0" err="1"/>
+              <a:t>sef</a:t>
+            </a:r>
+            <a:r>
+              <a:rPr lang="fr-FR" dirty="0"/>
+              <a:t>. Travail sur le fichier Interoception_CAS_P012_13122023_synch1.bdf</a:t>
+            </a:r>
+            <a:endParaRPr lang="fr-CH" dirty="0"/>
+          </a:p>
+        </p:txBody>
+      </p:sp>
+      <p:sp>
+        <p:nvSpPr>
+          <p:cNvPr id="8" name="ZoneTexte 7">
+            <a:extLst>
+              <a:ext uri="{FF2B5EF4-FFF2-40B4-BE49-F238E27FC236}">
+                <a16:creationId xmlns:a16="http://schemas.microsoft.com/office/drawing/2014/main" id="{C0DA5DD3-5361-EA47-ADE7-86813AD5013B}"/>
+              </a:ext>
+            </a:extLst>
+          </p:cNvPr>
+          <p:cNvSpPr txBox="1"/>
+          <p:nvPr/>
+        </p:nvSpPr>
+        <p:spPr>
+          <a:xfrm>
+            <a:off x="6237395" y="4158112"/>
+            <a:ext cx="2486899" cy="369332"/>
+          </a:xfrm>
+          <a:prstGeom prst="rect">
+            <a:avLst/>
+          </a:prstGeom>
+          <a:noFill/>
+        </p:spPr>
+        <p:txBody>
+          <a:bodyPr wrap="none" rtlCol="0">
+            <a:spAutoFit/>
+          </a:bodyPr>
+          <a:lstStyle/>
+          <a:p>
+            <a:r>
+              <a:rPr lang="fr-FR" dirty="0"/>
+              <a:t>Pipeline complète en </a:t>
+            </a:r>
+            <a:r>
+              <a:rPr lang="fr-FR" dirty="0" err="1"/>
+              <a:t>sef</a:t>
+            </a:r>
+            <a:endParaRPr lang="fr-CH" dirty="0"/>
+          </a:p>
+        </p:txBody>
+      </p:sp>
+      <p:pic>
+        <p:nvPicPr>
+          <p:cNvPr id="9" name="Image 8">
+            <a:extLst>
+              <a:ext uri="{FF2B5EF4-FFF2-40B4-BE49-F238E27FC236}">
+                <a16:creationId xmlns:a16="http://schemas.microsoft.com/office/drawing/2014/main" id="{E220244B-F9AC-F4FA-0987-3E880669236C}"/>
+              </a:ext>
+            </a:extLst>
+          </p:cNvPr>
+          <p:cNvPicPr>
+            <a:picLocks noChangeAspect="1"/>
+          </p:cNvPicPr>
+          <p:nvPr/>
+        </p:nvPicPr>
+        <p:blipFill>
+          <a:blip r:embed="rId3"/>
+          <a:stretch>
+            <a:fillRect/>
+          </a:stretch>
+        </p:blipFill>
+        <p:spPr>
+          <a:xfrm>
+            <a:off x="1390060" y="1881306"/>
+            <a:ext cx="2654904" cy="2353473"/>
+          </a:xfrm>
+          <a:prstGeom prst="rect">
+            <a:avLst/>
+          </a:prstGeom>
+        </p:spPr>
+      </p:pic>
+      <p:sp>
+        <p:nvSpPr>
+          <p:cNvPr id="10" name="ZoneTexte 9">
+            <a:extLst>
+              <a:ext uri="{FF2B5EF4-FFF2-40B4-BE49-F238E27FC236}">
+                <a16:creationId xmlns:a16="http://schemas.microsoft.com/office/drawing/2014/main" id="{2D9120DD-6AA6-6A0E-D012-FAF0524E861F}"/>
+              </a:ext>
+            </a:extLst>
+          </p:cNvPr>
+          <p:cNvSpPr txBox="1"/>
+          <p:nvPr/>
+        </p:nvSpPr>
+        <p:spPr>
+          <a:xfrm>
+            <a:off x="1410831" y="4234779"/>
+            <a:ext cx="2494144" cy="369332"/>
+          </a:xfrm>
+          <a:prstGeom prst="rect">
+            <a:avLst/>
+          </a:prstGeom>
+          <a:noFill/>
+        </p:spPr>
+        <p:txBody>
+          <a:bodyPr wrap="none" rtlCol="0">
+            <a:spAutoFit/>
+          </a:bodyPr>
+          <a:lstStyle/>
+          <a:p>
+            <a:r>
+              <a:rPr lang="fr-FR" dirty="0"/>
+              <a:t>Pipeline complète en set</a:t>
+            </a:r>
+            <a:endParaRPr lang="fr-CH" dirty="0"/>
+          </a:p>
+        </p:txBody>
+      </p:sp>
+      <p:sp>
+        <p:nvSpPr>
+          <p:cNvPr id="11" name="ZoneTexte 10">
+            <a:extLst>
+              <a:ext uri="{FF2B5EF4-FFF2-40B4-BE49-F238E27FC236}">
+                <a16:creationId xmlns:a16="http://schemas.microsoft.com/office/drawing/2014/main" id="{5CE53E7F-26E0-58F7-1504-9E53A5461EF9}"/>
+              </a:ext>
+            </a:extLst>
+          </p:cNvPr>
+          <p:cNvSpPr txBox="1"/>
+          <p:nvPr/>
+        </p:nvSpPr>
+        <p:spPr>
+          <a:xfrm>
+            <a:off x="257823" y="5275719"/>
+            <a:ext cx="7618048" cy="369332"/>
+          </a:xfrm>
+          <a:prstGeom prst="rect">
+            <a:avLst/>
+          </a:prstGeom>
+          <a:noFill/>
+        </p:spPr>
+        <p:txBody>
+          <a:bodyPr wrap="none" rtlCol="0">
+            <a:spAutoFit/>
+          </a:bodyPr>
+          <a:lstStyle/>
+          <a:p>
+            <a:r>
+              <a:rPr lang="fr-FR" dirty="0"/>
+              <a:t>Le résultat est identique ! </a:t>
+            </a:r>
+            <a:r>
+              <a:rPr lang="fr-FR" dirty="0">
+                <a:solidFill>
+                  <a:srgbClr val="00B050"/>
+                </a:solidFill>
+              </a:rPr>
+              <a:t>Donc le fonction </a:t>
+            </a:r>
+            <a:r>
+              <a:rPr lang="fr-FR" dirty="0" err="1">
+                <a:solidFill>
+                  <a:srgbClr val="00B050"/>
+                </a:solidFill>
+              </a:rPr>
+              <a:t>export_in_set.m</a:t>
+            </a:r>
+            <a:r>
+              <a:rPr lang="fr-FR" dirty="0">
+                <a:solidFill>
+                  <a:srgbClr val="00B050"/>
+                </a:solidFill>
+              </a:rPr>
+              <a:t> marche très bien.   </a:t>
+            </a:r>
+            <a:endParaRPr lang="fr-CH" dirty="0">
+              <a:solidFill>
+                <a:srgbClr val="00B050"/>
+              </a:solidFill>
+            </a:endParaRPr>
+          </a:p>
+        </p:txBody>
+      </p:sp>
+    </p:spTree>
+    <p:extLst>
+      <p:ext uri="{BB962C8B-B14F-4D97-AF65-F5344CB8AC3E}">
+        <p14:creationId xmlns:p14="http://schemas.microsoft.com/office/powerpoint/2010/main" val="2964200413"/>
+      </p:ext>
+    </p:extLst>
+  </p:cSld>
+  <p:clrMapOvr>
+    <a:masterClrMapping/>
+  </p:clrMapOvr>
+</p:sld>
+</file>
+
+<file path=ppt/slides/slide11.xml><?xml version="1.0" encoding="utf-8"?>
+<p:sld xmlns:a="http://schemas.openxmlformats.org/drawingml/2006/main" xmlns:r="http://schemas.openxmlformats.org/officeDocument/2006/relationships" xmlns:p="http://schemas.openxmlformats.org/presentationml/2006/main">
+  <p:cSld>
+    <p:spTree>
+      <p:nvGrpSpPr>
+        <p:cNvPr id="1" name=""/>
+        <p:cNvGrpSpPr/>
+        <p:nvPr/>
+      </p:nvGrpSpPr>
+      <p:grpSpPr>
+        <a:xfrm>
+          <a:off x="0" y="0"/>
+          <a:ext cx="0" cy="0"/>
+          <a:chOff x="0" y="0"/>
+          <a:chExt cx="0" cy="0"/>
+        </a:xfrm>
+      </p:grpSpPr>
+      <p:sp>
+        <p:nvSpPr>
           <p:cNvPr id="4" name="TextBox 3">
             <a:extLst>
               <a:ext uri="{FF2B5EF4-FFF2-40B4-BE49-F238E27FC236}">
@@ -3659,6 +4017,86 @@
     <p:extLst>
       <p:ext uri="{BB962C8B-B14F-4D97-AF65-F5344CB8AC3E}">
         <p14:creationId xmlns:p14="http://schemas.microsoft.com/office/powerpoint/2010/main" val="3094821224"/>
+      </p:ext>
+    </p:extLst>
+  </p:cSld>
+  <p:clrMapOvr>
+    <a:masterClrMapping/>
+  </p:clrMapOvr>
+</p:sld>
+</file>
+
+<file path=ppt/slides/slide12.xml><?xml version="1.0" encoding="utf-8"?>
+<p:sld xmlns:a="http://schemas.openxmlformats.org/drawingml/2006/main" xmlns:r="http://schemas.openxmlformats.org/officeDocument/2006/relationships" xmlns:p="http://schemas.openxmlformats.org/presentationml/2006/main">
+  <p:cSld>
+    <p:spTree>
+      <p:nvGrpSpPr>
+        <p:cNvPr id="1" name=""/>
+        <p:cNvGrpSpPr/>
+        <p:nvPr/>
+      </p:nvGrpSpPr>
+      <p:grpSpPr>
+        <a:xfrm>
+          <a:off x="0" y="0"/>
+          <a:ext cx="0" cy="0"/>
+          <a:chOff x="0" y="0"/>
+          <a:chExt cx="0" cy="0"/>
+        </a:xfrm>
+      </p:grpSpPr>
+      <p:sp>
+        <p:nvSpPr>
+          <p:cNvPr id="2" name="Titre 1">
+            <a:extLst>
+              <a:ext uri="{FF2B5EF4-FFF2-40B4-BE49-F238E27FC236}">
+                <a16:creationId xmlns:a16="http://schemas.microsoft.com/office/drawing/2014/main" id="{B9EA4826-E8D4-BE13-3F21-1F61EF10B821}"/>
+              </a:ext>
+            </a:extLst>
+          </p:cNvPr>
+          <p:cNvSpPr>
+            <a:spLocks noGrp="1"/>
+          </p:cNvSpPr>
+          <p:nvPr>
+            <p:ph type="title"/>
+          </p:nvPr>
+        </p:nvSpPr>
+        <p:spPr/>
+        <p:txBody>
+          <a:bodyPr/>
+          <a:lstStyle/>
+          <a:p>
+            <a:endParaRPr lang="fr-CH"/>
+          </a:p>
+        </p:txBody>
+      </p:sp>
+      <p:sp>
+        <p:nvSpPr>
+          <p:cNvPr id="3" name="Espace réservé du contenu 2">
+            <a:extLst>
+              <a:ext uri="{FF2B5EF4-FFF2-40B4-BE49-F238E27FC236}">
+                <a16:creationId xmlns:a16="http://schemas.microsoft.com/office/drawing/2014/main" id="{89D28A20-67A6-BF69-3AD8-568EEC1181DE}"/>
+              </a:ext>
+            </a:extLst>
+          </p:cNvPr>
+          <p:cNvSpPr>
+            <a:spLocks noGrp="1"/>
+          </p:cNvSpPr>
+          <p:nvPr>
+            <p:ph idx="1"/>
+          </p:nvPr>
+        </p:nvSpPr>
+        <p:spPr/>
+        <p:txBody>
+          <a:bodyPr/>
+          <a:lstStyle/>
+          <a:p>
+            <a:endParaRPr lang="fr-CH"/>
+          </a:p>
+        </p:txBody>
+      </p:sp>
+    </p:spTree>
+    <p:extLst>
+      <p:ext uri="{BB962C8B-B14F-4D97-AF65-F5344CB8AC3E}">
+        <p14:creationId xmlns:p14="http://schemas.microsoft.com/office/powerpoint/2010/main" val="1984984399"/>
       </p:ext>
     </p:extLst>
   </p:cSld>
@@ -4695,8 +5133,8 @@
         </p:nvSpPr>
         <p:spPr>
           <a:xfrm>
-            <a:off x="591127" y="2299855"/>
-            <a:ext cx="11037455" cy="2585323"/>
+            <a:off x="457199" y="4394985"/>
+            <a:ext cx="11037455" cy="1754326"/>
           </a:xfrm>
           <a:prstGeom prst="rect">
             <a:avLst/>
@@ -4713,128 +5151,6 @@
               <a:rPr lang="en-US" dirty="0"/>
               <a:t>Chose encore à faire: </a:t>
             </a:r>
-          </a:p>
-          <a:p>
-            <a:pPr marL="285750" indent="-285750">
-              <a:buFontTx/>
-              <a:buChar char="-"/>
-            </a:pPr>
-            <a:r>
-              <a:rPr lang="en-US" dirty="0"/>
-              <a:t>Tester </a:t>
-            </a:r>
-            <a:r>
-              <a:rPr lang="en-US" dirty="0" err="1"/>
-              <a:t>l’implication</a:t>
-            </a:r>
-            <a:r>
-              <a:rPr lang="en-US" dirty="0"/>
-              <a:t> des correction </a:t>
-            </a:r>
-            <a:r>
-              <a:rPr lang="en-US" dirty="0" err="1"/>
-              <a:t>d’roentation</a:t>
-            </a:r>
-            <a:r>
-              <a:rPr lang="en-US" dirty="0"/>
-              <a:t> de MD sur </a:t>
-            </a:r>
-            <a:r>
-              <a:rPr lang="en-US" dirty="0" err="1"/>
-              <a:t>l’ICA</a:t>
-            </a:r>
-            <a:endParaRPr lang="en-US" dirty="0"/>
-          </a:p>
-          <a:p>
-            <a:pPr marL="742950" lvl="1" indent="-285750">
-              <a:buFontTx/>
-              <a:buChar char="-"/>
-            </a:pPr>
-            <a:r>
-              <a:rPr lang="en-US" dirty="0" err="1"/>
-              <a:t>Ajouter</a:t>
-            </a:r>
-            <a:r>
-              <a:rPr lang="en-US" dirty="0"/>
-              <a:t> </a:t>
-            </a:r>
-            <a:r>
-              <a:rPr lang="en-US" dirty="0" err="1"/>
-              <a:t>une</a:t>
-            </a:r>
-            <a:r>
-              <a:rPr lang="en-US" dirty="0"/>
-              <a:t> option </a:t>
-            </a:r>
-            <a:r>
-              <a:rPr lang="en-US" dirty="0" err="1"/>
-              <a:t>lorsque</a:t>
-            </a:r>
-            <a:r>
-              <a:rPr lang="en-US" dirty="0"/>
-              <a:t> </a:t>
-            </a:r>
-            <a:r>
-              <a:rPr lang="en-US" dirty="0" err="1"/>
-              <a:t>l’utilisateur</a:t>
-            </a:r>
-            <a:r>
-              <a:rPr lang="en-US" dirty="0"/>
-              <a:t> </a:t>
-            </a:r>
-            <a:r>
-              <a:rPr lang="en-US" dirty="0" err="1"/>
-              <a:t>n’entre</a:t>
-            </a:r>
-            <a:r>
-              <a:rPr lang="en-US" dirty="0"/>
-              <a:t> pas un </a:t>
-            </a:r>
-            <a:r>
-              <a:rPr lang="en-US" dirty="0" err="1"/>
-              <a:t>fichier</a:t>
-            </a:r>
-            <a:r>
-              <a:rPr lang="en-US" dirty="0"/>
-              <a:t> de </a:t>
-            </a:r>
-            <a:r>
-              <a:rPr lang="en-US" dirty="0" err="1"/>
-              <a:t>coordonné</a:t>
-            </a:r>
-            <a:r>
-              <a:rPr lang="en-US" dirty="0"/>
-              <a:t> </a:t>
-            </a:r>
-            <a:r>
-              <a:rPr lang="en-US" dirty="0" err="1"/>
-              <a:t>qu’il</a:t>
-            </a:r>
-            <a:r>
-              <a:rPr lang="en-US" dirty="0"/>
-              <a:t> se base sur les </a:t>
-            </a:r>
-            <a:r>
-              <a:rPr lang="en-US" dirty="0" err="1"/>
-              <a:t>coordonné</a:t>
-            </a:r>
-            <a:r>
-              <a:rPr lang="en-US" dirty="0"/>
-              <a:t> </a:t>
-            </a:r>
-            <a:r>
-              <a:rPr lang="en-US" dirty="0" err="1"/>
-              <a:t>spatiale</a:t>
-            </a:r>
-            <a:r>
-              <a:rPr lang="en-US" dirty="0"/>
-              <a:t> dans le </a:t>
-            </a:r>
-            <a:r>
-              <a:rPr lang="en-US" dirty="0" err="1"/>
-              <a:t>fichier</a:t>
-            </a:r>
-            <a:endParaRPr lang="en-US" dirty="0"/>
           </a:p>
           <a:p>
             <a:pPr marL="285750" indent="-285750">
@@ -5037,42 +5353,530 @@
       </p:grpSpPr>
       <p:sp>
         <p:nvSpPr>
-          <p:cNvPr id="2" name="Titre 1">
-            <a:extLst>
-              <a:ext uri="{FF2B5EF4-FFF2-40B4-BE49-F238E27FC236}">
-                <a16:creationId xmlns:a16="http://schemas.microsoft.com/office/drawing/2014/main" id="{0EDA35E3-4BDD-7C15-0EFF-E7A08D826412}"/>
-              </a:ext>
-            </a:extLst>
-          </p:cNvPr>
-          <p:cNvSpPr>
-            <a:spLocks noGrp="1"/>
-          </p:cNvSpPr>
-          <p:nvPr>
-            <p:ph type="title"/>
-          </p:nvPr>
+          <p:cNvPr id="4" name="ZoneTexte 3">
+            <a:extLst>
+              <a:ext uri="{FF2B5EF4-FFF2-40B4-BE49-F238E27FC236}">
+                <a16:creationId xmlns:a16="http://schemas.microsoft.com/office/drawing/2014/main" id="{3A6F2127-9911-1562-54AE-F348BD031C23}"/>
+              </a:ext>
+            </a:extLst>
+          </p:cNvPr>
+          <p:cNvSpPr txBox="1"/>
+          <p:nvPr/>
         </p:nvSpPr>
         <p:spPr>
           <a:xfrm>
-            <a:off x="838200" y="2222500"/>
-            <a:ext cx="10515600" cy="1325563"/>
+            <a:off x="266329" y="142042"/>
+            <a:ext cx="7257308" cy="369332"/>
           </a:xfrm>
+          <a:prstGeom prst="rect">
+            <a:avLst/>
+          </a:prstGeom>
+          <a:noFill/>
         </p:spPr>
         <p:txBody>
-          <a:bodyPr/>
+          <a:bodyPr wrap="none" rtlCol="0">
+            <a:spAutoFit/>
+          </a:bodyPr>
           <a:lstStyle/>
           <a:p>
             <a:r>
               <a:rPr lang="fr-FR" dirty="0"/>
-              <a:t>Travail sur l’ICA et l’orientation des coordonné </a:t>
+              <a:t>Test pour File Cut pour vérifier si pas impactée par les dernier changements</a:t>
             </a:r>
             <a:endParaRPr lang="fr-CH" dirty="0"/>
+          </a:p>
+        </p:txBody>
+      </p:sp>
+      <p:sp>
+        <p:nvSpPr>
+          <p:cNvPr id="5" name="ZoneTexte 4">
+            <a:extLst>
+              <a:ext uri="{FF2B5EF4-FFF2-40B4-BE49-F238E27FC236}">
+                <a16:creationId xmlns:a16="http://schemas.microsoft.com/office/drawing/2014/main" id="{889953E6-4D20-02EC-4884-415C3030F1B3}"/>
+              </a:ext>
+            </a:extLst>
+          </p:cNvPr>
+          <p:cNvSpPr txBox="1"/>
+          <p:nvPr/>
+        </p:nvSpPr>
+        <p:spPr>
+          <a:xfrm>
+            <a:off x="266329" y="923277"/>
+            <a:ext cx="10875147" cy="5078313"/>
+          </a:xfrm>
+          <a:prstGeom prst="rect">
+            <a:avLst/>
+          </a:prstGeom>
+          <a:noFill/>
+        </p:spPr>
+        <p:txBody>
+          <a:bodyPr wrap="square" rtlCol="0">
+            <a:spAutoFit/>
+          </a:bodyPr>
+          <a:lstStyle/>
+          <a:p>
+            <a:pPr marL="285750" indent="-285750">
+              <a:buFont typeface="Arial" panose="020B0604020202020204" pitchFamily="34" charset="0"/>
+              <a:buChar char="•"/>
+            </a:pPr>
+            <a:r>
+              <a:rPr lang="fr-FR" dirty="0"/>
+              <a:t>Test d’un </a:t>
+            </a:r>
+            <a:r>
+              <a:rPr lang="fr-FR" dirty="0" err="1"/>
+              <a:t>cut</a:t>
+            </a:r>
+            <a:r>
+              <a:rPr lang="fr-FR" dirty="0"/>
+              <a:t> (avec paramètre </a:t>
+            </a:r>
+            <a:r>
+              <a:rPr lang="fr-FR" dirty="0" err="1"/>
+              <a:t>Subject</a:t>
+            </a:r>
+            <a:r>
+              <a:rPr lang="fr-FR" dirty="0"/>
+              <a:t>): </a:t>
+            </a:r>
+            <a:r>
+              <a:rPr lang="fr-FR" dirty="0">
+                <a:solidFill>
+                  <a:srgbClr val="00B050"/>
+                </a:solidFill>
+              </a:rPr>
+              <a:t>problème nom des </a:t>
+            </a:r>
+            <a:r>
+              <a:rPr lang="fr-FR" dirty="0" err="1">
+                <a:solidFill>
+                  <a:srgbClr val="00B050"/>
+                </a:solidFill>
+              </a:rPr>
+              <a:t>channel</a:t>
+            </a:r>
+            <a:r>
+              <a:rPr lang="fr-FR" dirty="0">
+                <a:solidFill>
+                  <a:srgbClr val="00B050"/>
+                </a:solidFill>
+              </a:rPr>
+              <a:t> (corrigé)+ position </a:t>
+            </a:r>
+            <a:r>
+              <a:rPr lang="fr-FR" dirty="0" err="1">
+                <a:solidFill>
+                  <a:srgbClr val="00B050"/>
+                </a:solidFill>
+              </a:rPr>
+              <a:t>mrk</a:t>
+            </a:r>
+            <a:r>
+              <a:rPr lang="fr-FR" dirty="0">
+                <a:solidFill>
+                  <a:srgbClr val="00B050"/>
+                </a:solidFill>
+              </a:rPr>
+              <a:t> intermédiaire  (corrigé)+ corrigé le PIF pour inclure les instruction </a:t>
+            </a:r>
+            <a:r>
+              <a:rPr lang="fr-FR" dirty="0" err="1">
+                <a:solidFill>
+                  <a:srgbClr val="00B050"/>
+                </a:solidFill>
+              </a:rPr>
+              <a:t>concatenate</a:t>
+            </a:r>
+            <a:r>
+              <a:rPr lang="fr-FR" dirty="0">
+                <a:solidFill>
+                  <a:srgbClr val="00B050"/>
+                </a:solidFill>
+              </a:rPr>
+              <a:t> du tableau (corrigé) + correction orientation électrode dans l’enregistrement en set (corrigée)</a:t>
+            </a:r>
+          </a:p>
+          <a:p>
+            <a:pPr marL="742950" lvl="1" indent="-285750">
+              <a:buFont typeface="Arial" panose="020B0604020202020204" pitchFamily="34" charset="0"/>
+              <a:buChar char="•"/>
+            </a:pPr>
+            <a:endParaRPr lang="fr-FR" dirty="0"/>
+          </a:p>
+          <a:p>
+            <a:pPr marL="742950" lvl="1" indent="-285750">
+              <a:buFont typeface="Arial" panose="020B0604020202020204" pitchFamily="34" charset="0"/>
+              <a:buChar char="•"/>
+            </a:pPr>
+            <a:r>
+              <a:rPr lang="fr-FR" dirty="0"/>
+              <a:t>Test en </a:t>
+            </a:r>
+            <a:r>
+              <a:rPr lang="fr-FR" dirty="0" err="1"/>
+              <a:t>sef</a:t>
+            </a:r>
+            <a:r>
+              <a:rPr lang="fr-FR" dirty="0"/>
+              <a:t> :  </a:t>
+            </a:r>
+            <a:r>
+              <a:rPr lang="fr-FR" dirty="0">
+                <a:solidFill>
+                  <a:srgbClr val="00B050"/>
+                </a:solidFill>
+              </a:rPr>
+              <a:t>OK, les </a:t>
+            </a:r>
+            <a:r>
+              <a:rPr lang="fr-FR" dirty="0" err="1">
+                <a:solidFill>
+                  <a:srgbClr val="00B050"/>
+                </a:solidFill>
+              </a:rPr>
+              <a:t>markeur</a:t>
+            </a:r>
+            <a:r>
+              <a:rPr lang="fr-FR" dirty="0">
+                <a:solidFill>
+                  <a:srgbClr val="00B050"/>
+                </a:solidFill>
+              </a:rPr>
+              <a:t> sont à la bonne place + check du </a:t>
+            </a:r>
+            <a:r>
+              <a:rPr lang="fr-FR" dirty="0" err="1">
+                <a:solidFill>
+                  <a:srgbClr val="00B050"/>
+                </a:solidFill>
+              </a:rPr>
+              <a:t>cut</a:t>
+            </a:r>
+            <a:r>
+              <a:rPr lang="fr-FR" dirty="0">
+                <a:solidFill>
+                  <a:srgbClr val="00B050"/>
+                </a:solidFill>
+              </a:rPr>
+              <a:t> par rapport au fichier original est c’est tout ok</a:t>
+            </a:r>
+          </a:p>
+          <a:p>
+            <a:pPr marL="742950" lvl="1" indent="-285750">
+              <a:buFont typeface="Arial" panose="020B0604020202020204" pitchFamily="34" charset="0"/>
+              <a:buChar char="•"/>
+            </a:pPr>
+            <a:r>
+              <a:rPr lang="fr-FR" dirty="0"/>
+              <a:t>Test en </a:t>
+            </a:r>
+            <a:r>
+              <a:rPr lang="fr-FR" dirty="0" err="1"/>
+              <a:t>eph</a:t>
+            </a:r>
+            <a:r>
+              <a:rPr lang="fr-FR" dirty="0"/>
+              <a:t> :  </a:t>
+            </a:r>
+            <a:r>
+              <a:rPr lang="fr-FR" dirty="0">
+                <a:solidFill>
+                  <a:srgbClr val="00B050"/>
+                </a:solidFill>
+              </a:rPr>
+              <a:t>OK, les </a:t>
+            </a:r>
+            <a:r>
+              <a:rPr lang="fr-FR" dirty="0" err="1">
+                <a:solidFill>
+                  <a:srgbClr val="00B050"/>
+                </a:solidFill>
+              </a:rPr>
+              <a:t>markeur</a:t>
+            </a:r>
+            <a:r>
+              <a:rPr lang="fr-FR" dirty="0">
+                <a:solidFill>
+                  <a:srgbClr val="00B050"/>
+                </a:solidFill>
+              </a:rPr>
+              <a:t> sont à la bonne place</a:t>
+            </a:r>
+          </a:p>
+          <a:p>
+            <a:pPr marL="742950" lvl="1" indent="-285750">
+              <a:buFont typeface="Arial" panose="020B0604020202020204" pitchFamily="34" charset="0"/>
+              <a:buChar char="•"/>
+            </a:pPr>
+            <a:r>
+              <a:rPr lang="fr-FR" dirty="0"/>
+              <a:t>Test en set :  </a:t>
+            </a:r>
+            <a:r>
+              <a:rPr lang="fr-FR" dirty="0">
+                <a:solidFill>
+                  <a:srgbClr val="00B050"/>
+                </a:solidFill>
+              </a:rPr>
+              <a:t>OK, les </a:t>
+            </a:r>
+            <a:r>
+              <a:rPr lang="fr-FR" dirty="0" err="1">
+                <a:solidFill>
+                  <a:srgbClr val="00B050"/>
+                </a:solidFill>
+              </a:rPr>
+              <a:t>markeur</a:t>
+            </a:r>
+            <a:r>
+              <a:rPr lang="fr-FR" dirty="0">
+                <a:solidFill>
+                  <a:srgbClr val="00B050"/>
+                </a:solidFill>
+              </a:rPr>
+              <a:t> sont à la bonne place «  coordonné </a:t>
+            </a:r>
+            <a:r>
+              <a:rPr lang="fr-FR" dirty="0" err="1">
+                <a:solidFill>
+                  <a:srgbClr val="00B050"/>
+                </a:solidFill>
+              </a:rPr>
+              <a:t>electrodes</a:t>
+            </a:r>
+            <a:r>
+              <a:rPr lang="fr-FR" dirty="0">
+                <a:solidFill>
+                  <a:srgbClr val="00B050"/>
+                </a:solidFill>
+              </a:rPr>
+              <a:t> correctement placé</a:t>
+            </a:r>
+          </a:p>
+          <a:p>
+            <a:pPr marL="742950" lvl="1" indent="-285750">
+              <a:buFont typeface="Arial" panose="020B0604020202020204" pitchFamily="34" charset="0"/>
+              <a:buChar char="•"/>
+            </a:pPr>
+            <a:endParaRPr lang="fr-FR" dirty="0">
+              <a:solidFill>
+                <a:srgbClr val="00B050"/>
+              </a:solidFill>
+            </a:endParaRPr>
+          </a:p>
+          <a:p>
+            <a:pPr marL="742950" lvl="1" indent="-285750">
+              <a:buFont typeface="Arial" panose="020B0604020202020204" pitchFamily="34" charset="0"/>
+              <a:buChar char="•"/>
+            </a:pPr>
+            <a:endParaRPr lang="fr-FR" dirty="0">
+              <a:solidFill>
+                <a:srgbClr val="00B050"/>
+              </a:solidFill>
+            </a:endParaRPr>
+          </a:p>
+          <a:p>
+            <a:pPr marL="285750" indent="-285750">
+              <a:buFont typeface="Arial" panose="020B0604020202020204" pitchFamily="34" charset="0"/>
+              <a:buChar char="•"/>
+            </a:pPr>
+            <a:r>
+              <a:rPr lang="fr-FR" dirty="0"/>
+              <a:t>Test position </a:t>
+            </a:r>
+            <a:r>
+              <a:rPr lang="fr-FR" dirty="0" err="1"/>
+              <a:t>concatenate</a:t>
+            </a:r>
+            <a:r>
+              <a:rPr lang="fr-FR" dirty="0"/>
+              <a:t> (</a:t>
+            </a:r>
+            <a:r>
+              <a:rPr lang="fr-FR" dirty="0" err="1"/>
+              <a:t>concaténate</a:t>
+            </a:r>
+            <a:r>
+              <a:rPr lang="fr-FR" dirty="0"/>
+              <a:t> tous les élément 5)</a:t>
+            </a:r>
+          </a:p>
+          <a:p>
+            <a:pPr marL="742950" lvl="1" indent="-285750">
+              <a:buFont typeface="Arial" panose="020B0604020202020204" pitchFamily="34" charset="0"/>
+              <a:buChar char="•"/>
+            </a:pPr>
+            <a:r>
+              <a:rPr lang="fr-FR" dirty="0"/>
+              <a:t>Test en </a:t>
+            </a:r>
+            <a:r>
+              <a:rPr lang="fr-FR" dirty="0" err="1"/>
+              <a:t>sef</a:t>
+            </a:r>
+            <a:r>
+              <a:rPr lang="fr-FR" dirty="0"/>
+              <a:t> :  </a:t>
+            </a:r>
+            <a:r>
+              <a:rPr lang="fr-FR" dirty="0">
+                <a:solidFill>
+                  <a:srgbClr val="00B050"/>
+                </a:solidFill>
+              </a:rPr>
+              <a:t>OK, les </a:t>
+            </a:r>
+            <a:r>
+              <a:rPr lang="fr-FR" dirty="0" err="1">
+                <a:solidFill>
+                  <a:srgbClr val="00B050"/>
+                </a:solidFill>
+              </a:rPr>
+              <a:t>markeur</a:t>
+            </a:r>
+            <a:r>
+              <a:rPr lang="fr-FR" dirty="0">
+                <a:solidFill>
+                  <a:srgbClr val="00B050"/>
+                </a:solidFill>
+              </a:rPr>
+              <a:t> sont à la bonne place</a:t>
+            </a:r>
+          </a:p>
+          <a:p>
+            <a:pPr marL="742950" lvl="1" indent="-285750">
+              <a:buFont typeface="Arial" panose="020B0604020202020204" pitchFamily="34" charset="0"/>
+              <a:buChar char="•"/>
+            </a:pPr>
+            <a:r>
+              <a:rPr lang="fr-FR" dirty="0"/>
+              <a:t>Test en </a:t>
+            </a:r>
+            <a:r>
+              <a:rPr lang="fr-FR" dirty="0" err="1"/>
+              <a:t>ep</a:t>
+            </a:r>
+            <a:r>
+              <a:rPr lang="fr-FR" dirty="0"/>
+              <a:t> :  </a:t>
+            </a:r>
+            <a:r>
+              <a:rPr lang="fr-FR" dirty="0">
+                <a:solidFill>
+                  <a:srgbClr val="00B050"/>
+                </a:solidFill>
+              </a:rPr>
+              <a:t>OK, les </a:t>
+            </a:r>
+            <a:r>
+              <a:rPr lang="fr-FR" dirty="0" err="1">
+                <a:solidFill>
+                  <a:srgbClr val="00B050"/>
+                </a:solidFill>
+              </a:rPr>
+              <a:t>markeur</a:t>
+            </a:r>
+            <a:r>
+              <a:rPr lang="fr-FR" dirty="0">
+                <a:solidFill>
+                  <a:srgbClr val="00B050"/>
+                </a:solidFill>
+              </a:rPr>
+              <a:t> sont à la bonne place</a:t>
+            </a:r>
+          </a:p>
+          <a:p>
+            <a:pPr marL="742950" lvl="1" indent="-285750">
+              <a:buFont typeface="Arial" panose="020B0604020202020204" pitchFamily="34" charset="0"/>
+              <a:buChar char="•"/>
+            </a:pPr>
+            <a:r>
+              <a:rPr lang="fr-FR" dirty="0"/>
+              <a:t>Test en set :  </a:t>
+            </a:r>
+            <a:r>
+              <a:rPr lang="fr-FR" dirty="0">
+                <a:solidFill>
+                  <a:srgbClr val="00B050"/>
+                </a:solidFill>
+              </a:rPr>
+              <a:t>OK, les </a:t>
+            </a:r>
+            <a:r>
+              <a:rPr lang="fr-FR" dirty="0" err="1">
+                <a:solidFill>
+                  <a:srgbClr val="00B050"/>
+                </a:solidFill>
+              </a:rPr>
+              <a:t>markeur</a:t>
+            </a:r>
+            <a:r>
+              <a:rPr lang="fr-FR" dirty="0">
+                <a:solidFill>
+                  <a:srgbClr val="00B050"/>
+                </a:solidFill>
+              </a:rPr>
+              <a:t> sont à la bonne place «  coordonné </a:t>
+            </a:r>
+            <a:r>
+              <a:rPr lang="fr-FR" dirty="0" err="1">
+                <a:solidFill>
+                  <a:srgbClr val="00B050"/>
+                </a:solidFill>
+              </a:rPr>
+              <a:t>electrodes</a:t>
+            </a:r>
+            <a:r>
+              <a:rPr lang="fr-FR" dirty="0">
+                <a:solidFill>
+                  <a:srgbClr val="00B050"/>
+                </a:solidFill>
+              </a:rPr>
+              <a:t> correctement placé</a:t>
+            </a:r>
+          </a:p>
+          <a:p>
+            <a:pPr marL="742950" lvl="1" indent="-285750">
+              <a:buFont typeface="Arial" panose="020B0604020202020204" pitchFamily="34" charset="0"/>
+              <a:buChar char="•"/>
+            </a:pPr>
+            <a:endParaRPr lang="fr-FR" dirty="0">
+              <a:solidFill>
+                <a:srgbClr val="00B050"/>
+              </a:solidFill>
+            </a:endParaRPr>
+          </a:p>
+          <a:p>
+            <a:pPr marL="742950" lvl="1" indent="-285750">
+              <a:buFont typeface="Arial" panose="020B0604020202020204" pitchFamily="34" charset="0"/>
+              <a:buChar char="•"/>
+            </a:pPr>
+            <a:endParaRPr lang="fr-FR" dirty="0">
+              <a:solidFill>
+                <a:srgbClr val="00B050"/>
+              </a:solidFill>
+            </a:endParaRPr>
+          </a:p>
+          <a:p>
+            <a:pPr marL="285750" indent="-285750">
+              <a:buFont typeface="Arial" panose="020B0604020202020204" pitchFamily="34" charset="0"/>
+              <a:buChar char="•"/>
+            </a:pPr>
+            <a:endParaRPr lang="fr-FR" dirty="0"/>
+          </a:p>
+          <a:p>
+            <a:pPr marL="285750" indent="-285750">
+              <a:buFont typeface="Arial" panose="020B0604020202020204" pitchFamily="34" charset="0"/>
+              <a:buChar char="•"/>
+            </a:pPr>
+            <a:endParaRPr lang="fr-FR" dirty="0"/>
           </a:p>
         </p:txBody>
       </p:sp>
     </p:spTree>
     <p:extLst>
       <p:ext uri="{BB962C8B-B14F-4D97-AF65-F5344CB8AC3E}">
-        <p14:creationId xmlns:p14="http://schemas.microsoft.com/office/powerpoint/2010/main" val="1691132355"/>
+        <p14:creationId xmlns:p14="http://schemas.microsoft.com/office/powerpoint/2010/main" val="98979773"/>
       </p:ext>
     </p:extLst>
   </p:cSld>
@@ -5101,410 +5905,42 @@
       </p:grpSpPr>
       <p:sp>
         <p:nvSpPr>
-          <p:cNvPr id="4" name="TextBox 3">
-            <a:extLst>
-              <a:ext uri="{FF2B5EF4-FFF2-40B4-BE49-F238E27FC236}">
-                <a16:creationId xmlns:a16="http://schemas.microsoft.com/office/drawing/2014/main" id="{40687D6A-83CD-48E6-C1DE-81D961D729D4}"/>
-              </a:ext>
-            </a:extLst>
-          </p:cNvPr>
-          <p:cNvSpPr txBox="1"/>
-          <p:nvPr/>
+          <p:cNvPr id="2" name="Titre 1">
+            <a:extLst>
+              <a:ext uri="{FF2B5EF4-FFF2-40B4-BE49-F238E27FC236}">
+                <a16:creationId xmlns:a16="http://schemas.microsoft.com/office/drawing/2014/main" id="{0EDA35E3-4BDD-7C15-0EFF-E7A08D826412}"/>
+              </a:ext>
+            </a:extLst>
+          </p:cNvPr>
+          <p:cNvSpPr>
+            <a:spLocks noGrp="1"/>
+          </p:cNvSpPr>
+          <p:nvPr>
+            <p:ph type="title"/>
+          </p:nvPr>
         </p:nvSpPr>
         <p:spPr>
           <a:xfrm>
-            <a:off x="203200" y="120073"/>
-            <a:ext cx="923010" cy="369332"/>
+            <a:off x="838200" y="2222500"/>
+            <a:ext cx="10515600" cy="1325563"/>
           </a:xfrm>
-          <a:prstGeom prst="rect">
-            <a:avLst/>
-          </a:prstGeom>
-          <a:noFill/>
         </p:spPr>
         <p:txBody>
-          <a:bodyPr wrap="none" rtlCol="0">
-            <a:spAutoFit/>
-          </a:bodyPr>
-          <a:lstStyle/>
-          <a:p>
-            <a:r>
-              <a:rPr lang="en-US" dirty="0"/>
-              <a:t>Test ICA</a:t>
-            </a:r>
-          </a:p>
-        </p:txBody>
-      </p:sp>
-      <p:pic>
-        <p:nvPicPr>
-          <p:cNvPr id="6" name="Picture 5">
-            <a:extLst>
-              <a:ext uri="{FF2B5EF4-FFF2-40B4-BE49-F238E27FC236}">
-                <a16:creationId xmlns:a16="http://schemas.microsoft.com/office/drawing/2014/main" id="{170924C6-8F4D-B41A-CCB1-F332B6603863}"/>
-              </a:ext>
-            </a:extLst>
-          </p:cNvPr>
-          <p:cNvPicPr>
-            <a:picLocks noChangeAspect="1"/>
-          </p:cNvPicPr>
-          <p:nvPr/>
-        </p:nvPicPr>
-        <p:blipFill>
-          <a:blip r:embed="rId2"/>
-          <a:stretch>
-            <a:fillRect/>
-          </a:stretch>
-        </p:blipFill>
-        <p:spPr>
-          <a:xfrm>
-            <a:off x="760268" y="629950"/>
-            <a:ext cx="2763982" cy="2468996"/>
-          </a:xfrm>
-          <a:prstGeom prst="rect">
-            <a:avLst/>
-          </a:prstGeom>
-        </p:spPr>
-      </p:pic>
-      <p:sp>
-        <p:nvSpPr>
-          <p:cNvPr id="7" name="TextBox 6">
-            <a:extLst>
-              <a:ext uri="{FF2B5EF4-FFF2-40B4-BE49-F238E27FC236}">
-                <a16:creationId xmlns:a16="http://schemas.microsoft.com/office/drawing/2014/main" id="{1EB23736-A76C-D526-8059-7621B9051A1C}"/>
-              </a:ext>
-            </a:extLst>
-          </p:cNvPr>
-          <p:cNvSpPr txBox="1"/>
-          <p:nvPr/>
-        </p:nvSpPr>
-        <p:spPr>
-          <a:xfrm>
-            <a:off x="304396" y="3091422"/>
-            <a:ext cx="3907416" cy="369332"/>
-          </a:xfrm>
-          <a:prstGeom prst="rect">
-            <a:avLst/>
-          </a:prstGeom>
-          <a:noFill/>
-        </p:spPr>
-        <p:txBody>
-          <a:bodyPr wrap="none" rtlCol="0">
-            <a:spAutoFit/>
-          </a:bodyPr>
-          <a:lstStyle/>
-          <a:p>
-            <a:r>
-              <a:rPr lang="en-US" dirty="0"/>
-              <a:t>ICA avec le </a:t>
-            </a:r>
-            <a:r>
-              <a:rPr lang="en-US" dirty="0" err="1"/>
-              <a:t>fichier</a:t>
-            </a:r>
-            <a:r>
-              <a:rPr lang="en-US" dirty="0"/>
-              <a:t> de </a:t>
-            </a:r>
-            <a:r>
-              <a:rPr lang="en-US" dirty="0" err="1"/>
-              <a:t>coordonné</a:t>
-            </a:r>
-            <a:r>
-              <a:rPr lang="en-US" dirty="0"/>
-              <a:t> </a:t>
-            </a:r>
-            <a:r>
-              <a:rPr lang="en-US" dirty="0" err="1"/>
-              <a:t>EEGlab</a:t>
-            </a:r>
-            <a:endParaRPr lang="en-US" dirty="0"/>
-          </a:p>
-        </p:txBody>
-      </p:sp>
-      <p:sp>
-        <p:nvSpPr>
-          <p:cNvPr id="8" name="TextBox 7">
-            <a:extLst>
-              <a:ext uri="{FF2B5EF4-FFF2-40B4-BE49-F238E27FC236}">
-                <a16:creationId xmlns:a16="http://schemas.microsoft.com/office/drawing/2014/main" id="{D207765F-E084-D7C4-ED5A-F1962F20847D}"/>
-              </a:ext>
-            </a:extLst>
-          </p:cNvPr>
-          <p:cNvSpPr txBox="1"/>
-          <p:nvPr/>
-        </p:nvSpPr>
-        <p:spPr>
-          <a:xfrm>
-            <a:off x="4492085" y="3098946"/>
-            <a:ext cx="3966599" cy="369332"/>
-          </a:xfrm>
-          <a:prstGeom prst="rect">
-            <a:avLst/>
-          </a:prstGeom>
-          <a:noFill/>
-        </p:spPr>
-        <p:txBody>
-          <a:bodyPr wrap="none" rtlCol="0">
-            <a:spAutoFit/>
-          </a:bodyPr>
-          <a:lstStyle/>
-          <a:p>
-            <a:r>
-              <a:rPr lang="en-US" dirty="0"/>
-              <a:t>ICA avec les </a:t>
-            </a:r>
-            <a:r>
-              <a:rPr lang="en-US" dirty="0" err="1"/>
-              <a:t>coordonné</a:t>
-            </a:r>
-            <a:r>
-              <a:rPr lang="en-US" dirty="0"/>
-              <a:t> </a:t>
-            </a:r>
-            <a:r>
-              <a:rPr lang="en-US" dirty="0" err="1"/>
-              <a:t>inclu</a:t>
-            </a:r>
-            <a:r>
-              <a:rPr lang="en-US" dirty="0"/>
-              <a:t> dans le .set</a:t>
-            </a:r>
-          </a:p>
-        </p:txBody>
-      </p:sp>
-      <p:pic>
-        <p:nvPicPr>
-          <p:cNvPr id="10" name="Picture 9">
-            <a:extLst>
-              <a:ext uri="{FF2B5EF4-FFF2-40B4-BE49-F238E27FC236}">
-                <a16:creationId xmlns:a16="http://schemas.microsoft.com/office/drawing/2014/main" id="{2DA031C1-8B46-EE78-A3AD-2277EA05391A}"/>
-              </a:ext>
-            </a:extLst>
-          </p:cNvPr>
-          <p:cNvPicPr>
-            <a:picLocks noChangeAspect="1"/>
-          </p:cNvPicPr>
-          <p:nvPr/>
-        </p:nvPicPr>
-        <p:blipFill>
-          <a:blip r:embed="rId3"/>
-          <a:stretch>
-            <a:fillRect/>
-          </a:stretch>
-        </p:blipFill>
-        <p:spPr>
-          <a:xfrm>
-            <a:off x="344633" y="5410958"/>
-            <a:ext cx="3575502" cy="817092"/>
-          </a:xfrm>
-          <a:prstGeom prst="rect">
-            <a:avLst/>
-          </a:prstGeom>
-        </p:spPr>
-      </p:pic>
-      <p:sp>
-        <p:nvSpPr>
-          <p:cNvPr id="11" name="TextBox 10">
-            <a:extLst>
-              <a:ext uri="{FF2B5EF4-FFF2-40B4-BE49-F238E27FC236}">
-                <a16:creationId xmlns:a16="http://schemas.microsoft.com/office/drawing/2014/main" id="{56C217A0-6F33-1FF1-B2D6-4DF5A46FA5B3}"/>
-              </a:ext>
-            </a:extLst>
-          </p:cNvPr>
-          <p:cNvSpPr txBox="1"/>
-          <p:nvPr/>
-        </p:nvSpPr>
-        <p:spPr>
-          <a:xfrm>
-            <a:off x="760268" y="5041626"/>
-            <a:ext cx="3050579" cy="369332"/>
-          </a:xfrm>
-          <a:prstGeom prst="rect">
-            <a:avLst/>
-          </a:prstGeom>
-          <a:noFill/>
-        </p:spPr>
-        <p:txBody>
-          <a:bodyPr wrap="none" rtlCol="0">
-            <a:spAutoFit/>
-          </a:bodyPr>
-          <a:lstStyle/>
-          <a:p>
-            <a:r>
-              <a:rPr lang="en-US" dirty="0">
-                <a:solidFill>
-                  <a:srgbClr val="00B050"/>
-                </a:solidFill>
-              </a:rPr>
-              <a:t>Les trigger </a:t>
-            </a:r>
-            <a:r>
-              <a:rPr lang="en-US" dirty="0" err="1">
-                <a:solidFill>
-                  <a:srgbClr val="00B050"/>
-                </a:solidFill>
-              </a:rPr>
-              <a:t>sont</a:t>
-            </a:r>
-            <a:r>
-              <a:rPr lang="en-US" dirty="0">
-                <a:solidFill>
-                  <a:srgbClr val="00B050"/>
-                </a:solidFill>
-              </a:rPr>
-              <a:t> très bien </a:t>
-            </a:r>
-            <a:r>
-              <a:rPr lang="en-US" dirty="0" err="1">
-                <a:solidFill>
-                  <a:srgbClr val="00B050"/>
-                </a:solidFill>
-              </a:rPr>
-              <a:t>gérés</a:t>
-            </a:r>
-            <a:endParaRPr lang="en-US" dirty="0">
-              <a:solidFill>
-                <a:srgbClr val="00B050"/>
-              </a:solidFill>
-            </a:endParaRPr>
-          </a:p>
-        </p:txBody>
-      </p:sp>
-      <p:pic>
-        <p:nvPicPr>
-          <p:cNvPr id="3" name="Image 2">
-            <a:extLst>
-              <a:ext uri="{FF2B5EF4-FFF2-40B4-BE49-F238E27FC236}">
-                <a16:creationId xmlns:a16="http://schemas.microsoft.com/office/drawing/2014/main" id="{6273FAC6-A068-CFAD-A24E-7B9008795EB3}"/>
-              </a:ext>
-            </a:extLst>
-          </p:cNvPr>
-          <p:cNvPicPr>
-            <a:picLocks noChangeAspect="1"/>
-          </p:cNvPicPr>
-          <p:nvPr/>
-        </p:nvPicPr>
-        <p:blipFill>
-          <a:blip r:embed="rId4"/>
-          <a:stretch>
-            <a:fillRect/>
-          </a:stretch>
-        </p:blipFill>
-        <p:spPr>
-          <a:xfrm>
-            <a:off x="5087016" y="584528"/>
-            <a:ext cx="2776735" cy="2461472"/>
-          </a:xfrm>
-          <a:prstGeom prst="rect">
-            <a:avLst/>
-          </a:prstGeom>
-        </p:spPr>
-      </p:pic>
-      <p:pic>
-        <p:nvPicPr>
-          <p:cNvPr id="9" name="Image 8">
-            <a:extLst>
-              <a:ext uri="{FF2B5EF4-FFF2-40B4-BE49-F238E27FC236}">
-                <a16:creationId xmlns:a16="http://schemas.microsoft.com/office/drawing/2014/main" id="{3471FDA3-51FD-2CC9-ECDB-1C1173E39658}"/>
-              </a:ext>
-            </a:extLst>
-          </p:cNvPr>
-          <p:cNvPicPr>
-            <a:picLocks noChangeAspect="1"/>
-          </p:cNvPicPr>
-          <p:nvPr/>
-        </p:nvPicPr>
-        <p:blipFill>
-          <a:blip r:embed="rId5"/>
-          <a:stretch>
-            <a:fillRect/>
-          </a:stretch>
-        </p:blipFill>
-        <p:spPr>
-          <a:xfrm>
-            <a:off x="5133974" y="3521224"/>
-            <a:ext cx="4752975" cy="2359123"/>
-          </a:xfrm>
-          <a:prstGeom prst="rect">
-            <a:avLst/>
-          </a:prstGeom>
-        </p:spPr>
-      </p:pic>
-      <p:sp>
-        <p:nvSpPr>
-          <p:cNvPr id="12" name="ZoneTexte 11">
-            <a:extLst>
-              <a:ext uri="{FF2B5EF4-FFF2-40B4-BE49-F238E27FC236}">
-                <a16:creationId xmlns:a16="http://schemas.microsoft.com/office/drawing/2014/main" id="{EA9FAFD1-7231-4934-0110-1B9454CC0BD0}"/>
-              </a:ext>
-            </a:extLst>
-          </p:cNvPr>
-          <p:cNvSpPr txBox="1"/>
-          <p:nvPr/>
-        </p:nvSpPr>
-        <p:spPr>
-          <a:xfrm>
-            <a:off x="4685704" y="5819504"/>
-            <a:ext cx="7172325" cy="830997"/>
-          </a:xfrm>
-          <a:prstGeom prst="rect">
-            <a:avLst/>
-          </a:prstGeom>
-          <a:noFill/>
-        </p:spPr>
-        <p:txBody>
-          <a:bodyPr wrap="square" rtlCol="0">
-            <a:spAutoFit/>
-          </a:bodyPr>
-          <a:lstStyle/>
-          <a:p>
-            <a:r>
-              <a:rPr lang="fr-FR" sz="1600" dirty="0"/>
-              <a:t>Résultat de la </a:t>
-            </a:r>
-            <a:r>
-              <a:rPr lang="fr-FR" sz="1600" dirty="0" err="1"/>
-              <a:t>ICApruned</a:t>
-            </a:r>
-            <a:r>
-              <a:rPr lang="fr-FR" sz="1600" dirty="0"/>
-              <a:t> sans la composante 1 et 2. </a:t>
-            </a:r>
-            <a:r>
-              <a:rPr lang="fr-FR" sz="1600" dirty="0">
-                <a:solidFill>
-                  <a:srgbClr val="00B050"/>
-                </a:solidFill>
-              </a:rPr>
-              <a:t>Le résultat est identique. Cela veut dire que la correction d’orientation effectué par MD est efficace et qu’il y a plus besoin de loader un fichier de coordonné </a:t>
-            </a:r>
-            <a:r>
-              <a:rPr lang="fr-FR" sz="1600" dirty="0" err="1">
-                <a:solidFill>
-                  <a:srgbClr val="00B050"/>
-                </a:solidFill>
-              </a:rPr>
-              <a:t>EEGlab</a:t>
-            </a:r>
-            <a:r>
-              <a:rPr lang="fr-FR" sz="1600" dirty="0">
-                <a:solidFill>
-                  <a:srgbClr val="00B050"/>
-                </a:solidFill>
-              </a:rPr>
-              <a:t>. </a:t>
-            </a:r>
-            <a:endParaRPr lang="fr-CH" sz="1600" dirty="0">
-              <a:solidFill>
-                <a:srgbClr val="00B050"/>
-              </a:solidFill>
-            </a:endParaRPr>
+          <a:bodyPr/>
+          <a:lstStyle/>
+          <a:p>
+            <a:r>
+              <a:rPr lang="fr-FR" dirty="0"/>
+              <a:t>Travail sur l’ICA et l’orientation des coordonné </a:t>
+            </a:r>
+            <a:endParaRPr lang="fr-CH" dirty="0"/>
           </a:p>
         </p:txBody>
       </p:sp>
     </p:spTree>
     <p:extLst>
       <p:ext uri="{BB962C8B-B14F-4D97-AF65-F5344CB8AC3E}">
-        <p14:creationId xmlns:p14="http://schemas.microsoft.com/office/powerpoint/2010/main" val="2622517280"/>
+        <p14:creationId xmlns:p14="http://schemas.microsoft.com/office/powerpoint/2010/main" val="1691132355"/>
       </p:ext>
     </p:extLst>
   </p:cSld>
@@ -5536,7 +5972,7 @@
           <p:cNvPr id="4" name="TextBox 3">
             <a:extLst>
               <a:ext uri="{FF2B5EF4-FFF2-40B4-BE49-F238E27FC236}">
-                <a16:creationId xmlns:a16="http://schemas.microsoft.com/office/drawing/2014/main" id="{BBE5CAF4-3DF5-F8A6-9117-04B88128908C}"/>
+                <a16:creationId xmlns:a16="http://schemas.microsoft.com/office/drawing/2014/main" id="{40687D6A-83CD-48E6-C1DE-81D961D729D4}"/>
               </a:ext>
             </a:extLst>
           </p:cNvPr>
@@ -5545,8 +5981,8 @@
         </p:nvSpPr>
         <p:spPr>
           <a:xfrm>
-            <a:off x="147781" y="203200"/>
-            <a:ext cx="8768426" cy="369332"/>
+            <a:off x="203200" y="120073"/>
+            <a:ext cx="923010" cy="369332"/>
           </a:xfrm>
           <a:prstGeom prst="rect">
             <a:avLst/>
@@ -5561,33 +5997,17 @@
           <a:p>
             <a:r>
               <a:rPr lang="en-US" dirty="0"/>
-              <a:t>Test channel location de .set avec les correction </a:t>
-            </a:r>
-            <a:r>
-              <a:rPr lang="en-US" dirty="0" err="1"/>
-              <a:t>effectué</a:t>
-            </a:r>
-            <a:r>
-              <a:rPr lang="en-US" dirty="0"/>
-              <a:t> par MD. </a:t>
-            </a:r>
-            <a:r>
-              <a:rPr lang="en-US" dirty="0" err="1"/>
-              <a:t>Visualisation</a:t>
-            </a:r>
-            <a:r>
-              <a:rPr lang="en-US" dirty="0"/>
-              <a:t> dans EEG lab</a:t>
+              <a:t>Test ICA</a:t>
             </a:r>
           </a:p>
         </p:txBody>
       </p:sp>
       <p:pic>
         <p:nvPicPr>
-          <p:cNvPr id="8" name="Picture 7">
-            <a:extLst>
-              <a:ext uri="{FF2B5EF4-FFF2-40B4-BE49-F238E27FC236}">
-                <a16:creationId xmlns:a16="http://schemas.microsoft.com/office/drawing/2014/main" id="{12270E97-6987-671A-9AA3-6024B9870430}"/>
+          <p:cNvPr id="6" name="Picture 5">
+            <a:extLst>
+              <a:ext uri="{FF2B5EF4-FFF2-40B4-BE49-F238E27FC236}">
+                <a16:creationId xmlns:a16="http://schemas.microsoft.com/office/drawing/2014/main" id="{170924C6-8F4D-B41A-CCB1-F332B6603863}"/>
               </a:ext>
             </a:extLst>
           </p:cNvPr>
@@ -5604,8 +6024,8 @@
         </p:blipFill>
         <p:spPr>
           <a:xfrm>
-            <a:off x="957407" y="1340882"/>
-            <a:ext cx="2928793" cy="3065143"/>
+            <a:off x="760268" y="629950"/>
+            <a:ext cx="2763982" cy="2468996"/>
           </a:xfrm>
           <a:prstGeom prst="rect">
             <a:avLst/>
@@ -5614,10 +6034,10 @@
       </p:pic>
       <p:sp>
         <p:nvSpPr>
-          <p:cNvPr id="9" name="TextBox 8">
-            <a:extLst>
-              <a:ext uri="{FF2B5EF4-FFF2-40B4-BE49-F238E27FC236}">
-                <a16:creationId xmlns:a16="http://schemas.microsoft.com/office/drawing/2014/main" id="{19743C41-F23F-9362-B40E-79DD087BD0D8}"/>
+          <p:cNvPr id="7" name="TextBox 6">
+            <a:extLst>
+              <a:ext uri="{FF2B5EF4-FFF2-40B4-BE49-F238E27FC236}">
+                <a16:creationId xmlns:a16="http://schemas.microsoft.com/office/drawing/2014/main" id="{1EB23736-A76C-D526-8059-7621B9051A1C}"/>
               </a:ext>
             </a:extLst>
           </p:cNvPr>
@@ -5626,8 +6046,8 @@
         </p:nvSpPr>
         <p:spPr>
           <a:xfrm>
-            <a:off x="1476375" y="806450"/>
-            <a:ext cx="2169568" cy="369332"/>
+            <a:off x="304396" y="3091422"/>
+            <a:ext cx="3907416" cy="369332"/>
           </a:xfrm>
           <a:prstGeom prst="rect">
             <a:avLst/>
@@ -5641,12 +6061,8 @@
           <a:lstStyle/>
           <a:p>
             <a:r>
-              <a:rPr lang="en-US" dirty="0" err="1"/>
-              <a:t>Inclu</a:t>
-            </a:r>
-            <a:r>
-              <a:rPr lang="en-US" dirty="0"/>
-              <a:t> dans </a:t>
+              <a:rPr lang="en-US" dirty="0"/>
+              <a:t>ICA avec le </a:t>
             </a:r>
             <a:r>
               <a:rPr lang="en-US" dirty="0" err="1"/>
@@ -5654,17 +6070,81 @@
             </a:r>
             <a:r>
               <a:rPr lang="en-US" dirty="0"/>
-              <a:t> .set</a:t>
+              <a:t> de </a:t>
+            </a:r>
+            <a:r>
+              <a:rPr lang="en-US" dirty="0" err="1"/>
+              <a:t>coordonné</a:t>
+            </a:r>
+            <a:r>
+              <a:rPr lang="en-US" dirty="0"/>
+              <a:t> </a:t>
+            </a:r>
+            <a:r>
+              <a:rPr lang="en-US" dirty="0" err="1"/>
+              <a:t>EEGlab</a:t>
+            </a:r>
+            <a:endParaRPr lang="en-US" dirty="0"/>
+          </a:p>
+        </p:txBody>
+      </p:sp>
+      <p:sp>
+        <p:nvSpPr>
+          <p:cNvPr id="8" name="TextBox 7">
+            <a:extLst>
+              <a:ext uri="{FF2B5EF4-FFF2-40B4-BE49-F238E27FC236}">
+                <a16:creationId xmlns:a16="http://schemas.microsoft.com/office/drawing/2014/main" id="{D207765F-E084-D7C4-ED5A-F1962F20847D}"/>
+              </a:ext>
+            </a:extLst>
+          </p:cNvPr>
+          <p:cNvSpPr txBox="1"/>
+          <p:nvPr/>
+        </p:nvSpPr>
+        <p:spPr>
+          <a:xfrm>
+            <a:off x="4492085" y="3098946"/>
+            <a:ext cx="3966599" cy="369332"/>
+          </a:xfrm>
+          <a:prstGeom prst="rect">
+            <a:avLst/>
+          </a:prstGeom>
+          <a:noFill/>
+        </p:spPr>
+        <p:txBody>
+          <a:bodyPr wrap="none" rtlCol="0">
+            <a:spAutoFit/>
+          </a:bodyPr>
+          <a:lstStyle/>
+          <a:p>
+            <a:r>
+              <a:rPr lang="en-US" dirty="0"/>
+              <a:t>ICA avec les </a:t>
+            </a:r>
+            <a:r>
+              <a:rPr lang="en-US" dirty="0" err="1"/>
+              <a:t>coordonné</a:t>
+            </a:r>
+            <a:r>
+              <a:rPr lang="en-US" dirty="0"/>
+              <a:t> </a:t>
+            </a:r>
+            <a:r>
+              <a:rPr lang="en-US" dirty="0" err="1"/>
+              <a:t>inclu</a:t>
+            </a:r>
+            <a:r>
+              <a:rPr lang="en-US" dirty="0"/>
+              <a:t> dans le .set</a:t>
             </a:r>
           </a:p>
         </p:txBody>
       </p:sp>
       <p:pic>
         <p:nvPicPr>
-          <p:cNvPr id="11" name="Picture 10">
-            <a:extLst>
-              <a:ext uri="{FF2B5EF4-FFF2-40B4-BE49-F238E27FC236}">
-                <a16:creationId xmlns:a16="http://schemas.microsoft.com/office/drawing/2014/main" id="{76539408-1958-B67E-94AF-28262FFA891E}"/>
+          <p:cNvPr id="10" name="Picture 9">
+            <a:extLst>
+              <a:ext uri="{FF2B5EF4-FFF2-40B4-BE49-F238E27FC236}">
+                <a16:creationId xmlns:a16="http://schemas.microsoft.com/office/drawing/2014/main" id="{2DA031C1-8B46-EE78-A3AD-2277EA05391A}"/>
               </a:ext>
             </a:extLst>
           </p:cNvPr>
@@ -5681,8 +6161,8 @@
         </p:blipFill>
         <p:spPr>
           <a:xfrm>
-            <a:off x="4924425" y="1340882"/>
-            <a:ext cx="2992752" cy="3158250"/>
+            <a:off x="344633" y="5410958"/>
+            <a:ext cx="3575502" cy="817092"/>
           </a:xfrm>
           <a:prstGeom prst="rect">
             <a:avLst/>
@@ -5691,10 +6171,10 @@
       </p:pic>
       <p:sp>
         <p:nvSpPr>
-          <p:cNvPr id="12" name="TextBox 11">
-            <a:extLst>
-              <a:ext uri="{FF2B5EF4-FFF2-40B4-BE49-F238E27FC236}">
-                <a16:creationId xmlns:a16="http://schemas.microsoft.com/office/drawing/2014/main" id="{FFBAC26B-59E7-33F8-01AA-DA96B7C0D2BC}"/>
+          <p:cNvPr id="11" name="TextBox 10">
+            <a:extLst>
+              <a:ext uri="{FF2B5EF4-FFF2-40B4-BE49-F238E27FC236}">
+                <a16:creationId xmlns:a16="http://schemas.microsoft.com/office/drawing/2014/main" id="{56C217A0-6F33-1FF1-B2D6-4DF5A46FA5B3}"/>
               </a:ext>
             </a:extLst>
           </p:cNvPr>
@@ -5703,8 +6183,8 @@
         </p:nvSpPr>
         <p:spPr>
           <a:xfrm>
-            <a:off x="5143500" y="806450"/>
-            <a:ext cx="2568332" cy="369332"/>
+            <a:off x="760268" y="5041626"/>
+            <a:ext cx="3050579" cy="369332"/>
           </a:xfrm>
           <a:prstGeom prst="rect">
             <a:avLst/>
@@ -5718,22 +6198,111 @@
           <a:lstStyle/>
           <a:p>
             <a:r>
-              <a:rPr lang="en-US" dirty="0" err="1"/>
-              <a:t>Fichier</a:t>
-            </a:r>
-            <a:r>
-              <a:rPr lang="en-US" dirty="0"/>
-              <a:t> biosemi64AB.locs </a:t>
-            </a:r>
-          </a:p>
-        </p:txBody>
-      </p:sp>
-      <p:sp>
-        <p:nvSpPr>
-          <p:cNvPr id="13" name="TextBox 12">
-            <a:extLst>
-              <a:ext uri="{FF2B5EF4-FFF2-40B4-BE49-F238E27FC236}">
-                <a16:creationId xmlns:a16="http://schemas.microsoft.com/office/drawing/2014/main" id="{451FAED2-D5B3-E6D9-78BE-79560FD8332C}"/>
+              <a:rPr lang="en-US" dirty="0">
+                <a:solidFill>
+                  <a:srgbClr val="00B050"/>
+                </a:solidFill>
+              </a:rPr>
+              <a:t>Les trigger </a:t>
+            </a:r>
+            <a:r>
+              <a:rPr lang="en-US" dirty="0" err="1">
+                <a:solidFill>
+                  <a:srgbClr val="00B050"/>
+                </a:solidFill>
+              </a:rPr>
+              <a:t>sont</a:t>
+            </a:r>
+            <a:r>
+              <a:rPr lang="en-US" dirty="0">
+                <a:solidFill>
+                  <a:srgbClr val="00B050"/>
+                </a:solidFill>
+              </a:rPr>
+              <a:t> très bien </a:t>
+            </a:r>
+            <a:r>
+              <a:rPr lang="en-US" dirty="0" err="1">
+                <a:solidFill>
+                  <a:srgbClr val="00B050"/>
+                </a:solidFill>
+              </a:rPr>
+              <a:t>gérés</a:t>
+            </a:r>
+            <a:endParaRPr lang="en-US" dirty="0">
+              <a:solidFill>
+                <a:srgbClr val="00B050"/>
+              </a:solidFill>
+            </a:endParaRPr>
+          </a:p>
+        </p:txBody>
+      </p:sp>
+      <p:pic>
+        <p:nvPicPr>
+          <p:cNvPr id="3" name="Image 2">
+            <a:extLst>
+              <a:ext uri="{FF2B5EF4-FFF2-40B4-BE49-F238E27FC236}">
+                <a16:creationId xmlns:a16="http://schemas.microsoft.com/office/drawing/2014/main" id="{6273FAC6-A068-CFAD-A24E-7B9008795EB3}"/>
+              </a:ext>
+            </a:extLst>
+          </p:cNvPr>
+          <p:cNvPicPr>
+            <a:picLocks noChangeAspect="1"/>
+          </p:cNvPicPr>
+          <p:nvPr/>
+        </p:nvPicPr>
+        <p:blipFill>
+          <a:blip r:embed="rId4"/>
+          <a:stretch>
+            <a:fillRect/>
+          </a:stretch>
+        </p:blipFill>
+        <p:spPr>
+          <a:xfrm>
+            <a:off x="5087016" y="584528"/>
+            <a:ext cx="2776735" cy="2461472"/>
+          </a:xfrm>
+          <a:prstGeom prst="rect">
+            <a:avLst/>
+          </a:prstGeom>
+        </p:spPr>
+      </p:pic>
+      <p:pic>
+        <p:nvPicPr>
+          <p:cNvPr id="9" name="Image 8">
+            <a:extLst>
+              <a:ext uri="{FF2B5EF4-FFF2-40B4-BE49-F238E27FC236}">
+                <a16:creationId xmlns:a16="http://schemas.microsoft.com/office/drawing/2014/main" id="{3471FDA3-51FD-2CC9-ECDB-1C1173E39658}"/>
+              </a:ext>
+            </a:extLst>
+          </p:cNvPr>
+          <p:cNvPicPr>
+            <a:picLocks noChangeAspect="1"/>
+          </p:cNvPicPr>
+          <p:nvPr/>
+        </p:nvPicPr>
+        <p:blipFill>
+          <a:blip r:embed="rId5"/>
+          <a:stretch>
+            <a:fillRect/>
+          </a:stretch>
+        </p:blipFill>
+        <p:spPr>
+          <a:xfrm>
+            <a:off x="5133974" y="3521224"/>
+            <a:ext cx="4752975" cy="2359123"/>
+          </a:xfrm>
+          <a:prstGeom prst="rect">
+            <a:avLst/>
+          </a:prstGeom>
+        </p:spPr>
+      </p:pic>
+      <p:sp>
+        <p:nvSpPr>
+          <p:cNvPr id="12" name="ZoneTexte 11">
+            <a:extLst>
+              <a:ext uri="{FF2B5EF4-FFF2-40B4-BE49-F238E27FC236}">
+                <a16:creationId xmlns:a16="http://schemas.microsoft.com/office/drawing/2014/main" id="{EA9FAFD1-7231-4934-0110-1B9454CC0BD0}"/>
               </a:ext>
             </a:extLst>
           </p:cNvPr>
@@ -5742,8 +6311,8 @@
         </p:nvSpPr>
         <p:spPr>
           <a:xfrm>
-            <a:off x="397741" y="4805817"/>
-            <a:ext cx="10937009" cy="1477328"/>
+            <a:off x="4685704" y="5819504"/>
+            <a:ext cx="7172325" cy="830997"/>
           </a:xfrm>
           <a:prstGeom prst="rect">
             <a:avLst/>
@@ -5757,308 +6326,53 @@
           <a:lstStyle/>
           <a:p>
             <a:r>
-              <a:rPr lang="en-US" dirty="0" err="1"/>
-              <a:t>Cependant</a:t>
-            </a:r>
-            <a:r>
-              <a:rPr lang="en-US" dirty="0"/>
-              <a:t>, </a:t>
-            </a:r>
-            <a:r>
-              <a:rPr lang="en-US" dirty="0" err="1"/>
-              <a:t>si</a:t>
-            </a:r>
-            <a:r>
-              <a:rPr lang="en-US" dirty="0"/>
-              <a:t> on affiche la visualization de la position des </a:t>
-            </a:r>
-            <a:r>
-              <a:rPr lang="en-US" dirty="0" err="1"/>
-              <a:t>coordonné</a:t>
-            </a:r>
-            <a:r>
-              <a:rPr lang="en-US" dirty="0"/>
-              <a:t> </a:t>
-            </a:r>
-            <a:r>
-              <a:rPr lang="en-US" dirty="0" err="1"/>
-              <a:t>importé</a:t>
-            </a:r>
-            <a:r>
-              <a:rPr lang="en-US" dirty="0"/>
-              <a:t> par </a:t>
-            </a:r>
-            <a:r>
-              <a:rPr lang="en-US" dirty="0" err="1"/>
-              <a:t>EEGpal</a:t>
-            </a:r>
-            <a:r>
-              <a:rPr lang="en-US" dirty="0"/>
-              <a:t> dans les </a:t>
-            </a:r>
-            <a:r>
-              <a:rPr lang="en-US" dirty="0" err="1"/>
-              <a:t>fichier</a:t>
-            </a:r>
-            <a:r>
-              <a:rPr lang="en-US" dirty="0"/>
-              <a:t> .set à </a:t>
-            </a:r>
-            <a:r>
-              <a:rPr lang="en-US" dirty="0" err="1"/>
-              <a:t>l’intérieur</a:t>
-            </a:r>
-            <a:r>
-              <a:rPr lang="en-US" dirty="0"/>
-              <a:t> </a:t>
-            </a:r>
-            <a:r>
-              <a:rPr lang="en-US" dirty="0" err="1"/>
-              <a:t>d’EEG</a:t>
-            </a:r>
-            <a:r>
-              <a:rPr lang="en-US" dirty="0"/>
-              <a:t> lab (image de gauche), la position des </a:t>
-            </a:r>
-            <a:r>
-              <a:rPr lang="en-US" dirty="0" err="1"/>
-              <a:t>électrodes</a:t>
-            </a:r>
-            <a:r>
-              <a:rPr lang="en-US" dirty="0"/>
-              <a:t> </a:t>
-            </a:r>
-            <a:r>
-              <a:rPr lang="en-US" dirty="0" err="1"/>
-              <a:t>est</a:t>
-            </a:r>
-            <a:r>
-              <a:rPr lang="en-US" dirty="0"/>
-              <a:t> </a:t>
-            </a:r>
-            <a:r>
-              <a:rPr lang="en-US" dirty="0" err="1"/>
-              <a:t>moins</a:t>
-            </a:r>
-            <a:r>
-              <a:rPr lang="en-US" dirty="0"/>
-              <a:t> bonne que </a:t>
-            </a:r>
-            <a:r>
-              <a:rPr lang="en-US" dirty="0" err="1"/>
-              <a:t>si</a:t>
-            </a:r>
-            <a:r>
-              <a:rPr lang="en-US" dirty="0"/>
-              <a:t> on load le </a:t>
-            </a:r>
-            <a:r>
-              <a:rPr lang="en-US" dirty="0" err="1"/>
-              <a:t>fichier</a:t>
-            </a:r>
-            <a:r>
-              <a:rPr lang="en-US" dirty="0"/>
-              <a:t> de </a:t>
-            </a:r>
-            <a:r>
-              <a:rPr lang="en-US" dirty="0" err="1"/>
-              <a:t>coordonné</a:t>
-            </a:r>
-            <a:r>
-              <a:rPr lang="en-US" dirty="0"/>
-              <a:t> biosemi64AB.locs (image de droite). Pour </a:t>
-            </a:r>
-            <a:r>
-              <a:rPr lang="en-US" dirty="0" err="1"/>
-              <a:t>l’ICA</a:t>
-            </a:r>
-            <a:r>
-              <a:rPr lang="en-US" dirty="0"/>
-              <a:t> </a:t>
-            </a:r>
-            <a:r>
-              <a:rPr lang="en-US" dirty="0" err="1"/>
-              <a:t>ça</a:t>
-            </a:r>
-            <a:r>
-              <a:rPr lang="en-US" dirty="0"/>
-              <a:t> </a:t>
-            </a:r>
-            <a:r>
-              <a:rPr lang="en-US" dirty="0" err="1"/>
-              <a:t>n’a</a:t>
-            </a:r>
-            <a:r>
-              <a:rPr lang="en-US" dirty="0"/>
-              <a:t> pas </a:t>
-            </a:r>
-            <a:r>
-              <a:rPr lang="en-US" dirty="0" err="1"/>
-              <a:t>d’importante</a:t>
-            </a:r>
-            <a:r>
-              <a:rPr lang="en-US" dirty="0"/>
-              <a:t> </a:t>
-            </a:r>
-            <a:r>
-              <a:rPr lang="en-US" dirty="0" err="1"/>
-              <a:t>mais</a:t>
-            </a:r>
-            <a:r>
-              <a:rPr lang="en-US" dirty="0"/>
-              <a:t> pour le </a:t>
-            </a:r>
-            <a:r>
-              <a:rPr lang="en-US" dirty="0" err="1"/>
-              <a:t>classificateur</a:t>
-            </a:r>
-            <a:r>
-              <a:rPr lang="en-US" dirty="0"/>
-              <a:t> des </a:t>
-            </a:r>
-            <a:r>
-              <a:rPr lang="en-US" dirty="0" err="1"/>
-              <a:t>composantes</a:t>
-            </a:r>
-            <a:r>
-              <a:rPr lang="en-US" dirty="0"/>
-              <a:t>, </a:t>
-            </a:r>
-            <a:r>
-              <a:rPr lang="en-US" dirty="0" err="1"/>
-              <a:t>ça</a:t>
-            </a:r>
-            <a:r>
-              <a:rPr lang="en-US" dirty="0"/>
-              <a:t> </a:t>
-            </a:r>
-            <a:r>
-              <a:rPr lang="en-US" dirty="0" err="1"/>
-              <a:t>pourrait</a:t>
-            </a:r>
-            <a:r>
-              <a:rPr lang="en-US" dirty="0"/>
-              <a:t> </a:t>
-            </a:r>
-            <a:r>
-              <a:rPr lang="en-US" dirty="0" err="1"/>
-              <a:t>en</a:t>
-            </a:r>
-            <a:r>
-              <a:rPr lang="en-US" dirty="0"/>
-              <a:t> </a:t>
-            </a:r>
-            <a:r>
-              <a:rPr lang="en-US" dirty="0" err="1"/>
-              <a:t>avoir</a:t>
-            </a:r>
-            <a:r>
-              <a:rPr lang="en-US" dirty="0"/>
-              <a:t> (je </a:t>
-            </a:r>
-            <a:r>
-              <a:rPr lang="en-US" dirty="0" err="1"/>
-              <a:t>sais</a:t>
-            </a:r>
-            <a:r>
-              <a:rPr lang="en-US" dirty="0"/>
-              <a:t> pas comment </a:t>
-            </a:r>
-            <a:r>
-              <a:rPr lang="en-US" dirty="0" err="1"/>
-              <a:t>marche</a:t>
-            </a:r>
-            <a:r>
-              <a:rPr lang="en-US" dirty="0"/>
-              <a:t> </a:t>
-            </a:r>
-            <a:r>
-              <a:rPr lang="en-US" dirty="0" err="1"/>
-              <a:t>exactement</a:t>
-            </a:r>
-            <a:r>
-              <a:rPr lang="en-US" dirty="0"/>
-              <a:t> le </a:t>
-            </a:r>
-            <a:r>
-              <a:rPr lang="en-US" dirty="0" err="1"/>
-              <a:t>classificateur</a:t>
-            </a:r>
-            <a:r>
-              <a:rPr lang="en-US" dirty="0"/>
-              <a:t>). Du coup par </a:t>
-            </a:r>
-            <a:r>
-              <a:rPr lang="en-US" dirty="0" err="1"/>
-              <a:t>sécurité</a:t>
-            </a:r>
-            <a:r>
-              <a:rPr lang="en-US" dirty="0"/>
-              <a:t>, </a:t>
-            </a:r>
-            <a:r>
-              <a:rPr lang="en-US" dirty="0" err="1"/>
-              <a:t>j’aurais</a:t>
-            </a:r>
-            <a:r>
-              <a:rPr lang="en-US" dirty="0"/>
-              <a:t> tendance à </a:t>
-            </a:r>
-            <a:r>
-              <a:rPr lang="en-US" dirty="0" err="1"/>
-              <a:t>garder</a:t>
-            </a:r>
-            <a:r>
-              <a:rPr lang="en-US" dirty="0"/>
-              <a:t> </a:t>
-            </a:r>
-            <a:r>
-              <a:rPr lang="en-US" dirty="0" err="1"/>
-              <a:t>l’étape</a:t>
-            </a:r>
-            <a:r>
-              <a:rPr lang="en-US" dirty="0"/>
-              <a:t> de loader le </a:t>
-            </a:r>
-            <a:r>
-              <a:rPr lang="en-US" dirty="0" err="1"/>
-              <a:t>fichier</a:t>
-            </a:r>
-            <a:r>
-              <a:rPr lang="en-US" dirty="0"/>
-              <a:t> de </a:t>
-            </a:r>
-            <a:r>
-              <a:rPr lang="en-US" dirty="0" err="1"/>
-              <a:t>coordonné</a:t>
-            </a:r>
-            <a:r>
-              <a:rPr lang="en-US" dirty="0"/>
-              <a:t> biosemi64AB.locs pour </a:t>
-            </a:r>
-            <a:r>
-              <a:rPr lang="en-US" dirty="0" err="1"/>
-              <a:t>être</a:t>
-            </a:r>
-            <a:r>
-              <a:rPr lang="en-US" dirty="0"/>
-              <a:t> </a:t>
-            </a:r>
-            <a:r>
-              <a:rPr lang="en-US" dirty="0" err="1"/>
-              <a:t>sûr</a:t>
-            </a:r>
-            <a:r>
-              <a:rPr lang="en-US" dirty="0"/>
+              <a:rPr lang="fr-FR" sz="1600" dirty="0"/>
+              <a:t>Résultat de la </a:t>
+            </a:r>
+            <a:r>
+              <a:rPr lang="fr-FR" sz="1600" dirty="0" err="1"/>
+              <a:t>ICApruned</a:t>
+            </a:r>
+            <a:r>
+              <a:rPr lang="fr-FR" sz="1600" dirty="0"/>
+              <a:t> sans la composante 1 et 2. </a:t>
+            </a:r>
+            <a:r>
+              <a:rPr lang="fr-FR" sz="1600" dirty="0">
+                <a:solidFill>
+                  <a:srgbClr val="00B050"/>
+                </a:solidFill>
+              </a:rPr>
+              <a:t>Le résultat est identique. Cela veut dire que la correction d’orientation effectué par MD est efficace et qu’il y a plus besoin de loader un fichier de coordonné </a:t>
+            </a:r>
+            <a:r>
+              <a:rPr lang="fr-FR" sz="1600" dirty="0" err="1">
+                <a:solidFill>
+                  <a:srgbClr val="00B050"/>
+                </a:solidFill>
+              </a:rPr>
+              <a:t>EEGlab</a:t>
+            </a:r>
+            <a:r>
+              <a:rPr lang="fr-FR" sz="1600" dirty="0">
+                <a:solidFill>
+                  <a:srgbClr val="00B050"/>
+                </a:solidFill>
+              </a:rPr>
               <a:t>. </a:t>
             </a:r>
+            <a:endParaRPr lang="fr-CH" sz="1600" dirty="0">
+              <a:solidFill>
+                <a:srgbClr val="00B050"/>
+              </a:solidFill>
+            </a:endParaRPr>
           </a:p>
         </p:txBody>
       </p:sp>
     </p:spTree>
     <p:extLst>
       <p:ext uri="{BB962C8B-B14F-4D97-AF65-F5344CB8AC3E}">
-        <p14:creationId xmlns:p14="http://schemas.microsoft.com/office/powerpoint/2010/main" val="1149938830"/>
+        <p14:creationId xmlns:p14="http://schemas.microsoft.com/office/powerpoint/2010/main" val="2622517280"/>
       </p:ext>
     </p:extLst>
   </p:cSld>
@@ -6090,7 +6404,7 @@
           <p:cNvPr id="4" name="TextBox 3">
             <a:extLst>
               <a:ext uri="{FF2B5EF4-FFF2-40B4-BE49-F238E27FC236}">
-                <a16:creationId xmlns:a16="http://schemas.microsoft.com/office/drawing/2014/main" id="{F258C0CC-60E7-D3DC-75E3-B242D7C5104B}"/>
+                <a16:creationId xmlns:a16="http://schemas.microsoft.com/office/drawing/2014/main" id="{BBE5CAF4-3DF5-F8A6-9117-04B88128908C}"/>
               </a:ext>
             </a:extLst>
           </p:cNvPr>
@@ -6100,7 +6414,7 @@
         <p:spPr>
           <a:xfrm>
             <a:off x="147781" y="203200"/>
-            <a:ext cx="11022120" cy="369332"/>
+            <a:ext cx="8768426" cy="369332"/>
           </a:xfrm>
           <a:prstGeom prst="rect">
             <a:avLst/>
@@ -6115,130 +6429,33 @@
           <a:p>
             <a:r>
               <a:rPr lang="en-US" dirty="0"/>
-              <a:t>Test </a:t>
-            </a:r>
-            <a:r>
-              <a:rPr lang="en-US" dirty="0" err="1"/>
-              <a:t>s’il</a:t>
-            </a:r>
-            <a:r>
-              <a:rPr lang="en-US" dirty="0"/>
-              <a:t> y a </a:t>
-            </a:r>
-            <a:r>
-              <a:rPr lang="en-US" dirty="0" err="1"/>
-              <a:t>une</a:t>
-            </a:r>
-            <a:r>
-              <a:rPr lang="en-US" dirty="0"/>
-              <a:t> deference des les </a:t>
-            </a:r>
-            <a:r>
-              <a:rPr lang="en-US" dirty="0" err="1"/>
-              <a:t>résulat</a:t>
-            </a:r>
-            <a:r>
-              <a:rPr lang="en-US" dirty="0"/>
-              <a:t> de </a:t>
-            </a:r>
-            <a:r>
-              <a:rPr lang="en-US" dirty="0" err="1"/>
-              <a:t>ICAlabel</a:t>
-            </a:r>
-            <a:r>
-              <a:rPr lang="en-US" dirty="0"/>
-              <a:t> </a:t>
-            </a:r>
-            <a:r>
-              <a:rPr lang="en-US" dirty="0" err="1"/>
-              <a:t>en</a:t>
-            </a:r>
-            <a:r>
-              <a:rPr lang="en-US" dirty="0"/>
-              <a:t> function des </a:t>
-            </a:r>
-            <a:r>
-              <a:rPr lang="en-US" dirty="0" err="1"/>
-              <a:t>coordonné</a:t>
-            </a:r>
-            <a:r>
-              <a:rPr lang="en-US" dirty="0"/>
-              <a:t> des </a:t>
-            </a:r>
-            <a:r>
-              <a:rPr lang="en-US" dirty="0" err="1"/>
-              <a:t>électrodes</a:t>
-            </a:r>
-            <a:r>
-              <a:rPr lang="en-US" dirty="0"/>
-              <a:t> pour le </a:t>
-            </a:r>
-            <a:r>
-              <a:rPr lang="en-US" dirty="0" err="1"/>
-              <a:t>même</a:t>
-            </a:r>
-            <a:r>
-              <a:rPr lang="en-US" dirty="0"/>
-              <a:t> </a:t>
-            </a:r>
-            <a:r>
-              <a:rPr lang="en-US" dirty="0" err="1"/>
-              <a:t>fichier</a:t>
-            </a:r>
-            <a:endParaRPr lang="en-US" dirty="0"/>
-          </a:p>
-        </p:txBody>
-      </p:sp>
-      <p:sp>
-        <p:nvSpPr>
-          <p:cNvPr id="5" name="ZoneTexte 4">
-            <a:extLst>
-              <a:ext uri="{FF2B5EF4-FFF2-40B4-BE49-F238E27FC236}">
-                <a16:creationId xmlns:a16="http://schemas.microsoft.com/office/drawing/2014/main" id="{EB57163A-8E16-35E8-E138-09C7222AB6FD}"/>
-              </a:ext>
-            </a:extLst>
-          </p:cNvPr>
-          <p:cNvSpPr txBox="1"/>
-          <p:nvPr/>
-        </p:nvSpPr>
-        <p:spPr>
-          <a:xfrm>
-            <a:off x="147781" y="666750"/>
-            <a:ext cx="10437216" cy="276999"/>
-          </a:xfrm>
-          <a:prstGeom prst="rect">
-            <a:avLst/>
-          </a:prstGeom>
-          <a:noFill/>
-        </p:spPr>
-        <p:txBody>
-          <a:bodyPr wrap="none" rtlCol="0">
-            <a:spAutoFit/>
-          </a:bodyPr>
-          <a:lstStyle/>
-          <a:p>
-            <a:r>
-              <a:rPr lang="fr-FR" sz="1200" dirty="0"/>
-              <a:t>Je travail sur le fichier ICA\</a:t>
-            </a:r>
-            <a:r>
-              <a:rPr lang="fr-FR" sz="1200" dirty="0" err="1"/>
-              <a:t>withoutExternalCoordinateFile</a:t>
-            </a:r>
-            <a:r>
-              <a:rPr lang="fr-FR" sz="1200" dirty="0"/>
-              <a:t>\Interoception_CAS_P012_13122023_synch1_exported_filtered_interpolated_rereferenced_ICApruned.sef</a:t>
-            </a:r>
-            <a:endParaRPr lang="fr-CH" sz="1200" dirty="0"/>
+              <a:t>Test channel location de .set avec les correction </a:t>
+            </a:r>
+            <a:r>
+              <a:rPr lang="en-US" dirty="0" err="1"/>
+              <a:t>effectué</a:t>
+            </a:r>
+            <a:r>
+              <a:rPr lang="en-US" dirty="0"/>
+              <a:t> par MD. </a:t>
+            </a:r>
+            <a:r>
+              <a:rPr lang="en-US" dirty="0" err="1"/>
+              <a:t>Visualisation</a:t>
+            </a:r>
+            <a:r>
+              <a:rPr lang="en-US" dirty="0"/>
+              <a:t> dans EEG lab</a:t>
+            </a:r>
           </a:p>
         </p:txBody>
       </p:sp>
       <p:pic>
         <p:nvPicPr>
-          <p:cNvPr id="7" name="Image 6">
-            <a:extLst>
-              <a:ext uri="{FF2B5EF4-FFF2-40B4-BE49-F238E27FC236}">
-                <a16:creationId xmlns:a16="http://schemas.microsoft.com/office/drawing/2014/main" id="{58A525C8-DFC4-925E-521C-4D11FE141E2E}"/>
+          <p:cNvPr id="8" name="Picture 7">
+            <a:extLst>
+              <a:ext uri="{FF2B5EF4-FFF2-40B4-BE49-F238E27FC236}">
+                <a16:creationId xmlns:a16="http://schemas.microsoft.com/office/drawing/2014/main" id="{12270E97-6987-671A-9AA3-6024B9870430}"/>
               </a:ext>
             </a:extLst>
           </p:cNvPr>
@@ -6255,8 +6472,8 @@
         </p:blipFill>
         <p:spPr>
           <a:xfrm>
-            <a:off x="6276318" y="1190625"/>
-            <a:ext cx="3534431" cy="3133725"/>
+            <a:off x="957407" y="1340882"/>
+            <a:ext cx="2928793" cy="3065143"/>
           </a:xfrm>
           <a:prstGeom prst="rect">
             <a:avLst/>
@@ -6265,10 +6482,10 @@
       </p:pic>
       <p:sp>
         <p:nvSpPr>
-          <p:cNvPr id="8" name="TextBox 7">
-            <a:extLst>
-              <a:ext uri="{FF2B5EF4-FFF2-40B4-BE49-F238E27FC236}">
-                <a16:creationId xmlns:a16="http://schemas.microsoft.com/office/drawing/2014/main" id="{B04B4C1B-41BB-E2B3-51A1-B5673DC27EBD}"/>
+          <p:cNvPr id="9" name="TextBox 8">
+            <a:extLst>
+              <a:ext uri="{FF2B5EF4-FFF2-40B4-BE49-F238E27FC236}">
+                <a16:creationId xmlns:a16="http://schemas.microsoft.com/office/drawing/2014/main" id="{19743C41-F23F-9362-B40E-79DD087BD0D8}"/>
               </a:ext>
             </a:extLst>
           </p:cNvPr>
@@ -6277,8 +6494,8 @@
         </p:nvSpPr>
         <p:spPr>
           <a:xfrm>
-            <a:off x="6096000" y="4324350"/>
-            <a:ext cx="3966599" cy="369332"/>
+            <a:off x="1476375" y="806450"/>
+            <a:ext cx="2169568" cy="369332"/>
           </a:xfrm>
           <a:prstGeom prst="rect">
             <a:avLst/>
@@ -6292,34 +6509,30 @@
           <a:lstStyle/>
           <a:p>
             <a:r>
-              <a:rPr lang="en-US" dirty="0"/>
-              <a:t>ICA avec les </a:t>
-            </a:r>
-            <a:r>
-              <a:rPr lang="en-US" dirty="0" err="1"/>
-              <a:t>coordonné</a:t>
-            </a:r>
-            <a:r>
-              <a:rPr lang="en-US" dirty="0"/>
-              <a:t> </a:t>
-            </a:r>
-            <a:r>
-              <a:rPr lang="en-US" dirty="0" err="1"/>
-              <a:t>inclu</a:t>
-            </a:r>
-            <a:r>
-              <a:rPr lang="en-US" dirty="0"/>
-              <a:t> dans le .set</a:t>
+              <a:rPr lang="en-US" dirty="0" err="1"/>
+              <a:t>Inclu</a:t>
+            </a:r>
+            <a:r>
+              <a:rPr lang="en-US" dirty="0"/>
+              <a:t> dans </a:t>
+            </a:r>
+            <a:r>
+              <a:rPr lang="en-US" dirty="0" err="1"/>
+              <a:t>fichier</a:t>
+            </a:r>
+            <a:r>
+              <a:rPr lang="en-US" dirty="0"/>
+              <a:t> .set</a:t>
             </a:r>
           </a:p>
         </p:txBody>
       </p:sp>
       <p:pic>
         <p:nvPicPr>
-          <p:cNvPr id="10" name="Image 9">
-            <a:extLst>
-              <a:ext uri="{FF2B5EF4-FFF2-40B4-BE49-F238E27FC236}">
-                <a16:creationId xmlns:a16="http://schemas.microsoft.com/office/drawing/2014/main" id="{6357CD02-E4F3-4A91-0D5E-FEAFDE7E3E46}"/>
+          <p:cNvPr id="11" name="Picture 10">
+            <a:extLst>
+              <a:ext uri="{FF2B5EF4-FFF2-40B4-BE49-F238E27FC236}">
+                <a16:creationId xmlns:a16="http://schemas.microsoft.com/office/drawing/2014/main" id="{76539408-1958-B67E-94AF-28262FFA891E}"/>
               </a:ext>
             </a:extLst>
           </p:cNvPr>
@@ -6336,8 +6549,8 @@
         </p:blipFill>
         <p:spPr>
           <a:xfrm>
-            <a:off x="278466" y="1143559"/>
-            <a:ext cx="3607734" cy="3133725"/>
+            <a:off x="4924425" y="1340882"/>
+            <a:ext cx="2992752" cy="3158250"/>
           </a:xfrm>
           <a:prstGeom prst="rect">
             <a:avLst/>
@@ -6346,10 +6559,10 @@
       </p:pic>
       <p:sp>
         <p:nvSpPr>
-          <p:cNvPr id="11" name="TextBox 6">
-            <a:extLst>
-              <a:ext uri="{FF2B5EF4-FFF2-40B4-BE49-F238E27FC236}">
-                <a16:creationId xmlns:a16="http://schemas.microsoft.com/office/drawing/2014/main" id="{45C5A7C0-BC27-39D2-DC17-A2F9D91A8906}"/>
+          <p:cNvPr id="12" name="TextBox 11">
+            <a:extLst>
+              <a:ext uri="{FF2B5EF4-FFF2-40B4-BE49-F238E27FC236}">
+                <a16:creationId xmlns:a16="http://schemas.microsoft.com/office/drawing/2014/main" id="{FFBAC26B-59E7-33F8-01AA-DA96B7C0D2BC}"/>
               </a:ext>
             </a:extLst>
           </p:cNvPr>
@@ -6358,8 +6571,8 @@
         </p:nvSpPr>
         <p:spPr>
           <a:xfrm>
-            <a:off x="790171" y="4277284"/>
-            <a:ext cx="3907416" cy="369332"/>
+            <a:off x="5143500" y="806450"/>
+            <a:ext cx="2568332" cy="369332"/>
           </a:xfrm>
           <a:prstGeom prst="rect">
             <a:avLst/>
@@ -6373,109 +6586,32 @@
           <a:lstStyle/>
           <a:p>
             <a:r>
-              <a:rPr lang="en-US" dirty="0"/>
-              <a:t>ICA avec le </a:t>
-            </a:r>
-            <a:r>
-              <a:rPr lang="en-US" dirty="0" err="1"/>
-              <a:t>fichier</a:t>
-            </a:r>
-            <a:r>
-              <a:rPr lang="en-US" dirty="0"/>
-              <a:t> de </a:t>
-            </a:r>
-            <a:r>
-              <a:rPr lang="en-US" dirty="0" err="1"/>
-              <a:t>coordonné</a:t>
-            </a:r>
-            <a:r>
-              <a:rPr lang="en-US" dirty="0"/>
-              <a:t> </a:t>
-            </a:r>
-            <a:r>
-              <a:rPr lang="en-US" dirty="0" err="1"/>
-              <a:t>EEGlab</a:t>
-            </a:r>
-            <a:endParaRPr lang="en-US" dirty="0"/>
-          </a:p>
-        </p:txBody>
-      </p:sp>
-      <p:pic>
-        <p:nvPicPr>
-          <p:cNvPr id="13" name="Image 12">
-            <a:extLst>
-              <a:ext uri="{FF2B5EF4-FFF2-40B4-BE49-F238E27FC236}">
-                <a16:creationId xmlns:a16="http://schemas.microsoft.com/office/drawing/2014/main" id="{1802A544-1A14-85B0-6958-0B35CB77C968}"/>
-              </a:ext>
-            </a:extLst>
-          </p:cNvPr>
-          <p:cNvPicPr>
-            <a:picLocks noChangeAspect="1"/>
-          </p:cNvPicPr>
+              <a:rPr lang="en-US" dirty="0" err="1"/>
+              <a:t>Fichier</a:t>
+            </a:r>
+            <a:r>
+              <a:rPr lang="en-US" dirty="0"/>
+              <a:t> biosemi64AB.locs </a:t>
+            </a:r>
+          </a:p>
+        </p:txBody>
+      </p:sp>
+      <p:sp>
+        <p:nvSpPr>
+          <p:cNvPr id="13" name="TextBox 12">
+            <a:extLst>
+              <a:ext uri="{FF2B5EF4-FFF2-40B4-BE49-F238E27FC236}">
+                <a16:creationId xmlns:a16="http://schemas.microsoft.com/office/drawing/2014/main" id="{451FAED2-D5B3-E6D9-78BE-79560FD8332C}"/>
+              </a:ext>
+            </a:extLst>
+          </p:cNvPr>
+          <p:cNvSpPr txBox="1"/>
           <p:nvPr/>
-        </p:nvPicPr>
-        <p:blipFill>
-          <a:blip r:embed="rId4"/>
-          <a:stretch>
-            <a:fillRect/>
-          </a:stretch>
-        </p:blipFill>
+        </p:nvSpPr>
         <p:spPr>
           <a:xfrm>
-            <a:off x="3886200" y="1862697"/>
-            <a:ext cx="2055055" cy="2414587"/>
-          </a:xfrm>
-          <a:prstGeom prst="rect">
-            <a:avLst/>
-          </a:prstGeom>
-        </p:spPr>
-      </p:pic>
-      <p:pic>
-        <p:nvPicPr>
-          <p:cNvPr id="15" name="Image 14">
-            <a:extLst>
-              <a:ext uri="{FF2B5EF4-FFF2-40B4-BE49-F238E27FC236}">
-                <a16:creationId xmlns:a16="http://schemas.microsoft.com/office/drawing/2014/main" id="{E043CF2C-5522-2BAF-B512-9141D5B1C80C}"/>
-              </a:ext>
-            </a:extLst>
-          </p:cNvPr>
-          <p:cNvPicPr>
-            <a:picLocks noChangeAspect="1"/>
-          </p:cNvPicPr>
-          <p:nvPr/>
-        </p:nvPicPr>
-        <p:blipFill>
-          <a:blip r:embed="rId5"/>
-          <a:stretch>
-            <a:fillRect/>
-          </a:stretch>
-        </p:blipFill>
-        <p:spPr>
-          <a:xfrm>
-            <a:off x="9871908" y="1936340"/>
-            <a:ext cx="2041626" cy="2388010"/>
-          </a:xfrm>
-          <a:prstGeom prst="rect">
-            <a:avLst/>
-          </a:prstGeom>
-        </p:spPr>
-      </p:pic>
-      <p:sp>
-        <p:nvSpPr>
-          <p:cNvPr id="16" name="ZoneTexte 15">
-            <a:extLst>
-              <a:ext uri="{FF2B5EF4-FFF2-40B4-BE49-F238E27FC236}">
-                <a16:creationId xmlns:a16="http://schemas.microsoft.com/office/drawing/2014/main" id="{504DEA0B-45ED-8B9E-E068-4D8E0B1C6E02}"/>
-              </a:ext>
-            </a:extLst>
-          </p:cNvPr>
-          <p:cNvSpPr txBox="1"/>
-          <p:nvPr/>
-        </p:nvSpPr>
-        <p:spPr>
-          <a:xfrm>
-            <a:off x="417250" y="4927107"/>
-            <a:ext cx="11647503" cy="1477328"/>
+            <a:off x="397741" y="4805817"/>
+            <a:ext cx="10937009" cy="1477328"/>
           </a:xfrm>
           <a:prstGeom prst="rect">
             <a:avLst/>
@@ -6489,57 +6625,308 @@
           <a:lstStyle/>
           <a:p>
             <a:r>
-              <a:rPr lang="fr-FR" dirty="0"/>
-              <a:t>Il y a une petite différence au niveau des </a:t>
-            </a:r>
-            <a:r>
-              <a:rPr lang="fr-FR" dirty="0" err="1"/>
-              <a:t>valeures</a:t>
-            </a:r>
-            <a:r>
-              <a:rPr lang="fr-FR" dirty="0"/>
-              <a:t> de pourcentages (mais pas d’</a:t>
-            </a:r>
-            <a:r>
-              <a:rPr lang="fr-FR" dirty="0" err="1"/>
-              <a:t>atribution</a:t>
-            </a:r>
-            <a:r>
-              <a:rPr lang="fr-FR" dirty="0"/>
-              <a:t>). Pour l’étude CIPAIN ça aura un impact pour le </a:t>
-            </a:r>
-            <a:r>
-              <a:rPr lang="fr-FR" dirty="0" err="1"/>
-              <a:t>threshold</a:t>
-            </a:r>
-            <a:r>
-              <a:rPr lang="fr-FR" dirty="0"/>
-              <a:t> des muscle. J’ai décider de prendre 90%. On voit que la composante 11 musculaire à 74% pour la gauche et 90% pour la droite. Il est difficile de décider si c’est vraiment muscle ou pas. Le cours indique clairement que si il y a un doute il faut garder. Par contre au niveau </a:t>
-            </a:r>
-            <a:r>
-              <a:rPr lang="fr-FR" dirty="0" err="1"/>
-              <a:t>occulaire</a:t>
-            </a:r>
-            <a:r>
-              <a:rPr lang="fr-FR" dirty="0"/>
-              <a:t>, la composante 2 est clairement un mouvement </a:t>
-            </a:r>
-            <a:r>
-              <a:rPr lang="fr-FR" dirty="0" err="1"/>
-              <a:t>occulaire</a:t>
-            </a:r>
-            <a:r>
-              <a:rPr lang="fr-FR" dirty="0"/>
-              <a:t> et il a un meilleurs proba à droite. </a:t>
-            </a:r>
-            <a:endParaRPr lang="fr-CH" dirty="0"/>
+              <a:rPr lang="en-US" dirty="0" err="1"/>
+              <a:t>Cependant</a:t>
+            </a:r>
+            <a:r>
+              <a:rPr lang="en-US" dirty="0"/>
+              <a:t>, </a:t>
+            </a:r>
+            <a:r>
+              <a:rPr lang="en-US" dirty="0" err="1"/>
+              <a:t>si</a:t>
+            </a:r>
+            <a:r>
+              <a:rPr lang="en-US" dirty="0"/>
+              <a:t> on affiche la visualization de la position des </a:t>
+            </a:r>
+            <a:r>
+              <a:rPr lang="en-US" dirty="0" err="1"/>
+              <a:t>coordonné</a:t>
+            </a:r>
+            <a:r>
+              <a:rPr lang="en-US" dirty="0"/>
+              <a:t> </a:t>
+            </a:r>
+            <a:r>
+              <a:rPr lang="en-US" dirty="0" err="1"/>
+              <a:t>importé</a:t>
+            </a:r>
+            <a:r>
+              <a:rPr lang="en-US" dirty="0"/>
+              <a:t> par </a:t>
+            </a:r>
+            <a:r>
+              <a:rPr lang="en-US" dirty="0" err="1"/>
+              <a:t>EEGpal</a:t>
+            </a:r>
+            <a:r>
+              <a:rPr lang="en-US" dirty="0"/>
+              <a:t> dans les </a:t>
+            </a:r>
+            <a:r>
+              <a:rPr lang="en-US" dirty="0" err="1"/>
+              <a:t>fichier</a:t>
+            </a:r>
+            <a:r>
+              <a:rPr lang="en-US" dirty="0"/>
+              <a:t> .set à </a:t>
+            </a:r>
+            <a:r>
+              <a:rPr lang="en-US" dirty="0" err="1"/>
+              <a:t>l’intérieur</a:t>
+            </a:r>
+            <a:r>
+              <a:rPr lang="en-US" dirty="0"/>
+              <a:t> </a:t>
+            </a:r>
+            <a:r>
+              <a:rPr lang="en-US" dirty="0" err="1"/>
+              <a:t>d’EEG</a:t>
+            </a:r>
+            <a:r>
+              <a:rPr lang="en-US" dirty="0"/>
+              <a:t> lab (image de gauche), la position des </a:t>
+            </a:r>
+            <a:r>
+              <a:rPr lang="en-US" dirty="0" err="1"/>
+              <a:t>électrodes</a:t>
+            </a:r>
+            <a:r>
+              <a:rPr lang="en-US" dirty="0"/>
+              <a:t> </a:t>
+            </a:r>
+            <a:r>
+              <a:rPr lang="en-US" dirty="0" err="1"/>
+              <a:t>est</a:t>
+            </a:r>
+            <a:r>
+              <a:rPr lang="en-US" dirty="0"/>
+              <a:t> </a:t>
+            </a:r>
+            <a:r>
+              <a:rPr lang="en-US" dirty="0" err="1"/>
+              <a:t>moins</a:t>
+            </a:r>
+            <a:r>
+              <a:rPr lang="en-US" dirty="0"/>
+              <a:t> bonne que </a:t>
+            </a:r>
+            <a:r>
+              <a:rPr lang="en-US" dirty="0" err="1"/>
+              <a:t>si</a:t>
+            </a:r>
+            <a:r>
+              <a:rPr lang="en-US" dirty="0"/>
+              <a:t> on load le </a:t>
+            </a:r>
+            <a:r>
+              <a:rPr lang="en-US" dirty="0" err="1"/>
+              <a:t>fichier</a:t>
+            </a:r>
+            <a:r>
+              <a:rPr lang="en-US" dirty="0"/>
+              <a:t> de </a:t>
+            </a:r>
+            <a:r>
+              <a:rPr lang="en-US" dirty="0" err="1"/>
+              <a:t>coordonné</a:t>
+            </a:r>
+            <a:r>
+              <a:rPr lang="en-US" dirty="0"/>
+              <a:t> biosemi64AB.locs (image de droite). Pour </a:t>
+            </a:r>
+            <a:r>
+              <a:rPr lang="en-US" dirty="0" err="1"/>
+              <a:t>l’ICA</a:t>
+            </a:r>
+            <a:r>
+              <a:rPr lang="en-US" dirty="0"/>
+              <a:t> </a:t>
+            </a:r>
+            <a:r>
+              <a:rPr lang="en-US" dirty="0" err="1"/>
+              <a:t>ça</a:t>
+            </a:r>
+            <a:r>
+              <a:rPr lang="en-US" dirty="0"/>
+              <a:t> </a:t>
+            </a:r>
+            <a:r>
+              <a:rPr lang="en-US" dirty="0" err="1"/>
+              <a:t>n’a</a:t>
+            </a:r>
+            <a:r>
+              <a:rPr lang="en-US" dirty="0"/>
+              <a:t> pas </a:t>
+            </a:r>
+            <a:r>
+              <a:rPr lang="en-US" dirty="0" err="1"/>
+              <a:t>d’importante</a:t>
+            </a:r>
+            <a:r>
+              <a:rPr lang="en-US" dirty="0"/>
+              <a:t> </a:t>
+            </a:r>
+            <a:r>
+              <a:rPr lang="en-US" dirty="0" err="1"/>
+              <a:t>mais</a:t>
+            </a:r>
+            <a:r>
+              <a:rPr lang="en-US" dirty="0"/>
+              <a:t> pour le </a:t>
+            </a:r>
+            <a:r>
+              <a:rPr lang="en-US" dirty="0" err="1"/>
+              <a:t>classificateur</a:t>
+            </a:r>
+            <a:r>
+              <a:rPr lang="en-US" dirty="0"/>
+              <a:t> des </a:t>
+            </a:r>
+            <a:r>
+              <a:rPr lang="en-US" dirty="0" err="1"/>
+              <a:t>composantes</a:t>
+            </a:r>
+            <a:r>
+              <a:rPr lang="en-US" dirty="0"/>
+              <a:t>, </a:t>
+            </a:r>
+            <a:r>
+              <a:rPr lang="en-US" dirty="0" err="1"/>
+              <a:t>ça</a:t>
+            </a:r>
+            <a:r>
+              <a:rPr lang="en-US" dirty="0"/>
+              <a:t> </a:t>
+            </a:r>
+            <a:r>
+              <a:rPr lang="en-US" dirty="0" err="1"/>
+              <a:t>pourrait</a:t>
+            </a:r>
+            <a:r>
+              <a:rPr lang="en-US" dirty="0"/>
+              <a:t> </a:t>
+            </a:r>
+            <a:r>
+              <a:rPr lang="en-US" dirty="0" err="1"/>
+              <a:t>en</a:t>
+            </a:r>
+            <a:r>
+              <a:rPr lang="en-US" dirty="0"/>
+              <a:t> </a:t>
+            </a:r>
+            <a:r>
+              <a:rPr lang="en-US" dirty="0" err="1"/>
+              <a:t>avoir</a:t>
+            </a:r>
+            <a:r>
+              <a:rPr lang="en-US" dirty="0"/>
+              <a:t> (je </a:t>
+            </a:r>
+            <a:r>
+              <a:rPr lang="en-US" dirty="0" err="1"/>
+              <a:t>sais</a:t>
+            </a:r>
+            <a:r>
+              <a:rPr lang="en-US" dirty="0"/>
+              <a:t> pas comment </a:t>
+            </a:r>
+            <a:r>
+              <a:rPr lang="en-US" dirty="0" err="1"/>
+              <a:t>marche</a:t>
+            </a:r>
+            <a:r>
+              <a:rPr lang="en-US" dirty="0"/>
+              <a:t> </a:t>
+            </a:r>
+            <a:r>
+              <a:rPr lang="en-US" dirty="0" err="1"/>
+              <a:t>exactement</a:t>
+            </a:r>
+            <a:r>
+              <a:rPr lang="en-US" dirty="0"/>
+              <a:t> le </a:t>
+            </a:r>
+            <a:r>
+              <a:rPr lang="en-US" dirty="0" err="1"/>
+              <a:t>classificateur</a:t>
+            </a:r>
+            <a:r>
+              <a:rPr lang="en-US" dirty="0"/>
+              <a:t>). Du coup par </a:t>
+            </a:r>
+            <a:r>
+              <a:rPr lang="en-US" dirty="0" err="1"/>
+              <a:t>sécurité</a:t>
+            </a:r>
+            <a:r>
+              <a:rPr lang="en-US" dirty="0"/>
+              <a:t>, </a:t>
+            </a:r>
+            <a:r>
+              <a:rPr lang="en-US" dirty="0" err="1"/>
+              <a:t>j’aurais</a:t>
+            </a:r>
+            <a:r>
+              <a:rPr lang="en-US" dirty="0"/>
+              <a:t> tendance à </a:t>
+            </a:r>
+            <a:r>
+              <a:rPr lang="en-US" dirty="0" err="1"/>
+              <a:t>garder</a:t>
+            </a:r>
+            <a:r>
+              <a:rPr lang="en-US" dirty="0"/>
+              <a:t> </a:t>
+            </a:r>
+            <a:r>
+              <a:rPr lang="en-US" dirty="0" err="1"/>
+              <a:t>l’étape</a:t>
+            </a:r>
+            <a:r>
+              <a:rPr lang="en-US" dirty="0"/>
+              <a:t> de loader le </a:t>
+            </a:r>
+            <a:r>
+              <a:rPr lang="en-US" dirty="0" err="1"/>
+              <a:t>fichier</a:t>
+            </a:r>
+            <a:r>
+              <a:rPr lang="en-US" dirty="0"/>
+              <a:t> de </a:t>
+            </a:r>
+            <a:r>
+              <a:rPr lang="en-US" dirty="0" err="1"/>
+              <a:t>coordonné</a:t>
+            </a:r>
+            <a:r>
+              <a:rPr lang="en-US" dirty="0"/>
+              <a:t> biosemi64AB.locs pour </a:t>
+            </a:r>
+            <a:r>
+              <a:rPr lang="en-US" dirty="0" err="1"/>
+              <a:t>être</a:t>
+            </a:r>
+            <a:r>
+              <a:rPr lang="en-US" dirty="0"/>
+              <a:t> </a:t>
+            </a:r>
+            <a:r>
+              <a:rPr lang="en-US" dirty="0" err="1"/>
+              <a:t>sûr</a:t>
+            </a:r>
+            <a:r>
+              <a:rPr lang="en-US" dirty="0"/>
+              <a:t>. </a:t>
+            </a:r>
           </a:p>
         </p:txBody>
       </p:sp>
     </p:spTree>
     <p:extLst>
       <p:ext uri="{BB962C8B-B14F-4D97-AF65-F5344CB8AC3E}">
-        <p14:creationId xmlns:p14="http://schemas.microsoft.com/office/powerpoint/2010/main" val="2665258020"/>
+        <p14:creationId xmlns:p14="http://schemas.microsoft.com/office/powerpoint/2010/main" val="1149938830"/>
       </p:ext>
     </p:extLst>
   </p:cSld>
@@ -6581,7 +6968,7 @@
         <p:spPr>
           <a:xfrm>
             <a:off x="147781" y="203200"/>
-            <a:ext cx="9701310" cy="369332"/>
+            <a:ext cx="11022120" cy="369332"/>
           </a:xfrm>
           <a:prstGeom prst="rect">
             <a:avLst/>
@@ -6596,11 +6983,35 @@
           <a:p>
             <a:r>
               <a:rPr lang="en-US" dirty="0"/>
-              <a:t>Pour prendre un decision je test sur un </a:t>
-            </a:r>
-            <a:r>
-              <a:rPr lang="en-US" dirty="0" err="1"/>
-              <a:t>deuxième</a:t>
+              <a:t>Test </a:t>
+            </a:r>
+            <a:r>
+              <a:rPr lang="en-US" dirty="0" err="1"/>
+              <a:t>s’il</a:t>
+            </a:r>
+            <a:r>
+              <a:rPr lang="en-US" dirty="0"/>
+              <a:t> y a </a:t>
+            </a:r>
+            <a:r>
+              <a:rPr lang="en-US" dirty="0" err="1"/>
+              <a:t>une</a:t>
+            </a:r>
+            <a:r>
+              <a:rPr lang="en-US" dirty="0"/>
+              <a:t> deference des les </a:t>
+            </a:r>
+            <a:r>
+              <a:rPr lang="en-US" dirty="0" err="1"/>
+              <a:t>résulat</a:t>
+            </a:r>
+            <a:r>
+              <a:rPr lang="en-US" dirty="0"/>
+              <a:t> de </a:t>
+            </a:r>
+            <a:r>
+              <a:rPr lang="en-US" dirty="0" err="1"/>
+              <a:t>ICAlabel</a:t>
             </a:r>
             <a:r>
               <a:rPr lang="en-US" dirty="0"/>
@@ -6608,21 +7019,50 @@
             </a:r>
             <a:r>
               <a:rPr lang="en-US" dirty="0" err="1"/>
+              <a:t>en</a:t>
+            </a:r>
+            <a:r>
+              <a:rPr lang="en-US" dirty="0"/>
+              <a:t> function des </a:t>
+            </a:r>
+            <a:r>
+              <a:rPr lang="en-US" dirty="0" err="1"/>
+              <a:t>coordonné</a:t>
+            </a:r>
+            <a:r>
+              <a:rPr lang="en-US" dirty="0"/>
+              <a:t> des </a:t>
+            </a:r>
+            <a:r>
+              <a:rPr lang="en-US" dirty="0" err="1"/>
+              <a:t>électrodes</a:t>
+            </a:r>
+            <a:r>
+              <a:rPr lang="en-US" dirty="0"/>
+              <a:t> pour le </a:t>
+            </a:r>
+            <a:r>
+              <a:rPr lang="en-US" dirty="0" err="1"/>
+              <a:t>même</a:t>
+            </a:r>
+            <a:r>
+              <a:rPr lang="en-US" dirty="0"/>
+              <a:t> </a:t>
+            </a:r>
+            <a:r>
+              <a:rPr lang="en-US" dirty="0" err="1"/>
               <a:t>fichier</a:t>
             </a:r>
-            <a:r>
-              <a:rPr lang="en-US" dirty="0"/>
-              <a:t> Interoception_CAS_P016_19122023_synch4 </a:t>
-            </a:r>
-          </a:p>
-        </p:txBody>
-      </p:sp>
-      <p:sp>
-        <p:nvSpPr>
-          <p:cNvPr id="8" name="TextBox 7">
-            <a:extLst>
-              <a:ext uri="{FF2B5EF4-FFF2-40B4-BE49-F238E27FC236}">
-                <a16:creationId xmlns:a16="http://schemas.microsoft.com/office/drawing/2014/main" id="{B04B4C1B-41BB-E2B3-51A1-B5673DC27EBD}"/>
+            <a:endParaRPr lang="en-US" dirty="0"/>
+          </a:p>
+        </p:txBody>
+      </p:sp>
+      <p:sp>
+        <p:nvSpPr>
+          <p:cNvPr id="5" name="ZoneTexte 4">
+            <a:extLst>
+              <a:ext uri="{FF2B5EF4-FFF2-40B4-BE49-F238E27FC236}">
+                <a16:creationId xmlns:a16="http://schemas.microsoft.com/office/drawing/2014/main" id="{EB57163A-8E16-35E8-E138-09C7222AB6FD}"/>
               </a:ext>
             </a:extLst>
           </p:cNvPr>
@@ -6631,8 +7071,8 @@
         </p:nvSpPr>
         <p:spPr>
           <a:xfrm>
-            <a:off x="6096000" y="4324350"/>
-            <a:ext cx="3966599" cy="369332"/>
+            <a:off x="147781" y="666750"/>
+            <a:ext cx="10437216" cy="276999"/>
           </a:xfrm>
           <a:prstGeom prst="rect">
             <a:avLst/>
@@ -6646,239 +7086,27 @@
           <a:lstStyle/>
           <a:p>
             <a:r>
-              <a:rPr lang="en-US" dirty="0"/>
-              <a:t>ICA avec les </a:t>
-            </a:r>
-            <a:r>
-              <a:rPr lang="en-US" dirty="0" err="1"/>
-              <a:t>coordonné</a:t>
-            </a:r>
-            <a:r>
-              <a:rPr lang="en-US" dirty="0"/>
-              <a:t> </a:t>
-            </a:r>
-            <a:r>
-              <a:rPr lang="en-US" dirty="0" err="1"/>
-              <a:t>inclu</a:t>
-            </a:r>
-            <a:r>
-              <a:rPr lang="en-US" dirty="0"/>
-              <a:t> dans le .set</a:t>
-            </a:r>
-          </a:p>
-        </p:txBody>
-      </p:sp>
-      <p:sp>
-        <p:nvSpPr>
-          <p:cNvPr id="11" name="TextBox 6">
-            <a:extLst>
-              <a:ext uri="{FF2B5EF4-FFF2-40B4-BE49-F238E27FC236}">
-                <a16:creationId xmlns:a16="http://schemas.microsoft.com/office/drawing/2014/main" id="{45C5A7C0-BC27-39D2-DC17-A2F9D91A8906}"/>
-              </a:ext>
-            </a:extLst>
-          </p:cNvPr>
-          <p:cNvSpPr txBox="1"/>
-          <p:nvPr/>
-        </p:nvSpPr>
-        <p:spPr>
-          <a:xfrm>
-            <a:off x="790171" y="4277284"/>
-            <a:ext cx="3907416" cy="369332"/>
-          </a:xfrm>
-          <a:prstGeom prst="rect">
-            <a:avLst/>
-          </a:prstGeom>
-          <a:noFill/>
-        </p:spPr>
-        <p:txBody>
-          <a:bodyPr wrap="none" rtlCol="0">
-            <a:spAutoFit/>
-          </a:bodyPr>
-          <a:lstStyle/>
-          <a:p>
-            <a:r>
-              <a:rPr lang="en-US" dirty="0"/>
-              <a:t>ICA avec le </a:t>
-            </a:r>
-            <a:r>
-              <a:rPr lang="en-US" dirty="0" err="1"/>
-              <a:t>fichier</a:t>
-            </a:r>
-            <a:r>
-              <a:rPr lang="en-US" dirty="0"/>
-              <a:t> de </a:t>
-            </a:r>
-            <a:r>
-              <a:rPr lang="en-US" dirty="0" err="1"/>
-              <a:t>coordonné</a:t>
-            </a:r>
-            <a:r>
-              <a:rPr lang="en-US" dirty="0"/>
-              <a:t> </a:t>
-            </a:r>
-            <a:r>
-              <a:rPr lang="en-US" dirty="0" err="1"/>
-              <a:t>EEGlab</a:t>
-            </a:r>
-            <a:endParaRPr lang="en-US" dirty="0"/>
-          </a:p>
-        </p:txBody>
-      </p:sp>
-      <p:sp>
-        <p:nvSpPr>
-          <p:cNvPr id="16" name="ZoneTexte 15">
-            <a:extLst>
-              <a:ext uri="{FF2B5EF4-FFF2-40B4-BE49-F238E27FC236}">
-                <a16:creationId xmlns:a16="http://schemas.microsoft.com/office/drawing/2014/main" id="{504DEA0B-45ED-8B9E-E068-4D8E0B1C6E02}"/>
-              </a:ext>
-            </a:extLst>
-          </p:cNvPr>
-          <p:cNvSpPr txBox="1"/>
-          <p:nvPr/>
-        </p:nvSpPr>
-        <p:spPr>
-          <a:xfrm>
-            <a:off x="417250" y="4927107"/>
-            <a:ext cx="11647503" cy="1754326"/>
-          </a:xfrm>
-          <a:prstGeom prst="rect">
-            <a:avLst/>
-          </a:prstGeom>
-          <a:noFill/>
-        </p:spPr>
-        <p:txBody>
-          <a:bodyPr wrap="square" rtlCol="0">
-            <a:spAutoFit/>
-          </a:bodyPr>
-          <a:lstStyle/>
-          <a:p>
-            <a:r>
-              <a:rPr lang="fr-FR" dirty="0"/>
-              <a:t>Si on se focalise sur la composante 4 qui est clairement des mouvement </a:t>
-            </a:r>
-            <a:r>
-              <a:rPr lang="fr-FR" dirty="0" err="1"/>
-              <a:t>occulaires</a:t>
-            </a:r>
-            <a:r>
-              <a:rPr lang="fr-FR" dirty="0"/>
-              <a:t>, elle est classé comme </a:t>
-            </a:r>
-            <a:r>
-              <a:rPr lang="fr-FR" dirty="0" err="1"/>
-              <a:t>brain</a:t>
-            </a:r>
-            <a:r>
-              <a:rPr lang="fr-FR" dirty="0"/>
-              <a:t> à gauche et mouvement </a:t>
-            </a:r>
-            <a:r>
-              <a:rPr lang="fr-FR" dirty="0" err="1"/>
-              <a:t>occulaire</a:t>
-            </a:r>
-            <a:r>
-              <a:rPr lang="fr-FR" dirty="0"/>
-              <a:t> à droite. La version de droite (coordonné inclus dans .set après conversion de </a:t>
-            </a:r>
-            <a:r>
-              <a:rPr lang="fr-FR" dirty="0" err="1"/>
-              <a:t>MichaelDP</a:t>
-            </a:r>
-            <a:r>
-              <a:rPr lang="fr-FR" dirty="0"/>
-              <a:t>). </a:t>
-            </a:r>
-          </a:p>
-          <a:p>
-            <a:endParaRPr lang="fr-FR" dirty="0"/>
-          </a:p>
-          <a:p>
-            <a:r>
-              <a:rPr lang="fr-FR" b="1" dirty="0">
-                <a:solidFill>
-                  <a:srgbClr val="00B050"/>
-                </a:solidFill>
-              </a:rPr>
-              <a:t>Conclusion final: Je décide de supprimer l’entrée des coordonnées dans le début de l’ICA et de faire confiance au conversion de </a:t>
-            </a:r>
-            <a:r>
-              <a:rPr lang="fr-FR" b="1" dirty="0" err="1">
-                <a:solidFill>
-                  <a:srgbClr val="00B050"/>
-                </a:solidFill>
-              </a:rPr>
-              <a:t>MichaelDP</a:t>
-            </a:r>
-            <a:r>
-              <a:rPr lang="fr-FR" b="1" dirty="0">
-                <a:solidFill>
-                  <a:srgbClr val="00B050"/>
-                </a:solidFill>
-              </a:rPr>
-              <a:t> pour les coordonné </a:t>
-            </a:r>
-            <a:r>
-              <a:rPr lang="fr-FR" b="1" dirty="0" err="1">
-                <a:solidFill>
-                  <a:srgbClr val="00B050"/>
-                </a:solidFill>
-              </a:rPr>
-              <a:t>xyz</a:t>
-            </a:r>
-            <a:r>
-              <a:rPr lang="fr-FR" b="1" dirty="0">
-                <a:solidFill>
-                  <a:srgbClr val="00B050"/>
-                </a:solidFill>
-              </a:rPr>
-              <a:t> vers </a:t>
-            </a:r>
-            <a:r>
-              <a:rPr lang="fr-FR" b="1" dirty="0" err="1">
-                <a:solidFill>
-                  <a:srgbClr val="00B050"/>
-                </a:solidFill>
-              </a:rPr>
-              <a:t>EEGlab</a:t>
-            </a:r>
-            <a:r>
-              <a:rPr lang="fr-FR" b="1" dirty="0">
-                <a:solidFill>
-                  <a:srgbClr val="00B050"/>
-                </a:solidFill>
-              </a:rPr>
-              <a:t>. Dans les deux fichier étudié, les résultats son meilleurs au niveau de la classification des mouvement </a:t>
-            </a:r>
-            <a:r>
-              <a:rPr lang="fr-FR" b="1" dirty="0" err="1">
-                <a:solidFill>
-                  <a:srgbClr val="00B050"/>
-                </a:solidFill>
-              </a:rPr>
-              <a:t>occulaire</a:t>
-            </a:r>
-            <a:r>
-              <a:rPr lang="fr-FR" b="1" dirty="0">
-                <a:solidFill>
-                  <a:srgbClr val="00B050"/>
-                </a:solidFill>
-              </a:rPr>
-              <a:t>. </a:t>
-            </a:r>
-            <a:endParaRPr lang="fr-CH" b="1" dirty="0">
-              <a:solidFill>
-                <a:srgbClr val="00B050"/>
-              </a:solidFill>
-            </a:endParaRPr>
+              <a:rPr lang="fr-FR" sz="1200" dirty="0"/>
+              <a:t>Je travail sur le fichier ICA\</a:t>
+            </a:r>
+            <a:r>
+              <a:rPr lang="fr-FR" sz="1200" dirty="0" err="1"/>
+              <a:t>withoutExternalCoordinateFile</a:t>
+            </a:r>
+            <a:r>
+              <a:rPr lang="fr-FR" sz="1200" dirty="0"/>
+              <a:t>\Interoception_CAS_P012_13122023_synch1_exported_filtered_interpolated_rereferenced_ICApruned.sef</a:t>
+            </a:r>
+            <a:endParaRPr lang="fr-CH" sz="1200" dirty="0"/>
           </a:p>
         </p:txBody>
       </p:sp>
       <p:pic>
         <p:nvPicPr>
-          <p:cNvPr id="3" name="Image 2">
-            <a:extLst>
-              <a:ext uri="{FF2B5EF4-FFF2-40B4-BE49-F238E27FC236}">
-                <a16:creationId xmlns:a16="http://schemas.microsoft.com/office/drawing/2014/main" id="{3D9BE10B-83C0-DAFC-93D3-605FBE5C780A}"/>
+          <p:cNvPr id="7" name="Image 6">
+            <a:extLst>
+              <a:ext uri="{FF2B5EF4-FFF2-40B4-BE49-F238E27FC236}">
+                <a16:creationId xmlns:a16="http://schemas.microsoft.com/office/drawing/2014/main" id="{58A525C8-DFC4-925E-521C-4D11FE141E2E}"/>
               </a:ext>
             </a:extLst>
           </p:cNvPr>
@@ -6895,20 +7123,71 @@
         </p:blipFill>
         <p:spPr>
           <a:xfrm>
-            <a:off x="6096000" y="1143559"/>
-            <a:ext cx="3607734" cy="3080409"/>
+            <a:off x="6276318" y="1190625"/>
+            <a:ext cx="3534431" cy="3133725"/>
           </a:xfrm>
           <a:prstGeom prst="rect">
             <a:avLst/>
           </a:prstGeom>
         </p:spPr>
       </p:pic>
+      <p:sp>
+        <p:nvSpPr>
+          <p:cNvPr id="8" name="TextBox 7">
+            <a:extLst>
+              <a:ext uri="{FF2B5EF4-FFF2-40B4-BE49-F238E27FC236}">
+                <a16:creationId xmlns:a16="http://schemas.microsoft.com/office/drawing/2014/main" id="{B04B4C1B-41BB-E2B3-51A1-B5673DC27EBD}"/>
+              </a:ext>
+            </a:extLst>
+          </p:cNvPr>
+          <p:cNvSpPr txBox="1"/>
+          <p:nvPr/>
+        </p:nvSpPr>
+        <p:spPr>
+          <a:xfrm>
+            <a:off x="6096000" y="4324350"/>
+            <a:ext cx="3966599" cy="369332"/>
+          </a:xfrm>
+          <a:prstGeom prst="rect">
+            <a:avLst/>
+          </a:prstGeom>
+          <a:noFill/>
+        </p:spPr>
+        <p:txBody>
+          <a:bodyPr wrap="none" rtlCol="0">
+            <a:spAutoFit/>
+          </a:bodyPr>
+          <a:lstStyle/>
+          <a:p>
+            <a:r>
+              <a:rPr lang="en-US" dirty="0"/>
+              <a:t>ICA avec les </a:t>
+            </a:r>
+            <a:r>
+              <a:rPr lang="en-US" dirty="0" err="1"/>
+              <a:t>coordonné</a:t>
+            </a:r>
+            <a:r>
+              <a:rPr lang="en-US" dirty="0"/>
+              <a:t> </a:t>
+            </a:r>
+            <a:r>
+              <a:rPr lang="en-US" dirty="0" err="1"/>
+              <a:t>inclu</a:t>
+            </a:r>
+            <a:r>
+              <a:rPr lang="en-US" dirty="0"/>
+              <a:t> dans le .set</a:t>
+            </a:r>
+          </a:p>
+        </p:txBody>
+      </p:sp>
       <p:pic>
         <p:nvPicPr>
-          <p:cNvPr id="9" name="Image 8">
-            <a:extLst>
-              <a:ext uri="{FF2B5EF4-FFF2-40B4-BE49-F238E27FC236}">
-                <a16:creationId xmlns:a16="http://schemas.microsoft.com/office/drawing/2014/main" id="{F7CD16E0-C474-1A21-C385-4F95441ABCB1}"/>
+          <p:cNvPr id="10" name="Image 9">
+            <a:extLst>
+              <a:ext uri="{FF2B5EF4-FFF2-40B4-BE49-F238E27FC236}">
+                <a16:creationId xmlns:a16="http://schemas.microsoft.com/office/drawing/2014/main" id="{6357CD02-E4F3-4A91-0D5E-FEAFDE7E3E46}"/>
               </a:ext>
             </a:extLst>
           </p:cNvPr>
@@ -6925,18 +7204,210 @@
         </p:blipFill>
         <p:spPr>
           <a:xfrm>
-            <a:off x="1030303" y="1148995"/>
-            <a:ext cx="3597481" cy="3005755"/>
+            <a:off x="278466" y="1143559"/>
+            <a:ext cx="3607734" cy="3133725"/>
           </a:xfrm>
           <a:prstGeom prst="rect">
             <a:avLst/>
           </a:prstGeom>
         </p:spPr>
       </p:pic>
+      <p:sp>
+        <p:nvSpPr>
+          <p:cNvPr id="11" name="TextBox 6">
+            <a:extLst>
+              <a:ext uri="{FF2B5EF4-FFF2-40B4-BE49-F238E27FC236}">
+                <a16:creationId xmlns:a16="http://schemas.microsoft.com/office/drawing/2014/main" id="{45C5A7C0-BC27-39D2-DC17-A2F9D91A8906}"/>
+              </a:ext>
+            </a:extLst>
+          </p:cNvPr>
+          <p:cNvSpPr txBox="1"/>
+          <p:nvPr/>
+        </p:nvSpPr>
+        <p:spPr>
+          <a:xfrm>
+            <a:off x="790171" y="4277284"/>
+            <a:ext cx="3907416" cy="369332"/>
+          </a:xfrm>
+          <a:prstGeom prst="rect">
+            <a:avLst/>
+          </a:prstGeom>
+          <a:noFill/>
+        </p:spPr>
+        <p:txBody>
+          <a:bodyPr wrap="none" rtlCol="0">
+            <a:spAutoFit/>
+          </a:bodyPr>
+          <a:lstStyle/>
+          <a:p>
+            <a:r>
+              <a:rPr lang="en-US" dirty="0"/>
+              <a:t>ICA avec le </a:t>
+            </a:r>
+            <a:r>
+              <a:rPr lang="en-US" dirty="0" err="1"/>
+              <a:t>fichier</a:t>
+            </a:r>
+            <a:r>
+              <a:rPr lang="en-US" dirty="0"/>
+              <a:t> de </a:t>
+            </a:r>
+            <a:r>
+              <a:rPr lang="en-US" dirty="0" err="1"/>
+              <a:t>coordonné</a:t>
+            </a:r>
+            <a:r>
+              <a:rPr lang="en-US" dirty="0"/>
+              <a:t> </a:t>
+            </a:r>
+            <a:r>
+              <a:rPr lang="en-US" dirty="0" err="1"/>
+              <a:t>EEGlab</a:t>
+            </a:r>
+            <a:endParaRPr lang="en-US" dirty="0"/>
+          </a:p>
+        </p:txBody>
+      </p:sp>
+      <p:pic>
+        <p:nvPicPr>
+          <p:cNvPr id="13" name="Image 12">
+            <a:extLst>
+              <a:ext uri="{FF2B5EF4-FFF2-40B4-BE49-F238E27FC236}">
+                <a16:creationId xmlns:a16="http://schemas.microsoft.com/office/drawing/2014/main" id="{1802A544-1A14-85B0-6958-0B35CB77C968}"/>
+              </a:ext>
+            </a:extLst>
+          </p:cNvPr>
+          <p:cNvPicPr>
+            <a:picLocks noChangeAspect="1"/>
+          </p:cNvPicPr>
+          <p:nvPr/>
+        </p:nvPicPr>
+        <p:blipFill>
+          <a:blip r:embed="rId4"/>
+          <a:stretch>
+            <a:fillRect/>
+          </a:stretch>
+        </p:blipFill>
+        <p:spPr>
+          <a:xfrm>
+            <a:off x="3886200" y="1862697"/>
+            <a:ext cx="2055055" cy="2414587"/>
+          </a:xfrm>
+          <a:prstGeom prst="rect">
+            <a:avLst/>
+          </a:prstGeom>
+        </p:spPr>
+      </p:pic>
+      <p:pic>
+        <p:nvPicPr>
+          <p:cNvPr id="15" name="Image 14">
+            <a:extLst>
+              <a:ext uri="{FF2B5EF4-FFF2-40B4-BE49-F238E27FC236}">
+                <a16:creationId xmlns:a16="http://schemas.microsoft.com/office/drawing/2014/main" id="{E043CF2C-5522-2BAF-B512-9141D5B1C80C}"/>
+              </a:ext>
+            </a:extLst>
+          </p:cNvPr>
+          <p:cNvPicPr>
+            <a:picLocks noChangeAspect="1"/>
+          </p:cNvPicPr>
+          <p:nvPr/>
+        </p:nvPicPr>
+        <p:blipFill>
+          <a:blip r:embed="rId5"/>
+          <a:stretch>
+            <a:fillRect/>
+          </a:stretch>
+        </p:blipFill>
+        <p:spPr>
+          <a:xfrm>
+            <a:off x="9871908" y="1936340"/>
+            <a:ext cx="2041626" cy="2388010"/>
+          </a:xfrm>
+          <a:prstGeom prst="rect">
+            <a:avLst/>
+          </a:prstGeom>
+        </p:spPr>
+      </p:pic>
+      <p:sp>
+        <p:nvSpPr>
+          <p:cNvPr id="16" name="ZoneTexte 15">
+            <a:extLst>
+              <a:ext uri="{FF2B5EF4-FFF2-40B4-BE49-F238E27FC236}">
+                <a16:creationId xmlns:a16="http://schemas.microsoft.com/office/drawing/2014/main" id="{504DEA0B-45ED-8B9E-E068-4D8E0B1C6E02}"/>
+              </a:ext>
+            </a:extLst>
+          </p:cNvPr>
+          <p:cNvSpPr txBox="1"/>
+          <p:nvPr/>
+        </p:nvSpPr>
+        <p:spPr>
+          <a:xfrm>
+            <a:off x="417250" y="4927107"/>
+            <a:ext cx="11647503" cy="1477328"/>
+          </a:xfrm>
+          <a:prstGeom prst="rect">
+            <a:avLst/>
+          </a:prstGeom>
+          <a:noFill/>
+        </p:spPr>
+        <p:txBody>
+          <a:bodyPr wrap="square" rtlCol="0">
+            <a:spAutoFit/>
+          </a:bodyPr>
+          <a:lstStyle/>
+          <a:p>
+            <a:r>
+              <a:rPr lang="fr-FR" dirty="0"/>
+              <a:t>Il y a une petite différence au niveau des </a:t>
+            </a:r>
+            <a:r>
+              <a:rPr lang="fr-FR" dirty="0" err="1"/>
+              <a:t>valeures</a:t>
+            </a:r>
+            <a:r>
+              <a:rPr lang="fr-FR" dirty="0"/>
+              <a:t> de pourcentages (mais pas d’</a:t>
+            </a:r>
+            <a:r>
+              <a:rPr lang="fr-FR" dirty="0" err="1"/>
+              <a:t>atribution</a:t>
+            </a:r>
+            <a:r>
+              <a:rPr lang="fr-FR" dirty="0"/>
+              <a:t>). Pour l’étude CIPAIN ça aura un impact pour le </a:t>
+            </a:r>
+            <a:r>
+              <a:rPr lang="fr-FR" dirty="0" err="1"/>
+              <a:t>threshold</a:t>
+            </a:r>
+            <a:r>
+              <a:rPr lang="fr-FR" dirty="0"/>
+              <a:t> des muscle. J’ai décider de prendre 90%. On voit que la composante 11 musculaire à 74% pour la gauche et 90% pour la droite. Il est difficile de décider si c’est vraiment muscle ou pas. Le cours indique clairement que si il y a un doute il faut garder. Par contre au niveau </a:t>
+            </a:r>
+            <a:r>
+              <a:rPr lang="fr-FR" dirty="0" err="1"/>
+              <a:t>occulaire</a:t>
+            </a:r>
+            <a:r>
+              <a:rPr lang="fr-FR" dirty="0"/>
+              <a:t>, la composante 2 est clairement un mouvement </a:t>
+            </a:r>
+            <a:r>
+              <a:rPr lang="fr-FR" dirty="0" err="1"/>
+              <a:t>occulaire</a:t>
+            </a:r>
+            <a:r>
+              <a:rPr lang="fr-FR" dirty="0"/>
+              <a:t> et il a un meilleurs proba à droite. </a:t>
+            </a:r>
+            <a:endParaRPr lang="fr-CH" dirty="0"/>
+          </a:p>
+        </p:txBody>
+      </p:sp>
     </p:spTree>
     <p:extLst>
       <p:ext uri="{BB962C8B-B14F-4D97-AF65-F5344CB8AC3E}">
-        <p14:creationId xmlns:p14="http://schemas.microsoft.com/office/powerpoint/2010/main" val="1187280943"/>
+        <p14:creationId xmlns:p14="http://schemas.microsoft.com/office/powerpoint/2010/main" val="2665258020"/>
       </p:ext>
     </p:extLst>
   </p:cSld>
@@ -6965,10 +7436,10 @@
       </p:grpSpPr>
       <p:sp>
         <p:nvSpPr>
-          <p:cNvPr id="4" name="ZoneTexte 3">
-            <a:extLst>
-              <a:ext uri="{FF2B5EF4-FFF2-40B4-BE49-F238E27FC236}">
-                <a16:creationId xmlns:a16="http://schemas.microsoft.com/office/drawing/2014/main" id="{B6ECF4C4-A1E8-8952-EC10-B25E5820F51F}"/>
+          <p:cNvPr id="4" name="TextBox 3">
+            <a:extLst>
+              <a:ext uri="{FF2B5EF4-FFF2-40B4-BE49-F238E27FC236}">
+                <a16:creationId xmlns:a16="http://schemas.microsoft.com/office/drawing/2014/main" id="{F258C0CC-60E7-D3DC-75E3-B242D7C5104B}"/>
               </a:ext>
             </a:extLst>
           </p:cNvPr>
@@ -6977,8 +7448,8 @@
         </p:nvSpPr>
         <p:spPr>
           <a:xfrm>
-            <a:off x="390617" y="301841"/>
-            <a:ext cx="8296951" cy="369332"/>
+            <a:off x="147781" y="203200"/>
+            <a:ext cx="9701310" cy="369332"/>
           </a:xfrm>
           <a:prstGeom prst="rect">
             <a:avLst/>
@@ -6992,27 +7463,290 @@
           <a:lstStyle/>
           <a:p>
             <a:r>
+              <a:rPr lang="en-US" dirty="0"/>
+              <a:t>Pour prendre un decision je test sur un </a:t>
+            </a:r>
+            <a:r>
+              <a:rPr lang="en-US" dirty="0" err="1"/>
+              <a:t>deuxième</a:t>
+            </a:r>
+            <a:r>
+              <a:rPr lang="en-US" dirty="0"/>
+              <a:t> </a:t>
+            </a:r>
+            <a:r>
+              <a:rPr lang="en-US" dirty="0" err="1"/>
+              <a:t>fichier</a:t>
+            </a:r>
+            <a:r>
+              <a:rPr lang="en-US" dirty="0"/>
+              <a:t> Interoception_CAS_P016_19122023_synch4 </a:t>
+            </a:r>
+          </a:p>
+        </p:txBody>
+      </p:sp>
+      <p:sp>
+        <p:nvSpPr>
+          <p:cNvPr id="8" name="TextBox 7">
+            <a:extLst>
+              <a:ext uri="{FF2B5EF4-FFF2-40B4-BE49-F238E27FC236}">
+                <a16:creationId xmlns:a16="http://schemas.microsoft.com/office/drawing/2014/main" id="{B04B4C1B-41BB-E2B3-51A1-B5673DC27EBD}"/>
+              </a:ext>
+            </a:extLst>
+          </p:cNvPr>
+          <p:cNvSpPr txBox="1"/>
+          <p:nvPr/>
+        </p:nvSpPr>
+        <p:spPr>
+          <a:xfrm>
+            <a:off x="6096000" y="4324350"/>
+            <a:ext cx="3966599" cy="369332"/>
+          </a:xfrm>
+          <a:prstGeom prst="rect">
+            <a:avLst/>
+          </a:prstGeom>
+          <a:noFill/>
+        </p:spPr>
+        <p:txBody>
+          <a:bodyPr wrap="none" rtlCol="0">
+            <a:spAutoFit/>
+          </a:bodyPr>
+          <a:lstStyle/>
+          <a:p>
+            <a:r>
+              <a:rPr lang="en-US" dirty="0"/>
+              <a:t>ICA avec les </a:t>
+            </a:r>
+            <a:r>
+              <a:rPr lang="en-US" dirty="0" err="1"/>
+              <a:t>coordonné</a:t>
+            </a:r>
+            <a:r>
+              <a:rPr lang="en-US" dirty="0"/>
+              <a:t> </a:t>
+            </a:r>
+            <a:r>
+              <a:rPr lang="en-US" dirty="0" err="1"/>
+              <a:t>inclu</a:t>
+            </a:r>
+            <a:r>
+              <a:rPr lang="en-US" dirty="0"/>
+              <a:t> dans le .set</a:t>
+            </a:r>
+          </a:p>
+        </p:txBody>
+      </p:sp>
+      <p:sp>
+        <p:nvSpPr>
+          <p:cNvPr id="11" name="TextBox 6">
+            <a:extLst>
+              <a:ext uri="{FF2B5EF4-FFF2-40B4-BE49-F238E27FC236}">
+                <a16:creationId xmlns:a16="http://schemas.microsoft.com/office/drawing/2014/main" id="{45C5A7C0-BC27-39D2-DC17-A2F9D91A8906}"/>
+              </a:ext>
+            </a:extLst>
+          </p:cNvPr>
+          <p:cNvSpPr txBox="1"/>
+          <p:nvPr/>
+        </p:nvSpPr>
+        <p:spPr>
+          <a:xfrm>
+            <a:off x="790171" y="4277284"/>
+            <a:ext cx="3907416" cy="369332"/>
+          </a:xfrm>
+          <a:prstGeom prst="rect">
+            <a:avLst/>
+          </a:prstGeom>
+          <a:noFill/>
+        </p:spPr>
+        <p:txBody>
+          <a:bodyPr wrap="none" rtlCol="0">
+            <a:spAutoFit/>
+          </a:bodyPr>
+          <a:lstStyle/>
+          <a:p>
+            <a:r>
+              <a:rPr lang="en-US" dirty="0"/>
+              <a:t>ICA avec le </a:t>
+            </a:r>
+            <a:r>
+              <a:rPr lang="en-US" dirty="0" err="1"/>
+              <a:t>fichier</a:t>
+            </a:r>
+            <a:r>
+              <a:rPr lang="en-US" dirty="0"/>
+              <a:t> de </a:t>
+            </a:r>
+            <a:r>
+              <a:rPr lang="en-US" dirty="0" err="1"/>
+              <a:t>coordonné</a:t>
+            </a:r>
+            <a:r>
+              <a:rPr lang="en-US" dirty="0"/>
+              <a:t> </a:t>
+            </a:r>
+            <a:r>
+              <a:rPr lang="en-US" dirty="0" err="1"/>
+              <a:t>EEGlab</a:t>
+            </a:r>
+            <a:endParaRPr lang="en-US" dirty="0"/>
+          </a:p>
+        </p:txBody>
+      </p:sp>
+      <p:sp>
+        <p:nvSpPr>
+          <p:cNvPr id="16" name="ZoneTexte 15">
+            <a:extLst>
+              <a:ext uri="{FF2B5EF4-FFF2-40B4-BE49-F238E27FC236}">
+                <a16:creationId xmlns:a16="http://schemas.microsoft.com/office/drawing/2014/main" id="{504DEA0B-45ED-8B9E-E068-4D8E0B1C6E02}"/>
+              </a:ext>
+            </a:extLst>
+          </p:cNvPr>
+          <p:cNvSpPr txBox="1"/>
+          <p:nvPr/>
+        </p:nvSpPr>
+        <p:spPr>
+          <a:xfrm>
+            <a:off x="417250" y="4927107"/>
+            <a:ext cx="11647503" cy="1754326"/>
+          </a:xfrm>
+          <a:prstGeom prst="rect">
+            <a:avLst/>
+          </a:prstGeom>
+          <a:noFill/>
+        </p:spPr>
+        <p:txBody>
+          <a:bodyPr wrap="square" rtlCol="0">
+            <a:spAutoFit/>
+          </a:bodyPr>
+          <a:lstStyle/>
+          <a:p>
+            <a:r>
               <a:rPr lang="fr-FR" dirty="0"/>
-              <a:t>Test de l’ICA si le fichier n’a pas été sauvé en .set (appel de la fonction </a:t>
+              <a:t>Si on se focalise sur la composante 4 qui est clairement des mouvement </a:t>
             </a:r>
             <a:r>
               <a:rPr lang="fr-FR" dirty="0" err="1"/>
-              <a:t>export_in_set.m</a:t>
+              <a:t>occulaires</a:t>
             </a:r>
             <a:r>
               <a:rPr lang="fr-FR" dirty="0"/>
-              <a:t>)</a:t>
-            </a:r>
-            <a:endParaRPr lang="fr-CH" dirty="0"/>
+              <a:t>, elle est classé comme </a:t>
+            </a:r>
+            <a:r>
+              <a:rPr lang="fr-FR" dirty="0" err="1"/>
+              <a:t>brain</a:t>
+            </a:r>
+            <a:r>
+              <a:rPr lang="fr-FR" dirty="0"/>
+              <a:t> à gauche et mouvement </a:t>
+            </a:r>
+            <a:r>
+              <a:rPr lang="fr-FR" dirty="0" err="1"/>
+              <a:t>occulaire</a:t>
+            </a:r>
+            <a:r>
+              <a:rPr lang="fr-FR" dirty="0"/>
+              <a:t> à droite. La version de droite (coordonné inclus dans .set après conversion de </a:t>
+            </a:r>
+            <a:r>
+              <a:rPr lang="fr-FR" dirty="0" err="1"/>
+              <a:t>MichaelDP</a:t>
+            </a:r>
+            <a:r>
+              <a:rPr lang="fr-FR" dirty="0"/>
+              <a:t>). </a:t>
+            </a:r>
+          </a:p>
+          <a:p>
+            <a:endParaRPr lang="fr-FR" dirty="0"/>
+          </a:p>
+          <a:p>
+            <a:r>
+              <a:rPr lang="fr-FR" b="1" dirty="0">
+                <a:solidFill>
+                  <a:srgbClr val="00B050"/>
+                </a:solidFill>
+              </a:rPr>
+              <a:t>Conclusion final: Je décide de supprimer l’entrée des coordonnées dans le début de l’ICA et de faire confiance au conversion de </a:t>
+            </a:r>
+            <a:r>
+              <a:rPr lang="fr-FR" b="1" dirty="0" err="1">
+                <a:solidFill>
+                  <a:srgbClr val="00B050"/>
+                </a:solidFill>
+              </a:rPr>
+              <a:t>MichaelDP</a:t>
+            </a:r>
+            <a:r>
+              <a:rPr lang="fr-FR" b="1" dirty="0">
+                <a:solidFill>
+                  <a:srgbClr val="00B050"/>
+                </a:solidFill>
+              </a:rPr>
+              <a:t> pour les coordonné </a:t>
+            </a:r>
+            <a:r>
+              <a:rPr lang="fr-FR" b="1" dirty="0" err="1">
+                <a:solidFill>
+                  <a:srgbClr val="00B050"/>
+                </a:solidFill>
+              </a:rPr>
+              <a:t>xyz</a:t>
+            </a:r>
+            <a:r>
+              <a:rPr lang="fr-FR" b="1" dirty="0">
+                <a:solidFill>
+                  <a:srgbClr val="00B050"/>
+                </a:solidFill>
+              </a:rPr>
+              <a:t> vers </a:t>
+            </a:r>
+            <a:r>
+              <a:rPr lang="fr-FR" b="1" dirty="0" err="1">
+                <a:solidFill>
+                  <a:srgbClr val="00B050"/>
+                </a:solidFill>
+              </a:rPr>
+              <a:t>EEGlab</a:t>
+            </a:r>
+            <a:r>
+              <a:rPr lang="fr-FR" b="1" dirty="0">
+                <a:solidFill>
+                  <a:srgbClr val="00B050"/>
+                </a:solidFill>
+              </a:rPr>
+              <a:t>. Dans les deux fichier étudié, les résultats son meilleurs au niveau de la classification des mouvement </a:t>
+            </a:r>
+            <a:r>
+              <a:rPr lang="fr-FR" b="1" dirty="0" err="1">
+                <a:solidFill>
+                  <a:srgbClr val="00B050"/>
+                </a:solidFill>
+              </a:rPr>
+              <a:t>occulaire</a:t>
+            </a:r>
+            <a:r>
+              <a:rPr lang="fr-FR" b="1" dirty="0">
+                <a:solidFill>
+                  <a:srgbClr val="00B050"/>
+                </a:solidFill>
+              </a:rPr>
+              <a:t>. </a:t>
+            </a:r>
+            <a:endParaRPr lang="fr-CH" b="1" dirty="0">
+              <a:solidFill>
+                <a:srgbClr val="00B050"/>
+              </a:solidFill>
+            </a:endParaRPr>
           </a:p>
         </p:txBody>
       </p:sp>
       <p:pic>
         <p:nvPicPr>
-          <p:cNvPr id="6" name="Image 5">
-            <a:extLst>
-              <a:ext uri="{FF2B5EF4-FFF2-40B4-BE49-F238E27FC236}">
-                <a16:creationId xmlns:a16="http://schemas.microsoft.com/office/drawing/2014/main" id="{FE0CE9D2-6C8D-3DC8-7AFE-598F90E5FDD8}"/>
+          <p:cNvPr id="3" name="Image 2">
+            <a:extLst>
+              <a:ext uri="{FF2B5EF4-FFF2-40B4-BE49-F238E27FC236}">
+                <a16:creationId xmlns:a16="http://schemas.microsoft.com/office/drawing/2014/main" id="{3D9BE10B-83C0-DAFC-93D3-605FBE5C780A}"/>
               </a:ext>
             </a:extLst>
           </p:cNvPr>
@@ -7029,128 +7763,20 @@
         </p:blipFill>
         <p:spPr>
           <a:xfrm>
-            <a:off x="6192327" y="1898077"/>
-            <a:ext cx="2577036" cy="2260035"/>
+            <a:off x="6096000" y="1143559"/>
+            <a:ext cx="3607734" cy="3080409"/>
           </a:xfrm>
           <a:prstGeom prst="rect">
             <a:avLst/>
           </a:prstGeom>
         </p:spPr>
       </p:pic>
-      <p:sp>
-        <p:nvSpPr>
-          <p:cNvPr id="7" name="ZoneTexte 6">
-            <a:extLst>
-              <a:ext uri="{FF2B5EF4-FFF2-40B4-BE49-F238E27FC236}">
-                <a16:creationId xmlns:a16="http://schemas.microsoft.com/office/drawing/2014/main" id="{5F001054-5D8B-A849-E426-B5C2E9D038D2}"/>
-              </a:ext>
-            </a:extLst>
-          </p:cNvPr>
-          <p:cNvSpPr txBox="1"/>
-          <p:nvPr/>
-        </p:nvSpPr>
-        <p:spPr>
-          <a:xfrm>
-            <a:off x="169637" y="822960"/>
-            <a:ext cx="11671843" cy="923330"/>
-          </a:xfrm>
-          <a:prstGeom prst="rect">
-            <a:avLst/>
-          </a:prstGeom>
-          <a:noFill/>
-        </p:spPr>
-        <p:txBody>
-          <a:bodyPr wrap="square" rtlCol="0">
-            <a:spAutoFit/>
-          </a:bodyPr>
-          <a:lstStyle/>
-          <a:p>
-            <a:r>
-              <a:rPr lang="fr-FR" dirty="0"/>
-              <a:t>Procédure: répétition de la procédure de la slide 2 (exactement les même paramètres) mais en restant en </a:t>
-            </a:r>
-            <a:r>
-              <a:rPr lang="fr-FR" dirty="0" err="1"/>
-              <a:t>sef</a:t>
-            </a:r>
-            <a:r>
-              <a:rPr lang="fr-FR" dirty="0"/>
-              <a:t> pendant tout le </a:t>
-            </a:r>
-            <a:r>
-              <a:rPr lang="fr-FR" dirty="0" err="1"/>
-              <a:t>processing</a:t>
-            </a:r>
-            <a:r>
-              <a:rPr lang="fr-FR" dirty="0"/>
-              <a:t> au lieu de travailler en </a:t>
-            </a:r>
-            <a:r>
-              <a:rPr lang="fr-FR" dirty="0" err="1"/>
-              <a:t>sef</a:t>
-            </a:r>
-            <a:r>
-              <a:rPr lang="fr-FR" dirty="0"/>
-              <a:t>. Les résultats sont dans les sous-répertoire </a:t>
-            </a:r>
-            <a:r>
-              <a:rPr lang="fr-FR" dirty="0" err="1"/>
-              <a:t>sef</a:t>
-            </a:r>
-            <a:r>
-              <a:rPr lang="fr-FR" dirty="0"/>
-              <a:t>. Travail sur le fichier Interoception_CAS_P012_13122023_synch1.bdf</a:t>
-            </a:r>
-            <a:endParaRPr lang="fr-CH" dirty="0"/>
-          </a:p>
-        </p:txBody>
-      </p:sp>
-      <p:sp>
-        <p:nvSpPr>
-          <p:cNvPr id="8" name="ZoneTexte 7">
-            <a:extLst>
-              <a:ext uri="{FF2B5EF4-FFF2-40B4-BE49-F238E27FC236}">
-                <a16:creationId xmlns:a16="http://schemas.microsoft.com/office/drawing/2014/main" id="{C0DA5DD3-5361-EA47-ADE7-86813AD5013B}"/>
-              </a:ext>
-            </a:extLst>
-          </p:cNvPr>
-          <p:cNvSpPr txBox="1"/>
-          <p:nvPr/>
-        </p:nvSpPr>
-        <p:spPr>
-          <a:xfrm>
-            <a:off x="6237395" y="4158112"/>
-            <a:ext cx="2486899" cy="369332"/>
-          </a:xfrm>
-          <a:prstGeom prst="rect">
-            <a:avLst/>
-          </a:prstGeom>
-          <a:noFill/>
-        </p:spPr>
-        <p:txBody>
-          <a:bodyPr wrap="none" rtlCol="0">
-            <a:spAutoFit/>
-          </a:bodyPr>
-          <a:lstStyle/>
-          <a:p>
-            <a:r>
-              <a:rPr lang="fr-FR" dirty="0"/>
-              <a:t>Pipeline complète en </a:t>
-            </a:r>
-            <a:r>
-              <a:rPr lang="fr-FR" dirty="0" err="1"/>
-              <a:t>sef</a:t>
-            </a:r>
-            <a:endParaRPr lang="fr-CH" dirty="0"/>
-          </a:p>
-        </p:txBody>
-      </p:sp>
       <p:pic>
         <p:nvPicPr>
           <p:cNvPr id="9" name="Image 8">
             <a:extLst>
               <a:ext uri="{FF2B5EF4-FFF2-40B4-BE49-F238E27FC236}">
-                <a16:creationId xmlns:a16="http://schemas.microsoft.com/office/drawing/2014/main" id="{E220244B-F9AC-F4FA-0987-3E880669236C}"/>
+                <a16:creationId xmlns:a16="http://schemas.microsoft.com/office/drawing/2014/main" id="{F7CD16E0-C474-1A21-C385-4F95441ABCB1}"/>
               </a:ext>
             </a:extLst>
           </p:cNvPr>
@@ -7167,118 +7793,18 @@
         </p:blipFill>
         <p:spPr>
           <a:xfrm>
-            <a:off x="1390060" y="1881306"/>
-            <a:ext cx="2654904" cy="2353473"/>
+            <a:off x="1030303" y="1148995"/>
+            <a:ext cx="3597481" cy="3005755"/>
           </a:xfrm>
           <a:prstGeom prst="rect">
             <a:avLst/>
           </a:prstGeom>
         </p:spPr>
       </p:pic>
-      <p:sp>
-        <p:nvSpPr>
-          <p:cNvPr id="10" name="ZoneTexte 9">
-            <a:extLst>
-              <a:ext uri="{FF2B5EF4-FFF2-40B4-BE49-F238E27FC236}">
-                <a16:creationId xmlns:a16="http://schemas.microsoft.com/office/drawing/2014/main" id="{2D9120DD-6AA6-6A0E-D012-FAF0524E861F}"/>
-              </a:ext>
-            </a:extLst>
-          </p:cNvPr>
-          <p:cNvSpPr txBox="1"/>
-          <p:nvPr/>
-        </p:nvSpPr>
-        <p:spPr>
-          <a:xfrm>
-            <a:off x="1410831" y="4234779"/>
-            <a:ext cx="2494144" cy="369332"/>
-          </a:xfrm>
-          <a:prstGeom prst="rect">
-            <a:avLst/>
-          </a:prstGeom>
-          <a:noFill/>
-        </p:spPr>
-        <p:txBody>
-          <a:bodyPr wrap="none" rtlCol="0">
-            <a:spAutoFit/>
-          </a:bodyPr>
-          <a:lstStyle/>
-          <a:p>
-            <a:r>
-              <a:rPr lang="fr-FR" dirty="0"/>
-              <a:t>Pipeline complète en set</a:t>
-            </a:r>
-            <a:endParaRPr lang="fr-CH" dirty="0"/>
-          </a:p>
-        </p:txBody>
-      </p:sp>
-      <p:sp>
-        <p:nvSpPr>
-          <p:cNvPr id="11" name="ZoneTexte 10">
-            <a:extLst>
-              <a:ext uri="{FF2B5EF4-FFF2-40B4-BE49-F238E27FC236}">
-                <a16:creationId xmlns:a16="http://schemas.microsoft.com/office/drawing/2014/main" id="{5CE53E7F-26E0-58F7-1504-9E53A5461EF9}"/>
-              </a:ext>
-            </a:extLst>
-          </p:cNvPr>
-          <p:cNvSpPr txBox="1"/>
-          <p:nvPr/>
-        </p:nvSpPr>
-        <p:spPr>
-          <a:xfrm>
-            <a:off x="257823" y="5275719"/>
-            <a:ext cx="7618048" cy="369332"/>
-          </a:xfrm>
-          <a:prstGeom prst="rect">
-            <a:avLst/>
-          </a:prstGeom>
-          <a:noFill/>
-        </p:spPr>
-        <p:txBody>
-          <a:bodyPr wrap="none" rtlCol="0">
-            <a:spAutoFit/>
-          </a:bodyPr>
-          <a:lstStyle/>
-          <a:p>
-            <a:r>
-              <a:rPr lang="fr-FR" dirty="0"/>
-              <a:t>Le résultat est identique ! </a:t>
-            </a:r>
-            <a:r>
-              <a:rPr lang="fr-FR" dirty="0">
-                <a:solidFill>
-                  <a:srgbClr val="00B050"/>
-                </a:solidFill>
-              </a:rPr>
-              <a:t>Donc le fonction </a:t>
-            </a:r>
-            <a:r>
-              <a:rPr lang="fr-FR" dirty="0" err="1">
-                <a:solidFill>
-                  <a:srgbClr val="00B050"/>
-                </a:solidFill>
-              </a:rPr>
-              <a:t>export_in_set.m</a:t>
-            </a:r>
-            <a:r>
-              <a:rPr lang="fr-FR" dirty="0">
-                <a:solidFill>
-                  <a:srgbClr val="00B050"/>
-                </a:solidFill>
-              </a:rPr>
-              <a:t> marche très bien.   </a:t>
-            </a:r>
-            <a:endParaRPr lang="fr-CH" dirty="0">
-              <a:solidFill>
-                <a:srgbClr val="00B050"/>
-              </a:solidFill>
-            </a:endParaRPr>
-          </a:p>
-        </p:txBody>
-      </p:sp>
     </p:spTree>
     <p:extLst>
       <p:ext uri="{BB962C8B-B14F-4D97-AF65-F5344CB8AC3E}">
-        <p14:creationId xmlns:p14="http://schemas.microsoft.com/office/powerpoint/2010/main" val="2964200413"/>
+        <p14:creationId xmlns:p14="http://schemas.microsoft.com/office/powerpoint/2010/main" val="1187280943"/>
       </p:ext>
     </p:extLst>
   </p:cSld>

--- a/working_doc/Test_EEpal_v1_1_merged.pptx
+++ b/working_doc/Test_EEpal_v1_1_merged.pptx
@@ -17,6 +17,16 @@
     <p:sldId id="264" r:id="rId11"/>
     <p:sldId id="259" r:id="rId12"/>
     <p:sldId id="267" r:id="rId13"/>
+    <p:sldId id="268" r:id="rId14"/>
+    <p:sldId id="269" r:id="rId15"/>
+    <p:sldId id="270" r:id="rId16"/>
+    <p:sldId id="271" r:id="rId17"/>
+    <p:sldId id="272" r:id="rId18"/>
+    <p:sldId id="273" r:id="rId19"/>
+    <p:sldId id="274" r:id="rId20"/>
+    <p:sldId id="275" r:id="rId21"/>
+    <p:sldId id="276" r:id="rId22"/>
+    <p:sldId id="277" r:id="rId23"/>
   </p:sldIdLst>
   <p:sldSz cx="12192000" cy="6858000"/>
   <p:notesSz cx="6858000" cy="9144000"/>
@@ -148,6 +158,16 @@
         <p14:section name="EEGlab complet" id="{3866AB26-A609-4CA1-B54C-0CD07B87191C}">
           <p14:sldIdLst>
             <p14:sldId id="267"/>
+            <p14:sldId id="268"/>
+            <p14:sldId id="269"/>
+            <p14:sldId id="270"/>
+            <p14:sldId id="271"/>
+            <p14:sldId id="272"/>
+            <p14:sldId id="273"/>
+            <p14:sldId id="274"/>
+            <p14:sldId id="275"/>
+            <p14:sldId id="276"/>
+            <p14:sldId id="277"/>
           </p14:sldIdLst>
         </p14:section>
       </p14:sectionLst>
@@ -4045,58 +4065,1802 @@
       </p:grpSpPr>
       <p:sp>
         <p:nvSpPr>
-          <p:cNvPr id="2" name="Titre 1">
-            <a:extLst>
-              <a:ext uri="{FF2B5EF4-FFF2-40B4-BE49-F238E27FC236}">
-                <a16:creationId xmlns:a16="http://schemas.microsoft.com/office/drawing/2014/main" id="{B9EA4826-E8D4-BE13-3F21-1F61EF10B821}"/>
-              </a:ext>
-            </a:extLst>
-          </p:cNvPr>
-          <p:cNvSpPr>
-            <a:spLocks noGrp="1"/>
-          </p:cNvSpPr>
-          <p:nvPr>
-            <p:ph type="title"/>
-          </p:nvPr>
-        </p:nvSpPr>
-        <p:spPr/>
-        <p:txBody>
-          <a:bodyPr/>
+          <p:cNvPr id="4" name="ZoneTexte 3">
+            <a:extLst>
+              <a:ext uri="{FF2B5EF4-FFF2-40B4-BE49-F238E27FC236}">
+                <a16:creationId xmlns:a16="http://schemas.microsoft.com/office/drawing/2014/main" id="{860B2A15-2ED6-C9FE-5606-991D4675A950}"/>
+              </a:ext>
+            </a:extLst>
+          </p:cNvPr>
+          <p:cNvSpPr txBox="1"/>
+          <p:nvPr/>
+        </p:nvSpPr>
+        <p:spPr>
+          <a:xfrm>
+            <a:off x="257452" y="230819"/>
+            <a:ext cx="11239131" cy="646331"/>
+          </a:xfrm>
+          <a:prstGeom prst="rect">
+            <a:avLst/>
+          </a:prstGeom>
+          <a:noFill/>
+        </p:spPr>
+        <p:txBody>
+          <a:bodyPr wrap="square" rtlCol="0">
+            <a:spAutoFit/>
+          </a:bodyPr>
           <a:lstStyle/>
           <a:p>
-            <a:endParaRPr lang="fr-CH"/>
-          </a:p>
-        </p:txBody>
-      </p:sp>
-      <p:sp>
-        <p:nvSpPr>
-          <p:cNvPr id="3" name="Espace réservé du contenu 2">
-            <a:extLst>
-              <a:ext uri="{FF2B5EF4-FFF2-40B4-BE49-F238E27FC236}">
-                <a16:creationId xmlns:a16="http://schemas.microsoft.com/office/drawing/2014/main" id="{89D28A20-67A6-BF69-3AD8-568EEC1181DE}"/>
-              </a:ext>
-            </a:extLst>
-          </p:cNvPr>
-          <p:cNvSpPr>
-            <a:spLocks noGrp="1"/>
-          </p:cNvSpPr>
-          <p:nvPr>
-            <p:ph idx="1"/>
-          </p:nvPr>
-        </p:nvSpPr>
-        <p:spPr/>
-        <p:txBody>
-          <a:bodyPr/>
-          <a:lstStyle/>
-          <a:p>
-            <a:endParaRPr lang="fr-CH"/>
-          </a:p>
-        </p:txBody>
-      </p:sp>
+            <a:r>
+              <a:rPr lang="fr-FR" dirty="0"/>
+              <a:t>Test de l’inclusion des mise-à-jour pour les </a:t>
+            </a:r>
+            <a:r>
+              <a:rPr lang="fr-FR" dirty="0" err="1"/>
+              <a:t>toolbox</a:t>
+            </a:r>
+            <a:r>
+              <a:rPr lang="fr-FR" dirty="0"/>
+              <a:t> clean-</a:t>
+            </a:r>
+            <a:r>
+              <a:rPr lang="fr-FR" dirty="0" err="1"/>
+              <a:t>raw</a:t>
+            </a:r>
+            <a:r>
+              <a:rPr lang="fr-FR" dirty="0"/>
+              <a:t> data et </a:t>
+            </a:r>
+            <a:r>
+              <a:rPr lang="fr-FR" dirty="0" err="1"/>
+              <a:t>cleanline</a:t>
+            </a:r>
+            <a:r>
+              <a:rPr lang="fr-FR" dirty="0"/>
+              <a:t> dans eeglab2023.1 directement et suppression des ancienne versions inclus par MD comme ceci: </a:t>
+            </a:r>
+            <a:endParaRPr lang="fr-CH" dirty="0"/>
+          </a:p>
+        </p:txBody>
+      </p:sp>
+      <p:pic>
+        <p:nvPicPr>
+          <p:cNvPr id="8" name="Image 7">
+            <a:extLst>
+              <a:ext uri="{FF2B5EF4-FFF2-40B4-BE49-F238E27FC236}">
+                <a16:creationId xmlns:a16="http://schemas.microsoft.com/office/drawing/2014/main" id="{BB36215F-63F0-D9ED-B47D-BF891E1527A0}"/>
+              </a:ext>
+            </a:extLst>
+          </p:cNvPr>
+          <p:cNvPicPr>
+            <a:picLocks noChangeAspect="1"/>
+          </p:cNvPicPr>
+          <p:nvPr/>
+        </p:nvPicPr>
+        <p:blipFill>
+          <a:blip r:embed="rId2"/>
+          <a:stretch>
+            <a:fillRect/>
+          </a:stretch>
+        </p:blipFill>
+        <p:spPr>
+          <a:xfrm>
+            <a:off x="1239453" y="1165009"/>
+            <a:ext cx="7067550" cy="2095500"/>
+          </a:xfrm>
+          <a:prstGeom prst="rect">
+            <a:avLst/>
+          </a:prstGeom>
+        </p:spPr>
+      </p:pic>
     </p:spTree>
     <p:extLst>
       <p:ext uri="{BB962C8B-B14F-4D97-AF65-F5344CB8AC3E}">
         <p14:creationId xmlns:p14="http://schemas.microsoft.com/office/powerpoint/2010/main" val="1984984399"/>
+      </p:ext>
+    </p:extLst>
+  </p:cSld>
+  <p:clrMapOvr>
+    <a:masterClrMapping/>
+  </p:clrMapOvr>
+</p:sld>
+</file>
+
+<file path=ppt/slides/slide13.xml><?xml version="1.0" encoding="utf-8"?>
+<p:sld xmlns:a="http://schemas.openxmlformats.org/drawingml/2006/main" xmlns:r="http://schemas.openxmlformats.org/officeDocument/2006/relationships" xmlns:p="http://schemas.openxmlformats.org/presentationml/2006/main">
+  <p:cSld>
+    <p:spTree>
+      <p:nvGrpSpPr>
+        <p:cNvPr id="1" name=""/>
+        <p:cNvGrpSpPr/>
+        <p:nvPr/>
+      </p:nvGrpSpPr>
+      <p:grpSpPr>
+        <a:xfrm>
+          <a:off x="0" y="0"/>
+          <a:ext cx="0" cy="0"/>
+          <a:chOff x="0" y="0"/>
+          <a:chExt cx="0" cy="0"/>
+        </a:xfrm>
+      </p:grpSpPr>
+      <p:sp>
+        <p:nvSpPr>
+          <p:cNvPr id="4" name="ZoneTexte 3">
+            <a:extLst>
+              <a:ext uri="{FF2B5EF4-FFF2-40B4-BE49-F238E27FC236}">
+                <a16:creationId xmlns:a16="http://schemas.microsoft.com/office/drawing/2014/main" id="{A4C84DAA-8D00-DBD3-7BF5-68C9BE7DD5D6}"/>
+              </a:ext>
+            </a:extLst>
+          </p:cNvPr>
+          <p:cNvSpPr txBox="1"/>
+          <p:nvPr/>
+        </p:nvSpPr>
+        <p:spPr>
+          <a:xfrm>
+            <a:off x="177554" y="221941"/>
+            <a:ext cx="8140823" cy="646331"/>
+          </a:xfrm>
+          <a:prstGeom prst="rect">
+            <a:avLst/>
+          </a:prstGeom>
+          <a:noFill/>
+        </p:spPr>
+        <p:txBody>
+          <a:bodyPr wrap="square" rtlCol="0">
+            <a:spAutoFit/>
+          </a:bodyPr>
+          <a:lstStyle/>
+          <a:p>
+            <a:r>
+              <a:rPr lang="fr-FR" dirty="0"/>
+              <a:t>Test de </a:t>
+            </a:r>
+            <a:r>
+              <a:rPr lang="fr-FR" b="1" dirty="0"/>
+              <a:t>clean </a:t>
+            </a:r>
+            <a:r>
+              <a:rPr lang="fr-FR" b="1" dirty="0" err="1"/>
+              <a:t>raw</a:t>
+            </a:r>
+            <a:r>
+              <a:rPr lang="fr-FR" b="1" dirty="0"/>
+              <a:t> data </a:t>
+            </a:r>
+            <a:r>
+              <a:rPr lang="fr-FR" dirty="0"/>
+              <a:t>(ASR + Flag </a:t>
+            </a:r>
+            <a:r>
+              <a:rPr lang="fr-FR" dirty="0" err="1"/>
+              <a:t>bad</a:t>
+            </a:r>
+            <a:r>
+              <a:rPr lang="fr-FR" dirty="0"/>
+              <a:t> channels) avec un </a:t>
+            </a:r>
+            <a:r>
+              <a:rPr lang="fr-FR" dirty="0" err="1"/>
+              <a:t>resampling</a:t>
+            </a:r>
+            <a:r>
+              <a:rPr lang="fr-FR" dirty="0"/>
+              <a:t> du fichier Interoception_CAS_P012_13122023_synch1.bdf à 512Hz.</a:t>
+            </a:r>
+          </a:p>
+        </p:txBody>
+      </p:sp>
+      <p:sp>
+        <p:nvSpPr>
+          <p:cNvPr id="5" name="ZoneTexte 4">
+            <a:extLst>
+              <a:ext uri="{FF2B5EF4-FFF2-40B4-BE49-F238E27FC236}">
+                <a16:creationId xmlns:a16="http://schemas.microsoft.com/office/drawing/2014/main" id="{477120EB-30ED-9254-2E88-7F91D11B56C6}"/>
+              </a:ext>
+            </a:extLst>
+          </p:cNvPr>
+          <p:cNvSpPr txBox="1"/>
+          <p:nvPr/>
+        </p:nvSpPr>
+        <p:spPr>
+          <a:xfrm>
+            <a:off x="177554" y="2507656"/>
+            <a:ext cx="11283518" cy="3416320"/>
+          </a:xfrm>
+          <a:prstGeom prst="rect">
+            <a:avLst/>
+          </a:prstGeom>
+          <a:noFill/>
+        </p:spPr>
+        <p:txBody>
+          <a:bodyPr wrap="square" rtlCol="0">
+            <a:spAutoFit/>
+          </a:bodyPr>
+          <a:lstStyle/>
+          <a:p>
+            <a:pPr marL="285750" indent="-285750">
+              <a:buFontTx/>
+              <a:buChar char="-"/>
+            </a:pPr>
+            <a:r>
+              <a:rPr lang="fr-FR" dirty="0"/>
+              <a:t>Test 1 : box de </a:t>
+            </a:r>
+            <a:r>
+              <a:rPr lang="fr-FR" dirty="0" err="1"/>
+              <a:t>paramère</a:t>
+            </a:r>
+            <a:r>
+              <a:rPr lang="fr-FR" dirty="0"/>
+              <a:t> avancé: OK, la box « All option » dans la </a:t>
+            </a:r>
+            <a:r>
+              <a:rPr lang="fr-FR" dirty="0" err="1"/>
+              <a:t>colonen</a:t>
+            </a:r>
+            <a:r>
+              <a:rPr lang="fr-FR" dirty="0"/>
+              <a:t> clean </a:t>
+            </a:r>
+            <a:r>
+              <a:rPr lang="fr-FR" dirty="0" err="1"/>
+              <a:t>raw</a:t>
+            </a:r>
+            <a:r>
+              <a:rPr lang="fr-FR" dirty="0"/>
+              <a:t> data dans le module </a:t>
+            </a:r>
+            <a:r>
+              <a:rPr lang="fr-FR" dirty="0" err="1"/>
+              <a:t>Filtinering</a:t>
+            </a:r>
+            <a:r>
+              <a:rPr lang="fr-FR" dirty="0"/>
+              <a:t>+ fonctionne. Les paramètres par défaut sont identique à la version précédente</a:t>
+            </a:r>
+          </a:p>
+          <a:p>
+            <a:pPr marL="285750" indent="-285750">
+              <a:buFontTx/>
+              <a:buChar char="-"/>
+            </a:pPr>
+            <a:endParaRPr lang="fr-FR" dirty="0"/>
+          </a:p>
+          <a:p>
+            <a:pPr marL="285750" indent="-285750">
+              <a:buFontTx/>
+              <a:buChar char="-"/>
+            </a:pPr>
+            <a:endParaRPr lang="fr-FR" dirty="0"/>
+          </a:p>
+          <a:p>
+            <a:pPr marL="285750" indent="-285750">
+              <a:buFontTx/>
+              <a:buChar char="-"/>
+            </a:pPr>
+            <a:endParaRPr lang="fr-FR" dirty="0"/>
+          </a:p>
+          <a:p>
+            <a:pPr marL="285750" indent="-285750">
+              <a:buFontTx/>
+              <a:buChar char="-"/>
+            </a:pPr>
+            <a:endParaRPr lang="fr-FR" dirty="0"/>
+          </a:p>
+          <a:p>
+            <a:pPr marL="285750" indent="-285750">
+              <a:buFontTx/>
+              <a:buChar char="-"/>
+            </a:pPr>
+            <a:endParaRPr lang="fr-FR" dirty="0"/>
+          </a:p>
+          <a:p>
+            <a:pPr marL="285750" indent="-285750">
+              <a:buFontTx/>
+              <a:buChar char="-"/>
+            </a:pPr>
+            <a:endParaRPr lang="fr-FR" dirty="0"/>
+          </a:p>
+          <a:p>
+            <a:pPr marL="285750" indent="-285750">
+              <a:buFontTx/>
+              <a:buChar char="-"/>
+            </a:pPr>
+            <a:endParaRPr lang="fr-FR" dirty="0"/>
+          </a:p>
+          <a:p>
+            <a:endParaRPr lang="fr-FR" dirty="0"/>
+          </a:p>
+          <a:p>
+            <a:pPr marL="285750" indent="-285750">
+              <a:buFontTx/>
+              <a:buChar char="-"/>
+            </a:pPr>
+            <a:r>
+              <a:rPr lang="fr-FR" dirty="0"/>
+              <a:t>Test 2: </a:t>
+            </a:r>
+            <a:r>
+              <a:rPr lang="fr-FR" dirty="0" err="1"/>
+              <a:t>Execution</a:t>
+            </a:r>
+            <a:r>
+              <a:rPr lang="fr-FR" dirty="0"/>
+              <a:t>: </a:t>
+            </a:r>
+            <a:r>
+              <a:rPr lang="fr-FR" dirty="0">
+                <a:solidFill>
+                  <a:srgbClr val="00B050"/>
+                </a:solidFill>
+              </a:rPr>
+              <a:t>J’ai pu </a:t>
+            </a:r>
+            <a:r>
+              <a:rPr lang="fr-FR" dirty="0" err="1">
+                <a:solidFill>
+                  <a:srgbClr val="00B050"/>
+                </a:solidFill>
+              </a:rPr>
+              <a:t>executer</a:t>
+            </a:r>
+            <a:r>
+              <a:rPr lang="fr-FR" dirty="0">
+                <a:solidFill>
+                  <a:srgbClr val="00B050"/>
+                </a:solidFill>
+              </a:rPr>
+              <a:t> un filtrage incluant clean </a:t>
+            </a:r>
+            <a:r>
+              <a:rPr lang="fr-FR" dirty="0" err="1">
+                <a:solidFill>
+                  <a:srgbClr val="00B050"/>
+                </a:solidFill>
+              </a:rPr>
+              <a:t>rawdata</a:t>
+            </a:r>
+            <a:r>
+              <a:rPr lang="fr-FR" dirty="0">
+                <a:solidFill>
+                  <a:srgbClr val="00B050"/>
+                </a:solidFill>
+              </a:rPr>
+              <a:t> avec Flag </a:t>
+            </a:r>
+            <a:r>
+              <a:rPr lang="fr-FR" dirty="0" err="1">
+                <a:solidFill>
+                  <a:srgbClr val="00B050"/>
+                </a:solidFill>
+              </a:rPr>
+              <a:t>bad</a:t>
+            </a:r>
+            <a:r>
+              <a:rPr lang="fr-FR" dirty="0">
+                <a:solidFill>
+                  <a:srgbClr val="00B050"/>
+                </a:solidFill>
+              </a:rPr>
+              <a:t> channels et ASR. Le </a:t>
+            </a:r>
+            <a:r>
+              <a:rPr lang="fr-FR" dirty="0" err="1">
+                <a:solidFill>
+                  <a:srgbClr val="00B050"/>
+                </a:solidFill>
+              </a:rPr>
+              <a:t>scipt</a:t>
+            </a:r>
+            <a:r>
+              <a:rPr lang="fr-FR" dirty="0">
+                <a:solidFill>
+                  <a:srgbClr val="00B050"/>
+                </a:solidFill>
+              </a:rPr>
+              <a:t> a tourné sans bug</a:t>
+            </a:r>
+            <a:r>
+              <a:rPr lang="fr-FR" dirty="0"/>
+              <a:t>. </a:t>
+            </a:r>
+          </a:p>
+        </p:txBody>
+      </p:sp>
+      <p:pic>
+        <p:nvPicPr>
+          <p:cNvPr id="7" name="Image 6">
+            <a:extLst>
+              <a:ext uri="{FF2B5EF4-FFF2-40B4-BE49-F238E27FC236}">
+                <a16:creationId xmlns:a16="http://schemas.microsoft.com/office/drawing/2014/main" id="{E97C67DC-8823-978D-38FE-66410EBC44C7}"/>
+              </a:ext>
+            </a:extLst>
+          </p:cNvPr>
+          <p:cNvPicPr>
+            <a:picLocks noChangeAspect="1"/>
+          </p:cNvPicPr>
+          <p:nvPr/>
+        </p:nvPicPr>
+        <p:blipFill>
+          <a:blip r:embed="rId2"/>
+          <a:stretch>
+            <a:fillRect/>
+          </a:stretch>
+        </p:blipFill>
+        <p:spPr>
+          <a:xfrm>
+            <a:off x="2032236" y="3162669"/>
+            <a:ext cx="2326699" cy="2028208"/>
+          </a:xfrm>
+          <a:prstGeom prst="rect">
+            <a:avLst/>
+          </a:prstGeom>
+        </p:spPr>
+      </p:pic>
+      <p:pic>
+        <p:nvPicPr>
+          <p:cNvPr id="9" name="Image 8">
+            <a:extLst>
+              <a:ext uri="{FF2B5EF4-FFF2-40B4-BE49-F238E27FC236}">
+                <a16:creationId xmlns:a16="http://schemas.microsoft.com/office/drawing/2014/main" id="{E31FF723-0518-38E9-A354-35C52E3C394D}"/>
+              </a:ext>
+            </a:extLst>
+          </p:cNvPr>
+          <p:cNvPicPr>
+            <a:picLocks noChangeAspect="1"/>
+          </p:cNvPicPr>
+          <p:nvPr/>
+        </p:nvPicPr>
+        <p:blipFill>
+          <a:blip r:embed="rId3"/>
+          <a:stretch>
+            <a:fillRect/>
+          </a:stretch>
+        </p:blipFill>
+        <p:spPr>
+          <a:xfrm>
+            <a:off x="8498871" y="44912"/>
+            <a:ext cx="3161739" cy="2367572"/>
+          </a:xfrm>
+          <a:prstGeom prst="rect">
+            <a:avLst/>
+          </a:prstGeom>
+        </p:spPr>
+      </p:pic>
+    </p:spTree>
+    <p:extLst>
+      <p:ext uri="{BB962C8B-B14F-4D97-AF65-F5344CB8AC3E}">
+        <p14:creationId xmlns:p14="http://schemas.microsoft.com/office/powerpoint/2010/main" val="4176787318"/>
+      </p:ext>
+    </p:extLst>
+  </p:cSld>
+  <p:clrMapOvr>
+    <a:masterClrMapping/>
+  </p:clrMapOvr>
+</p:sld>
+</file>
+
+<file path=ppt/slides/slide14.xml><?xml version="1.0" encoding="utf-8"?>
+<p:sld xmlns:a="http://schemas.openxmlformats.org/drawingml/2006/main" xmlns:r="http://schemas.openxmlformats.org/officeDocument/2006/relationships" xmlns:p="http://schemas.openxmlformats.org/presentationml/2006/main">
+  <p:cSld>
+    <p:spTree>
+      <p:nvGrpSpPr>
+        <p:cNvPr id="1" name=""/>
+        <p:cNvGrpSpPr/>
+        <p:nvPr/>
+      </p:nvGrpSpPr>
+      <p:grpSpPr>
+        <a:xfrm>
+          <a:off x="0" y="0"/>
+          <a:ext cx="0" cy="0"/>
+          <a:chOff x="0" y="0"/>
+          <a:chExt cx="0" cy="0"/>
+        </a:xfrm>
+      </p:grpSpPr>
+      <p:sp>
+        <p:nvSpPr>
+          <p:cNvPr id="4" name="ZoneTexte 3">
+            <a:extLst>
+              <a:ext uri="{FF2B5EF4-FFF2-40B4-BE49-F238E27FC236}">
+                <a16:creationId xmlns:a16="http://schemas.microsoft.com/office/drawing/2014/main" id="{5C92531E-240A-C376-AF63-E6D7ABD71D45}"/>
+              </a:ext>
+            </a:extLst>
+          </p:cNvPr>
+          <p:cNvSpPr txBox="1"/>
+          <p:nvPr/>
+        </p:nvSpPr>
+        <p:spPr>
+          <a:xfrm>
+            <a:off x="177554" y="221941"/>
+            <a:ext cx="8321317" cy="369332"/>
+          </a:xfrm>
+          <a:prstGeom prst="rect">
+            <a:avLst/>
+          </a:prstGeom>
+          <a:noFill/>
+        </p:spPr>
+        <p:txBody>
+          <a:bodyPr wrap="none" rtlCol="0">
+            <a:spAutoFit/>
+          </a:bodyPr>
+          <a:lstStyle/>
+          <a:p>
+            <a:r>
+              <a:rPr lang="fr-FR" dirty="0"/>
+              <a:t>Test de </a:t>
+            </a:r>
+            <a:r>
+              <a:rPr lang="fr-FR" b="1" dirty="0"/>
+              <a:t>clean </a:t>
+            </a:r>
+            <a:r>
+              <a:rPr lang="fr-FR" b="1" dirty="0" err="1"/>
+              <a:t>raw</a:t>
+            </a:r>
+            <a:r>
+              <a:rPr lang="fr-FR" b="1" dirty="0"/>
+              <a:t> data </a:t>
+            </a:r>
+            <a:r>
+              <a:rPr lang="fr-FR" dirty="0"/>
+              <a:t>(ASR + Flag </a:t>
+            </a:r>
+            <a:r>
+              <a:rPr lang="fr-FR" dirty="0" err="1"/>
+              <a:t>bad</a:t>
+            </a:r>
+            <a:r>
+              <a:rPr lang="fr-FR" dirty="0"/>
+              <a:t> channels) avec un </a:t>
+            </a:r>
+            <a:r>
+              <a:rPr lang="fr-FR" dirty="0" err="1"/>
+              <a:t>resampling</a:t>
+            </a:r>
+            <a:r>
+              <a:rPr lang="fr-FR" dirty="0"/>
+              <a:t> du fichier à 512Hz</a:t>
+            </a:r>
+          </a:p>
+        </p:txBody>
+      </p:sp>
+      <p:sp>
+        <p:nvSpPr>
+          <p:cNvPr id="5" name="ZoneTexte 4">
+            <a:extLst>
+              <a:ext uri="{FF2B5EF4-FFF2-40B4-BE49-F238E27FC236}">
+                <a16:creationId xmlns:a16="http://schemas.microsoft.com/office/drawing/2014/main" id="{06B36E4F-A7E6-A816-3562-66365BA439D9}"/>
+              </a:ext>
+            </a:extLst>
+          </p:cNvPr>
+          <p:cNvSpPr txBox="1"/>
+          <p:nvPr/>
+        </p:nvSpPr>
+        <p:spPr>
+          <a:xfrm>
+            <a:off x="177554" y="591273"/>
+            <a:ext cx="11319029" cy="369332"/>
+          </a:xfrm>
+          <a:prstGeom prst="rect">
+            <a:avLst/>
+          </a:prstGeom>
+          <a:noFill/>
+        </p:spPr>
+        <p:txBody>
+          <a:bodyPr wrap="square" rtlCol="0">
+            <a:spAutoFit/>
+          </a:bodyPr>
+          <a:lstStyle/>
+          <a:p>
+            <a:r>
+              <a:rPr lang="fr-FR" dirty="0"/>
+              <a:t>Comparaison résultat ASR entre la version </a:t>
+            </a:r>
+            <a:r>
+              <a:rPr lang="fr-FR" dirty="0" err="1"/>
+              <a:t>précédante</a:t>
+            </a:r>
+            <a:r>
+              <a:rPr lang="fr-FR" dirty="0"/>
+              <a:t> et la nouvelle: </a:t>
+            </a:r>
+            <a:endParaRPr lang="fr-CH" dirty="0"/>
+          </a:p>
+        </p:txBody>
+      </p:sp>
+      <p:pic>
+        <p:nvPicPr>
+          <p:cNvPr id="7" name="Image 6">
+            <a:extLst>
+              <a:ext uri="{FF2B5EF4-FFF2-40B4-BE49-F238E27FC236}">
+                <a16:creationId xmlns:a16="http://schemas.microsoft.com/office/drawing/2014/main" id="{6CFE1A3A-B3C0-44DE-F3A5-5C2D43743643}"/>
+              </a:ext>
+            </a:extLst>
+          </p:cNvPr>
+          <p:cNvPicPr>
+            <a:picLocks noChangeAspect="1"/>
+          </p:cNvPicPr>
+          <p:nvPr/>
+        </p:nvPicPr>
+        <p:blipFill>
+          <a:blip r:embed="rId2"/>
+          <a:stretch>
+            <a:fillRect/>
+          </a:stretch>
+        </p:blipFill>
+        <p:spPr>
+          <a:xfrm>
+            <a:off x="763479" y="1091892"/>
+            <a:ext cx="8711953" cy="4324148"/>
+          </a:xfrm>
+          <a:prstGeom prst="rect">
+            <a:avLst/>
+          </a:prstGeom>
+        </p:spPr>
+      </p:pic>
+      <p:sp>
+        <p:nvSpPr>
+          <p:cNvPr id="8" name="ZoneTexte 7">
+            <a:extLst>
+              <a:ext uri="{FF2B5EF4-FFF2-40B4-BE49-F238E27FC236}">
+                <a16:creationId xmlns:a16="http://schemas.microsoft.com/office/drawing/2014/main" id="{A228E527-34A6-2577-BB75-A47B01167067}"/>
+              </a:ext>
+            </a:extLst>
+          </p:cNvPr>
+          <p:cNvSpPr txBox="1"/>
+          <p:nvPr/>
+        </p:nvSpPr>
+        <p:spPr>
+          <a:xfrm>
+            <a:off x="763479" y="5708342"/>
+            <a:ext cx="11239131" cy="646331"/>
+          </a:xfrm>
+          <a:prstGeom prst="rect">
+            <a:avLst/>
+          </a:prstGeom>
+          <a:noFill/>
+        </p:spPr>
+        <p:txBody>
+          <a:bodyPr wrap="square" rtlCol="0">
+            <a:spAutoFit/>
+          </a:bodyPr>
+          <a:lstStyle/>
+          <a:p>
+            <a:r>
+              <a:rPr lang="fr-FR" dirty="0"/>
+              <a:t>Le résultat </a:t>
+            </a:r>
+            <a:r>
+              <a:rPr lang="fr-FR" dirty="0" err="1"/>
+              <a:t>filtering</a:t>
+            </a:r>
+            <a:r>
+              <a:rPr lang="fr-FR" dirty="0"/>
+              <a:t> + ASR est identique entre la nouvelle version et l’ancienne (vérification dans le temps ainsi que sur toutes les électrodes avec un display à amplitude élevé) </a:t>
+            </a:r>
+            <a:endParaRPr lang="fr-CH" dirty="0"/>
+          </a:p>
+        </p:txBody>
+      </p:sp>
+    </p:spTree>
+    <p:extLst>
+      <p:ext uri="{BB962C8B-B14F-4D97-AF65-F5344CB8AC3E}">
+        <p14:creationId xmlns:p14="http://schemas.microsoft.com/office/powerpoint/2010/main" val="3325330933"/>
+      </p:ext>
+    </p:extLst>
+  </p:cSld>
+  <p:clrMapOvr>
+    <a:masterClrMapping/>
+  </p:clrMapOvr>
+</p:sld>
+</file>
+
+<file path=ppt/slides/slide15.xml><?xml version="1.0" encoding="utf-8"?>
+<p:sld xmlns:a="http://schemas.openxmlformats.org/drawingml/2006/main" xmlns:r="http://schemas.openxmlformats.org/officeDocument/2006/relationships" xmlns:p="http://schemas.openxmlformats.org/presentationml/2006/main">
+  <p:cSld>
+    <p:spTree>
+      <p:nvGrpSpPr>
+        <p:cNvPr id="1" name=""/>
+        <p:cNvGrpSpPr/>
+        <p:nvPr/>
+      </p:nvGrpSpPr>
+      <p:grpSpPr>
+        <a:xfrm>
+          <a:off x="0" y="0"/>
+          <a:ext cx="0" cy="0"/>
+          <a:chOff x="0" y="0"/>
+          <a:chExt cx="0" cy="0"/>
+        </a:xfrm>
+      </p:grpSpPr>
+      <p:sp>
+        <p:nvSpPr>
+          <p:cNvPr id="4" name="ZoneTexte 3">
+            <a:extLst>
+              <a:ext uri="{FF2B5EF4-FFF2-40B4-BE49-F238E27FC236}">
+                <a16:creationId xmlns:a16="http://schemas.microsoft.com/office/drawing/2014/main" id="{D3DF0CC1-A844-5DF2-0298-9815AF0EC63B}"/>
+              </a:ext>
+            </a:extLst>
+          </p:cNvPr>
+          <p:cNvSpPr txBox="1"/>
+          <p:nvPr/>
+        </p:nvSpPr>
+        <p:spPr>
+          <a:xfrm>
+            <a:off x="177554" y="221941"/>
+            <a:ext cx="8140823" cy="646331"/>
+          </a:xfrm>
+          <a:prstGeom prst="rect">
+            <a:avLst/>
+          </a:prstGeom>
+          <a:noFill/>
+        </p:spPr>
+        <p:txBody>
+          <a:bodyPr wrap="square" rtlCol="0">
+            <a:spAutoFit/>
+          </a:bodyPr>
+          <a:lstStyle/>
+          <a:p>
+            <a:r>
+              <a:rPr lang="fr-FR" dirty="0"/>
+              <a:t>Test de </a:t>
+            </a:r>
+            <a:r>
+              <a:rPr lang="fr-FR" b="1" dirty="0" err="1"/>
+              <a:t>cleanLine</a:t>
+            </a:r>
+            <a:r>
+              <a:rPr lang="fr-FR" b="1" dirty="0"/>
+              <a:t> </a:t>
+            </a:r>
+            <a:r>
+              <a:rPr lang="fr-FR" dirty="0"/>
+              <a:t>avec un </a:t>
+            </a:r>
+            <a:r>
+              <a:rPr lang="fr-FR" dirty="0" err="1"/>
+              <a:t>resampling</a:t>
+            </a:r>
+            <a:r>
+              <a:rPr lang="fr-FR" dirty="0"/>
+              <a:t> du fichier Interoception_CAS_P012_13122023_synch1.bdf à 512Hz.</a:t>
+            </a:r>
+          </a:p>
+        </p:txBody>
+      </p:sp>
+      <p:sp>
+        <p:nvSpPr>
+          <p:cNvPr id="5" name="ZoneTexte 4">
+            <a:extLst>
+              <a:ext uri="{FF2B5EF4-FFF2-40B4-BE49-F238E27FC236}">
+                <a16:creationId xmlns:a16="http://schemas.microsoft.com/office/drawing/2014/main" id="{0A688460-E6C6-5AC5-7B8F-E89451D196F6}"/>
+              </a:ext>
+            </a:extLst>
+          </p:cNvPr>
+          <p:cNvSpPr txBox="1"/>
+          <p:nvPr/>
+        </p:nvSpPr>
+        <p:spPr>
+          <a:xfrm>
+            <a:off x="470517" y="2405849"/>
+            <a:ext cx="11461071" cy="646331"/>
+          </a:xfrm>
+          <a:prstGeom prst="rect">
+            <a:avLst/>
+          </a:prstGeom>
+          <a:noFill/>
+        </p:spPr>
+        <p:txBody>
+          <a:bodyPr wrap="square" rtlCol="0">
+            <a:spAutoFit/>
+          </a:bodyPr>
+          <a:lstStyle/>
+          <a:p>
+            <a:r>
+              <a:rPr lang="fr-FR" dirty="0"/>
+              <a:t>- Test 1 : box de </a:t>
+            </a:r>
+            <a:r>
+              <a:rPr lang="fr-FR" dirty="0" err="1"/>
+              <a:t>paramère</a:t>
+            </a:r>
+            <a:r>
+              <a:rPr lang="fr-FR" dirty="0"/>
+              <a:t> avancé: OK, la box « All option » dans </a:t>
+            </a:r>
+            <a:r>
+              <a:rPr lang="fr-FR" dirty="0" err="1"/>
+              <a:t>CleanLine</a:t>
+            </a:r>
+            <a:r>
+              <a:rPr lang="fr-FR" dirty="0"/>
+              <a:t> dans le module </a:t>
+            </a:r>
+            <a:r>
+              <a:rPr lang="fr-FR" dirty="0" err="1"/>
+              <a:t>Filtinering</a:t>
+            </a:r>
+            <a:r>
+              <a:rPr lang="fr-FR" dirty="0"/>
+              <a:t>+ fonctionne. Les paramètres par défaut sont identique à la version précédente</a:t>
+            </a:r>
+            <a:endParaRPr lang="fr-CH" dirty="0"/>
+          </a:p>
+        </p:txBody>
+      </p:sp>
+      <p:pic>
+        <p:nvPicPr>
+          <p:cNvPr id="7" name="Image 6">
+            <a:extLst>
+              <a:ext uri="{FF2B5EF4-FFF2-40B4-BE49-F238E27FC236}">
+                <a16:creationId xmlns:a16="http://schemas.microsoft.com/office/drawing/2014/main" id="{339EACFC-DC3D-223A-32E0-0F5880FB4CA3}"/>
+              </a:ext>
+            </a:extLst>
+          </p:cNvPr>
+          <p:cNvPicPr>
+            <a:picLocks noChangeAspect="1"/>
+          </p:cNvPicPr>
+          <p:nvPr/>
+        </p:nvPicPr>
+        <p:blipFill>
+          <a:blip r:embed="rId2"/>
+          <a:stretch>
+            <a:fillRect/>
+          </a:stretch>
+        </p:blipFill>
+        <p:spPr>
+          <a:xfrm>
+            <a:off x="7799419" y="46102"/>
+            <a:ext cx="3162240" cy="2359747"/>
+          </a:xfrm>
+          <a:prstGeom prst="rect">
+            <a:avLst/>
+          </a:prstGeom>
+        </p:spPr>
+      </p:pic>
+      <p:pic>
+        <p:nvPicPr>
+          <p:cNvPr id="9" name="Image 8">
+            <a:extLst>
+              <a:ext uri="{FF2B5EF4-FFF2-40B4-BE49-F238E27FC236}">
+                <a16:creationId xmlns:a16="http://schemas.microsoft.com/office/drawing/2014/main" id="{6AF284CD-88F5-6784-3896-1B7F52983927}"/>
+              </a:ext>
+            </a:extLst>
+          </p:cNvPr>
+          <p:cNvPicPr>
+            <a:picLocks noChangeAspect="1"/>
+          </p:cNvPicPr>
+          <p:nvPr/>
+        </p:nvPicPr>
+        <p:blipFill>
+          <a:blip r:embed="rId3"/>
+          <a:stretch>
+            <a:fillRect/>
+          </a:stretch>
+        </p:blipFill>
+        <p:spPr>
+          <a:xfrm>
+            <a:off x="3534131" y="3058821"/>
+            <a:ext cx="2791209" cy="1530936"/>
+          </a:xfrm>
+          <a:prstGeom prst="rect">
+            <a:avLst/>
+          </a:prstGeom>
+        </p:spPr>
+      </p:pic>
+      <p:sp>
+        <p:nvSpPr>
+          <p:cNvPr id="10" name="ZoneTexte 9">
+            <a:extLst>
+              <a:ext uri="{FF2B5EF4-FFF2-40B4-BE49-F238E27FC236}">
+                <a16:creationId xmlns:a16="http://schemas.microsoft.com/office/drawing/2014/main" id="{26F20B95-F26A-0774-6E8A-284E33151C4D}"/>
+              </a:ext>
+            </a:extLst>
+          </p:cNvPr>
+          <p:cNvSpPr txBox="1"/>
+          <p:nvPr/>
+        </p:nvSpPr>
+        <p:spPr>
+          <a:xfrm>
+            <a:off x="470517" y="4731798"/>
+            <a:ext cx="11017188" cy="369332"/>
+          </a:xfrm>
+          <a:prstGeom prst="rect">
+            <a:avLst/>
+          </a:prstGeom>
+          <a:noFill/>
+        </p:spPr>
+        <p:txBody>
+          <a:bodyPr wrap="square" rtlCol="0">
+            <a:spAutoFit/>
+          </a:bodyPr>
+          <a:lstStyle/>
+          <a:p>
+            <a:r>
+              <a:rPr lang="fr-FR" dirty="0"/>
+              <a:t>- Test 2: </a:t>
+            </a:r>
+            <a:r>
+              <a:rPr lang="fr-FR" dirty="0" err="1"/>
+              <a:t>Execution</a:t>
+            </a:r>
+            <a:r>
+              <a:rPr lang="fr-FR" dirty="0"/>
+              <a:t>: </a:t>
+            </a:r>
+            <a:r>
+              <a:rPr lang="fr-FR" dirty="0">
+                <a:solidFill>
+                  <a:srgbClr val="00B050"/>
+                </a:solidFill>
+              </a:rPr>
+              <a:t>J’ai pu exécuter un filtrage incluant </a:t>
+            </a:r>
+            <a:r>
+              <a:rPr lang="fr-FR" dirty="0" err="1">
+                <a:solidFill>
+                  <a:srgbClr val="00B050"/>
+                </a:solidFill>
+              </a:rPr>
+              <a:t>cleanline</a:t>
+            </a:r>
+            <a:r>
+              <a:rPr lang="fr-FR" dirty="0">
+                <a:solidFill>
+                  <a:srgbClr val="00B050"/>
+                </a:solidFill>
+              </a:rPr>
+              <a:t> à 50Hz. Le </a:t>
+            </a:r>
+            <a:r>
+              <a:rPr lang="fr-FR" dirty="0" err="1">
+                <a:solidFill>
+                  <a:srgbClr val="00B050"/>
+                </a:solidFill>
+              </a:rPr>
+              <a:t>scipt</a:t>
+            </a:r>
+            <a:r>
+              <a:rPr lang="fr-FR" dirty="0">
+                <a:solidFill>
+                  <a:srgbClr val="00B050"/>
+                </a:solidFill>
+              </a:rPr>
+              <a:t> a tourné sans bug</a:t>
+            </a:r>
+            <a:r>
+              <a:rPr lang="fr-FR" dirty="0"/>
+              <a:t>.</a:t>
+            </a:r>
+            <a:endParaRPr lang="fr-CH" dirty="0"/>
+          </a:p>
+        </p:txBody>
+      </p:sp>
+    </p:spTree>
+    <p:extLst>
+      <p:ext uri="{BB962C8B-B14F-4D97-AF65-F5344CB8AC3E}">
+        <p14:creationId xmlns:p14="http://schemas.microsoft.com/office/powerpoint/2010/main" val="116779775"/>
+      </p:ext>
+    </p:extLst>
+  </p:cSld>
+  <p:clrMapOvr>
+    <a:masterClrMapping/>
+  </p:clrMapOvr>
+</p:sld>
+</file>
+
+<file path=ppt/slides/slide16.xml><?xml version="1.0" encoding="utf-8"?>
+<p:sld xmlns:a="http://schemas.openxmlformats.org/drawingml/2006/main" xmlns:r="http://schemas.openxmlformats.org/officeDocument/2006/relationships" xmlns:p="http://schemas.openxmlformats.org/presentationml/2006/main">
+  <p:cSld>
+    <p:spTree>
+      <p:nvGrpSpPr>
+        <p:cNvPr id="1" name=""/>
+        <p:cNvGrpSpPr/>
+        <p:nvPr/>
+      </p:nvGrpSpPr>
+      <p:grpSpPr>
+        <a:xfrm>
+          <a:off x="0" y="0"/>
+          <a:ext cx="0" cy="0"/>
+          <a:chOff x="0" y="0"/>
+          <a:chExt cx="0" cy="0"/>
+        </a:xfrm>
+      </p:grpSpPr>
+      <p:sp>
+        <p:nvSpPr>
+          <p:cNvPr id="4" name="ZoneTexte 3">
+            <a:extLst>
+              <a:ext uri="{FF2B5EF4-FFF2-40B4-BE49-F238E27FC236}">
+                <a16:creationId xmlns:a16="http://schemas.microsoft.com/office/drawing/2014/main" id="{5C92531E-240A-C376-AF63-E6D7ABD71D45}"/>
+              </a:ext>
+            </a:extLst>
+          </p:cNvPr>
+          <p:cNvSpPr txBox="1"/>
+          <p:nvPr/>
+        </p:nvSpPr>
+        <p:spPr>
+          <a:xfrm>
+            <a:off x="177554" y="221941"/>
+            <a:ext cx="6032292" cy="369332"/>
+          </a:xfrm>
+          <a:prstGeom prst="rect">
+            <a:avLst/>
+          </a:prstGeom>
+          <a:noFill/>
+        </p:spPr>
+        <p:txBody>
+          <a:bodyPr wrap="none" rtlCol="0">
+            <a:spAutoFit/>
+          </a:bodyPr>
+          <a:lstStyle/>
+          <a:p>
+            <a:r>
+              <a:rPr lang="fr-FR" dirty="0"/>
+              <a:t>Test de </a:t>
+            </a:r>
+            <a:r>
+              <a:rPr lang="fr-FR" b="1" dirty="0" err="1"/>
+              <a:t>Cleanline</a:t>
+            </a:r>
+            <a:r>
+              <a:rPr lang="fr-FR" b="1" dirty="0"/>
+              <a:t> 50Hz </a:t>
+            </a:r>
+            <a:r>
+              <a:rPr lang="fr-FR" dirty="0"/>
+              <a:t> avec un </a:t>
+            </a:r>
+            <a:r>
+              <a:rPr lang="fr-FR" dirty="0" err="1"/>
+              <a:t>resampling</a:t>
+            </a:r>
+            <a:r>
+              <a:rPr lang="fr-FR" dirty="0"/>
+              <a:t> du fichier à 512Hz</a:t>
+            </a:r>
+          </a:p>
+        </p:txBody>
+      </p:sp>
+      <p:sp>
+        <p:nvSpPr>
+          <p:cNvPr id="5" name="ZoneTexte 4">
+            <a:extLst>
+              <a:ext uri="{FF2B5EF4-FFF2-40B4-BE49-F238E27FC236}">
+                <a16:creationId xmlns:a16="http://schemas.microsoft.com/office/drawing/2014/main" id="{06B36E4F-A7E6-A816-3562-66365BA439D9}"/>
+              </a:ext>
+            </a:extLst>
+          </p:cNvPr>
+          <p:cNvSpPr txBox="1"/>
+          <p:nvPr/>
+        </p:nvSpPr>
+        <p:spPr>
+          <a:xfrm>
+            <a:off x="177554" y="591273"/>
+            <a:ext cx="11319029" cy="369332"/>
+          </a:xfrm>
+          <a:prstGeom prst="rect">
+            <a:avLst/>
+          </a:prstGeom>
+          <a:noFill/>
+        </p:spPr>
+        <p:txBody>
+          <a:bodyPr wrap="square" rtlCol="0">
+            <a:spAutoFit/>
+          </a:bodyPr>
+          <a:lstStyle/>
+          <a:p>
+            <a:r>
+              <a:rPr lang="fr-FR" dirty="0"/>
+              <a:t>Comparaison résultat </a:t>
+            </a:r>
+            <a:r>
+              <a:rPr lang="fr-FR" dirty="0" err="1"/>
+              <a:t>cleanline</a:t>
+            </a:r>
+            <a:r>
+              <a:rPr lang="fr-FR" dirty="0"/>
+              <a:t> entre la version </a:t>
+            </a:r>
+            <a:r>
+              <a:rPr lang="fr-FR" dirty="0" err="1"/>
+              <a:t>précédante</a:t>
+            </a:r>
+            <a:r>
+              <a:rPr lang="fr-FR" dirty="0"/>
+              <a:t> et la nouvelle: </a:t>
+            </a:r>
+            <a:endParaRPr lang="fr-CH" dirty="0"/>
+          </a:p>
+        </p:txBody>
+      </p:sp>
+      <p:sp>
+        <p:nvSpPr>
+          <p:cNvPr id="8" name="ZoneTexte 7">
+            <a:extLst>
+              <a:ext uri="{FF2B5EF4-FFF2-40B4-BE49-F238E27FC236}">
+                <a16:creationId xmlns:a16="http://schemas.microsoft.com/office/drawing/2014/main" id="{A228E527-34A6-2577-BB75-A47B01167067}"/>
+              </a:ext>
+            </a:extLst>
+          </p:cNvPr>
+          <p:cNvSpPr txBox="1"/>
+          <p:nvPr/>
+        </p:nvSpPr>
+        <p:spPr>
+          <a:xfrm>
+            <a:off x="763479" y="5708342"/>
+            <a:ext cx="11239131" cy="646331"/>
+          </a:xfrm>
+          <a:prstGeom prst="rect">
+            <a:avLst/>
+          </a:prstGeom>
+          <a:noFill/>
+        </p:spPr>
+        <p:txBody>
+          <a:bodyPr wrap="square" rtlCol="0">
+            <a:spAutoFit/>
+          </a:bodyPr>
+          <a:lstStyle/>
+          <a:p>
+            <a:r>
+              <a:rPr lang="fr-FR" dirty="0"/>
+              <a:t>Le résultat </a:t>
+            </a:r>
+            <a:r>
+              <a:rPr lang="fr-FR" dirty="0" err="1"/>
+              <a:t>filtering</a:t>
+            </a:r>
+            <a:r>
+              <a:rPr lang="fr-FR" dirty="0"/>
+              <a:t> + ASR est identique entre la nouvelle version et l’ancienne (vérification dans le temps ainsi que sur toutes les électrodes avec un display à amplitude élevé) </a:t>
+            </a:r>
+            <a:endParaRPr lang="fr-CH" dirty="0"/>
+          </a:p>
+        </p:txBody>
+      </p:sp>
+    </p:spTree>
+    <p:extLst>
+      <p:ext uri="{BB962C8B-B14F-4D97-AF65-F5344CB8AC3E}">
+        <p14:creationId xmlns:p14="http://schemas.microsoft.com/office/powerpoint/2010/main" val="3265291628"/>
+      </p:ext>
+    </p:extLst>
+  </p:cSld>
+  <p:clrMapOvr>
+    <a:masterClrMapping/>
+  </p:clrMapOvr>
+</p:sld>
+</file>
+
+<file path=ppt/slides/slide17.xml><?xml version="1.0" encoding="utf-8"?>
+<p:sld xmlns:a="http://schemas.openxmlformats.org/drawingml/2006/main" xmlns:r="http://schemas.openxmlformats.org/officeDocument/2006/relationships" xmlns:p="http://schemas.openxmlformats.org/presentationml/2006/main">
+  <p:cSld>
+    <p:spTree>
+      <p:nvGrpSpPr>
+        <p:cNvPr id="1" name=""/>
+        <p:cNvGrpSpPr/>
+        <p:nvPr/>
+      </p:nvGrpSpPr>
+      <p:grpSpPr>
+        <a:xfrm>
+          <a:off x="0" y="0"/>
+          <a:ext cx="0" cy="0"/>
+          <a:chOff x="0" y="0"/>
+          <a:chExt cx="0" cy="0"/>
+        </a:xfrm>
+      </p:grpSpPr>
+      <p:sp>
+        <p:nvSpPr>
+          <p:cNvPr id="4" name="ZoneTexte 3">
+            <a:extLst>
+              <a:ext uri="{FF2B5EF4-FFF2-40B4-BE49-F238E27FC236}">
+                <a16:creationId xmlns:a16="http://schemas.microsoft.com/office/drawing/2014/main" id="{5C92531E-240A-C376-AF63-E6D7ABD71D45}"/>
+              </a:ext>
+            </a:extLst>
+          </p:cNvPr>
+          <p:cNvSpPr txBox="1"/>
+          <p:nvPr/>
+        </p:nvSpPr>
+        <p:spPr>
+          <a:xfrm>
+            <a:off x="177554" y="221941"/>
+            <a:ext cx="5471241" cy="369332"/>
+          </a:xfrm>
+          <a:prstGeom prst="rect">
+            <a:avLst/>
+          </a:prstGeom>
+          <a:noFill/>
+        </p:spPr>
+        <p:txBody>
+          <a:bodyPr wrap="none" rtlCol="0">
+            <a:spAutoFit/>
+          </a:bodyPr>
+          <a:lstStyle/>
+          <a:p>
+            <a:r>
+              <a:rPr lang="fr-FR" dirty="0"/>
+              <a:t>Test de </a:t>
+            </a:r>
+            <a:r>
+              <a:rPr lang="fr-FR" b="1" dirty="0" err="1"/>
+              <a:t>cleanLine</a:t>
+            </a:r>
+            <a:r>
+              <a:rPr lang="fr-FR" dirty="0"/>
+              <a:t> avec un </a:t>
+            </a:r>
+            <a:r>
+              <a:rPr lang="fr-FR" dirty="0" err="1"/>
+              <a:t>resampling</a:t>
+            </a:r>
+            <a:r>
+              <a:rPr lang="fr-FR" dirty="0"/>
+              <a:t> du fichier à 512Hz</a:t>
+            </a:r>
+          </a:p>
+        </p:txBody>
+      </p:sp>
+      <p:sp>
+        <p:nvSpPr>
+          <p:cNvPr id="5" name="ZoneTexte 4">
+            <a:extLst>
+              <a:ext uri="{FF2B5EF4-FFF2-40B4-BE49-F238E27FC236}">
+                <a16:creationId xmlns:a16="http://schemas.microsoft.com/office/drawing/2014/main" id="{06B36E4F-A7E6-A816-3562-66365BA439D9}"/>
+              </a:ext>
+            </a:extLst>
+          </p:cNvPr>
+          <p:cNvSpPr txBox="1"/>
+          <p:nvPr/>
+        </p:nvSpPr>
+        <p:spPr>
+          <a:xfrm>
+            <a:off x="177554" y="591273"/>
+            <a:ext cx="11319029" cy="369332"/>
+          </a:xfrm>
+          <a:prstGeom prst="rect">
+            <a:avLst/>
+          </a:prstGeom>
+          <a:noFill/>
+        </p:spPr>
+        <p:txBody>
+          <a:bodyPr wrap="square" rtlCol="0">
+            <a:spAutoFit/>
+          </a:bodyPr>
+          <a:lstStyle/>
+          <a:p>
+            <a:r>
+              <a:rPr lang="fr-FR" dirty="0"/>
+              <a:t>Comparaison résultat </a:t>
+            </a:r>
+            <a:r>
+              <a:rPr lang="fr-FR" dirty="0" err="1"/>
+              <a:t>CleanLine</a:t>
+            </a:r>
+            <a:r>
+              <a:rPr lang="fr-FR" dirty="0"/>
+              <a:t> entre la version </a:t>
+            </a:r>
+            <a:r>
+              <a:rPr lang="fr-FR" dirty="0" err="1"/>
+              <a:t>précédante</a:t>
+            </a:r>
+            <a:r>
+              <a:rPr lang="fr-FR" dirty="0"/>
+              <a:t> et la nouvelle: </a:t>
+            </a:r>
+            <a:endParaRPr lang="fr-CH" dirty="0"/>
+          </a:p>
+        </p:txBody>
+      </p:sp>
+      <p:sp>
+        <p:nvSpPr>
+          <p:cNvPr id="8" name="ZoneTexte 7">
+            <a:extLst>
+              <a:ext uri="{FF2B5EF4-FFF2-40B4-BE49-F238E27FC236}">
+                <a16:creationId xmlns:a16="http://schemas.microsoft.com/office/drawing/2014/main" id="{A228E527-34A6-2577-BB75-A47B01167067}"/>
+              </a:ext>
+            </a:extLst>
+          </p:cNvPr>
+          <p:cNvSpPr txBox="1"/>
+          <p:nvPr/>
+        </p:nvSpPr>
+        <p:spPr>
+          <a:xfrm>
+            <a:off x="763479" y="5708342"/>
+            <a:ext cx="11239131" cy="646331"/>
+          </a:xfrm>
+          <a:prstGeom prst="rect">
+            <a:avLst/>
+          </a:prstGeom>
+          <a:noFill/>
+        </p:spPr>
+        <p:txBody>
+          <a:bodyPr wrap="square" rtlCol="0">
+            <a:spAutoFit/>
+          </a:bodyPr>
+          <a:lstStyle/>
+          <a:p>
+            <a:r>
+              <a:rPr lang="fr-FR" dirty="0"/>
+              <a:t>Le résultat </a:t>
+            </a:r>
+            <a:r>
+              <a:rPr lang="fr-FR" dirty="0" err="1"/>
+              <a:t>cleanline</a:t>
+            </a:r>
+            <a:r>
+              <a:rPr lang="fr-FR" dirty="0"/>
+              <a:t> est identique entre la nouvelle version et l’ancienne (vérification dans le temps ainsi que sur toutes les électrodes avec un display à amplitude élevé) </a:t>
+            </a:r>
+            <a:endParaRPr lang="fr-CH" dirty="0"/>
+          </a:p>
+        </p:txBody>
+      </p:sp>
+      <p:pic>
+        <p:nvPicPr>
+          <p:cNvPr id="3" name="Image 2">
+            <a:extLst>
+              <a:ext uri="{FF2B5EF4-FFF2-40B4-BE49-F238E27FC236}">
+                <a16:creationId xmlns:a16="http://schemas.microsoft.com/office/drawing/2014/main" id="{08298643-C260-2BE8-434A-2BAD6BD7A3B1}"/>
+              </a:ext>
+            </a:extLst>
+          </p:cNvPr>
+          <p:cNvPicPr>
+            <a:picLocks noChangeAspect="1"/>
+          </p:cNvPicPr>
+          <p:nvPr/>
+        </p:nvPicPr>
+        <p:blipFill>
+          <a:blip r:embed="rId2"/>
+          <a:stretch>
+            <a:fillRect/>
+          </a:stretch>
+        </p:blipFill>
+        <p:spPr>
+          <a:xfrm>
+            <a:off x="1109709" y="1098306"/>
+            <a:ext cx="8037250" cy="3989261"/>
+          </a:xfrm>
+          <a:prstGeom prst="rect">
+            <a:avLst/>
+          </a:prstGeom>
+        </p:spPr>
+      </p:pic>
+    </p:spTree>
+    <p:extLst>
+      <p:ext uri="{BB962C8B-B14F-4D97-AF65-F5344CB8AC3E}">
+        <p14:creationId xmlns:p14="http://schemas.microsoft.com/office/powerpoint/2010/main" val="4273787749"/>
+      </p:ext>
+    </p:extLst>
+  </p:cSld>
+  <p:clrMapOvr>
+    <a:masterClrMapping/>
+  </p:clrMapOvr>
+</p:sld>
+</file>
+
+<file path=ppt/slides/slide18.xml><?xml version="1.0" encoding="utf-8"?>
+<p:sld xmlns:a="http://schemas.openxmlformats.org/drawingml/2006/main" xmlns:r="http://schemas.openxmlformats.org/officeDocument/2006/relationships" xmlns:p="http://schemas.openxmlformats.org/presentationml/2006/main">
+  <p:cSld>
+    <p:spTree>
+      <p:nvGrpSpPr>
+        <p:cNvPr id="1" name=""/>
+        <p:cNvGrpSpPr/>
+        <p:nvPr/>
+      </p:nvGrpSpPr>
+      <p:grpSpPr>
+        <a:xfrm>
+          <a:off x="0" y="0"/>
+          <a:ext cx="0" cy="0"/>
+          <a:chOff x="0" y="0"/>
+          <a:chExt cx="0" cy="0"/>
+        </a:xfrm>
+      </p:grpSpPr>
+      <p:sp>
+        <p:nvSpPr>
+          <p:cNvPr id="4" name="ZoneTexte 3">
+            <a:extLst>
+              <a:ext uri="{FF2B5EF4-FFF2-40B4-BE49-F238E27FC236}">
+                <a16:creationId xmlns:a16="http://schemas.microsoft.com/office/drawing/2014/main" id="{D3DF0CC1-A844-5DF2-0298-9815AF0EC63B}"/>
+              </a:ext>
+            </a:extLst>
+          </p:cNvPr>
+          <p:cNvSpPr txBox="1"/>
+          <p:nvPr/>
+        </p:nvSpPr>
+        <p:spPr>
+          <a:xfrm>
+            <a:off x="177554" y="221941"/>
+            <a:ext cx="7492753" cy="646331"/>
+          </a:xfrm>
+          <a:prstGeom prst="rect">
+            <a:avLst/>
+          </a:prstGeom>
+          <a:noFill/>
+        </p:spPr>
+        <p:txBody>
+          <a:bodyPr wrap="square" rtlCol="0">
+            <a:spAutoFit/>
+          </a:bodyPr>
+          <a:lstStyle/>
+          <a:p>
+            <a:r>
+              <a:rPr lang="fr-FR" dirty="0"/>
+              <a:t>Test de Clean </a:t>
+            </a:r>
+            <a:r>
+              <a:rPr lang="fr-FR" dirty="0" err="1"/>
+              <a:t>raw</a:t>
+            </a:r>
+            <a:r>
+              <a:rPr lang="fr-FR" dirty="0"/>
+              <a:t> data (ASR + flag </a:t>
+            </a:r>
+            <a:r>
+              <a:rPr lang="fr-FR" dirty="0" err="1"/>
+              <a:t>bad</a:t>
+            </a:r>
+            <a:r>
+              <a:rPr lang="fr-FR" dirty="0"/>
+              <a:t> channels) </a:t>
+            </a:r>
+            <a:r>
+              <a:rPr lang="fr-FR" b="1" dirty="0" err="1"/>
+              <a:t>cleanLine</a:t>
+            </a:r>
+            <a:r>
+              <a:rPr lang="fr-FR" b="1" dirty="0"/>
+              <a:t> </a:t>
+            </a:r>
+            <a:r>
+              <a:rPr lang="fr-FR" dirty="0"/>
+              <a:t>avec un </a:t>
+            </a:r>
+            <a:r>
+              <a:rPr lang="fr-FR" dirty="0" err="1"/>
+              <a:t>resampling</a:t>
+            </a:r>
+            <a:r>
+              <a:rPr lang="fr-FR" dirty="0"/>
+              <a:t> du fichier Interoception_CAS_P012_13122023_synch1.bdf à 512Hz.</a:t>
+            </a:r>
+          </a:p>
+        </p:txBody>
+      </p:sp>
+      <p:pic>
+        <p:nvPicPr>
+          <p:cNvPr id="7" name="Image 6">
+            <a:extLst>
+              <a:ext uri="{FF2B5EF4-FFF2-40B4-BE49-F238E27FC236}">
+                <a16:creationId xmlns:a16="http://schemas.microsoft.com/office/drawing/2014/main" id="{339EACFC-DC3D-223A-32E0-0F5880FB4CA3}"/>
+              </a:ext>
+            </a:extLst>
+          </p:cNvPr>
+          <p:cNvPicPr>
+            <a:picLocks noChangeAspect="1"/>
+          </p:cNvPicPr>
+          <p:nvPr/>
+        </p:nvPicPr>
+        <p:blipFill>
+          <a:blip r:embed="rId2"/>
+          <a:stretch>
+            <a:fillRect/>
+          </a:stretch>
+        </p:blipFill>
+        <p:spPr>
+          <a:xfrm>
+            <a:off x="7799419" y="46102"/>
+            <a:ext cx="3162240" cy="2359747"/>
+          </a:xfrm>
+          <a:prstGeom prst="rect">
+            <a:avLst/>
+          </a:prstGeom>
+        </p:spPr>
+      </p:pic>
+      <p:sp>
+        <p:nvSpPr>
+          <p:cNvPr id="10" name="ZoneTexte 9">
+            <a:extLst>
+              <a:ext uri="{FF2B5EF4-FFF2-40B4-BE49-F238E27FC236}">
+                <a16:creationId xmlns:a16="http://schemas.microsoft.com/office/drawing/2014/main" id="{26F20B95-F26A-0774-6E8A-284E33151C4D}"/>
+              </a:ext>
+            </a:extLst>
+          </p:cNvPr>
+          <p:cNvSpPr txBox="1"/>
+          <p:nvPr/>
+        </p:nvSpPr>
+        <p:spPr>
+          <a:xfrm>
+            <a:off x="506028" y="2885243"/>
+            <a:ext cx="11017188" cy="369332"/>
+          </a:xfrm>
+          <a:prstGeom prst="rect">
+            <a:avLst/>
+          </a:prstGeom>
+          <a:noFill/>
+        </p:spPr>
+        <p:txBody>
+          <a:bodyPr wrap="square" rtlCol="0">
+            <a:spAutoFit/>
+          </a:bodyPr>
+          <a:lstStyle/>
+          <a:p>
+            <a:r>
+              <a:rPr lang="fr-FR" dirty="0"/>
+              <a:t>- Test 2: </a:t>
+            </a:r>
+            <a:r>
+              <a:rPr lang="fr-FR" dirty="0" err="1"/>
+              <a:t>Execution</a:t>
+            </a:r>
+            <a:r>
+              <a:rPr lang="fr-FR" dirty="0"/>
+              <a:t>: </a:t>
+            </a:r>
+            <a:r>
+              <a:rPr lang="fr-FR" dirty="0">
+                <a:solidFill>
+                  <a:srgbClr val="00B050"/>
+                </a:solidFill>
+              </a:rPr>
+              <a:t>J’ai pu exécuter un filtrage incluant </a:t>
+            </a:r>
+            <a:r>
+              <a:rPr lang="fr-FR" dirty="0" err="1">
+                <a:solidFill>
+                  <a:srgbClr val="00B050"/>
+                </a:solidFill>
+              </a:rPr>
+              <a:t>cleanline</a:t>
+            </a:r>
+            <a:r>
+              <a:rPr lang="fr-FR" dirty="0">
+                <a:solidFill>
+                  <a:srgbClr val="00B050"/>
+                </a:solidFill>
+              </a:rPr>
+              <a:t> à 50Hz. Le </a:t>
+            </a:r>
+            <a:r>
+              <a:rPr lang="fr-FR" dirty="0" err="1">
+                <a:solidFill>
+                  <a:srgbClr val="00B050"/>
+                </a:solidFill>
+              </a:rPr>
+              <a:t>scipt</a:t>
+            </a:r>
+            <a:r>
+              <a:rPr lang="fr-FR" dirty="0">
+                <a:solidFill>
+                  <a:srgbClr val="00B050"/>
+                </a:solidFill>
+              </a:rPr>
+              <a:t> a tourné sans bug</a:t>
+            </a:r>
+            <a:r>
+              <a:rPr lang="fr-FR" dirty="0"/>
+              <a:t>.</a:t>
+            </a:r>
+            <a:endParaRPr lang="fr-CH" dirty="0"/>
+          </a:p>
+        </p:txBody>
+      </p:sp>
+    </p:spTree>
+    <p:extLst>
+      <p:ext uri="{BB962C8B-B14F-4D97-AF65-F5344CB8AC3E}">
+        <p14:creationId xmlns:p14="http://schemas.microsoft.com/office/powerpoint/2010/main" val="2353456472"/>
+      </p:ext>
+    </p:extLst>
+  </p:cSld>
+  <p:clrMapOvr>
+    <a:masterClrMapping/>
+  </p:clrMapOvr>
+</p:sld>
+</file>
+
+<file path=ppt/slides/slide19.xml><?xml version="1.0" encoding="utf-8"?>
+<p:sld xmlns:a="http://schemas.openxmlformats.org/drawingml/2006/main" xmlns:r="http://schemas.openxmlformats.org/officeDocument/2006/relationships" xmlns:p="http://schemas.openxmlformats.org/presentationml/2006/main">
+  <p:cSld>
+    <p:spTree>
+      <p:nvGrpSpPr>
+        <p:cNvPr id="1" name=""/>
+        <p:cNvGrpSpPr/>
+        <p:nvPr/>
+      </p:nvGrpSpPr>
+      <p:grpSpPr>
+        <a:xfrm>
+          <a:off x="0" y="0"/>
+          <a:ext cx="0" cy="0"/>
+          <a:chOff x="0" y="0"/>
+          <a:chExt cx="0" cy="0"/>
+        </a:xfrm>
+      </p:grpSpPr>
+      <p:sp>
+        <p:nvSpPr>
+          <p:cNvPr id="4" name="ZoneTexte 3">
+            <a:extLst>
+              <a:ext uri="{FF2B5EF4-FFF2-40B4-BE49-F238E27FC236}">
+                <a16:creationId xmlns:a16="http://schemas.microsoft.com/office/drawing/2014/main" id="{5C92531E-240A-C376-AF63-E6D7ABD71D45}"/>
+              </a:ext>
+            </a:extLst>
+          </p:cNvPr>
+          <p:cNvSpPr txBox="1"/>
+          <p:nvPr/>
+        </p:nvSpPr>
+        <p:spPr>
+          <a:xfrm>
+            <a:off x="177554" y="221941"/>
+            <a:ext cx="9483558" cy="369332"/>
+          </a:xfrm>
+          <a:prstGeom prst="rect">
+            <a:avLst/>
+          </a:prstGeom>
+          <a:noFill/>
+        </p:spPr>
+        <p:txBody>
+          <a:bodyPr wrap="none" rtlCol="0">
+            <a:spAutoFit/>
+          </a:bodyPr>
+          <a:lstStyle/>
+          <a:p>
+            <a:r>
+              <a:rPr lang="fr-FR" dirty="0"/>
+              <a:t>Test de </a:t>
+            </a:r>
+            <a:r>
+              <a:rPr lang="fr-FR" b="1" dirty="0"/>
+              <a:t>clean </a:t>
+            </a:r>
+            <a:r>
+              <a:rPr lang="fr-FR" b="1" dirty="0" err="1"/>
+              <a:t>raw</a:t>
+            </a:r>
+            <a:r>
+              <a:rPr lang="fr-FR" b="1" dirty="0"/>
+              <a:t> data </a:t>
+            </a:r>
+            <a:r>
+              <a:rPr lang="fr-FR" dirty="0"/>
+              <a:t>(ASR + Flag </a:t>
+            </a:r>
+            <a:r>
+              <a:rPr lang="fr-FR" dirty="0" err="1"/>
+              <a:t>bad</a:t>
+            </a:r>
+            <a:r>
+              <a:rPr lang="fr-FR" dirty="0"/>
+              <a:t> channels)  + </a:t>
+            </a:r>
+            <a:r>
+              <a:rPr lang="fr-FR" b="1" dirty="0" err="1"/>
+              <a:t>CleanLine</a:t>
+            </a:r>
+            <a:r>
+              <a:rPr lang="fr-FR" dirty="0"/>
+              <a:t> avec un </a:t>
+            </a:r>
+            <a:r>
+              <a:rPr lang="fr-FR" dirty="0" err="1"/>
+              <a:t>resampling</a:t>
+            </a:r>
+            <a:r>
+              <a:rPr lang="fr-FR" dirty="0"/>
+              <a:t> du fichier à 512Hz</a:t>
+            </a:r>
+          </a:p>
+        </p:txBody>
+      </p:sp>
+      <p:sp>
+        <p:nvSpPr>
+          <p:cNvPr id="8" name="ZoneTexte 7">
+            <a:extLst>
+              <a:ext uri="{FF2B5EF4-FFF2-40B4-BE49-F238E27FC236}">
+                <a16:creationId xmlns:a16="http://schemas.microsoft.com/office/drawing/2014/main" id="{A228E527-34A6-2577-BB75-A47B01167067}"/>
+              </a:ext>
+            </a:extLst>
+          </p:cNvPr>
+          <p:cNvSpPr txBox="1"/>
+          <p:nvPr/>
+        </p:nvSpPr>
+        <p:spPr>
+          <a:xfrm>
+            <a:off x="390617" y="4323426"/>
+            <a:ext cx="11239131" cy="646331"/>
+          </a:xfrm>
+          <a:prstGeom prst="rect">
+            <a:avLst/>
+          </a:prstGeom>
+          <a:noFill/>
+        </p:spPr>
+        <p:txBody>
+          <a:bodyPr wrap="square" rtlCol="0">
+            <a:spAutoFit/>
+          </a:bodyPr>
+          <a:lstStyle/>
+          <a:p>
+            <a:r>
+              <a:rPr lang="fr-FR" dirty="0"/>
+              <a:t>Le résultat est identique entre la nouvelle version et l’ancienne (vérification dans le temps ainsi que sur toutes les électrodes avec un display à amplitude élevé). Les flag Bad </a:t>
+            </a:r>
+            <a:r>
+              <a:rPr lang="fr-FR" dirty="0" err="1"/>
+              <a:t>channel</a:t>
+            </a:r>
+            <a:r>
+              <a:rPr lang="fr-FR" dirty="0"/>
+              <a:t> par clean Raw data sont identique aussi.  </a:t>
+            </a:r>
+            <a:endParaRPr lang="fr-CH" dirty="0"/>
+          </a:p>
+        </p:txBody>
+      </p:sp>
+      <p:pic>
+        <p:nvPicPr>
+          <p:cNvPr id="3" name="Image 2">
+            <a:extLst>
+              <a:ext uri="{FF2B5EF4-FFF2-40B4-BE49-F238E27FC236}">
+                <a16:creationId xmlns:a16="http://schemas.microsoft.com/office/drawing/2014/main" id="{D4A18A05-47FB-E4B7-91B5-06E4EEF47AB7}"/>
+              </a:ext>
+            </a:extLst>
+          </p:cNvPr>
+          <p:cNvPicPr>
+            <a:picLocks noChangeAspect="1"/>
+          </p:cNvPicPr>
+          <p:nvPr/>
+        </p:nvPicPr>
+        <p:blipFill>
+          <a:blip r:embed="rId2"/>
+          <a:stretch>
+            <a:fillRect/>
+          </a:stretch>
+        </p:blipFill>
+        <p:spPr>
+          <a:xfrm>
+            <a:off x="1216240" y="778511"/>
+            <a:ext cx="6764784" cy="3357677"/>
+          </a:xfrm>
+          <a:prstGeom prst="rect">
+            <a:avLst/>
+          </a:prstGeom>
+        </p:spPr>
+      </p:pic>
+      <p:sp>
+        <p:nvSpPr>
+          <p:cNvPr id="6" name="ZoneTexte 5">
+            <a:extLst>
+              <a:ext uri="{FF2B5EF4-FFF2-40B4-BE49-F238E27FC236}">
+                <a16:creationId xmlns:a16="http://schemas.microsoft.com/office/drawing/2014/main" id="{25B8F53D-FC38-39E7-69DC-0057F409F4A0}"/>
+              </a:ext>
+            </a:extLst>
+          </p:cNvPr>
+          <p:cNvSpPr txBox="1"/>
+          <p:nvPr/>
+        </p:nvSpPr>
+        <p:spPr>
+          <a:xfrm>
+            <a:off x="585926" y="5415379"/>
+            <a:ext cx="10014012" cy="646331"/>
+          </a:xfrm>
+          <a:prstGeom prst="rect">
+            <a:avLst/>
+          </a:prstGeom>
+          <a:noFill/>
+        </p:spPr>
+        <p:txBody>
+          <a:bodyPr wrap="square" rtlCol="0">
+            <a:spAutoFit/>
+          </a:bodyPr>
+          <a:lstStyle/>
+          <a:p>
+            <a:r>
+              <a:rPr lang="fr-FR" dirty="0"/>
+              <a:t>Ça a l’aide de dire que ça marche avec la nouvelle structure . Néanmoins mon premier essai avait planté (avec fichier à 2028Hz). J’essaye de refaire pour voir si ça plante de nouveau. Pas d’erreur, ça a fonctionné</a:t>
+            </a:r>
+            <a:endParaRPr lang="fr-CH" dirty="0"/>
+          </a:p>
+        </p:txBody>
+      </p:sp>
+    </p:spTree>
+    <p:extLst>
+      <p:ext uri="{BB962C8B-B14F-4D97-AF65-F5344CB8AC3E}">
+        <p14:creationId xmlns:p14="http://schemas.microsoft.com/office/powerpoint/2010/main" val="3818215003"/>
       </p:ext>
     </p:extLst>
   </p:cSld>
@@ -4840,6 +6604,2033 @@
     <p:extLst>
       <p:ext uri="{BB962C8B-B14F-4D97-AF65-F5344CB8AC3E}">
         <p14:creationId xmlns:p14="http://schemas.microsoft.com/office/powerpoint/2010/main" val="1361724614"/>
+      </p:ext>
+    </p:extLst>
+  </p:cSld>
+  <p:clrMapOvr>
+    <a:masterClrMapping/>
+  </p:clrMapOvr>
+</p:sld>
+</file>
+
+<file path=ppt/slides/slide20.xml><?xml version="1.0" encoding="utf-8"?>
+<p:sld xmlns:a="http://schemas.openxmlformats.org/drawingml/2006/main" xmlns:r="http://schemas.openxmlformats.org/officeDocument/2006/relationships" xmlns:p="http://schemas.openxmlformats.org/presentationml/2006/main">
+  <p:cSld>
+    <p:spTree>
+      <p:nvGrpSpPr>
+        <p:cNvPr id="1" name=""/>
+        <p:cNvGrpSpPr/>
+        <p:nvPr/>
+      </p:nvGrpSpPr>
+      <p:grpSpPr>
+        <a:xfrm>
+          <a:off x="0" y="0"/>
+          <a:ext cx="0" cy="0"/>
+          <a:chOff x="0" y="0"/>
+          <a:chExt cx="0" cy="0"/>
+        </a:xfrm>
+      </p:grpSpPr>
+      <p:sp>
+        <p:nvSpPr>
+          <p:cNvPr id="4" name="ZoneTexte 3">
+            <a:extLst>
+              <a:ext uri="{FF2B5EF4-FFF2-40B4-BE49-F238E27FC236}">
+                <a16:creationId xmlns:a16="http://schemas.microsoft.com/office/drawing/2014/main" id="{65147790-7EC8-A543-E940-36FB5BC16E9D}"/>
+              </a:ext>
+            </a:extLst>
+          </p:cNvPr>
+          <p:cNvSpPr txBox="1"/>
+          <p:nvPr/>
+        </p:nvSpPr>
+        <p:spPr>
+          <a:xfrm>
+            <a:off x="603682" y="239697"/>
+            <a:ext cx="7275774" cy="369332"/>
+          </a:xfrm>
+          <a:prstGeom prst="rect">
+            <a:avLst/>
+          </a:prstGeom>
+          <a:noFill/>
+        </p:spPr>
+        <p:txBody>
+          <a:bodyPr wrap="none" rtlCol="0">
+            <a:spAutoFit/>
+          </a:bodyPr>
+          <a:lstStyle/>
+          <a:p>
+            <a:r>
+              <a:rPr lang="fr-FR" dirty="0"/>
+              <a:t>Question sur le fonctionnement de </a:t>
+            </a:r>
+            <a:r>
+              <a:rPr lang="fr-FR" dirty="0" err="1"/>
+              <a:t>CleanRawData</a:t>
+            </a:r>
+            <a:r>
+              <a:rPr lang="fr-FR" dirty="0"/>
+              <a:t> </a:t>
+            </a:r>
+            <a:r>
+              <a:rPr lang="fr-FR" dirty="0" err="1"/>
+              <a:t>bad</a:t>
+            </a:r>
+            <a:r>
+              <a:rPr lang="fr-FR" dirty="0"/>
+              <a:t> channels </a:t>
+            </a:r>
+            <a:r>
+              <a:rPr lang="fr-FR" dirty="0" err="1"/>
+              <a:t>detection</a:t>
+            </a:r>
+            <a:r>
+              <a:rPr lang="fr-FR" dirty="0"/>
+              <a:t> ? </a:t>
+            </a:r>
+            <a:endParaRPr lang="fr-CH" dirty="0"/>
+          </a:p>
+        </p:txBody>
+      </p:sp>
+      <p:sp>
+        <p:nvSpPr>
+          <p:cNvPr id="5" name="ZoneTexte 4">
+            <a:extLst>
+              <a:ext uri="{FF2B5EF4-FFF2-40B4-BE49-F238E27FC236}">
+                <a16:creationId xmlns:a16="http://schemas.microsoft.com/office/drawing/2014/main" id="{41DCCC09-4A67-397D-BA24-C58156EF7D55}"/>
+              </a:ext>
+            </a:extLst>
+          </p:cNvPr>
+          <p:cNvSpPr txBox="1"/>
+          <p:nvPr/>
+        </p:nvSpPr>
+        <p:spPr>
+          <a:xfrm>
+            <a:off x="346229" y="745724"/>
+            <a:ext cx="11345662" cy="1200329"/>
+          </a:xfrm>
+          <a:prstGeom prst="rect">
+            <a:avLst/>
+          </a:prstGeom>
+          <a:noFill/>
+        </p:spPr>
+        <p:txBody>
+          <a:bodyPr wrap="square" rtlCol="0">
+            <a:spAutoFit/>
+          </a:bodyPr>
+          <a:lstStyle/>
+          <a:p>
+            <a:r>
+              <a:rPr lang="fr-FR" dirty="0" err="1"/>
+              <a:t>MichaelDP</a:t>
+            </a:r>
+            <a:r>
+              <a:rPr lang="fr-FR" dirty="0"/>
+              <a:t> m’avait expliqué qu’il avait modifier </a:t>
+            </a:r>
+            <a:r>
+              <a:rPr lang="fr-FR" dirty="0" err="1"/>
+              <a:t>CleanRawData</a:t>
+            </a:r>
+            <a:r>
+              <a:rPr lang="fr-FR" dirty="0"/>
+              <a:t> </a:t>
+            </a:r>
+            <a:r>
+              <a:rPr lang="fr-FR" dirty="0" err="1"/>
+              <a:t>bad</a:t>
+            </a:r>
+            <a:r>
+              <a:rPr lang="fr-FR" dirty="0"/>
+              <a:t> channels </a:t>
+            </a:r>
+            <a:r>
+              <a:rPr lang="fr-FR" dirty="0" err="1"/>
+              <a:t>detection</a:t>
+            </a:r>
+            <a:r>
+              <a:rPr lang="fr-FR" dirty="0"/>
+              <a:t> pour qu’il ne supprime pas automatiquement les </a:t>
+            </a:r>
+            <a:r>
+              <a:rPr lang="fr-FR" dirty="0" err="1"/>
+              <a:t>bad</a:t>
+            </a:r>
+            <a:r>
+              <a:rPr lang="fr-FR" dirty="0"/>
+              <a:t> </a:t>
+            </a:r>
+            <a:r>
+              <a:rPr lang="fr-FR" dirty="0" err="1"/>
+              <a:t>channel</a:t>
+            </a:r>
+            <a:r>
+              <a:rPr lang="fr-FR" dirty="0"/>
+              <a:t> mais qu’il les flag uniquement. </a:t>
+            </a:r>
+          </a:p>
+          <a:p>
+            <a:r>
+              <a:rPr lang="fr-FR" dirty="0"/>
+              <a:t>Pourtant, si je regarde le texte d’</a:t>
+            </a:r>
+            <a:r>
+              <a:rPr lang="fr-FR" dirty="0" err="1"/>
+              <a:t>execution</a:t>
+            </a:r>
+            <a:r>
+              <a:rPr lang="fr-FR" dirty="0"/>
+              <a:t> entre la version mise-à-jour d’</a:t>
+            </a:r>
+            <a:r>
+              <a:rPr lang="fr-FR" dirty="0" err="1"/>
+              <a:t>eeglab</a:t>
+            </a:r>
+            <a:r>
+              <a:rPr lang="fr-FR" dirty="0"/>
+              <a:t> et sa </a:t>
+            </a:r>
+            <a:r>
+              <a:rPr lang="fr-FR" dirty="0" err="1"/>
+              <a:t>verson</a:t>
+            </a:r>
+            <a:r>
+              <a:rPr lang="fr-FR" dirty="0"/>
+              <a:t> modifié, les textes sont les même et ont l’aire de dire qu’ils ont </a:t>
+            </a:r>
+            <a:r>
+              <a:rPr lang="fr-FR" dirty="0" err="1"/>
+              <a:t>interpollé</a:t>
+            </a:r>
+            <a:r>
+              <a:rPr lang="fr-FR" dirty="0"/>
+              <a:t> les </a:t>
+            </a:r>
+            <a:r>
+              <a:rPr lang="fr-FR" dirty="0" err="1"/>
+              <a:t>bad</a:t>
+            </a:r>
+            <a:r>
+              <a:rPr lang="fr-FR" dirty="0"/>
+              <a:t> </a:t>
+            </a:r>
+            <a:r>
+              <a:rPr lang="fr-FR" dirty="0" err="1"/>
+              <a:t>channel</a:t>
+            </a:r>
+            <a:r>
+              <a:rPr lang="fr-FR" dirty="0"/>
+              <a:t>  </a:t>
+            </a:r>
+            <a:endParaRPr lang="fr-CH" dirty="0"/>
+          </a:p>
+        </p:txBody>
+      </p:sp>
+      <p:pic>
+        <p:nvPicPr>
+          <p:cNvPr id="7" name="Image 6">
+            <a:extLst>
+              <a:ext uri="{FF2B5EF4-FFF2-40B4-BE49-F238E27FC236}">
+                <a16:creationId xmlns:a16="http://schemas.microsoft.com/office/drawing/2014/main" id="{29DB39B3-9C50-690B-EBB6-83FE92AB365A}"/>
+              </a:ext>
+            </a:extLst>
+          </p:cNvPr>
+          <p:cNvPicPr>
+            <a:picLocks noChangeAspect="1"/>
+          </p:cNvPicPr>
+          <p:nvPr/>
+        </p:nvPicPr>
+        <p:blipFill>
+          <a:blip r:embed="rId2"/>
+          <a:stretch>
+            <a:fillRect/>
+          </a:stretch>
+        </p:blipFill>
+        <p:spPr>
+          <a:xfrm>
+            <a:off x="271925" y="2766176"/>
+            <a:ext cx="2922859" cy="717895"/>
+          </a:xfrm>
+          <a:prstGeom prst="rect">
+            <a:avLst/>
+          </a:prstGeom>
+        </p:spPr>
+      </p:pic>
+      <p:pic>
+        <p:nvPicPr>
+          <p:cNvPr id="9" name="Image 8">
+            <a:extLst>
+              <a:ext uri="{FF2B5EF4-FFF2-40B4-BE49-F238E27FC236}">
+                <a16:creationId xmlns:a16="http://schemas.microsoft.com/office/drawing/2014/main" id="{9DD6EA89-9388-4F46-51D5-608CEFCD2BAD}"/>
+              </a:ext>
+            </a:extLst>
+          </p:cNvPr>
+          <p:cNvPicPr>
+            <a:picLocks noChangeAspect="1"/>
+          </p:cNvPicPr>
+          <p:nvPr/>
+        </p:nvPicPr>
+        <p:blipFill>
+          <a:blip r:embed="rId3"/>
+          <a:stretch>
+            <a:fillRect/>
+          </a:stretch>
+        </p:blipFill>
+        <p:spPr>
+          <a:xfrm>
+            <a:off x="271925" y="3530824"/>
+            <a:ext cx="6022343" cy="1652298"/>
+          </a:xfrm>
+          <a:prstGeom prst="rect">
+            <a:avLst/>
+          </a:prstGeom>
+        </p:spPr>
+      </p:pic>
+      <p:sp>
+        <p:nvSpPr>
+          <p:cNvPr id="10" name="ZoneTexte 9">
+            <a:extLst>
+              <a:ext uri="{FF2B5EF4-FFF2-40B4-BE49-F238E27FC236}">
+                <a16:creationId xmlns:a16="http://schemas.microsoft.com/office/drawing/2014/main" id="{239CA924-02CE-11CC-872B-0F05B797A723}"/>
+              </a:ext>
+            </a:extLst>
+          </p:cNvPr>
+          <p:cNvSpPr txBox="1"/>
+          <p:nvPr/>
+        </p:nvSpPr>
+        <p:spPr>
+          <a:xfrm>
+            <a:off x="701336" y="2299317"/>
+            <a:ext cx="1913665" cy="369332"/>
+          </a:xfrm>
+          <a:prstGeom prst="rect">
+            <a:avLst/>
+          </a:prstGeom>
+          <a:noFill/>
+        </p:spPr>
+        <p:txBody>
+          <a:bodyPr wrap="none" rtlCol="0">
+            <a:spAutoFit/>
+          </a:bodyPr>
+          <a:lstStyle/>
+          <a:p>
+            <a:r>
+              <a:rPr lang="fr-FR" dirty="0"/>
+              <a:t>New </a:t>
+            </a:r>
+            <a:r>
+              <a:rPr lang="fr-FR" dirty="0" err="1"/>
+              <a:t>EEGlab</a:t>
+            </a:r>
+            <a:r>
+              <a:rPr lang="fr-FR" dirty="0"/>
+              <a:t> à jour</a:t>
+            </a:r>
+            <a:endParaRPr lang="fr-CH" dirty="0"/>
+          </a:p>
+        </p:txBody>
+      </p:sp>
+      <p:sp>
+        <p:nvSpPr>
+          <p:cNvPr id="11" name="ZoneTexte 10">
+            <a:extLst>
+              <a:ext uri="{FF2B5EF4-FFF2-40B4-BE49-F238E27FC236}">
+                <a16:creationId xmlns:a16="http://schemas.microsoft.com/office/drawing/2014/main" id="{D47D6A27-EFDF-AB01-510F-23A809BA7BC0}"/>
+              </a:ext>
+            </a:extLst>
+          </p:cNvPr>
+          <p:cNvSpPr txBox="1"/>
+          <p:nvPr/>
+        </p:nvSpPr>
+        <p:spPr>
+          <a:xfrm>
+            <a:off x="6418555" y="2422176"/>
+            <a:ext cx="5964453" cy="369332"/>
+          </a:xfrm>
+          <a:prstGeom prst="rect">
+            <a:avLst/>
+          </a:prstGeom>
+          <a:noFill/>
+        </p:spPr>
+        <p:txBody>
+          <a:bodyPr wrap="none" rtlCol="0">
+            <a:spAutoFit/>
+          </a:bodyPr>
+          <a:lstStyle/>
+          <a:p>
+            <a:r>
+              <a:rPr lang="fr-FR" dirty="0"/>
+              <a:t>Version après fusion mais toujours avec le code de </a:t>
+            </a:r>
+            <a:r>
+              <a:rPr lang="fr-FR" dirty="0" err="1"/>
+              <a:t>MichaelDP</a:t>
+            </a:r>
+            <a:endParaRPr lang="fr-CH" dirty="0"/>
+          </a:p>
+        </p:txBody>
+      </p:sp>
+      <p:pic>
+        <p:nvPicPr>
+          <p:cNvPr id="13" name="Image 12">
+            <a:extLst>
+              <a:ext uri="{FF2B5EF4-FFF2-40B4-BE49-F238E27FC236}">
+                <a16:creationId xmlns:a16="http://schemas.microsoft.com/office/drawing/2014/main" id="{716EBCF0-75F4-B333-CAF7-B231C2133855}"/>
+              </a:ext>
+            </a:extLst>
+          </p:cNvPr>
+          <p:cNvPicPr>
+            <a:picLocks noChangeAspect="1"/>
+          </p:cNvPicPr>
+          <p:nvPr/>
+        </p:nvPicPr>
+        <p:blipFill>
+          <a:blip r:embed="rId4"/>
+          <a:stretch>
+            <a:fillRect/>
+          </a:stretch>
+        </p:blipFill>
+        <p:spPr>
+          <a:xfrm>
+            <a:off x="6418555" y="2958747"/>
+            <a:ext cx="3215126" cy="555624"/>
+          </a:xfrm>
+          <a:prstGeom prst="rect">
+            <a:avLst/>
+          </a:prstGeom>
+        </p:spPr>
+      </p:pic>
+      <p:pic>
+        <p:nvPicPr>
+          <p:cNvPr id="15" name="Image 14">
+            <a:extLst>
+              <a:ext uri="{FF2B5EF4-FFF2-40B4-BE49-F238E27FC236}">
+                <a16:creationId xmlns:a16="http://schemas.microsoft.com/office/drawing/2014/main" id="{75698535-5319-CAEA-26A3-7A46F0BBBD4D}"/>
+              </a:ext>
+            </a:extLst>
+          </p:cNvPr>
+          <p:cNvPicPr>
+            <a:picLocks noChangeAspect="1"/>
+          </p:cNvPicPr>
+          <p:nvPr/>
+        </p:nvPicPr>
+        <p:blipFill>
+          <a:blip r:embed="rId5"/>
+          <a:stretch>
+            <a:fillRect/>
+          </a:stretch>
+        </p:blipFill>
+        <p:spPr>
+          <a:xfrm>
+            <a:off x="6418555" y="3537739"/>
+            <a:ext cx="5943304" cy="1835432"/>
+          </a:xfrm>
+          <a:prstGeom prst="rect">
+            <a:avLst/>
+          </a:prstGeom>
+        </p:spPr>
+      </p:pic>
+      <p:sp>
+        <p:nvSpPr>
+          <p:cNvPr id="16" name="Rectangle 15">
+            <a:extLst>
+              <a:ext uri="{FF2B5EF4-FFF2-40B4-BE49-F238E27FC236}">
+                <a16:creationId xmlns:a16="http://schemas.microsoft.com/office/drawing/2014/main" id="{FEF52959-D0B1-5CCD-9D78-317380630326}"/>
+              </a:ext>
+            </a:extLst>
+          </p:cNvPr>
+          <p:cNvSpPr/>
+          <p:nvPr/>
+        </p:nvSpPr>
+        <p:spPr>
+          <a:xfrm>
+            <a:off x="6343650" y="3759200"/>
+            <a:ext cx="3290031" cy="228600"/>
+          </a:xfrm>
+          <a:prstGeom prst="rect">
+            <a:avLst/>
+          </a:prstGeom>
+          <a:noFill/>
+          <a:ln>
+            <a:solidFill>
+              <a:srgbClr val="FF0000"/>
+            </a:solidFill>
+          </a:ln>
+        </p:spPr>
+        <p:style>
+          <a:lnRef idx="2">
+            <a:schemeClr val="accent1">
+              <a:shade val="15000"/>
+            </a:schemeClr>
+          </a:lnRef>
+          <a:fillRef idx="1">
+            <a:schemeClr val="accent1"/>
+          </a:fillRef>
+          <a:effectRef idx="0">
+            <a:schemeClr val="accent1"/>
+          </a:effectRef>
+          <a:fontRef idx="minor">
+            <a:schemeClr val="lt1"/>
+          </a:fontRef>
+        </p:style>
+        <p:txBody>
+          <a:bodyPr rtlCol="0" anchor="ctr"/>
+          <a:lstStyle/>
+          <a:p>
+            <a:pPr algn="ctr"/>
+            <a:endParaRPr lang="fr-CH"/>
+          </a:p>
+        </p:txBody>
+      </p:sp>
+      <p:sp>
+        <p:nvSpPr>
+          <p:cNvPr id="17" name="Rectangle 16">
+            <a:extLst>
+              <a:ext uri="{FF2B5EF4-FFF2-40B4-BE49-F238E27FC236}">
+                <a16:creationId xmlns:a16="http://schemas.microsoft.com/office/drawing/2014/main" id="{90A2300C-67D7-74BF-95B9-BE09D5A88422}"/>
+              </a:ext>
+            </a:extLst>
+          </p:cNvPr>
+          <p:cNvSpPr/>
+          <p:nvPr/>
+        </p:nvSpPr>
+        <p:spPr>
+          <a:xfrm>
+            <a:off x="265575" y="3733800"/>
+            <a:ext cx="3290031" cy="228600"/>
+          </a:xfrm>
+          <a:prstGeom prst="rect">
+            <a:avLst/>
+          </a:prstGeom>
+          <a:noFill/>
+          <a:ln>
+            <a:solidFill>
+              <a:srgbClr val="FF0000"/>
+            </a:solidFill>
+          </a:ln>
+        </p:spPr>
+        <p:style>
+          <a:lnRef idx="2">
+            <a:schemeClr val="accent1">
+              <a:shade val="15000"/>
+            </a:schemeClr>
+          </a:lnRef>
+          <a:fillRef idx="1">
+            <a:schemeClr val="accent1"/>
+          </a:fillRef>
+          <a:effectRef idx="0">
+            <a:schemeClr val="accent1"/>
+          </a:effectRef>
+          <a:fontRef idx="minor">
+            <a:schemeClr val="lt1"/>
+          </a:fontRef>
+        </p:style>
+        <p:txBody>
+          <a:bodyPr rtlCol="0" anchor="ctr"/>
+          <a:lstStyle/>
+          <a:p>
+            <a:pPr algn="ctr"/>
+            <a:endParaRPr lang="fr-CH"/>
+          </a:p>
+        </p:txBody>
+      </p:sp>
+      <p:sp>
+        <p:nvSpPr>
+          <p:cNvPr id="18" name="ZoneTexte 17">
+            <a:extLst>
+              <a:ext uri="{FF2B5EF4-FFF2-40B4-BE49-F238E27FC236}">
+                <a16:creationId xmlns:a16="http://schemas.microsoft.com/office/drawing/2014/main" id="{CD87230A-0B86-5FB3-E559-7416323629BF}"/>
+              </a:ext>
+            </a:extLst>
+          </p:cNvPr>
+          <p:cNvSpPr txBox="1"/>
+          <p:nvPr/>
+        </p:nvSpPr>
+        <p:spPr>
+          <a:xfrm>
+            <a:off x="7523900" y="6043937"/>
+            <a:ext cx="3415679" cy="369332"/>
+          </a:xfrm>
+          <a:prstGeom prst="rect">
+            <a:avLst/>
+          </a:prstGeom>
+          <a:noFill/>
+        </p:spPr>
+        <p:txBody>
+          <a:bodyPr wrap="none" rtlCol="0">
+            <a:spAutoFit/>
+          </a:bodyPr>
+          <a:lstStyle/>
+          <a:p>
+            <a:r>
+              <a:rPr lang="fr-FR" dirty="0"/>
+              <a:t>Demander à </a:t>
+            </a:r>
+            <a:r>
+              <a:rPr lang="fr-FR" dirty="0" err="1"/>
+              <a:t>MichaelDP</a:t>
+            </a:r>
+            <a:r>
+              <a:rPr lang="fr-FR" dirty="0"/>
+              <a:t> de vérifier</a:t>
+            </a:r>
+            <a:endParaRPr lang="fr-CH" dirty="0"/>
+          </a:p>
+        </p:txBody>
+      </p:sp>
+      <p:pic>
+        <p:nvPicPr>
+          <p:cNvPr id="20" name="Image 19">
+            <a:extLst>
+              <a:ext uri="{FF2B5EF4-FFF2-40B4-BE49-F238E27FC236}">
+                <a16:creationId xmlns:a16="http://schemas.microsoft.com/office/drawing/2014/main" id="{57FA88FC-0668-5C33-94AF-FE94050E7FC7}"/>
+              </a:ext>
+            </a:extLst>
+          </p:cNvPr>
+          <p:cNvPicPr>
+            <a:picLocks noChangeAspect="1"/>
+          </p:cNvPicPr>
+          <p:nvPr/>
+        </p:nvPicPr>
+        <p:blipFill>
+          <a:blip r:embed="rId6"/>
+          <a:stretch>
+            <a:fillRect/>
+          </a:stretch>
+        </p:blipFill>
+        <p:spPr>
+          <a:xfrm>
+            <a:off x="2088703" y="5229875"/>
+            <a:ext cx="4015761" cy="1628125"/>
+          </a:xfrm>
+          <a:prstGeom prst="rect">
+            <a:avLst/>
+          </a:prstGeom>
+        </p:spPr>
+      </p:pic>
+      <p:sp>
+        <p:nvSpPr>
+          <p:cNvPr id="21" name="ZoneTexte 20">
+            <a:extLst>
+              <a:ext uri="{FF2B5EF4-FFF2-40B4-BE49-F238E27FC236}">
+                <a16:creationId xmlns:a16="http://schemas.microsoft.com/office/drawing/2014/main" id="{D468EAE7-4805-E050-83F2-540FAF61AF62}"/>
+              </a:ext>
+            </a:extLst>
+          </p:cNvPr>
+          <p:cNvSpPr txBox="1"/>
+          <p:nvPr/>
+        </p:nvSpPr>
+        <p:spPr>
+          <a:xfrm>
+            <a:off x="2598773" y="4813790"/>
+            <a:ext cx="3144643" cy="369332"/>
+          </a:xfrm>
+          <a:prstGeom prst="rect">
+            <a:avLst/>
+          </a:prstGeom>
+          <a:noFill/>
+        </p:spPr>
+        <p:txBody>
+          <a:bodyPr wrap="none" rtlCol="0">
+            <a:spAutoFit/>
+          </a:bodyPr>
+          <a:lstStyle/>
+          <a:p>
+            <a:r>
+              <a:rPr lang="fr-FR" dirty="0"/>
+              <a:t>Version </a:t>
+            </a:r>
+            <a:r>
+              <a:rPr lang="fr-FR" dirty="0" err="1"/>
+              <a:t>MichaelDP</a:t>
+            </a:r>
+            <a:r>
+              <a:rPr lang="fr-FR" dirty="0"/>
+              <a:t> avant fusion</a:t>
+            </a:r>
+            <a:endParaRPr lang="fr-CH" dirty="0"/>
+          </a:p>
+        </p:txBody>
+      </p:sp>
+      <p:sp>
+        <p:nvSpPr>
+          <p:cNvPr id="22" name="Rectangle 21">
+            <a:extLst>
+              <a:ext uri="{FF2B5EF4-FFF2-40B4-BE49-F238E27FC236}">
+                <a16:creationId xmlns:a16="http://schemas.microsoft.com/office/drawing/2014/main" id="{CF4C0BAF-BEA9-C300-5875-9761CDFF45E2}"/>
+              </a:ext>
+            </a:extLst>
+          </p:cNvPr>
+          <p:cNvSpPr/>
+          <p:nvPr/>
+        </p:nvSpPr>
+        <p:spPr>
+          <a:xfrm>
+            <a:off x="2088703" y="5318550"/>
+            <a:ext cx="3290031" cy="793725"/>
+          </a:xfrm>
+          <a:prstGeom prst="rect">
+            <a:avLst/>
+          </a:prstGeom>
+          <a:noFill/>
+          <a:ln>
+            <a:solidFill>
+              <a:srgbClr val="FF0000"/>
+            </a:solidFill>
+          </a:ln>
+        </p:spPr>
+        <p:style>
+          <a:lnRef idx="2">
+            <a:schemeClr val="accent1">
+              <a:shade val="15000"/>
+            </a:schemeClr>
+          </a:lnRef>
+          <a:fillRef idx="1">
+            <a:schemeClr val="accent1"/>
+          </a:fillRef>
+          <a:effectRef idx="0">
+            <a:schemeClr val="accent1"/>
+          </a:effectRef>
+          <a:fontRef idx="minor">
+            <a:schemeClr val="lt1"/>
+          </a:fontRef>
+        </p:style>
+        <p:txBody>
+          <a:bodyPr rtlCol="0" anchor="ctr"/>
+          <a:lstStyle/>
+          <a:p>
+            <a:pPr algn="ctr"/>
+            <a:endParaRPr lang="fr-CH"/>
+          </a:p>
+        </p:txBody>
+      </p:sp>
+      <p:sp>
+        <p:nvSpPr>
+          <p:cNvPr id="23" name="ZoneTexte 22">
+            <a:extLst>
+              <a:ext uri="{FF2B5EF4-FFF2-40B4-BE49-F238E27FC236}">
+                <a16:creationId xmlns:a16="http://schemas.microsoft.com/office/drawing/2014/main" id="{A9A82D04-4070-A4B7-6368-7C2EEA651C0D}"/>
+              </a:ext>
+            </a:extLst>
+          </p:cNvPr>
+          <p:cNvSpPr txBox="1"/>
+          <p:nvPr/>
+        </p:nvSpPr>
+        <p:spPr>
+          <a:xfrm>
+            <a:off x="5913120" y="5594632"/>
+            <a:ext cx="4304705" cy="369332"/>
+          </a:xfrm>
+          <a:prstGeom prst="rect">
+            <a:avLst/>
+          </a:prstGeom>
+          <a:noFill/>
+        </p:spPr>
+        <p:txBody>
+          <a:bodyPr wrap="none" rtlCol="0">
+            <a:spAutoFit/>
+          </a:bodyPr>
+          <a:lstStyle/>
+          <a:p>
+            <a:r>
+              <a:rPr lang="fr-FR" dirty="0"/>
+              <a:t>Pourtant le signal est </a:t>
+            </a:r>
+            <a:r>
+              <a:rPr lang="fr-FR" dirty="0" err="1"/>
+              <a:t>striquement</a:t>
+            </a:r>
+            <a:r>
+              <a:rPr lang="fr-FR" dirty="0"/>
+              <a:t> identique</a:t>
+            </a:r>
+            <a:endParaRPr lang="fr-CH" dirty="0"/>
+          </a:p>
+        </p:txBody>
+      </p:sp>
+    </p:spTree>
+    <p:extLst>
+      <p:ext uri="{BB962C8B-B14F-4D97-AF65-F5344CB8AC3E}">
+        <p14:creationId xmlns:p14="http://schemas.microsoft.com/office/powerpoint/2010/main" val="2720750768"/>
+      </p:ext>
+    </p:extLst>
+  </p:cSld>
+  <p:clrMapOvr>
+    <a:masterClrMapping/>
+  </p:clrMapOvr>
+</p:sld>
+</file>
+
+<file path=ppt/slides/slide21.xml><?xml version="1.0" encoding="utf-8"?>
+<p:sld xmlns:a="http://schemas.openxmlformats.org/drawingml/2006/main" xmlns:r="http://schemas.openxmlformats.org/officeDocument/2006/relationships" xmlns:p="http://schemas.openxmlformats.org/presentationml/2006/main">
+  <p:cSld>
+    <p:spTree>
+      <p:nvGrpSpPr>
+        <p:cNvPr id="1" name=""/>
+        <p:cNvGrpSpPr/>
+        <p:nvPr/>
+      </p:nvGrpSpPr>
+      <p:grpSpPr>
+        <a:xfrm>
+          <a:off x="0" y="0"/>
+          <a:ext cx="0" cy="0"/>
+          <a:chOff x="0" y="0"/>
+          <a:chExt cx="0" cy="0"/>
+        </a:xfrm>
+      </p:grpSpPr>
+      <p:pic>
+        <p:nvPicPr>
+          <p:cNvPr id="5" name="Image 4">
+            <a:extLst>
+              <a:ext uri="{FF2B5EF4-FFF2-40B4-BE49-F238E27FC236}">
+                <a16:creationId xmlns:a16="http://schemas.microsoft.com/office/drawing/2014/main" id="{79819942-0C3A-991B-D800-13CE7B96A88C}"/>
+              </a:ext>
+            </a:extLst>
+          </p:cNvPr>
+          <p:cNvPicPr>
+            <a:picLocks noChangeAspect="1"/>
+          </p:cNvPicPr>
+          <p:nvPr/>
+        </p:nvPicPr>
+        <p:blipFill>
+          <a:blip r:embed="rId2"/>
+          <a:stretch>
+            <a:fillRect/>
+          </a:stretch>
+        </p:blipFill>
+        <p:spPr>
+          <a:xfrm>
+            <a:off x="952500" y="2724805"/>
+            <a:ext cx="8001000" cy="3971269"/>
+          </a:xfrm>
+          <a:prstGeom prst="rect">
+            <a:avLst/>
+          </a:prstGeom>
+        </p:spPr>
+      </p:pic>
+      <p:sp>
+        <p:nvSpPr>
+          <p:cNvPr id="6" name="ZoneTexte 5">
+            <a:extLst>
+              <a:ext uri="{FF2B5EF4-FFF2-40B4-BE49-F238E27FC236}">
+                <a16:creationId xmlns:a16="http://schemas.microsoft.com/office/drawing/2014/main" id="{FC2FBE78-713A-0AF3-DE0D-158FEFE5AB36}"/>
+              </a:ext>
+            </a:extLst>
+          </p:cNvPr>
+          <p:cNvSpPr txBox="1"/>
+          <p:nvPr/>
+        </p:nvSpPr>
+        <p:spPr>
+          <a:xfrm>
+            <a:off x="603682" y="239697"/>
+            <a:ext cx="5671296" cy="369332"/>
+          </a:xfrm>
+          <a:prstGeom prst="rect">
+            <a:avLst/>
+          </a:prstGeom>
+          <a:noFill/>
+        </p:spPr>
+        <p:txBody>
+          <a:bodyPr wrap="none" rtlCol="0">
+            <a:spAutoFit/>
+          </a:bodyPr>
+          <a:lstStyle/>
+          <a:p>
+            <a:r>
+              <a:rPr lang="fr-FR" dirty="0"/>
+              <a:t>Compréhension de </a:t>
+            </a:r>
+            <a:r>
+              <a:rPr lang="fr-FR" dirty="0" err="1"/>
+              <a:t>CleanRawData</a:t>
+            </a:r>
+            <a:r>
+              <a:rPr lang="fr-FR" dirty="0"/>
+              <a:t> </a:t>
+            </a:r>
+            <a:r>
+              <a:rPr lang="fr-FR" dirty="0" err="1"/>
+              <a:t>bad</a:t>
+            </a:r>
+            <a:r>
+              <a:rPr lang="fr-FR" dirty="0"/>
+              <a:t> channels </a:t>
+            </a:r>
+            <a:r>
+              <a:rPr lang="fr-FR" dirty="0" err="1"/>
+              <a:t>detection</a:t>
+            </a:r>
+            <a:r>
+              <a:rPr lang="fr-FR" dirty="0"/>
+              <a:t> </a:t>
+            </a:r>
+            <a:endParaRPr lang="fr-CH" dirty="0"/>
+          </a:p>
+        </p:txBody>
+      </p:sp>
+      <p:sp>
+        <p:nvSpPr>
+          <p:cNvPr id="7" name="ZoneTexte 6">
+            <a:extLst>
+              <a:ext uri="{FF2B5EF4-FFF2-40B4-BE49-F238E27FC236}">
+                <a16:creationId xmlns:a16="http://schemas.microsoft.com/office/drawing/2014/main" id="{8DB9B96F-2D2C-70FC-DAE1-14EB4D7CA478}"/>
+              </a:ext>
+            </a:extLst>
+          </p:cNvPr>
+          <p:cNvSpPr txBox="1"/>
+          <p:nvPr/>
+        </p:nvSpPr>
+        <p:spPr>
+          <a:xfrm>
+            <a:off x="371475" y="857250"/>
+            <a:ext cx="11277600" cy="923330"/>
+          </a:xfrm>
+          <a:prstGeom prst="rect">
+            <a:avLst/>
+          </a:prstGeom>
+          <a:noFill/>
+        </p:spPr>
+        <p:txBody>
+          <a:bodyPr wrap="square" rtlCol="0">
+            <a:spAutoFit/>
+          </a:bodyPr>
+          <a:lstStyle/>
+          <a:p>
+            <a:r>
+              <a:rPr lang="fr-FR" dirty="0"/>
+              <a:t>Pour vérifier si </a:t>
+            </a:r>
+            <a:r>
+              <a:rPr lang="fr-FR" dirty="0" err="1"/>
+              <a:t>bad</a:t>
+            </a:r>
+            <a:r>
+              <a:rPr lang="fr-FR" dirty="0"/>
+              <a:t> channels </a:t>
+            </a:r>
+            <a:r>
+              <a:rPr lang="fr-FR" dirty="0" err="1"/>
+              <a:t>detection</a:t>
+            </a:r>
+            <a:r>
+              <a:rPr lang="fr-FR" dirty="0"/>
+              <a:t> de clean </a:t>
+            </a:r>
+            <a:r>
+              <a:rPr lang="fr-FR" dirty="0" err="1"/>
+              <a:t>raw</a:t>
+            </a:r>
+            <a:r>
+              <a:rPr lang="fr-FR" dirty="0"/>
+              <a:t> data </a:t>
+            </a:r>
+            <a:r>
+              <a:rPr lang="fr-FR" dirty="0" err="1"/>
+              <a:t>interpolle</a:t>
+            </a:r>
+            <a:r>
+              <a:rPr lang="fr-FR" dirty="0"/>
+              <a:t> les channels qu’il </a:t>
+            </a:r>
+            <a:r>
+              <a:rPr lang="fr-FR" dirty="0" err="1"/>
+              <a:t>détect</a:t>
+            </a:r>
+            <a:r>
+              <a:rPr lang="fr-FR" dirty="0"/>
+              <a:t>, j’ai fait exactement le même </a:t>
+            </a:r>
+            <a:r>
+              <a:rPr lang="fr-FR" dirty="0" err="1"/>
+              <a:t>processing</a:t>
+            </a:r>
+            <a:r>
+              <a:rPr lang="fr-FR" dirty="0"/>
+              <a:t> pour et sans cette option. Le résultat est identique !  Ça veux dire que </a:t>
+            </a:r>
+            <a:r>
+              <a:rPr lang="fr-FR" dirty="0" err="1"/>
+              <a:t>bad</a:t>
+            </a:r>
+            <a:r>
+              <a:rPr lang="fr-FR" dirty="0"/>
+              <a:t> channels </a:t>
+            </a:r>
+            <a:r>
+              <a:rPr lang="fr-FR" dirty="0" err="1"/>
+              <a:t>detection</a:t>
+            </a:r>
+            <a:r>
+              <a:rPr lang="fr-FR" dirty="0"/>
+              <a:t> de clean </a:t>
+            </a:r>
+            <a:r>
+              <a:rPr lang="fr-FR" dirty="0" err="1"/>
+              <a:t>raw</a:t>
+            </a:r>
+            <a:r>
+              <a:rPr lang="fr-FR" dirty="0"/>
+              <a:t> data ne fait aucune </a:t>
+            </a:r>
+            <a:r>
+              <a:rPr lang="fr-FR" dirty="0" err="1"/>
+              <a:t>interpollation</a:t>
+            </a:r>
+            <a:r>
+              <a:rPr lang="fr-FR" dirty="0"/>
+              <a:t> ! </a:t>
+            </a:r>
+            <a:r>
+              <a:rPr lang="fr-FR" dirty="0">
+                <a:solidFill>
+                  <a:srgbClr val="00B050"/>
+                </a:solidFill>
+              </a:rPr>
+              <a:t>C’est exactement ce qu’on veut. </a:t>
+            </a:r>
+            <a:endParaRPr lang="fr-CH" dirty="0">
+              <a:solidFill>
+                <a:srgbClr val="00B050"/>
+              </a:solidFill>
+            </a:endParaRPr>
+          </a:p>
+        </p:txBody>
+      </p:sp>
+      <p:sp>
+        <p:nvSpPr>
+          <p:cNvPr id="8" name="ZoneTexte 7">
+            <a:extLst>
+              <a:ext uri="{FF2B5EF4-FFF2-40B4-BE49-F238E27FC236}">
+                <a16:creationId xmlns:a16="http://schemas.microsoft.com/office/drawing/2014/main" id="{78AAA8C4-6D8E-96B3-7E8B-CDBF675125BF}"/>
+              </a:ext>
+            </a:extLst>
+          </p:cNvPr>
+          <p:cNvSpPr txBox="1"/>
+          <p:nvPr/>
+        </p:nvSpPr>
+        <p:spPr>
+          <a:xfrm>
+            <a:off x="874682" y="2009727"/>
+            <a:ext cx="8503482" cy="369332"/>
+          </a:xfrm>
+          <a:prstGeom prst="rect">
+            <a:avLst/>
+          </a:prstGeom>
+          <a:noFill/>
+        </p:spPr>
+        <p:txBody>
+          <a:bodyPr wrap="none" rtlCol="0">
+            <a:spAutoFit/>
+          </a:bodyPr>
+          <a:lstStyle/>
+          <a:p>
+            <a:r>
+              <a:rPr lang="en-US" dirty="0" err="1"/>
+              <a:t>Analyse</a:t>
+            </a:r>
+            <a:r>
+              <a:rPr lang="en-US" dirty="0"/>
+              <a:t> dans \test_eeglabASRcleanLine\new_tools\ASR_only\version_sans_bad_channel</a:t>
+            </a:r>
+            <a:endParaRPr lang="fr-CH" dirty="0"/>
+          </a:p>
+        </p:txBody>
+      </p:sp>
+      <p:sp>
+        <p:nvSpPr>
+          <p:cNvPr id="9" name="ZoneTexte 8">
+            <a:extLst>
+              <a:ext uri="{FF2B5EF4-FFF2-40B4-BE49-F238E27FC236}">
+                <a16:creationId xmlns:a16="http://schemas.microsoft.com/office/drawing/2014/main" id="{F2E2003B-714A-963C-F782-EF36A525A24E}"/>
+              </a:ext>
+            </a:extLst>
+          </p:cNvPr>
+          <p:cNvSpPr txBox="1"/>
+          <p:nvPr/>
+        </p:nvSpPr>
+        <p:spPr>
+          <a:xfrm>
+            <a:off x="9744075" y="3829050"/>
+            <a:ext cx="2133600" cy="1477328"/>
+          </a:xfrm>
+          <a:prstGeom prst="rect">
+            <a:avLst/>
+          </a:prstGeom>
+          <a:noFill/>
+        </p:spPr>
+        <p:txBody>
+          <a:bodyPr wrap="square" rtlCol="0">
+            <a:spAutoFit/>
+          </a:bodyPr>
+          <a:lstStyle/>
+          <a:p>
+            <a:r>
+              <a:rPr lang="fr-FR" dirty="0"/>
+              <a:t>Check ASR: </a:t>
+            </a:r>
+            <a:r>
+              <a:rPr lang="fr-FR" dirty="0">
+                <a:solidFill>
+                  <a:srgbClr val="00B050"/>
+                </a:solidFill>
+              </a:rPr>
+              <a:t>ça marche, il y a clairement une différence entre avec ou sans ASR</a:t>
+            </a:r>
+            <a:endParaRPr lang="fr-CH" dirty="0">
+              <a:solidFill>
+                <a:srgbClr val="00B050"/>
+              </a:solidFill>
+            </a:endParaRPr>
+          </a:p>
+        </p:txBody>
+      </p:sp>
+    </p:spTree>
+    <p:extLst>
+      <p:ext uri="{BB962C8B-B14F-4D97-AF65-F5344CB8AC3E}">
+        <p14:creationId xmlns:p14="http://schemas.microsoft.com/office/powerpoint/2010/main" val="135098657"/>
+      </p:ext>
+    </p:extLst>
+  </p:cSld>
+  <p:clrMapOvr>
+    <a:masterClrMapping/>
+  </p:clrMapOvr>
+</p:sld>
+</file>
+
+<file path=ppt/slides/slide22.xml><?xml version="1.0" encoding="utf-8"?>
+<p:sld xmlns:a="http://schemas.openxmlformats.org/drawingml/2006/main" xmlns:r="http://schemas.openxmlformats.org/officeDocument/2006/relationships" xmlns:p="http://schemas.openxmlformats.org/presentationml/2006/main">
+  <p:cSld>
+    <p:spTree>
+      <p:nvGrpSpPr>
+        <p:cNvPr id="1" name=""/>
+        <p:cNvGrpSpPr/>
+        <p:nvPr/>
+      </p:nvGrpSpPr>
+      <p:grpSpPr>
+        <a:xfrm>
+          <a:off x="0" y="0"/>
+          <a:ext cx="0" cy="0"/>
+          <a:chOff x="0" y="0"/>
+          <a:chExt cx="0" cy="0"/>
+        </a:xfrm>
+      </p:grpSpPr>
+      <p:sp>
+        <p:nvSpPr>
+          <p:cNvPr id="4" name="ZoneTexte 3">
+            <a:extLst>
+              <a:ext uri="{FF2B5EF4-FFF2-40B4-BE49-F238E27FC236}">
+                <a16:creationId xmlns:a16="http://schemas.microsoft.com/office/drawing/2014/main" id="{29E78268-6A99-B3FD-E468-2DF2896C26CD}"/>
+              </a:ext>
+            </a:extLst>
+          </p:cNvPr>
+          <p:cNvSpPr txBox="1"/>
+          <p:nvPr/>
+        </p:nvSpPr>
+        <p:spPr>
+          <a:xfrm>
+            <a:off x="190500" y="190500"/>
+            <a:ext cx="11506200" cy="369332"/>
+          </a:xfrm>
+          <a:prstGeom prst="rect">
+            <a:avLst/>
+          </a:prstGeom>
+          <a:noFill/>
+        </p:spPr>
+        <p:txBody>
+          <a:bodyPr wrap="square" rtlCol="0">
+            <a:spAutoFit/>
+          </a:bodyPr>
+          <a:lstStyle/>
+          <a:p>
+            <a:r>
+              <a:rPr lang="fr-FR" dirty="0"/>
+              <a:t>Dernière vérification avant intégration.  Test de chaque modules</a:t>
+            </a:r>
+            <a:endParaRPr lang="fr-CH" dirty="0"/>
+          </a:p>
+        </p:txBody>
+      </p:sp>
+      <p:sp>
+        <p:nvSpPr>
+          <p:cNvPr id="5" name="ZoneTexte 4">
+            <a:extLst>
+              <a:ext uri="{FF2B5EF4-FFF2-40B4-BE49-F238E27FC236}">
+                <a16:creationId xmlns:a16="http://schemas.microsoft.com/office/drawing/2014/main" id="{DC61FC21-C9A1-5519-822D-D14C48CDE26D}"/>
+              </a:ext>
+            </a:extLst>
+          </p:cNvPr>
+          <p:cNvSpPr txBox="1"/>
+          <p:nvPr/>
+        </p:nvSpPr>
+        <p:spPr>
+          <a:xfrm>
+            <a:off x="266700" y="904875"/>
+            <a:ext cx="11506200" cy="4247317"/>
+          </a:xfrm>
+          <a:prstGeom prst="rect">
+            <a:avLst/>
+          </a:prstGeom>
+          <a:noFill/>
+        </p:spPr>
+        <p:txBody>
+          <a:bodyPr wrap="square" rtlCol="0">
+            <a:spAutoFit/>
+          </a:bodyPr>
+          <a:lstStyle/>
+          <a:p>
+            <a:pPr marL="285750" indent="-285750">
+              <a:buFontTx/>
+              <a:buChar char="-"/>
+            </a:pPr>
+            <a:r>
+              <a:rPr lang="en-US" dirty="0" err="1"/>
+              <a:t>Travailler</a:t>
+            </a:r>
+            <a:r>
+              <a:rPr lang="en-US" dirty="0"/>
+              <a:t> </a:t>
+            </a:r>
+            <a:r>
+              <a:rPr lang="en-US" dirty="0" err="1"/>
+              <a:t>en</a:t>
+            </a:r>
+            <a:r>
+              <a:rPr lang="en-US" dirty="0"/>
+              <a:t> .</a:t>
+            </a:r>
+            <a:r>
+              <a:rPr lang="en-US" dirty="0" err="1"/>
+              <a:t>sef</a:t>
+            </a:r>
+            <a:r>
+              <a:rPr lang="en-US" dirty="0"/>
+              <a:t> dans </a:t>
+            </a:r>
+            <a:r>
+              <a:rPr lang="en-US" dirty="0" err="1"/>
+              <a:t>Filting</a:t>
+            </a:r>
+            <a:r>
+              <a:rPr lang="en-US" dirty="0"/>
+              <a:t>+  (</a:t>
+            </a:r>
+            <a:r>
+              <a:rPr lang="en-US" dirty="0" err="1"/>
+              <a:t>filtre</a:t>
+            </a:r>
+            <a:r>
+              <a:rPr lang="en-US" dirty="0"/>
+              <a:t> 05-40+ notch 50Hz + ASR): Processing </a:t>
+            </a:r>
+            <a:r>
+              <a:rPr lang="en-US" dirty="0">
+                <a:solidFill>
+                  <a:srgbClr val="00B050"/>
+                </a:solidFill>
+              </a:rPr>
+              <a:t>OK</a:t>
+            </a:r>
+            <a:r>
+              <a:rPr lang="en-US" dirty="0"/>
+              <a:t> + signal </a:t>
+            </a:r>
+            <a:r>
+              <a:rPr lang="en-US" dirty="0" err="1"/>
+              <a:t>identique</a:t>
+            </a:r>
+            <a:r>
+              <a:rPr lang="en-US" dirty="0"/>
+              <a:t> au test de </a:t>
+            </a:r>
+            <a:r>
+              <a:rPr lang="en-US" dirty="0" err="1"/>
+              <a:t>hier</a:t>
+            </a:r>
+            <a:r>
+              <a:rPr lang="en-US" dirty="0"/>
+              <a:t> (</a:t>
+            </a:r>
+            <a:r>
+              <a:rPr lang="en-US" dirty="0">
+                <a:solidFill>
+                  <a:srgbClr val="00B050"/>
+                </a:solidFill>
+              </a:rPr>
+              <a:t>OK</a:t>
+            </a:r>
+            <a:r>
+              <a:rPr lang="en-US" dirty="0"/>
+              <a:t>) + event dans le </a:t>
+            </a:r>
+            <a:r>
+              <a:rPr lang="en-US" dirty="0" err="1"/>
+              <a:t>fichier</a:t>
+            </a:r>
+            <a:r>
+              <a:rPr lang="en-US" dirty="0"/>
+              <a:t> output </a:t>
+            </a:r>
+            <a:r>
+              <a:rPr lang="en-US" dirty="0" err="1"/>
+              <a:t>est</a:t>
+            </a:r>
+            <a:r>
+              <a:rPr lang="en-US" dirty="0"/>
+              <a:t> </a:t>
+            </a:r>
+            <a:r>
+              <a:rPr lang="en-US" dirty="0">
+                <a:solidFill>
+                  <a:srgbClr val="00B050"/>
+                </a:solidFill>
+              </a:rPr>
+              <a:t>OK</a:t>
+            </a:r>
+          </a:p>
+          <a:p>
+            <a:pPr marL="285750" indent="-285750">
+              <a:buFontTx/>
+              <a:buChar char="-"/>
+            </a:pPr>
+            <a:r>
+              <a:rPr lang="en-US" dirty="0" err="1"/>
+              <a:t>Travailler</a:t>
+            </a:r>
+            <a:r>
+              <a:rPr lang="en-US" dirty="0"/>
+              <a:t> </a:t>
+            </a:r>
+            <a:r>
+              <a:rPr lang="en-US" dirty="0" err="1"/>
+              <a:t>en</a:t>
+            </a:r>
+            <a:r>
+              <a:rPr lang="en-US" dirty="0"/>
+              <a:t> .</a:t>
+            </a:r>
+            <a:r>
+              <a:rPr lang="en-US" dirty="0" err="1"/>
+              <a:t>sef</a:t>
+            </a:r>
+            <a:r>
+              <a:rPr lang="en-US" dirty="0"/>
+              <a:t> dans Interpolation (</a:t>
+            </a:r>
+            <a:r>
+              <a:rPr lang="en-US" dirty="0" err="1"/>
+              <a:t>eBridge</a:t>
+            </a:r>
+            <a:r>
+              <a:rPr lang="en-US" dirty="0"/>
+              <a:t> + interpolation A1, A3): </a:t>
+            </a:r>
+            <a:r>
+              <a:rPr lang="en-US" dirty="0" err="1"/>
+              <a:t>fonctionnement</a:t>
+            </a:r>
+            <a:r>
+              <a:rPr lang="en-US" dirty="0"/>
+              <a:t> de </a:t>
+            </a:r>
+            <a:r>
+              <a:rPr lang="en-US" dirty="0" err="1"/>
+              <a:t>eBridge</a:t>
+            </a:r>
+            <a:r>
+              <a:rPr lang="en-US" dirty="0"/>
+              <a:t> </a:t>
+            </a:r>
+            <a:r>
+              <a:rPr lang="en-US" dirty="0">
+                <a:solidFill>
+                  <a:srgbClr val="00B050"/>
+                </a:solidFill>
+              </a:rPr>
+              <a:t>OK + </a:t>
+            </a:r>
+            <a:r>
+              <a:rPr lang="en-US" dirty="0"/>
+              <a:t>signal </a:t>
+            </a:r>
+            <a:r>
+              <a:rPr lang="en-US" dirty="0" err="1"/>
+              <a:t>identique</a:t>
+            </a:r>
+            <a:r>
+              <a:rPr lang="en-US" dirty="0"/>
+              <a:t> au test de </a:t>
+            </a:r>
+            <a:r>
+              <a:rPr lang="en-US" dirty="0" err="1"/>
+              <a:t>hier</a:t>
+            </a:r>
+            <a:r>
+              <a:rPr lang="en-US" dirty="0"/>
+              <a:t> (</a:t>
+            </a:r>
+            <a:r>
+              <a:rPr lang="en-US" dirty="0">
+                <a:solidFill>
+                  <a:srgbClr val="00B050"/>
+                </a:solidFill>
+              </a:rPr>
+              <a:t>OK</a:t>
+            </a:r>
+            <a:r>
+              <a:rPr lang="en-US" dirty="0"/>
+              <a:t>) + run interpolation et position des event dans le </a:t>
+            </a:r>
+            <a:r>
+              <a:rPr lang="en-US" dirty="0" err="1"/>
+              <a:t>fichier</a:t>
+            </a:r>
+            <a:r>
+              <a:rPr lang="en-US" dirty="0"/>
+              <a:t> </a:t>
+            </a:r>
+            <a:r>
+              <a:rPr lang="en-US" dirty="0" err="1"/>
+              <a:t>ouput</a:t>
+            </a:r>
+            <a:r>
+              <a:rPr lang="en-US" dirty="0"/>
+              <a:t> </a:t>
+            </a:r>
+            <a:r>
+              <a:rPr lang="en-US" dirty="0">
+                <a:solidFill>
+                  <a:srgbClr val="00B050"/>
+                </a:solidFill>
+              </a:rPr>
+              <a:t>OK</a:t>
+            </a:r>
+          </a:p>
+          <a:p>
+            <a:pPr marL="285750" indent="-285750">
+              <a:buFontTx/>
+              <a:buChar char="-"/>
+            </a:pPr>
+            <a:r>
+              <a:rPr lang="en-US" dirty="0" err="1"/>
+              <a:t>Travailler</a:t>
+            </a:r>
+            <a:r>
+              <a:rPr lang="en-US" dirty="0"/>
+              <a:t> </a:t>
+            </a:r>
+            <a:r>
+              <a:rPr lang="en-US" dirty="0" err="1"/>
+              <a:t>en</a:t>
+            </a:r>
+            <a:r>
+              <a:rPr lang="en-US" dirty="0"/>
+              <a:t> .</a:t>
+            </a:r>
+            <a:r>
+              <a:rPr lang="en-US" dirty="0" err="1"/>
+              <a:t>sef</a:t>
+            </a:r>
+            <a:r>
+              <a:rPr lang="en-US" dirty="0"/>
+              <a:t> dans Re-ref (avg ref): run </a:t>
+            </a:r>
+            <a:r>
+              <a:rPr lang="en-US" dirty="0" err="1"/>
+              <a:t>reref</a:t>
+            </a:r>
+            <a:r>
+              <a:rPr lang="en-US" dirty="0"/>
+              <a:t> et position des event dans le </a:t>
+            </a:r>
+            <a:r>
+              <a:rPr lang="en-US" dirty="0" err="1"/>
+              <a:t>fichier</a:t>
+            </a:r>
+            <a:r>
+              <a:rPr lang="en-US" dirty="0"/>
+              <a:t> </a:t>
+            </a:r>
+            <a:r>
+              <a:rPr lang="en-US" dirty="0" err="1"/>
+              <a:t>ouput</a:t>
+            </a:r>
+            <a:r>
+              <a:rPr lang="en-US" dirty="0"/>
+              <a:t> </a:t>
+            </a:r>
+            <a:r>
+              <a:rPr lang="en-US" dirty="0">
+                <a:solidFill>
+                  <a:srgbClr val="00B050"/>
+                </a:solidFill>
+              </a:rPr>
+              <a:t>OK</a:t>
+            </a:r>
+            <a:r>
+              <a:rPr lang="en-US" dirty="0"/>
+              <a:t> </a:t>
+            </a:r>
+            <a:r>
+              <a:rPr lang="en-US" dirty="0">
+                <a:solidFill>
+                  <a:srgbClr val="00B050"/>
+                </a:solidFill>
+              </a:rPr>
+              <a:t>+ </a:t>
+            </a:r>
+            <a:r>
+              <a:rPr lang="en-US" dirty="0"/>
+              <a:t>signal </a:t>
+            </a:r>
+            <a:r>
+              <a:rPr lang="en-US" dirty="0" err="1"/>
+              <a:t>identique</a:t>
+            </a:r>
+            <a:r>
+              <a:rPr lang="en-US" dirty="0"/>
+              <a:t> au test de </a:t>
+            </a:r>
+            <a:r>
+              <a:rPr lang="en-US" dirty="0" err="1"/>
+              <a:t>hier</a:t>
+            </a:r>
+            <a:r>
+              <a:rPr lang="en-US" dirty="0"/>
+              <a:t> (</a:t>
+            </a:r>
+            <a:r>
+              <a:rPr lang="en-US" dirty="0">
+                <a:solidFill>
+                  <a:srgbClr val="00B050"/>
+                </a:solidFill>
+              </a:rPr>
+              <a:t>OK</a:t>
+            </a:r>
+            <a:r>
+              <a:rPr lang="en-US" dirty="0"/>
+              <a:t>) + position des events (</a:t>
+            </a:r>
+            <a:r>
+              <a:rPr lang="en-US" dirty="0">
+                <a:solidFill>
+                  <a:srgbClr val="00B050"/>
+                </a:solidFill>
+              </a:rPr>
+              <a:t>OK</a:t>
+            </a:r>
+            <a:r>
+              <a:rPr lang="en-US" dirty="0"/>
+              <a:t>)</a:t>
+            </a:r>
+          </a:p>
+          <a:p>
+            <a:pPr marL="285750" indent="-285750">
+              <a:buFontTx/>
+              <a:buChar char="-"/>
+            </a:pPr>
+            <a:r>
+              <a:rPr lang="en-US" dirty="0" err="1"/>
+              <a:t>Travailler</a:t>
+            </a:r>
+            <a:r>
+              <a:rPr lang="en-US" dirty="0"/>
+              <a:t> </a:t>
+            </a:r>
+            <a:r>
+              <a:rPr lang="en-US" dirty="0" err="1"/>
+              <a:t>en</a:t>
+            </a:r>
+            <a:r>
+              <a:rPr lang="en-US" dirty="0"/>
+              <a:t> .</a:t>
+            </a:r>
+            <a:r>
+              <a:rPr lang="en-US" dirty="0" err="1"/>
+              <a:t>sef</a:t>
+            </a:r>
+            <a:r>
+              <a:rPr lang="en-US" dirty="0"/>
+              <a:t> dans </a:t>
+            </a:r>
+            <a:r>
+              <a:rPr lang="en-US" dirty="0" err="1"/>
+              <a:t>Epoching</a:t>
+            </a:r>
+            <a:r>
+              <a:rPr lang="en-US" dirty="0"/>
+              <a:t>: </a:t>
+            </a:r>
+            <a:r>
+              <a:rPr lang="en-US" dirty="0" err="1"/>
+              <a:t>ça</a:t>
+            </a:r>
+            <a:r>
+              <a:rPr lang="en-US" dirty="0"/>
+              <a:t> a runnel sans </a:t>
+            </a:r>
+            <a:r>
+              <a:rPr lang="en-US" dirty="0" err="1"/>
+              <a:t>erreur</a:t>
+            </a:r>
+            <a:r>
+              <a:rPr lang="en-US" dirty="0"/>
+              <a:t> (</a:t>
+            </a:r>
+            <a:r>
+              <a:rPr lang="en-US" dirty="0">
+                <a:solidFill>
+                  <a:srgbClr val="00B050"/>
+                </a:solidFill>
+              </a:rPr>
+              <a:t>ok</a:t>
+            </a:r>
+            <a:r>
+              <a:rPr lang="en-US" dirty="0"/>
+              <a:t>), </a:t>
+            </a:r>
+            <a:r>
+              <a:rPr lang="en-US" dirty="0" err="1"/>
+              <a:t>j’ai</a:t>
+            </a:r>
+            <a:r>
+              <a:rPr lang="en-US" dirty="0"/>
+              <a:t> pas </a:t>
+            </a:r>
+            <a:r>
+              <a:rPr lang="en-US" dirty="0" err="1"/>
+              <a:t>pu</a:t>
+            </a:r>
+            <a:r>
+              <a:rPr lang="en-US" dirty="0"/>
+              <a:t> comparer avec signal de </a:t>
+            </a:r>
+            <a:r>
+              <a:rPr lang="en-US" dirty="0" err="1"/>
+              <a:t>hier</a:t>
+            </a:r>
+            <a:r>
+              <a:rPr lang="en-US" dirty="0"/>
+              <a:t> car pas le </a:t>
+            </a:r>
+            <a:r>
+              <a:rPr lang="en-US" dirty="0" err="1"/>
+              <a:t>même</a:t>
+            </a:r>
+            <a:r>
+              <a:rPr lang="en-US" dirty="0"/>
+              <a:t> </a:t>
+            </a:r>
+            <a:r>
+              <a:rPr lang="en-US" dirty="0" err="1"/>
+              <a:t>fichier</a:t>
+            </a:r>
+            <a:r>
+              <a:rPr lang="en-US" dirty="0"/>
+              <a:t> input</a:t>
+            </a:r>
+          </a:p>
+          <a:p>
+            <a:pPr marL="285750" indent="-285750">
+              <a:buFontTx/>
+              <a:buChar char="-"/>
+            </a:pPr>
+            <a:r>
+              <a:rPr lang="en-US" dirty="0" err="1"/>
+              <a:t>Travailler</a:t>
+            </a:r>
+            <a:r>
+              <a:rPr lang="en-US" dirty="0"/>
+              <a:t> </a:t>
+            </a:r>
+            <a:r>
+              <a:rPr lang="en-US" dirty="0" err="1"/>
+              <a:t>en</a:t>
+            </a:r>
+            <a:r>
+              <a:rPr lang="en-US" dirty="0"/>
+              <a:t> .</a:t>
+            </a:r>
+            <a:r>
+              <a:rPr lang="en-US" dirty="0" err="1"/>
+              <a:t>sef</a:t>
+            </a:r>
+            <a:r>
+              <a:rPr lang="en-US" dirty="0"/>
+              <a:t> dans </a:t>
+            </a:r>
+            <a:r>
+              <a:rPr lang="en-US" dirty="0" err="1"/>
+              <a:t>Frequencing</a:t>
+            </a:r>
+            <a:r>
+              <a:rPr lang="en-US" dirty="0"/>
+              <a:t>: </a:t>
+            </a:r>
+            <a:r>
+              <a:rPr lang="en-US" dirty="0">
+                <a:solidFill>
+                  <a:srgbClr val="00B050"/>
+                </a:solidFill>
+              </a:rPr>
+              <a:t>tout </a:t>
+            </a:r>
+            <a:r>
+              <a:rPr lang="en-US" dirty="0" err="1">
+                <a:solidFill>
+                  <a:srgbClr val="00B050"/>
+                </a:solidFill>
+              </a:rPr>
+              <a:t>fonctionne</a:t>
+            </a:r>
+            <a:r>
+              <a:rPr lang="en-US" dirty="0">
+                <a:solidFill>
+                  <a:srgbClr val="00B050"/>
+                </a:solidFill>
+              </a:rPr>
+              <a:t> + </a:t>
+            </a:r>
+            <a:r>
+              <a:rPr lang="en-US" dirty="0" err="1">
+                <a:solidFill>
+                  <a:srgbClr val="00B050"/>
+                </a:solidFill>
+              </a:rPr>
+              <a:t>résultat</a:t>
+            </a:r>
+            <a:r>
+              <a:rPr lang="en-US" dirty="0">
+                <a:solidFill>
+                  <a:srgbClr val="00B050"/>
+                </a:solidFill>
+              </a:rPr>
+              <a:t> </a:t>
+            </a:r>
+            <a:r>
+              <a:rPr lang="en-US" dirty="0" err="1">
+                <a:solidFill>
+                  <a:srgbClr val="00B050"/>
+                </a:solidFill>
+              </a:rPr>
+              <a:t>identique</a:t>
+            </a:r>
+            <a:r>
+              <a:rPr lang="en-US" dirty="0">
+                <a:solidFill>
+                  <a:srgbClr val="00B050"/>
+                </a:solidFill>
+              </a:rPr>
+              <a:t> </a:t>
+            </a:r>
+          </a:p>
+          <a:p>
+            <a:pPr marL="285750" indent="-285750">
+              <a:buFontTx/>
+              <a:buChar char="-"/>
+            </a:pPr>
+            <a:r>
+              <a:rPr lang="en-US" dirty="0"/>
+              <a:t>Test ICA</a:t>
+            </a:r>
+          </a:p>
+          <a:p>
+            <a:pPr lvl="1"/>
+            <a:r>
+              <a:rPr lang="en-US" dirty="0"/>
+              <a:t>Decomposition </a:t>
+            </a:r>
+            <a:r>
+              <a:rPr lang="en-US" dirty="0">
+                <a:solidFill>
+                  <a:srgbClr val="00B050"/>
+                </a:solidFill>
+              </a:rPr>
+              <a:t>ok</a:t>
+            </a:r>
+          </a:p>
+          <a:p>
+            <a:pPr lvl="1"/>
+            <a:r>
+              <a:rPr lang="en-US" dirty="0" err="1"/>
+              <a:t>Recomposition</a:t>
+            </a:r>
+            <a:r>
+              <a:rPr lang="en-US" dirty="0"/>
+              <a:t> : </a:t>
+            </a:r>
+          </a:p>
+          <a:p>
+            <a:pPr lvl="1"/>
+            <a:r>
+              <a:rPr lang="en-US" dirty="0" err="1">
+                <a:solidFill>
+                  <a:srgbClr val="00B050"/>
+                </a:solidFill>
+              </a:rPr>
+              <a:t>Resultat</a:t>
+            </a:r>
+            <a:r>
+              <a:rPr lang="en-US" dirty="0">
+                <a:solidFill>
+                  <a:srgbClr val="00B050"/>
+                </a:solidFill>
+              </a:rPr>
+              <a:t> </a:t>
+            </a:r>
+            <a:r>
+              <a:rPr lang="en-US" dirty="0" err="1">
+                <a:solidFill>
+                  <a:srgbClr val="00B050"/>
+                </a:solidFill>
+              </a:rPr>
+              <a:t>identique</a:t>
+            </a:r>
+            <a:r>
+              <a:rPr lang="en-US" dirty="0">
+                <a:solidFill>
+                  <a:srgbClr val="00B050"/>
+                </a:solidFill>
+              </a:rPr>
+              <a:t> au test de </a:t>
+            </a:r>
+            <a:r>
+              <a:rPr lang="en-US" dirty="0" err="1">
+                <a:solidFill>
+                  <a:srgbClr val="00B050"/>
+                </a:solidFill>
+              </a:rPr>
+              <a:t>hier</a:t>
+            </a:r>
+            <a:endParaRPr lang="en-US" dirty="0">
+              <a:solidFill>
+                <a:srgbClr val="00B050"/>
+              </a:solidFill>
+            </a:endParaRPr>
+          </a:p>
+          <a:p>
+            <a:pPr lvl="1"/>
+            <a:r>
+              <a:rPr lang="en-US" dirty="0"/>
+              <a:t>Position event: </a:t>
+            </a:r>
+            <a:r>
+              <a:rPr lang="en-US" dirty="0">
+                <a:solidFill>
+                  <a:srgbClr val="00B050"/>
+                </a:solidFill>
+              </a:rPr>
+              <a:t>OK</a:t>
+            </a:r>
+            <a:endParaRPr lang="en-US" dirty="0"/>
+          </a:p>
+          <a:p>
+            <a:endParaRPr lang="fr-CH" dirty="0"/>
+          </a:p>
+        </p:txBody>
+      </p:sp>
+      <p:pic>
+        <p:nvPicPr>
+          <p:cNvPr id="6" name="Image 5">
+            <a:extLst>
+              <a:ext uri="{FF2B5EF4-FFF2-40B4-BE49-F238E27FC236}">
+                <a16:creationId xmlns:a16="http://schemas.microsoft.com/office/drawing/2014/main" id="{9356C2E3-6BE8-1E0A-BD60-7FA9C4C844F7}"/>
+              </a:ext>
+            </a:extLst>
+          </p:cNvPr>
+          <p:cNvPicPr>
+            <a:picLocks noChangeAspect="1"/>
+          </p:cNvPicPr>
+          <p:nvPr/>
+        </p:nvPicPr>
+        <p:blipFill>
+          <a:blip r:embed="rId2"/>
+          <a:stretch>
+            <a:fillRect/>
+          </a:stretch>
+        </p:blipFill>
+        <p:spPr>
+          <a:xfrm>
+            <a:off x="7830627" y="3600451"/>
+            <a:ext cx="2122998" cy="1861848"/>
+          </a:xfrm>
+          <a:prstGeom prst="rect">
+            <a:avLst/>
+          </a:prstGeom>
+        </p:spPr>
+      </p:pic>
+      <p:sp>
+        <p:nvSpPr>
+          <p:cNvPr id="7" name="ZoneTexte 6">
+            <a:extLst>
+              <a:ext uri="{FF2B5EF4-FFF2-40B4-BE49-F238E27FC236}">
+                <a16:creationId xmlns:a16="http://schemas.microsoft.com/office/drawing/2014/main" id="{A7D16DC0-6741-7379-C499-C73FF6A23A4D}"/>
+              </a:ext>
+            </a:extLst>
+          </p:cNvPr>
+          <p:cNvSpPr txBox="1"/>
+          <p:nvPr/>
+        </p:nvSpPr>
+        <p:spPr>
+          <a:xfrm>
+            <a:off x="10039350" y="4391025"/>
+            <a:ext cx="1158651" cy="369332"/>
+          </a:xfrm>
+          <a:prstGeom prst="rect">
+            <a:avLst/>
+          </a:prstGeom>
+          <a:noFill/>
+        </p:spPr>
+        <p:txBody>
+          <a:bodyPr wrap="none" rtlCol="0">
+            <a:spAutoFit/>
+          </a:bodyPr>
+          <a:lstStyle/>
+          <a:p>
+            <a:r>
+              <a:rPr lang="fr-FR" dirty="0"/>
+              <a:t>Test d’hier</a:t>
+            </a:r>
+            <a:endParaRPr lang="fr-CH" dirty="0"/>
+          </a:p>
+        </p:txBody>
+      </p:sp>
+      <p:pic>
+        <p:nvPicPr>
+          <p:cNvPr id="9" name="Image 8">
+            <a:extLst>
+              <a:ext uri="{FF2B5EF4-FFF2-40B4-BE49-F238E27FC236}">
+                <a16:creationId xmlns:a16="http://schemas.microsoft.com/office/drawing/2014/main" id="{AF0FB270-BDCE-ADC5-E5E0-B55E84464DE8}"/>
+              </a:ext>
+            </a:extLst>
+          </p:cNvPr>
+          <p:cNvPicPr>
+            <a:picLocks noChangeAspect="1"/>
+          </p:cNvPicPr>
+          <p:nvPr/>
+        </p:nvPicPr>
+        <p:blipFill>
+          <a:blip r:embed="rId3"/>
+          <a:stretch>
+            <a:fillRect/>
+          </a:stretch>
+        </p:blipFill>
+        <p:spPr>
+          <a:xfrm>
+            <a:off x="4361374" y="3600450"/>
+            <a:ext cx="2130472" cy="1861847"/>
+          </a:xfrm>
+          <a:prstGeom prst="rect">
+            <a:avLst/>
+          </a:prstGeom>
+        </p:spPr>
+      </p:pic>
+      <p:sp>
+        <p:nvSpPr>
+          <p:cNvPr id="10" name="ZoneTexte 9">
+            <a:extLst>
+              <a:ext uri="{FF2B5EF4-FFF2-40B4-BE49-F238E27FC236}">
+                <a16:creationId xmlns:a16="http://schemas.microsoft.com/office/drawing/2014/main" id="{3411554C-F325-71C5-2DBB-F6F9B024AABA}"/>
+              </a:ext>
+            </a:extLst>
+          </p:cNvPr>
+          <p:cNvSpPr txBox="1"/>
+          <p:nvPr/>
+        </p:nvSpPr>
+        <p:spPr>
+          <a:xfrm>
+            <a:off x="6410325" y="4410075"/>
+            <a:ext cx="1271182" cy="369332"/>
+          </a:xfrm>
+          <a:prstGeom prst="rect">
+            <a:avLst/>
+          </a:prstGeom>
+          <a:noFill/>
+        </p:spPr>
+        <p:txBody>
+          <a:bodyPr wrap="none" rtlCol="0">
+            <a:spAutoFit/>
+          </a:bodyPr>
+          <a:lstStyle/>
+          <a:p>
+            <a:r>
+              <a:rPr lang="fr-FR" dirty="0"/>
+              <a:t>maintenant</a:t>
+            </a:r>
+            <a:endParaRPr lang="fr-CH" dirty="0"/>
+          </a:p>
+        </p:txBody>
+      </p:sp>
+      <p:sp>
+        <p:nvSpPr>
+          <p:cNvPr id="11" name="ZoneTexte 10">
+            <a:extLst>
+              <a:ext uri="{FF2B5EF4-FFF2-40B4-BE49-F238E27FC236}">
+                <a16:creationId xmlns:a16="http://schemas.microsoft.com/office/drawing/2014/main" id="{BE3B71C9-27F8-A7D9-108F-2C929EF2E5CF}"/>
+              </a:ext>
+            </a:extLst>
+          </p:cNvPr>
+          <p:cNvSpPr txBox="1"/>
+          <p:nvPr/>
+        </p:nvSpPr>
+        <p:spPr>
+          <a:xfrm>
+            <a:off x="75090" y="5606786"/>
+            <a:ext cx="11385982" cy="923330"/>
+          </a:xfrm>
+          <a:prstGeom prst="rect">
+            <a:avLst/>
+          </a:prstGeom>
+          <a:noFill/>
+        </p:spPr>
+        <p:txBody>
+          <a:bodyPr wrap="square" rtlCol="0">
+            <a:spAutoFit/>
+          </a:bodyPr>
+          <a:lstStyle/>
+          <a:p>
+            <a:pPr marL="285750" indent="-285750">
+              <a:buFontTx/>
+              <a:buChar char="-"/>
+            </a:pPr>
+            <a:r>
+              <a:rPr lang="fr-FR" dirty="0"/>
+              <a:t>Test File </a:t>
+            </a:r>
+            <a:r>
+              <a:rPr lang="fr-FR" dirty="0" err="1"/>
+              <a:t>cut</a:t>
+            </a:r>
+            <a:r>
+              <a:rPr lang="fr-FR" dirty="0"/>
+              <a:t>: C’est tout bon. Le résultat est identique au test d’hier.  </a:t>
+            </a:r>
+          </a:p>
+          <a:p>
+            <a:pPr marL="285750" indent="-285750">
+              <a:buFontTx/>
+              <a:buChar char="-"/>
+            </a:pPr>
+            <a:endParaRPr lang="fr-FR" dirty="0"/>
+          </a:p>
+          <a:p>
+            <a:r>
+              <a:rPr lang="fr-FR" b="1" dirty="0">
+                <a:solidFill>
+                  <a:srgbClr val="00B050"/>
+                </a:solidFill>
+              </a:rPr>
+              <a:t>Conclusion: Tous les module marche avec cette nouvelle architecture. Je peux pusher sur le Git sans peur. </a:t>
+            </a:r>
+            <a:endParaRPr lang="fr-CH" b="1" dirty="0">
+              <a:solidFill>
+                <a:srgbClr val="00B050"/>
+              </a:solidFill>
+            </a:endParaRPr>
+          </a:p>
+        </p:txBody>
+      </p:sp>
+    </p:spTree>
+    <p:extLst>
+      <p:ext uri="{BB962C8B-B14F-4D97-AF65-F5344CB8AC3E}">
+        <p14:creationId xmlns:p14="http://schemas.microsoft.com/office/powerpoint/2010/main" val="3333260546"/>
       </p:ext>
     </p:extLst>
   </p:cSld>
